--- a/GC遊戲後台分析爬蟲 (1).pptx
+++ b/GC遊戲後台分析爬蟲 (1).pptx
@@ -6,19 +6,21 @@
   </p:sldMasterIdLst>
   <p:sldIdLst>
     <p:sldId id="256" r:id="rId2"/>
-    <p:sldId id="257" r:id="rId3"/>
-    <p:sldId id="271" r:id="rId4"/>
-    <p:sldId id="264" r:id="rId5"/>
-    <p:sldId id="265" r:id="rId6"/>
-    <p:sldId id="266" r:id="rId7"/>
-    <p:sldId id="267" r:id="rId8"/>
-    <p:sldId id="272" r:id="rId9"/>
-    <p:sldId id="269" r:id="rId10"/>
-    <p:sldId id="273" r:id="rId11"/>
-    <p:sldId id="263" r:id="rId12"/>
-    <p:sldId id="270" r:id="rId13"/>
-    <p:sldId id="261" r:id="rId14"/>
-    <p:sldId id="262" r:id="rId15"/>
+    <p:sldId id="274" r:id="rId3"/>
+    <p:sldId id="275" r:id="rId4"/>
+    <p:sldId id="257" r:id="rId5"/>
+    <p:sldId id="271" r:id="rId6"/>
+    <p:sldId id="264" r:id="rId7"/>
+    <p:sldId id="265" r:id="rId8"/>
+    <p:sldId id="266" r:id="rId9"/>
+    <p:sldId id="267" r:id="rId10"/>
+    <p:sldId id="272" r:id="rId11"/>
+    <p:sldId id="269" r:id="rId12"/>
+    <p:sldId id="273" r:id="rId13"/>
+    <p:sldId id="263" r:id="rId14"/>
+    <p:sldId id="270" r:id="rId15"/>
+    <p:sldId id="261" r:id="rId16"/>
+    <p:sldId id="262" r:id="rId17"/>
   </p:sldIdLst>
   <p:sldSz cx="12192000" cy="6858000"/>
   <p:notesSz cx="6858000" cy="9144000"/>
@@ -283,7 +285,7 @@
           <a:p>
             <a:fld id="{9944558F-2300-48A3-A0D8-C535307CD3FA}" type="datetimeFigureOut">
               <a:rPr lang="zh-TW" altLang="en-US" smtClean="0"/>
-              <a:t>2021/1/4</a:t>
+              <a:t>2021/1/11</a:t>
             </a:fld>
             <a:endParaRPr lang="zh-TW" altLang="en-US"/>
           </a:p>
@@ -481,7 +483,7 @@
           <a:p>
             <a:fld id="{9944558F-2300-48A3-A0D8-C535307CD3FA}" type="datetimeFigureOut">
               <a:rPr lang="zh-TW" altLang="en-US" smtClean="0"/>
-              <a:t>2021/1/4</a:t>
+              <a:t>2021/1/11</a:t>
             </a:fld>
             <a:endParaRPr lang="zh-TW" altLang="en-US"/>
           </a:p>
@@ -689,7 +691,7 @@
           <a:p>
             <a:fld id="{9944558F-2300-48A3-A0D8-C535307CD3FA}" type="datetimeFigureOut">
               <a:rPr lang="zh-TW" altLang="en-US" smtClean="0"/>
-              <a:t>2021/1/4</a:t>
+              <a:t>2021/1/11</a:t>
             </a:fld>
             <a:endParaRPr lang="zh-TW" altLang="en-US"/>
           </a:p>
@@ -887,7 +889,7 @@
           <a:p>
             <a:fld id="{9944558F-2300-48A3-A0D8-C535307CD3FA}" type="datetimeFigureOut">
               <a:rPr lang="zh-TW" altLang="en-US" smtClean="0"/>
-              <a:t>2021/1/4</a:t>
+              <a:t>2021/1/11</a:t>
             </a:fld>
             <a:endParaRPr lang="zh-TW" altLang="en-US"/>
           </a:p>
@@ -1162,7 +1164,7 @@
           <a:p>
             <a:fld id="{9944558F-2300-48A3-A0D8-C535307CD3FA}" type="datetimeFigureOut">
               <a:rPr lang="zh-TW" altLang="en-US" smtClean="0"/>
-              <a:t>2021/1/4</a:t>
+              <a:t>2021/1/11</a:t>
             </a:fld>
             <a:endParaRPr lang="zh-TW" altLang="en-US"/>
           </a:p>
@@ -1427,7 +1429,7 @@
           <a:p>
             <a:fld id="{9944558F-2300-48A3-A0D8-C535307CD3FA}" type="datetimeFigureOut">
               <a:rPr lang="zh-TW" altLang="en-US" smtClean="0"/>
-              <a:t>2021/1/4</a:t>
+              <a:t>2021/1/11</a:t>
             </a:fld>
             <a:endParaRPr lang="zh-TW" altLang="en-US"/>
           </a:p>
@@ -1839,7 +1841,7 @@
           <a:p>
             <a:fld id="{9944558F-2300-48A3-A0D8-C535307CD3FA}" type="datetimeFigureOut">
               <a:rPr lang="zh-TW" altLang="en-US" smtClean="0"/>
-              <a:t>2021/1/4</a:t>
+              <a:t>2021/1/11</a:t>
             </a:fld>
             <a:endParaRPr lang="zh-TW" altLang="en-US"/>
           </a:p>
@@ -1980,7 +1982,7 @@
           <a:p>
             <a:fld id="{9944558F-2300-48A3-A0D8-C535307CD3FA}" type="datetimeFigureOut">
               <a:rPr lang="zh-TW" altLang="en-US" smtClean="0"/>
-              <a:t>2021/1/4</a:t>
+              <a:t>2021/1/11</a:t>
             </a:fld>
             <a:endParaRPr lang="zh-TW" altLang="en-US"/>
           </a:p>
@@ -2093,7 +2095,7 @@
           <a:p>
             <a:fld id="{9944558F-2300-48A3-A0D8-C535307CD3FA}" type="datetimeFigureOut">
               <a:rPr lang="zh-TW" altLang="en-US" smtClean="0"/>
-              <a:t>2021/1/4</a:t>
+              <a:t>2021/1/11</a:t>
             </a:fld>
             <a:endParaRPr lang="zh-TW" altLang="en-US"/>
           </a:p>
@@ -2404,7 +2406,7 @@
           <a:p>
             <a:fld id="{9944558F-2300-48A3-A0D8-C535307CD3FA}" type="datetimeFigureOut">
               <a:rPr lang="zh-TW" altLang="en-US" smtClean="0"/>
-              <a:t>2021/1/4</a:t>
+              <a:t>2021/1/11</a:t>
             </a:fld>
             <a:endParaRPr lang="zh-TW" altLang="en-US"/>
           </a:p>
@@ -2692,7 +2694,7 @@
           <a:p>
             <a:fld id="{9944558F-2300-48A3-A0D8-C535307CD3FA}" type="datetimeFigureOut">
               <a:rPr lang="zh-TW" altLang="en-US" smtClean="0"/>
-              <a:t>2021/1/4</a:t>
+              <a:t>2021/1/11</a:t>
             </a:fld>
             <a:endParaRPr lang="zh-TW" altLang="en-US"/>
           </a:p>
@@ -2943,7 +2945,7 @@
           <a:p>
             <a:fld id="{9944558F-2300-48A3-A0D8-C535307CD3FA}" type="datetimeFigureOut">
               <a:rPr lang="zh-TW" altLang="en-US" smtClean="0"/>
-              <a:t>2021/1/4</a:t>
+              <a:t>2021/1/11</a:t>
             </a:fld>
             <a:endParaRPr lang="zh-TW" altLang="en-US"/>
           </a:p>
@@ -3942,8 +3944,8 @@
         </p:nvSpPr>
         <p:spPr>
           <a:xfrm>
-            <a:off x="1108286" y="556646"/>
-            <a:ext cx="4379725" cy="769441"/>
+            <a:off x="1002566" y="556646"/>
+            <a:ext cx="4055817" cy="769441"/>
           </a:xfrm>
           <a:prstGeom prst="rect">
             <a:avLst/>
@@ -3951,7 +3953,7 @@
           <a:noFill/>
         </p:spPr>
         <p:txBody>
-          <a:bodyPr wrap="none" lIns="91440" tIns="45720" rIns="91440" bIns="45720">
+          <a:bodyPr wrap="square" lIns="91440" tIns="45720" rIns="91440" bIns="45720">
             <a:spAutoFit/>
           </a:bodyPr>
           <a:lstStyle/>
@@ -4027,7 +4029,7 @@
                 <a:latin typeface="Microsoft JhengHei" panose="020B0604030504040204" pitchFamily="34" charset="-120"/>
                 <a:ea typeface="Microsoft JhengHei" panose="020B0604030504040204" pitchFamily="34" charset="-120"/>
               </a:rPr>
-              <a:t>完整程式碼</a:t>
+              <a:t>工作分配</a:t>
             </a:r>
             <a:endParaRPr lang="zh-TW" altLang="en-US" sz="4400" b="1" cap="none" spc="0" dirty="0">
               <a:ln w="10160">
@@ -4053,12 +4055,48 @@
           </a:p>
         </p:txBody>
       </p:sp>
+      <p:pic>
+        <p:nvPicPr>
+          <p:cNvPr id="4" name="圖片 3">
+            <a:extLst>
+              <a:ext uri="{FF2B5EF4-FFF2-40B4-BE49-F238E27FC236}">
+                <a16:creationId xmlns:a16="http://schemas.microsoft.com/office/drawing/2014/main" id="{6ABFCE43-6B30-43C4-9DC5-7D91A726E7AC}"/>
+              </a:ext>
+            </a:extLst>
+          </p:cNvPr>
+          <p:cNvPicPr>
+            <a:picLocks noChangeAspect="1"/>
+          </p:cNvPicPr>
+          <p:nvPr/>
+        </p:nvPicPr>
+        <p:blipFill>
+          <a:blip r:embed="rId2">
+            <a:extLst>
+              <a:ext uri="{28A0092B-C50C-407E-A947-70E740481C1C}">
+                <a14:useLocalDpi xmlns:a14="http://schemas.microsoft.com/office/drawing/2010/main" val="0"/>
+              </a:ext>
+            </a:extLst>
+          </a:blip>
+          <a:stretch>
+            <a:fillRect/>
+          </a:stretch>
+        </p:blipFill>
+        <p:spPr>
+          <a:xfrm>
+            <a:off x="448524" y="482757"/>
+            <a:ext cx="769441" cy="769441"/>
+          </a:xfrm>
+          <a:prstGeom prst="rect">
+            <a:avLst/>
+          </a:prstGeom>
+        </p:spPr>
+      </p:pic>
       <p:sp>
         <p:nvSpPr>
-          <p:cNvPr id="2" name="文字方塊 1">
-            <a:extLst>
-              <a:ext uri="{FF2B5EF4-FFF2-40B4-BE49-F238E27FC236}">
-                <a16:creationId xmlns:a16="http://schemas.microsoft.com/office/drawing/2014/main" id="{9AB86E52-72C8-475E-905C-BA3A3F576B95}"/>
+          <p:cNvPr id="9" name="文字方塊 8">
+            <a:extLst>
+              <a:ext uri="{FF2B5EF4-FFF2-40B4-BE49-F238E27FC236}">
+                <a16:creationId xmlns:a16="http://schemas.microsoft.com/office/drawing/2014/main" id="{72D783AE-C8B6-4631-ADDD-2248564914AC}"/>
               </a:ext>
             </a:extLst>
           </p:cNvPr>
@@ -4067,8 +4105,8 @@
         </p:nvSpPr>
         <p:spPr>
           <a:xfrm>
-            <a:off x="1966575" y="1993510"/>
-            <a:ext cx="8258849" cy="3637278"/>
+            <a:off x="1217965" y="2187363"/>
+            <a:ext cx="8239302" cy="559512"/>
           </a:xfrm>
           <a:prstGeom prst="rect">
             <a:avLst/>
@@ -4076,7 +4114,7 @@
           <a:noFill/>
         </p:spPr>
         <p:txBody>
-          <a:bodyPr wrap="square" rtlCol="0">
+          <a:bodyPr wrap="square">
             <a:spAutoFit/>
           </a:bodyPr>
           <a:lstStyle/>
@@ -4102,7 +4140,79 @@
                 <a:latin typeface="Microsoft JhengHei" panose="020B0604030504040204" pitchFamily="34" charset="-120"/>
                 <a:ea typeface="Microsoft JhengHei" panose="020B0604030504040204" pitchFamily="34" charset="-120"/>
               </a:rPr>
-              <a:t>文字文字文字文字文字文字文字文字文字文字文字文字文字文字文字文字文字文字文字文字文字文字文字文字文字文字文字文字文字文字文字文字文字文字文字文字文字文字文字文字文字文字文字文字文字文字文字文字文字文字文字文字文字文字文字文字文字文字文字文字文字文字文字文字文字文字</a:t>
+              <a:t>張智韋：主題構思</a:t>
+            </a:r>
+            <a:r>
+              <a:rPr lang="en-US" altLang="zh-TW" sz="2800" b="1" dirty="0">
+                <a:solidFill>
+                  <a:schemeClr val="bg1"/>
+                </a:solidFill>
+                <a:effectLst>
+                  <a:glow rad="139700">
+                    <a:schemeClr val="accent1">
+                      <a:satMod val="175000"/>
+                      <a:alpha val="40000"/>
+                    </a:schemeClr>
+                  </a:glow>
+                </a:effectLst>
+                <a:latin typeface="Microsoft JhengHei" panose="020B0604030504040204" pitchFamily="34" charset="-120"/>
+                <a:ea typeface="Microsoft JhengHei" panose="020B0604030504040204" pitchFamily="34" charset="-120"/>
+              </a:rPr>
+              <a:t>,</a:t>
+            </a:r>
+            <a:r>
+              <a:rPr lang="zh-TW" altLang="en-US" sz="2800" b="1" dirty="0">
+                <a:solidFill>
+                  <a:schemeClr val="bg1"/>
+                </a:solidFill>
+                <a:effectLst>
+                  <a:glow rad="139700">
+                    <a:schemeClr val="accent1">
+                      <a:satMod val="175000"/>
+                      <a:alpha val="40000"/>
+                    </a:schemeClr>
+                  </a:glow>
+                </a:effectLst>
+                <a:latin typeface="Microsoft JhengHei" panose="020B0604030504040204" pitchFamily="34" charset="-120"/>
+                <a:ea typeface="Microsoft JhengHei" panose="020B0604030504040204" pitchFamily="34" charset="-120"/>
+              </a:rPr>
+              <a:t>程式編寫</a:t>
+            </a:r>
+            <a:r>
+              <a:rPr lang="en-US" altLang="zh-TW" sz="2800" b="1" dirty="0">
+                <a:solidFill>
+                  <a:schemeClr val="bg1"/>
+                </a:solidFill>
+                <a:effectLst>
+                  <a:glow rad="139700">
+                    <a:schemeClr val="accent1">
+                      <a:satMod val="175000"/>
+                      <a:alpha val="40000"/>
+                    </a:schemeClr>
+                  </a:glow>
+                </a:effectLst>
+                <a:latin typeface="Microsoft JhengHei" panose="020B0604030504040204" pitchFamily="34" charset="-120"/>
+                <a:ea typeface="Microsoft JhengHei" panose="020B0604030504040204" pitchFamily="34" charset="-120"/>
+              </a:rPr>
+              <a:t>,</a:t>
+            </a:r>
+            <a:r>
+              <a:rPr lang="zh-TW" altLang="en-US" sz="2800" b="1" dirty="0">
+                <a:solidFill>
+                  <a:schemeClr val="bg1"/>
+                </a:solidFill>
+                <a:effectLst>
+                  <a:glow rad="139700">
+                    <a:schemeClr val="accent1">
+                      <a:satMod val="175000"/>
+                      <a:alpha val="40000"/>
+                    </a:schemeClr>
+                  </a:glow>
+                </a:effectLst>
+                <a:latin typeface="Microsoft JhengHei" panose="020B0604030504040204" pitchFamily="34" charset="-120"/>
+                <a:ea typeface="Microsoft JhengHei" panose="020B0604030504040204" pitchFamily="34" charset="-120"/>
+              </a:rPr>
+              <a:t>後期文件、簡報</a:t>
             </a:r>
             <a:endParaRPr lang="en-US" altLang="zh-TW" sz="2800" b="1" dirty="0">
               <a:solidFill>
@@ -4120,12 +4230,140 @@
               <a:ea typeface="Microsoft JhengHei" panose="020B0604030504040204" pitchFamily="34" charset="-120"/>
             </a:endParaRPr>
           </a:p>
-          <a:p>
-            <a:pPr>
-              <a:lnSpc>
-                <a:spcPts val="4000"/>
-              </a:lnSpc>
-            </a:pPr>
+        </p:txBody>
+      </p:sp>
+      <p:sp>
+        <p:nvSpPr>
+          <p:cNvPr id="11" name="文字方塊 10">
+            <a:extLst>
+              <a:ext uri="{FF2B5EF4-FFF2-40B4-BE49-F238E27FC236}">
+                <a16:creationId xmlns:a16="http://schemas.microsoft.com/office/drawing/2014/main" id="{9B6D6D41-3EB3-40AE-94DA-0F95479681E1}"/>
+              </a:ext>
+            </a:extLst>
+          </p:cNvPr>
+          <p:cNvSpPr txBox="1"/>
+          <p:nvPr/>
+        </p:nvSpPr>
+        <p:spPr>
+          <a:xfrm>
+            <a:off x="1217965" y="3429000"/>
+            <a:ext cx="6096000" cy="523220"/>
+          </a:xfrm>
+          <a:prstGeom prst="rect">
+            <a:avLst/>
+          </a:prstGeom>
+          <a:noFill/>
+        </p:spPr>
+        <p:txBody>
+          <a:bodyPr wrap="square">
+            <a:spAutoFit/>
+          </a:bodyPr>
+          <a:lstStyle/>
+          <a:p>
+            <a:r>
+              <a:rPr lang="zh-TW" altLang="en-US" sz="2800" b="1" dirty="0">
+                <a:solidFill>
+                  <a:schemeClr val="bg1"/>
+                </a:solidFill>
+                <a:effectLst>
+                  <a:glow rad="139700">
+                    <a:schemeClr val="accent1">
+                      <a:satMod val="175000"/>
+                      <a:alpha val="40000"/>
+                    </a:schemeClr>
+                  </a:glow>
+                </a:effectLst>
+                <a:latin typeface="Microsoft JhengHei" panose="020B0604030504040204" pitchFamily="34" charset="-120"/>
+                <a:ea typeface="Microsoft JhengHei" panose="020B0604030504040204" pitchFamily="34" charset="-120"/>
+              </a:rPr>
+              <a:t>張恩倫：初期文件、簡報</a:t>
+            </a:r>
+            <a:endParaRPr lang="zh-TW" altLang="en-US" sz="2800" dirty="0"/>
+          </a:p>
+        </p:txBody>
+      </p:sp>
+      <p:sp>
+        <p:nvSpPr>
+          <p:cNvPr id="13" name="文字方塊 12">
+            <a:extLst>
+              <a:ext uri="{FF2B5EF4-FFF2-40B4-BE49-F238E27FC236}">
+                <a16:creationId xmlns:a16="http://schemas.microsoft.com/office/drawing/2014/main" id="{2025F004-8779-453C-8CF9-58CD4B83507E}"/>
+              </a:ext>
+            </a:extLst>
+          </p:cNvPr>
+          <p:cNvSpPr txBox="1"/>
+          <p:nvPr/>
+        </p:nvSpPr>
+        <p:spPr>
+          <a:xfrm>
+            <a:off x="1217964" y="4634345"/>
+            <a:ext cx="9526235" cy="954107"/>
+          </a:xfrm>
+          <a:prstGeom prst="rect">
+            <a:avLst/>
+          </a:prstGeom>
+          <a:noFill/>
+        </p:spPr>
+        <p:txBody>
+          <a:bodyPr wrap="square">
+            <a:spAutoFit/>
+          </a:bodyPr>
+          <a:lstStyle/>
+          <a:p>
+            <a:r>
+              <a:rPr lang="zh-TW" altLang="en-US" sz="2800" b="1" dirty="0">
+                <a:solidFill>
+                  <a:schemeClr val="bg1"/>
+                </a:solidFill>
+                <a:effectLst>
+                  <a:glow rad="139700">
+                    <a:schemeClr val="accent1">
+                      <a:satMod val="175000"/>
+                      <a:alpha val="40000"/>
+                    </a:schemeClr>
+                  </a:glow>
+                </a:effectLst>
+                <a:latin typeface="Microsoft JhengHei" panose="020B0604030504040204" pitchFamily="34" charset="-120"/>
+                <a:ea typeface="Microsoft JhengHei" panose="020B0604030504040204" pitchFamily="34" charset="-120"/>
+              </a:rPr>
+              <a:t>特別感謝</a:t>
+            </a:r>
+            <a:r>
+              <a:rPr lang="en-US" altLang="zh-TW" sz="2800" b="1" dirty="0">
+                <a:solidFill>
+                  <a:schemeClr val="bg1"/>
+                </a:solidFill>
+                <a:effectLst>
+                  <a:glow rad="139700">
+                    <a:schemeClr val="accent1">
+                      <a:satMod val="175000"/>
+                      <a:alpha val="40000"/>
+                    </a:schemeClr>
+                  </a:glow>
+                </a:effectLst>
+                <a:latin typeface="Microsoft JhengHei" panose="020B0604030504040204" pitchFamily="34" charset="-120"/>
+                <a:ea typeface="Microsoft JhengHei" panose="020B0604030504040204" pitchFamily="34" charset="-120"/>
+              </a:rPr>
+              <a:t>:</a:t>
+            </a:r>
+            <a:r>
+              <a:rPr lang="zh-TW" altLang="en-US" sz="2800" b="1" dirty="0">
+                <a:solidFill>
+                  <a:schemeClr val="bg1"/>
+                </a:solidFill>
+                <a:effectLst>
+                  <a:glow rad="139700">
+                    <a:schemeClr val="accent1">
+                      <a:satMod val="175000"/>
+                      <a:alpha val="40000"/>
+                    </a:schemeClr>
+                  </a:glow>
+                </a:effectLst>
+                <a:latin typeface="Microsoft JhengHei" panose="020B0604030504040204" pitchFamily="34" charset="-120"/>
+                <a:ea typeface="Microsoft JhengHei" panose="020B0604030504040204" pitchFamily="34" charset="-120"/>
+              </a:rPr>
+              <a:t>簡報設計排版</a:t>
+            </a:r>
             <a:endParaRPr lang="en-US" altLang="zh-TW" sz="2800" b="1" dirty="0">
               <a:solidFill>
                 <a:schemeClr val="bg1"/>
@@ -4142,48 +4380,51 @@
               <a:ea typeface="Microsoft JhengHei" panose="020B0604030504040204" pitchFamily="34" charset="-120"/>
             </a:endParaRPr>
           </a:p>
+          <a:p>
+            <a:r>
+              <a:rPr lang="zh-TW" altLang="en-US" sz="2800" b="1" dirty="0">
+                <a:solidFill>
+                  <a:schemeClr val="bg1"/>
+                </a:solidFill>
+                <a:effectLst>
+                  <a:glow rad="139700">
+                    <a:schemeClr val="accent1">
+                      <a:satMod val="175000"/>
+                      <a:alpha val="40000"/>
+                    </a:schemeClr>
+                  </a:glow>
+                </a:effectLst>
+                <a:latin typeface="Microsoft JhengHei" panose="020B0604030504040204" pitchFamily="34" charset="-120"/>
+                <a:ea typeface="Microsoft JhengHei" panose="020B0604030504040204" pitchFamily="34" charset="-120"/>
+              </a:rPr>
+              <a:t>朝陽科大 資訊管理系多媒體組  黃以涵</a:t>
+            </a:r>
+            <a:r>
+              <a:rPr lang="zh-TW" altLang="en-US" sz="2400" b="1" dirty="0">
+                <a:solidFill>
+                  <a:schemeClr val="bg1"/>
+                </a:solidFill>
+                <a:effectLst>
+                  <a:glow rad="139700">
+                    <a:schemeClr val="accent1">
+                      <a:satMod val="175000"/>
+                      <a:alpha val="40000"/>
+                    </a:schemeClr>
+                  </a:glow>
+                </a:effectLst>
+                <a:latin typeface="Microsoft JhengHei" panose="020B0604030504040204" pitchFamily="34" charset="-120"/>
+                <a:ea typeface="Microsoft JhengHei" panose="020B0604030504040204" pitchFamily="34" charset="-120"/>
+              </a:rPr>
+              <a:t>同學</a:t>
+            </a:r>
+            <a:endParaRPr lang="zh-TW" altLang="en-US" sz="2400" dirty="0"/>
+          </a:p>
         </p:txBody>
       </p:sp>
-      <p:pic>
-        <p:nvPicPr>
-          <p:cNvPr id="4" name="圖片 3">
-            <a:extLst>
-              <a:ext uri="{FF2B5EF4-FFF2-40B4-BE49-F238E27FC236}">
-                <a16:creationId xmlns:a16="http://schemas.microsoft.com/office/drawing/2014/main" id="{6ABFCE43-6B30-43C4-9DC5-7D91A726E7AC}"/>
-              </a:ext>
-            </a:extLst>
-          </p:cNvPr>
-          <p:cNvPicPr>
-            <a:picLocks noChangeAspect="1"/>
-          </p:cNvPicPr>
-          <p:nvPr/>
-        </p:nvPicPr>
-        <p:blipFill>
-          <a:blip r:embed="rId2">
-            <a:extLst>
-              <a:ext uri="{28A0092B-C50C-407E-A947-70E740481C1C}">
-                <a14:useLocalDpi xmlns:a14="http://schemas.microsoft.com/office/drawing/2010/main" val="0"/>
-              </a:ext>
-            </a:extLst>
-          </a:blip>
-          <a:stretch>
-            <a:fillRect/>
-          </a:stretch>
-        </p:blipFill>
-        <p:spPr>
-          <a:xfrm>
-            <a:off x="448524" y="482757"/>
-            <a:ext cx="769441" cy="769441"/>
-          </a:xfrm>
-          <a:prstGeom prst="rect">
-            <a:avLst/>
-          </a:prstGeom>
-        </p:spPr>
-      </p:pic>
     </p:spTree>
     <p:extLst>
       <p:ext uri="{BB962C8B-B14F-4D97-AF65-F5344CB8AC3E}">
-        <p14:creationId xmlns:p14="http://schemas.microsoft.com/office/powerpoint/2010/main" val="138124005"/>
+        <p14:creationId xmlns:p14="http://schemas.microsoft.com/office/powerpoint/2010/main" val="470476588"/>
       </p:ext>
     </p:extLst>
   </p:cSld>
@@ -4212,10 +4453,10 @@
       </p:grpSpPr>
       <p:sp>
         <p:nvSpPr>
-          <p:cNvPr id="2" name="矩形 1">
-            <a:extLst>
-              <a:ext uri="{FF2B5EF4-FFF2-40B4-BE49-F238E27FC236}">
-                <a16:creationId xmlns:a16="http://schemas.microsoft.com/office/drawing/2014/main" id="{95B77600-13A5-461D-B1EC-82870AC98D77}"/>
+          <p:cNvPr id="5" name="矩形 4">
+            <a:extLst>
+              <a:ext uri="{FF2B5EF4-FFF2-40B4-BE49-F238E27FC236}">
+                <a16:creationId xmlns:a16="http://schemas.microsoft.com/office/drawing/2014/main" id="{B12A8606-1685-464A-A01E-5E029C6A5806}"/>
               </a:ext>
             </a:extLst>
           </p:cNvPr>
@@ -4224,8 +4465,8 @@
         </p:nvSpPr>
         <p:spPr>
           <a:xfrm>
-            <a:off x="4579403" y="2908068"/>
-            <a:ext cx="3033202" cy="923330"/>
+            <a:off x="1126463" y="556646"/>
+            <a:ext cx="3815468" cy="769441"/>
           </a:xfrm>
           <a:prstGeom prst="rect">
             <a:avLst/>
@@ -4240,144 +4481,7 @@
           <a:p>
             <a:pPr algn="ctr"/>
             <a:r>
-              <a:rPr lang="en-US" altLang="zh-TW" sz="5400" b="1" dirty="0">
-                <a:solidFill>
-                  <a:schemeClr val="bg1"/>
-                </a:solidFill>
-                <a:effectLst>
-                  <a:glow rad="139700">
-                    <a:schemeClr val="accent1">
-                      <a:satMod val="175000"/>
-                      <a:alpha val="40000"/>
-                    </a:schemeClr>
-                  </a:glow>
-                  <a:outerShdw blurRad="60007" dist="310007" dir="7680000" sy="30000" kx="1300200" algn="ctr" rotWithShape="0">
-                    <a:prstClr val="black">
-                      <a:alpha val="32000"/>
-                    </a:prstClr>
-                  </a:outerShdw>
-                </a:effectLst>
-                <a:latin typeface="Microsoft JhengHei" panose="020B0604030504040204" pitchFamily="34" charset="-120"/>
-                <a:ea typeface="Microsoft JhengHei" panose="020B0604030504040204" pitchFamily="34" charset="-120"/>
-              </a:rPr>
-              <a:t>The </a:t>
-            </a:r>
-            <a:r>
-              <a:rPr lang="zh-TW" altLang="en-US" sz="5400" b="1" dirty="0">
-                <a:solidFill>
-                  <a:schemeClr val="bg1"/>
-                </a:solidFill>
-                <a:effectLst>
-                  <a:glow rad="139700">
-                    <a:schemeClr val="accent1">
-                      <a:satMod val="175000"/>
-                      <a:alpha val="40000"/>
-                    </a:schemeClr>
-                  </a:glow>
-                  <a:outerShdw blurRad="60007" dist="310007" dir="7680000" sy="30000" kx="1300200" algn="ctr" rotWithShape="0">
-                    <a:prstClr val="black">
-                      <a:alpha val="32000"/>
-                    </a:prstClr>
-                  </a:outerShdw>
-                </a:effectLst>
-                <a:latin typeface="Microsoft JhengHei" panose="020B0604030504040204" pitchFamily="34" charset="-120"/>
-                <a:ea typeface="Microsoft JhengHei" panose="020B0604030504040204" pitchFamily="34" charset="-120"/>
-              </a:rPr>
-              <a:t> </a:t>
-            </a:r>
-            <a:r>
-              <a:rPr lang="en-US" altLang="zh-TW" sz="5400" b="1" dirty="0">
-                <a:solidFill>
-                  <a:schemeClr val="bg1"/>
-                </a:solidFill>
-                <a:effectLst>
-                  <a:glow rad="139700">
-                    <a:schemeClr val="accent1">
-                      <a:satMod val="175000"/>
-                      <a:alpha val="40000"/>
-                    </a:schemeClr>
-                  </a:glow>
-                  <a:outerShdw blurRad="60007" dist="310007" dir="7680000" sy="30000" kx="1300200" algn="ctr" rotWithShape="0">
-                    <a:prstClr val="black">
-                      <a:alpha val="32000"/>
-                    </a:prstClr>
-                  </a:outerShdw>
-                </a:effectLst>
-                <a:latin typeface="Microsoft JhengHei" panose="020B0604030504040204" pitchFamily="34" charset="-120"/>
-                <a:ea typeface="Microsoft JhengHei" panose="020B0604030504040204" pitchFamily="34" charset="-120"/>
-              </a:rPr>
-              <a:t>End</a:t>
-            </a:r>
-          </a:p>
-        </p:txBody>
-      </p:sp>
-      <p:pic>
-        <p:nvPicPr>
-          <p:cNvPr id="4" name="圖片 3">
-            <a:extLst>
-              <a:ext uri="{FF2B5EF4-FFF2-40B4-BE49-F238E27FC236}">
-                <a16:creationId xmlns:a16="http://schemas.microsoft.com/office/drawing/2014/main" id="{8B07B930-0D3C-49D7-B403-74612A8656F1}"/>
-              </a:ext>
-            </a:extLst>
-          </p:cNvPr>
-          <p:cNvPicPr>
-            <a:picLocks noChangeAspect="1"/>
-          </p:cNvPicPr>
-          <p:nvPr/>
-        </p:nvPicPr>
-        <p:blipFill>
-          <a:blip r:embed="rId2">
-            <a:extLst>
-              <a:ext uri="{28A0092B-C50C-407E-A947-70E740481C1C}">
-                <a14:useLocalDpi xmlns:a14="http://schemas.microsoft.com/office/drawing/2010/main" val="0"/>
-              </a:ext>
-            </a:extLst>
-          </a:blip>
-          <a:stretch>
-            <a:fillRect/>
-          </a:stretch>
-        </p:blipFill>
-        <p:spPr>
-          <a:xfrm>
-            <a:off x="9836149" y="4341291"/>
-            <a:ext cx="1562100" cy="1562100"/>
-          </a:xfrm>
-          <a:prstGeom prst="rect">
-            <a:avLst/>
-          </a:prstGeom>
-        </p:spPr>
-      </p:pic>
-      <p:sp>
-        <p:nvSpPr>
-          <p:cNvPr id="5" name="矩形 4">
-            <a:extLst>
-              <a:ext uri="{FF2B5EF4-FFF2-40B4-BE49-F238E27FC236}">
-                <a16:creationId xmlns:a16="http://schemas.microsoft.com/office/drawing/2014/main" id="{81855BDD-8E3C-4ECC-B6D6-B1964F108F5B}"/>
-              </a:ext>
-            </a:extLst>
-          </p:cNvPr>
-          <p:cNvSpPr/>
-          <p:nvPr/>
-        </p:nvSpPr>
-        <p:spPr>
-          <a:xfrm>
-            <a:off x="9380920" y="6013054"/>
-            <a:ext cx="2472558" cy="523220"/>
-          </a:xfrm>
-          <a:prstGeom prst="rect">
-            <a:avLst/>
-          </a:prstGeom>
-          <a:noFill/>
-        </p:spPr>
-        <p:txBody>
-          <a:bodyPr wrap="square" lIns="91440" tIns="45720" rIns="91440" bIns="45720">
-            <a:spAutoFit/>
-          </a:bodyPr>
-          <a:lstStyle/>
-          <a:p>
-            <a:pPr algn="ctr"/>
-            <a:r>
-              <a:rPr lang="en-US" altLang="zh-TW" sz="2800" b="1" cap="none" spc="0" dirty="0">
+              <a:rPr lang="zh-TW" altLang="en-US" sz="4400" b="1" dirty="0">
                 <a:ln w="10160">
                   <a:solidFill>
                     <a:schemeClr val="accent5"/>
@@ -4394,19 +4498,14 @@
                       <a:alpha val="40000"/>
                     </a:schemeClr>
                   </a:glow>
-                  <a:outerShdw blurRad="60007" dist="310007" dir="7680000" sy="30000" kx="1300200" algn="ctr" rotWithShape="0">
-                    <a:prstClr val="black">
-                      <a:alpha val="32000"/>
-                    </a:prstClr>
-                  </a:outerShdw>
-                </a:effectLst>
-                <a:latin typeface="Microsoft JhengHei" panose="020B0604030504040204" pitchFamily="34" charset="-120"/>
-                <a:ea typeface="Microsoft JhengHei" panose="020B0604030504040204" pitchFamily="34" charset="-120"/>
-              </a:rPr>
-              <a:t>GC</a:t>
-            </a:r>
-            <a:r>
-              <a:rPr lang="zh-TW" altLang="en-US" sz="2800" b="1" cap="none" spc="0" dirty="0">
+                </a:effectLst>
+                <a:latin typeface="Microsoft JhengHei" panose="020B0604030504040204" pitchFamily="34" charset="-120"/>
+                <a:ea typeface="Microsoft JhengHei" panose="020B0604030504040204" pitchFamily="34" charset="-120"/>
+              </a:rPr>
+              <a:t>附註</a:t>
+            </a:r>
+            <a:r>
+              <a:rPr lang="en-US" altLang="zh-TW" sz="4400" b="1" dirty="0">
                 <a:ln w="10160">
                   <a:solidFill>
                     <a:schemeClr val="accent5"/>
@@ -4423,18 +4522,37 @@
                       <a:alpha val="40000"/>
                     </a:schemeClr>
                   </a:glow>
-                  <a:outerShdw blurRad="60007" dist="310007" dir="7680000" sy="30000" kx="1300200" algn="ctr" rotWithShape="0">
-                    <a:prstClr val="black">
-                      <a:alpha val="32000"/>
-                    </a:prstClr>
-                  </a:outerShdw>
-                </a:effectLst>
-                <a:latin typeface="Microsoft JhengHei" panose="020B0604030504040204" pitchFamily="34" charset="-120"/>
-                <a:ea typeface="Microsoft JhengHei" panose="020B0604030504040204" pitchFamily="34" charset="-120"/>
-              </a:rPr>
-              <a:t>玩家討論區</a:t>
-            </a:r>
-            <a:endParaRPr lang="zh-TW" altLang="en-US" sz="2800" b="1" cap="none" spc="0" dirty="0">
+                </a:effectLst>
+                <a:latin typeface="Microsoft JhengHei" panose="020B0604030504040204" pitchFamily="34" charset="-120"/>
+                <a:ea typeface="Microsoft JhengHei" panose="020B0604030504040204" pitchFamily="34" charset="-120"/>
+              </a:rPr>
+              <a:t>-</a:t>
+            </a:r>
+            <a:r>
+              <a:rPr lang="zh-TW" altLang="en-US" sz="4400" b="1" dirty="0">
+                <a:ln w="10160">
+                  <a:solidFill>
+                    <a:schemeClr val="accent5"/>
+                  </a:solidFill>
+                  <a:prstDash val="solid"/>
+                </a:ln>
+                <a:solidFill>
+                  <a:schemeClr val="bg1"/>
+                </a:solidFill>
+                <a:effectLst>
+                  <a:glow rad="139700">
+                    <a:schemeClr val="accent1">
+                      <a:satMod val="175000"/>
+                      <a:alpha val="40000"/>
+                    </a:schemeClr>
+                  </a:glow>
+                </a:effectLst>
+                <a:latin typeface="Microsoft JhengHei" panose="020B0604030504040204" pitchFamily="34" charset="-120"/>
+                <a:ea typeface="Microsoft JhengHei" panose="020B0604030504040204" pitchFamily="34" charset="-120"/>
+              </a:rPr>
+              <a:t>參考文獻</a:t>
+            </a:r>
+            <a:endParaRPr lang="zh-TW" altLang="en-US" sz="4400" b="1" cap="none" spc="0" dirty="0">
               <a:ln w="10160">
                 <a:solidFill>
                   <a:schemeClr val="accent5"/>
@@ -4458,12 +4576,157 @@
           </a:p>
         </p:txBody>
       </p:sp>
+      <p:sp>
+        <p:nvSpPr>
+          <p:cNvPr id="2" name="文字方塊 1">
+            <a:extLst>
+              <a:ext uri="{FF2B5EF4-FFF2-40B4-BE49-F238E27FC236}">
+                <a16:creationId xmlns:a16="http://schemas.microsoft.com/office/drawing/2014/main" id="{9AB86E52-72C8-475E-905C-BA3A3F576B95}"/>
+              </a:ext>
+            </a:extLst>
+          </p:cNvPr>
+          <p:cNvSpPr txBox="1"/>
+          <p:nvPr/>
+        </p:nvSpPr>
+        <p:spPr>
+          <a:xfrm>
+            <a:off x="1966575" y="1993510"/>
+            <a:ext cx="8258849" cy="1072473"/>
+          </a:xfrm>
+          <a:prstGeom prst="rect">
+            <a:avLst/>
+          </a:prstGeom>
+          <a:noFill/>
+        </p:spPr>
+        <p:txBody>
+          <a:bodyPr wrap="square" rtlCol="0">
+            <a:spAutoFit/>
+          </a:bodyPr>
+          <a:lstStyle/>
+          <a:p>
+            <a:pPr>
+              <a:lnSpc>
+                <a:spcPts val="4000"/>
+              </a:lnSpc>
+            </a:pPr>
+            <a:r>
+              <a:rPr lang="zh-TW" altLang="en-US" sz="2800" b="1" dirty="0">
+                <a:solidFill>
+                  <a:schemeClr val="bg1"/>
+                </a:solidFill>
+                <a:effectLst>
+                  <a:glow rad="139700">
+                    <a:schemeClr val="accent1">
+                      <a:satMod val="175000"/>
+                      <a:alpha val="40000"/>
+                    </a:schemeClr>
+                  </a:glow>
+                </a:effectLst>
+                <a:latin typeface="Microsoft JhengHei" panose="020B0604030504040204" pitchFamily="34" charset="-120"/>
+                <a:ea typeface="Microsoft JhengHei" panose="020B0604030504040204" pitchFamily="34" charset="-120"/>
+              </a:rPr>
+              <a:t>參考資料眾多，無法一一記載</a:t>
+            </a:r>
+            <a:endParaRPr lang="en-US" altLang="zh-TW" sz="2800" b="1" dirty="0">
+              <a:solidFill>
+                <a:schemeClr val="bg1"/>
+              </a:solidFill>
+              <a:effectLst>
+                <a:glow rad="139700">
+                  <a:schemeClr val="accent1">
+                    <a:satMod val="175000"/>
+                    <a:alpha val="40000"/>
+                  </a:schemeClr>
+                </a:glow>
+              </a:effectLst>
+              <a:latin typeface="Microsoft JhengHei" panose="020B0604030504040204" pitchFamily="34" charset="-120"/>
+              <a:ea typeface="Microsoft JhengHei" panose="020B0604030504040204" pitchFamily="34" charset="-120"/>
+            </a:endParaRPr>
+          </a:p>
+          <a:p>
+            <a:pPr>
+              <a:lnSpc>
+                <a:spcPts val="4000"/>
+              </a:lnSpc>
+            </a:pPr>
+            <a:r>
+              <a:rPr lang="zh-TW" altLang="en-US" sz="2800" b="1" dirty="0">
+                <a:solidFill>
+                  <a:schemeClr val="bg1"/>
+                </a:solidFill>
+                <a:effectLst>
+                  <a:glow rad="139700">
+                    <a:schemeClr val="accent1">
+                      <a:satMod val="175000"/>
+                      <a:alpha val="40000"/>
+                    </a:schemeClr>
+                  </a:glow>
+                </a:effectLst>
+                <a:latin typeface="Microsoft JhengHei" panose="020B0604030504040204" pitchFamily="34" charset="-120"/>
+                <a:ea typeface="Microsoft JhengHei" panose="020B0604030504040204" pitchFamily="34" charset="-120"/>
+              </a:rPr>
+              <a:t>大多參考自</a:t>
+            </a:r>
+            <a:r>
+              <a:rPr lang="en-US" altLang="zh-TW" sz="2800" b="1" dirty="0" err="1">
+                <a:solidFill>
+                  <a:schemeClr val="bg1"/>
+                </a:solidFill>
+                <a:effectLst>
+                  <a:glow rad="139700">
+                    <a:schemeClr val="accent1">
+                      <a:satMod val="175000"/>
+                      <a:alpha val="40000"/>
+                    </a:schemeClr>
+                  </a:glow>
+                </a:effectLst>
+                <a:latin typeface="Microsoft JhengHei" panose="020B0604030504040204" pitchFamily="34" charset="-120"/>
+                <a:ea typeface="Microsoft JhengHei" panose="020B0604030504040204" pitchFamily="34" charset="-120"/>
+              </a:rPr>
+              <a:t>stackoverflow</a:t>
+            </a:r>
+            <a:r>
+              <a:rPr lang="zh-TW" altLang="en-US" sz="2800" b="1" dirty="0">
+                <a:solidFill>
+                  <a:schemeClr val="bg1"/>
+                </a:solidFill>
+                <a:effectLst>
+                  <a:glow rad="139700">
+                    <a:schemeClr val="accent1">
+                      <a:satMod val="175000"/>
+                      <a:alpha val="40000"/>
+                    </a:schemeClr>
+                  </a:glow>
+                </a:effectLst>
+                <a:latin typeface="Microsoft JhengHei" panose="020B0604030504040204" pitchFamily="34" charset="-120"/>
+                <a:ea typeface="Microsoft JhengHei" panose="020B0604030504040204" pitchFamily="34" charset="-120"/>
+              </a:rPr>
+              <a:t>的解答</a:t>
+            </a:r>
+            <a:endParaRPr lang="en-US" altLang="zh-TW" sz="2800" b="1" dirty="0">
+              <a:solidFill>
+                <a:schemeClr val="bg1"/>
+              </a:solidFill>
+              <a:effectLst>
+                <a:glow rad="139700">
+                  <a:schemeClr val="accent1">
+                    <a:satMod val="175000"/>
+                    <a:alpha val="40000"/>
+                  </a:schemeClr>
+                </a:glow>
+              </a:effectLst>
+              <a:latin typeface="Microsoft JhengHei" panose="020B0604030504040204" pitchFamily="34" charset="-120"/>
+              <a:ea typeface="Microsoft JhengHei" panose="020B0604030504040204" pitchFamily="34" charset="-120"/>
+            </a:endParaRPr>
+          </a:p>
+        </p:txBody>
+      </p:sp>
       <p:pic>
         <p:nvPicPr>
-          <p:cNvPr id="8" name="圖片 7">
-            <a:extLst>
-              <a:ext uri="{FF2B5EF4-FFF2-40B4-BE49-F238E27FC236}">
-                <a16:creationId xmlns:a16="http://schemas.microsoft.com/office/drawing/2014/main" id="{5FE46F45-AE51-4A2B-8B00-AF90AF11D890}"/>
+          <p:cNvPr id="4" name="圖片 3">
+            <a:extLst>
+              <a:ext uri="{FF2B5EF4-FFF2-40B4-BE49-F238E27FC236}">
+                <a16:creationId xmlns:a16="http://schemas.microsoft.com/office/drawing/2014/main" id="{6ABFCE43-6B30-43C4-9DC5-7D91A726E7AC}"/>
               </a:ext>
             </a:extLst>
           </p:cNvPr>
@@ -4473,7 +4736,7 @@
           <p:nvPr/>
         </p:nvPicPr>
         <p:blipFill>
-          <a:blip r:embed="rId3">
+          <a:blip r:embed="rId2">
             <a:extLst>
               <a:ext uri="{28A0092B-C50C-407E-A947-70E740481C1C}">
                 <a14:useLocalDpi xmlns:a14="http://schemas.microsoft.com/office/drawing/2010/main" val="0"/>
@@ -4486,136 +4749,8 @@
         </p:blipFill>
         <p:spPr>
           <a:xfrm>
-            <a:off x="2125136" y="995036"/>
-            <a:ext cx="2573867" cy="7690308"/>
-          </a:xfrm>
-          <a:prstGeom prst="rect">
-            <a:avLst/>
-          </a:prstGeom>
-        </p:spPr>
-      </p:pic>
-      <p:sp>
-        <p:nvSpPr>
-          <p:cNvPr id="9" name="矩形 8">
-            <a:extLst>
-              <a:ext uri="{FF2B5EF4-FFF2-40B4-BE49-F238E27FC236}">
-                <a16:creationId xmlns:a16="http://schemas.microsoft.com/office/drawing/2014/main" id="{58C8105A-82BA-41CF-94E9-69A397DF361A}"/>
-              </a:ext>
-            </a:extLst>
-          </p:cNvPr>
-          <p:cNvSpPr/>
-          <p:nvPr/>
-        </p:nvSpPr>
-        <p:spPr>
-          <a:xfrm rot="19005611">
-            <a:off x="3766160" y="2535538"/>
-            <a:ext cx="819455" cy="461665"/>
-          </a:xfrm>
-          <a:prstGeom prst="rect">
-            <a:avLst/>
-          </a:prstGeom>
-          <a:noFill/>
-        </p:spPr>
-        <p:txBody>
-          <a:bodyPr wrap="none" lIns="91440" tIns="45720" rIns="91440" bIns="45720">
-            <a:spAutoFit/>
-          </a:bodyPr>
-          <a:lstStyle/>
-          <a:p>
-            <a:pPr algn="ctr"/>
-            <a:r>
-              <a:rPr lang="en-US" altLang="zh-TW" sz="2400" dirty="0">
-                <a:ln w="0"/>
-                <a:effectLst>
-                  <a:outerShdw blurRad="38100" dist="19050" dir="2700000" algn="tl" rotWithShape="0">
-                    <a:schemeClr val="dk1">
-                      <a:alpha val="40000"/>
-                    </a:schemeClr>
-                  </a:outerShdw>
-                </a:effectLst>
-                <a:latin typeface="Microsoft JhengHei" panose="020B0604030504040204" pitchFamily="34" charset="-120"/>
-                <a:ea typeface="Microsoft JhengHei" panose="020B0604030504040204" pitchFamily="34" charset="-120"/>
-              </a:rPr>
-              <a:t>Q</a:t>
-            </a:r>
-            <a:r>
-              <a:rPr lang="en-US" altLang="zh-TW" sz="1200" dirty="0">
-                <a:ln w="0"/>
-                <a:effectLst>
-                  <a:outerShdw blurRad="38100" dist="19050" dir="2700000" algn="tl" rotWithShape="0">
-                    <a:schemeClr val="dk1">
-                      <a:alpha val="40000"/>
-                    </a:schemeClr>
-                  </a:outerShdw>
-                </a:effectLst>
-                <a:latin typeface="Microsoft JhengHei" panose="020B0604030504040204" pitchFamily="34" charset="-120"/>
-                <a:ea typeface="Microsoft JhengHei" panose="020B0604030504040204" pitchFamily="34" charset="-120"/>
-              </a:rPr>
-              <a:t>&amp;</a:t>
-            </a:r>
-            <a:r>
-              <a:rPr lang="zh-TW" altLang="en-US" sz="1200" dirty="0">
-                <a:ln w="0"/>
-                <a:effectLst>
-                  <a:outerShdw blurRad="38100" dist="19050" dir="2700000" algn="tl" rotWithShape="0">
-                    <a:schemeClr val="dk1">
-                      <a:alpha val="40000"/>
-                    </a:schemeClr>
-                  </a:outerShdw>
-                </a:effectLst>
-                <a:latin typeface="Microsoft JhengHei" panose="020B0604030504040204" pitchFamily="34" charset="-120"/>
-                <a:ea typeface="Microsoft JhengHei" panose="020B0604030504040204" pitchFamily="34" charset="-120"/>
-              </a:rPr>
-              <a:t> </a:t>
-            </a:r>
-            <a:r>
-              <a:rPr lang="en-US" altLang="zh-TW" sz="2400" dirty="0">
-                <a:ln w="0"/>
-                <a:effectLst>
-                  <a:outerShdw blurRad="38100" dist="19050" dir="2700000" algn="tl" rotWithShape="0">
-                    <a:schemeClr val="dk1">
-                      <a:alpha val="40000"/>
-                    </a:schemeClr>
-                  </a:outerShdw>
-                </a:effectLst>
-                <a:latin typeface="Microsoft JhengHei" panose="020B0604030504040204" pitchFamily="34" charset="-120"/>
-                <a:ea typeface="Microsoft JhengHei" panose="020B0604030504040204" pitchFamily="34" charset="-120"/>
-              </a:rPr>
-              <a:t>A</a:t>
-            </a:r>
-          </a:p>
-        </p:txBody>
-      </p:sp>
-      <p:pic>
-        <p:nvPicPr>
-          <p:cNvPr id="11" name="圖片 10">
-            <a:extLst>
-              <a:ext uri="{FF2B5EF4-FFF2-40B4-BE49-F238E27FC236}">
-                <a16:creationId xmlns:a16="http://schemas.microsoft.com/office/drawing/2014/main" id="{63F22B92-E9AF-44AB-A653-096E87CD1526}"/>
-              </a:ext>
-            </a:extLst>
-          </p:cNvPr>
-          <p:cNvPicPr>
-            <a:picLocks noChangeAspect="1"/>
-          </p:cNvPicPr>
-          <p:nvPr/>
-        </p:nvPicPr>
-        <p:blipFill>
-          <a:blip r:embed="rId4">
-            <a:extLst>
-              <a:ext uri="{28A0092B-C50C-407E-A947-70E740481C1C}">
-                <a14:useLocalDpi xmlns:a14="http://schemas.microsoft.com/office/drawing/2010/main" val="0"/>
-              </a:ext>
-            </a:extLst>
-          </a:blip>
-          <a:stretch>
-            <a:fillRect/>
-          </a:stretch>
-        </p:blipFill>
-        <p:spPr>
-          <a:xfrm>
-            <a:off x="7410168" y="1066801"/>
-            <a:ext cx="2891928" cy="6858000"/>
+            <a:off x="448524" y="482757"/>
+            <a:ext cx="769441" cy="769441"/>
           </a:xfrm>
           <a:prstGeom prst="rect">
             <a:avLst/>
@@ -4625,7 +4760,7 @@
     </p:spTree>
     <p:extLst>
       <p:ext uri="{BB962C8B-B14F-4D97-AF65-F5344CB8AC3E}">
-        <p14:creationId xmlns:p14="http://schemas.microsoft.com/office/powerpoint/2010/main" val="1029867405"/>
+        <p14:creationId xmlns:p14="http://schemas.microsoft.com/office/powerpoint/2010/main" val="3949691697"/>
       </p:ext>
     </p:extLst>
   </p:cSld>
@@ -4666,6 +4801,729 @@
         </p:nvSpPr>
         <p:spPr>
           <a:xfrm>
+            <a:off x="1108286" y="556646"/>
+            <a:ext cx="4379725" cy="769441"/>
+          </a:xfrm>
+          <a:prstGeom prst="rect">
+            <a:avLst/>
+          </a:prstGeom>
+          <a:noFill/>
+        </p:spPr>
+        <p:txBody>
+          <a:bodyPr wrap="none" lIns="91440" tIns="45720" rIns="91440" bIns="45720">
+            <a:spAutoFit/>
+          </a:bodyPr>
+          <a:lstStyle/>
+          <a:p>
+            <a:pPr algn="ctr"/>
+            <a:r>
+              <a:rPr lang="zh-TW" altLang="en-US" sz="4400" b="1" dirty="0">
+                <a:ln w="10160">
+                  <a:solidFill>
+                    <a:schemeClr val="accent5"/>
+                  </a:solidFill>
+                  <a:prstDash val="solid"/>
+                </a:ln>
+                <a:solidFill>
+                  <a:schemeClr val="bg1"/>
+                </a:solidFill>
+                <a:effectLst>
+                  <a:glow rad="139700">
+                    <a:schemeClr val="accent1">
+                      <a:satMod val="175000"/>
+                      <a:alpha val="40000"/>
+                    </a:schemeClr>
+                  </a:glow>
+                </a:effectLst>
+                <a:latin typeface="Microsoft JhengHei" panose="020B0604030504040204" pitchFamily="34" charset="-120"/>
+                <a:ea typeface="Microsoft JhengHei" panose="020B0604030504040204" pitchFamily="34" charset="-120"/>
+              </a:rPr>
+              <a:t>附註</a:t>
+            </a:r>
+            <a:r>
+              <a:rPr lang="en-US" altLang="zh-TW" sz="4400" b="1" dirty="0">
+                <a:ln w="10160">
+                  <a:solidFill>
+                    <a:schemeClr val="accent5"/>
+                  </a:solidFill>
+                  <a:prstDash val="solid"/>
+                </a:ln>
+                <a:solidFill>
+                  <a:schemeClr val="bg1"/>
+                </a:solidFill>
+                <a:effectLst>
+                  <a:glow rad="139700">
+                    <a:schemeClr val="accent1">
+                      <a:satMod val="175000"/>
+                      <a:alpha val="40000"/>
+                    </a:schemeClr>
+                  </a:glow>
+                </a:effectLst>
+                <a:latin typeface="Microsoft JhengHei" panose="020B0604030504040204" pitchFamily="34" charset="-120"/>
+                <a:ea typeface="Microsoft JhengHei" panose="020B0604030504040204" pitchFamily="34" charset="-120"/>
+              </a:rPr>
+              <a:t>-</a:t>
+            </a:r>
+            <a:r>
+              <a:rPr lang="zh-TW" altLang="en-US" sz="4400" b="1" dirty="0">
+                <a:ln w="10160">
+                  <a:solidFill>
+                    <a:schemeClr val="accent5"/>
+                  </a:solidFill>
+                  <a:prstDash val="solid"/>
+                </a:ln>
+                <a:solidFill>
+                  <a:schemeClr val="bg1"/>
+                </a:solidFill>
+                <a:effectLst>
+                  <a:glow rad="139700">
+                    <a:schemeClr val="accent1">
+                      <a:satMod val="175000"/>
+                      <a:alpha val="40000"/>
+                    </a:schemeClr>
+                  </a:glow>
+                </a:effectLst>
+                <a:latin typeface="Microsoft JhengHei" panose="020B0604030504040204" pitchFamily="34" charset="-120"/>
+                <a:ea typeface="Microsoft JhengHei" panose="020B0604030504040204" pitchFamily="34" charset="-120"/>
+              </a:rPr>
+              <a:t>完整程式碼</a:t>
+            </a:r>
+            <a:endParaRPr lang="zh-TW" altLang="en-US" sz="4400" b="1" cap="none" spc="0" dirty="0">
+              <a:ln w="10160">
+                <a:solidFill>
+                  <a:schemeClr val="accent5"/>
+                </a:solidFill>
+                <a:prstDash val="solid"/>
+              </a:ln>
+              <a:solidFill>
+                <a:schemeClr val="bg1"/>
+              </a:solidFill>
+              <a:effectLst>
+                <a:glow rad="139700">
+                  <a:schemeClr val="accent1">
+                    <a:satMod val="175000"/>
+                    <a:alpha val="40000"/>
+                  </a:schemeClr>
+                </a:glow>
+              </a:effectLst>
+              <a:latin typeface="Microsoft JhengHei" panose="020B0604030504040204" pitchFamily="34" charset="-120"/>
+              <a:ea typeface="Microsoft JhengHei" panose="020B0604030504040204" pitchFamily="34" charset="-120"/>
+            </a:endParaRPr>
+          </a:p>
+        </p:txBody>
+      </p:sp>
+      <p:sp>
+        <p:nvSpPr>
+          <p:cNvPr id="2" name="文字方塊 1">
+            <a:extLst>
+              <a:ext uri="{FF2B5EF4-FFF2-40B4-BE49-F238E27FC236}">
+                <a16:creationId xmlns:a16="http://schemas.microsoft.com/office/drawing/2014/main" id="{9AB86E52-72C8-475E-905C-BA3A3F576B95}"/>
+              </a:ext>
+            </a:extLst>
+          </p:cNvPr>
+          <p:cNvSpPr txBox="1"/>
+          <p:nvPr/>
+        </p:nvSpPr>
+        <p:spPr>
+          <a:xfrm>
+            <a:off x="1966575" y="1993510"/>
+            <a:ext cx="8258849" cy="559512"/>
+          </a:xfrm>
+          <a:prstGeom prst="rect">
+            <a:avLst/>
+          </a:prstGeom>
+          <a:noFill/>
+        </p:spPr>
+        <p:txBody>
+          <a:bodyPr wrap="square" rtlCol="0">
+            <a:spAutoFit/>
+          </a:bodyPr>
+          <a:lstStyle/>
+          <a:p>
+            <a:pPr>
+              <a:lnSpc>
+                <a:spcPts val="4000"/>
+              </a:lnSpc>
+            </a:pPr>
+            <a:r>
+              <a:rPr lang="en-US" altLang="zh-TW" sz="2800" b="1" dirty="0">
+                <a:solidFill>
+                  <a:schemeClr val="bg1"/>
+                </a:solidFill>
+                <a:effectLst>
+                  <a:glow rad="139700">
+                    <a:schemeClr val="accent1">
+                      <a:satMod val="175000"/>
+                      <a:alpha val="40000"/>
+                    </a:schemeClr>
+                  </a:glow>
+                </a:effectLst>
+                <a:latin typeface="Microsoft JhengHei" panose="020B0604030504040204" pitchFamily="34" charset="-120"/>
+                <a:ea typeface="Microsoft JhengHei" panose="020B0604030504040204" pitchFamily="34" charset="-120"/>
+              </a:rPr>
+              <a:t>https://github.com/DJSBTimTW/python_gc</a:t>
+            </a:r>
+          </a:p>
+        </p:txBody>
+      </p:sp>
+      <p:pic>
+        <p:nvPicPr>
+          <p:cNvPr id="4" name="圖片 3">
+            <a:extLst>
+              <a:ext uri="{FF2B5EF4-FFF2-40B4-BE49-F238E27FC236}">
+                <a16:creationId xmlns:a16="http://schemas.microsoft.com/office/drawing/2014/main" id="{6ABFCE43-6B30-43C4-9DC5-7D91A726E7AC}"/>
+              </a:ext>
+            </a:extLst>
+          </p:cNvPr>
+          <p:cNvPicPr>
+            <a:picLocks noChangeAspect="1"/>
+          </p:cNvPicPr>
+          <p:nvPr/>
+        </p:nvPicPr>
+        <p:blipFill>
+          <a:blip r:embed="rId2">
+            <a:extLst>
+              <a:ext uri="{28A0092B-C50C-407E-A947-70E740481C1C}">
+                <a14:useLocalDpi xmlns:a14="http://schemas.microsoft.com/office/drawing/2010/main" val="0"/>
+              </a:ext>
+            </a:extLst>
+          </a:blip>
+          <a:stretch>
+            <a:fillRect/>
+          </a:stretch>
+        </p:blipFill>
+        <p:spPr>
+          <a:xfrm>
+            <a:off x="448524" y="482757"/>
+            <a:ext cx="769441" cy="769441"/>
+          </a:xfrm>
+          <a:prstGeom prst="rect">
+            <a:avLst/>
+          </a:prstGeom>
+        </p:spPr>
+      </p:pic>
+      <p:pic>
+        <p:nvPicPr>
+          <p:cNvPr id="6" name="圖片 5">
+            <a:extLst>
+              <a:ext uri="{FF2B5EF4-FFF2-40B4-BE49-F238E27FC236}">
+                <a16:creationId xmlns:a16="http://schemas.microsoft.com/office/drawing/2014/main" id="{5263A57C-D014-4EE2-B322-8B6B6B42021D}"/>
+              </a:ext>
+            </a:extLst>
+          </p:cNvPr>
+          <p:cNvPicPr>
+            <a:picLocks noChangeAspect="1"/>
+          </p:cNvPicPr>
+          <p:nvPr/>
+        </p:nvPicPr>
+        <p:blipFill>
+          <a:blip r:embed="rId3">
+            <a:extLst>
+              <a:ext uri="{28A0092B-C50C-407E-A947-70E740481C1C}">
+                <a14:useLocalDpi xmlns:a14="http://schemas.microsoft.com/office/drawing/2010/main" val="0"/>
+              </a:ext>
+            </a:extLst>
+          </a:blip>
+          <a:stretch>
+            <a:fillRect/>
+          </a:stretch>
+        </p:blipFill>
+        <p:spPr>
+          <a:xfrm>
+            <a:off x="4615895" y="3220445"/>
+            <a:ext cx="2960209" cy="2960209"/>
+          </a:xfrm>
+          <a:prstGeom prst="rect">
+            <a:avLst/>
+          </a:prstGeom>
+        </p:spPr>
+      </p:pic>
+    </p:spTree>
+    <p:extLst>
+      <p:ext uri="{BB962C8B-B14F-4D97-AF65-F5344CB8AC3E}">
+        <p14:creationId xmlns:p14="http://schemas.microsoft.com/office/powerpoint/2010/main" val="138124005"/>
+      </p:ext>
+    </p:extLst>
+  </p:cSld>
+  <p:clrMapOvr>
+    <a:masterClrMapping/>
+  </p:clrMapOvr>
+</p:sld>
+</file>
+
+<file path=ppt/slides/slide13.xml><?xml version="1.0" encoding="utf-8"?>
+<p:sld xmlns:a="http://schemas.openxmlformats.org/drawingml/2006/main" xmlns:r="http://schemas.openxmlformats.org/officeDocument/2006/relationships" xmlns:p="http://schemas.openxmlformats.org/presentationml/2006/main">
+  <p:cSld>
+    <p:spTree>
+      <p:nvGrpSpPr>
+        <p:cNvPr id="1" name=""/>
+        <p:cNvGrpSpPr/>
+        <p:nvPr/>
+      </p:nvGrpSpPr>
+      <p:grpSpPr>
+        <a:xfrm>
+          <a:off x="0" y="0"/>
+          <a:ext cx="0" cy="0"/>
+          <a:chOff x="0" y="0"/>
+          <a:chExt cx="0" cy="0"/>
+        </a:xfrm>
+      </p:grpSpPr>
+      <p:sp>
+        <p:nvSpPr>
+          <p:cNvPr id="2" name="矩形 1">
+            <a:extLst>
+              <a:ext uri="{FF2B5EF4-FFF2-40B4-BE49-F238E27FC236}">
+                <a16:creationId xmlns:a16="http://schemas.microsoft.com/office/drawing/2014/main" id="{95B77600-13A5-461D-B1EC-82870AC98D77}"/>
+              </a:ext>
+            </a:extLst>
+          </p:cNvPr>
+          <p:cNvSpPr/>
+          <p:nvPr/>
+        </p:nvSpPr>
+        <p:spPr>
+          <a:xfrm>
+            <a:off x="4579403" y="2908068"/>
+            <a:ext cx="3033202" cy="923330"/>
+          </a:xfrm>
+          <a:prstGeom prst="rect">
+            <a:avLst/>
+          </a:prstGeom>
+          <a:noFill/>
+        </p:spPr>
+        <p:txBody>
+          <a:bodyPr wrap="none" lIns="91440" tIns="45720" rIns="91440" bIns="45720">
+            <a:spAutoFit/>
+          </a:bodyPr>
+          <a:lstStyle/>
+          <a:p>
+            <a:pPr algn="ctr"/>
+            <a:r>
+              <a:rPr lang="en-US" altLang="zh-TW" sz="5400" b="1" dirty="0">
+                <a:solidFill>
+                  <a:schemeClr val="bg1"/>
+                </a:solidFill>
+                <a:effectLst>
+                  <a:glow rad="139700">
+                    <a:schemeClr val="accent1">
+                      <a:satMod val="175000"/>
+                      <a:alpha val="40000"/>
+                    </a:schemeClr>
+                  </a:glow>
+                  <a:outerShdw blurRad="60007" dist="310007" dir="7680000" sy="30000" kx="1300200" algn="ctr" rotWithShape="0">
+                    <a:prstClr val="black">
+                      <a:alpha val="32000"/>
+                    </a:prstClr>
+                  </a:outerShdw>
+                </a:effectLst>
+                <a:latin typeface="Microsoft JhengHei" panose="020B0604030504040204" pitchFamily="34" charset="-120"/>
+                <a:ea typeface="Microsoft JhengHei" panose="020B0604030504040204" pitchFamily="34" charset="-120"/>
+              </a:rPr>
+              <a:t>The </a:t>
+            </a:r>
+            <a:r>
+              <a:rPr lang="zh-TW" altLang="en-US" sz="5400" b="1" dirty="0">
+                <a:solidFill>
+                  <a:schemeClr val="bg1"/>
+                </a:solidFill>
+                <a:effectLst>
+                  <a:glow rad="139700">
+                    <a:schemeClr val="accent1">
+                      <a:satMod val="175000"/>
+                      <a:alpha val="40000"/>
+                    </a:schemeClr>
+                  </a:glow>
+                  <a:outerShdw blurRad="60007" dist="310007" dir="7680000" sy="30000" kx="1300200" algn="ctr" rotWithShape="0">
+                    <a:prstClr val="black">
+                      <a:alpha val="32000"/>
+                    </a:prstClr>
+                  </a:outerShdw>
+                </a:effectLst>
+                <a:latin typeface="Microsoft JhengHei" panose="020B0604030504040204" pitchFamily="34" charset="-120"/>
+                <a:ea typeface="Microsoft JhengHei" panose="020B0604030504040204" pitchFamily="34" charset="-120"/>
+              </a:rPr>
+              <a:t> </a:t>
+            </a:r>
+            <a:r>
+              <a:rPr lang="en-US" altLang="zh-TW" sz="5400" b="1" dirty="0">
+                <a:solidFill>
+                  <a:schemeClr val="bg1"/>
+                </a:solidFill>
+                <a:effectLst>
+                  <a:glow rad="139700">
+                    <a:schemeClr val="accent1">
+                      <a:satMod val="175000"/>
+                      <a:alpha val="40000"/>
+                    </a:schemeClr>
+                  </a:glow>
+                  <a:outerShdw blurRad="60007" dist="310007" dir="7680000" sy="30000" kx="1300200" algn="ctr" rotWithShape="0">
+                    <a:prstClr val="black">
+                      <a:alpha val="32000"/>
+                    </a:prstClr>
+                  </a:outerShdw>
+                </a:effectLst>
+                <a:latin typeface="Microsoft JhengHei" panose="020B0604030504040204" pitchFamily="34" charset="-120"/>
+                <a:ea typeface="Microsoft JhengHei" panose="020B0604030504040204" pitchFamily="34" charset="-120"/>
+              </a:rPr>
+              <a:t>End</a:t>
+            </a:r>
+          </a:p>
+        </p:txBody>
+      </p:sp>
+      <p:pic>
+        <p:nvPicPr>
+          <p:cNvPr id="4" name="圖片 3">
+            <a:extLst>
+              <a:ext uri="{FF2B5EF4-FFF2-40B4-BE49-F238E27FC236}">
+                <a16:creationId xmlns:a16="http://schemas.microsoft.com/office/drawing/2014/main" id="{8B07B930-0D3C-49D7-B403-74612A8656F1}"/>
+              </a:ext>
+            </a:extLst>
+          </p:cNvPr>
+          <p:cNvPicPr>
+            <a:picLocks noChangeAspect="1"/>
+          </p:cNvPicPr>
+          <p:nvPr/>
+        </p:nvPicPr>
+        <p:blipFill>
+          <a:blip r:embed="rId2">
+            <a:extLst>
+              <a:ext uri="{28A0092B-C50C-407E-A947-70E740481C1C}">
+                <a14:useLocalDpi xmlns:a14="http://schemas.microsoft.com/office/drawing/2010/main" val="0"/>
+              </a:ext>
+            </a:extLst>
+          </a:blip>
+          <a:stretch>
+            <a:fillRect/>
+          </a:stretch>
+        </p:blipFill>
+        <p:spPr>
+          <a:xfrm>
+            <a:off x="9836148" y="4341290"/>
+            <a:ext cx="1966377" cy="1966377"/>
+          </a:xfrm>
+          <a:prstGeom prst="rect">
+            <a:avLst/>
+          </a:prstGeom>
+        </p:spPr>
+      </p:pic>
+      <p:sp>
+        <p:nvSpPr>
+          <p:cNvPr id="5" name="矩形 4">
+            <a:extLst>
+              <a:ext uri="{FF2B5EF4-FFF2-40B4-BE49-F238E27FC236}">
+                <a16:creationId xmlns:a16="http://schemas.microsoft.com/office/drawing/2014/main" id="{81855BDD-8E3C-4ECC-B6D6-B1964F108F5B}"/>
+              </a:ext>
+            </a:extLst>
+          </p:cNvPr>
+          <p:cNvSpPr/>
+          <p:nvPr/>
+        </p:nvSpPr>
+        <p:spPr>
+          <a:xfrm>
+            <a:off x="9550253" y="6224721"/>
+            <a:ext cx="2472558" cy="523220"/>
+          </a:xfrm>
+          <a:prstGeom prst="rect">
+            <a:avLst/>
+          </a:prstGeom>
+          <a:noFill/>
+        </p:spPr>
+        <p:txBody>
+          <a:bodyPr wrap="square" lIns="91440" tIns="45720" rIns="91440" bIns="45720">
+            <a:spAutoFit/>
+          </a:bodyPr>
+          <a:lstStyle/>
+          <a:p>
+            <a:pPr algn="ctr"/>
+            <a:r>
+              <a:rPr lang="en-US" altLang="zh-TW" sz="2800" b="1" cap="none" spc="0" dirty="0">
+                <a:ln w="10160">
+                  <a:solidFill>
+                    <a:schemeClr val="accent5"/>
+                  </a:solidFill>
+                  <a:prstDash val="solid"/>
+                </a:ln>
+                <a:solidFill>
+                  <a:schemeClr val="bg1"/>
+                </a:solidFill>
+                <a:effectLst>
+                  <a:glow rad="139700">
+                    <a:schemeClr val="accent1">
+                      <a:satMod val="175000"/>
+                      <a:alpha val="40000"/>
+                    </a:schemeClr>
+                  </a:glow>
+                  <a:outerShdw blurRad="60007" dist="310007" dir="7680000" sy="30000" kx="1300200" algn="ctr" rotWithShape="0">
+                    <a:prstClr val="black">
+                      <a:alpha val="32000"/>
+                    </a:prstClr>
+                  </a:outerShdw>
+                </a:effectLst>
+                <a:latin typeface="Microsoft JhengHei" panose="020B0604030504040204" pitchFamily="34" charset="-120"/>
+                <a:ea typeface="Microsoft JhengHei" panose="020B0604030504040204" pitchFamily="34" charset="-120"/>
+              </a:rPr>
+              <a:t>GC</a:t>
+            </a:r>
+            <a:r>
+              <a:rPr lang="zh-TW" altLang="en-US" sz="2800" b="1" cap="none" spc="0" dirty="0">
+                <a:ln w="10160">
+                  <a:solidFill>
+                    <a:schemeClr val="accent5"/>
+                  </a:solidFill>
+                  <a:prstDash val="solid"/>
+                </a:ln>
+                <a:solidFill>
+                  <a:schemeClr val="bg1"/>
+                </a:solidFill>
+                <a:effectLst>
+                  <a:glow rad="139700">
+                    <a:schemeClr val="accent1">
+                      <a:satMod val="175000"/>
+                      <a:alpha val="40000"/>
+                    </a:schemeClr>
+                  </a:glow>
+                  <a:outerShdw blurRad="60007" dist="310007" dir="7680000" sy="30000" kx="1300200" algn="ctr" rotWithShape="0">
+                    <a:prstClr val="black">
+                      <a:alpha val="32000"/>
+                    </a:prstClr>
+                  </a:outerShdw>
+                </a:effectLst>
+                <a:latin typeface="Microsoft JhengHei" panose="020B0604030504040204" pitchFamily="34" charset="-120"/>
+                <a:ea typeface="Microsoft JhengHei" panose="020B0604030504040204" pitchFamily="34" charset="-120"/>
+              </a:rPr>
+              <a:t>玩家討論區</a:t>
+            </a:r>
+            <a:endParaRPr lang="zh-TW" altLang="en-US" sz="2800" b="1" cap="none" spc="0" dirty="0">
+              <a:ln w="10160">
+                <a:solidFill>
+                  <a:schemeClr val="accent5"/>
+                </a:solidFill>
+                <a:prstDash val="solid"/>
+              </a:ln>
+              <a:solidFill>
+                <a:schemeClr val="bg1"/>
+              </a:solidFill>
+              <a:effectLst>
+                <a:glow rad="139700">
+                  <a:schemeClr val="accent1">
+                    <a:satMod val="175000"/>
+                    <a:alpha val="40000"/>
+                  </a:schemeClr>
+                </a:glow>
+              </a:effectLst>
+              <a:latin typeface="Microsoft JhengHei" panose="020B0604030504040204" pitchFamily="34" charset="-120"/>
+              <a:ea typeface="Microsoft JhengHei" panose="020B0604030504040204" pitchFamily="34" charset="-120"/>
+            </a:endParaRPr>
+          </a:p>
+        </p:txBody>
+      </p:sp>
+      <p:pic>
+        <p:nvPicPr>
+          <p:cNvPr id="8" name="圖片 7">
+            <a:extLst>
+              <a:ext uri="{FF2B5EF4-FFF2-40B4-BE49-F238E27FC236}">
+                <a16:creationId xmlns:a16="http://schemas.microsoft.com/office/drawing/2014/main" id="{5FE46F45-AE51-4A2B-8B00-AF90AF11D890}"/>
+              </a:ext>
+            </a:extLst>
+          </p:cNvPr>
+          <p:cNvPicPr>
+            <a:picLocks noChangeAspect="1"/>
+          </p:cNvPicPr>
+          <p:nvPr/>
+        </p:nvPicPr>
+        <p:blipFill>
+          <a:blip r:embed="rId3">
+            <a:extLst>
+              <a:ext uri="{28A0092B-C50C-407E-A947-70E740481C1C}">
+                <a14:useLocalDpi xmlns:a14="http://schemas.microsoft.com/office/drawing/2010/main" val="0"/>
+              </a:ext>
+            </a:extLst>
+          </a:blip>
+          <a:stretch>
+            <a:fillRect/>
+          </a:stretch>
+        </p:blipFill>
+        <p:spPr>
+          <a:xfrm>
+            <a:off x="2125136" y="995036"/>
+            <a:ext cx="2573867" cy="7690308"/>
+          </a:xfrm>
+          <a:prstGeom prst="rect">
+            <a:avLst/>
+          </a:prstGeom>
+        </p:spPr>
+      </p:pic>
+      <p:sp>
+        <p:nvSpPr>
+          <p:cNvPr id="9" name="矩形 8">
+            <a:extLst>
+              <a:ext uri="{FF2B5EF4-FFF2-40B4-BE49-F238E27FC236}">
+                <a16:creationId xmlns:a16="http://schemas.microsoft.com/office/drawing/2014/main" id="{58C8105A-82BA-41CF-94E9-69A397DF361A}"/>
+              </a:ext>
+            </a:extLst>
+          </p:cNvPr>
+          <p:cNvSpPr/>
+          <p:nvPr/>
+        </p:nvSpPr>
+        <p:spPr>
+          <a:xfrm rot="19005611">
+            <a:off x="3766160" y="2535538"/>
+            <a:ext cx="819455" cy="461665"/>
+          </a:xfrm>
+          <a:prstGeom prst="rect">
+            <a:avLst/>
+          </a:prstGeom>
+          <a:noFill/>
+        </p:spPr>
+        <p:txBody>
+          <a:bodyPr wrap="none" lIns="91440" tIns="45720" rIns="91440" bIns="45720">
+            <a:spAutoFit/>
+          </a:bodyPr>
+          <a:lstStyle/>
+          <a:p>
+            <a:pPr algn="ctr"/>
+            <a:r>
+              <a:rPr lang="en-US" altLang="zh-TW" sz="2400" dirty="0">
+                <a:ln w="0"/>
+                <a:effectLst>
+                  <a:outerShdw blurRad="38100" dist="19050" dir="2700000" algn="tl" rotWithShape="0">
+                    <a:schemeClr val="dk1">
+                      <a:alpha val="40000"/>
+                    </a:schemeClr>
+                  </a:outerShdw>
+                </a:effectLst>
+                <a:latin typeface="Microsoft JhengHei" panose="020B0604030504040204" pitchFamily="34" charset="-120"/>
+                <a:ea typeface="Microsoft JhengHei" panose="020B0604030504040204" pitchFamily="34" charset="-120"/>
+              </a:rPr>
+              <a:t>Q</a:t>
+            </a:r>
+            <a:r>
+              <a:rPr lang="en-US" altLang="zh-TW" sz="1200" dirty="0">
+                <a:ln w="0"/>
+                <a:effectLst>
+                  <a:outerShdw blurRad="38100" dist="19050" dir="2700000" algn="tl" rotWithShape="0">
+                    <a:schemeClr val="dk1">
+                      <a:alpha val="40000"/>
+                    </a:schemeClr>
+                  </a:outerShdw>
+                </a:effectLst>
+                <a:latin typeface="Microsoft JhengHei" panose="020B0604030504040204" pitchFamily="34" charset="-120"/>
+                <a:ea typeface="Microsoft JhengHei" panose="020B0604030504040204" pitchFamily="34" charset="-120"/>
+              </a:rPr>
+              <a:t>&amp;</a:t>
+            </a:r>
+            <a:r>
+              <a:rPr lang="zh-TW" altLang="en-US" sz="1200" dirty="0">
+                <a:ln w="0"/>
+                <a:effectLst>
+                  <a:outerShdw blurRad="38100" dist="19050" dir="2700000" algn="tl" rotWithShape="0">
+                    <a:schemeClr val="dk1">
+                      <a:alpha val="40000"/>
+                    </a:schemeClr>
+                  </a:outerShdw>
+                </a:effectLst>
+                <a:latin typeface="Microsoft JhengHei" panose="020B0604030504040204" pitchFamily="34" charset="-120"/>
+                <a:ea typeface="Microsoft JhengHei" panose="020B0604030504040204" pitchFamily="34" charset="-120"/>
+              </a:rPr>
+              <a:t> </a:t>
+            </a:r>
+            <a:r>
+              <a:rPr lang="en-US" altLang="zh-TW" sz="2400" dirty="0">
+                <a:ln w="0"/>
+                <a:effectLst>
+                  <a:outerShdw blurRad="38100" dist="19050" dir="2700000" algn="tl" rotWithShape="0">
+                    <a:schemeClr val="dk1">
+                      <a:alpha val="40000"/>
+                    </a:schemeClr>
+                  </a:outerShdw>
+                </a:effectLst>
+                <a:latin typeface="Microsoft JhengHei" panose="020B0604030504040204" pitchFamily="34" charset="-120"/>
+                <a:ea typeface="Microsoft JhengHei" panose="020B0604030504040204" pitchFamily="34" charset="-120"/>
+              </a:rPr>
+              <a:t>A</a:t>
+            </a:r>
+          </a:p>
+        </p:txBody>
+      </p:sp>
+      <p:pic>
+        <p:nvPicPr>
+          <p:cNvPr id="11" name="圖片 10">
+            <a:extLst>
+              <a:ext uri="{FF2B5EF4-FFF2-40B4-BE49-F238E27FC236}">
+                <a16:creationId xmlns:a16="http://schemas.microsoft.com/office/drawing/2014/main" id="{63F22B92-E9AF-44AB-A653-096E87CD1526}"/>
+              </a:ext>
+            </a:extLst>
+          </p:cNvPr>
+          <p:cNvPicPr>
+            <a:picLocks noChangeAspect="1"/>
+          </p:cNvPicPr>
+          <p:nvPr/>
+        </p:nvPicPr>
+        <p:blipFill>
+          <a:blip r:embed="rId4">
+            <a:extLst>
+              <a:ext uri="{28A0092B-C50C-407E-A947-70E740481C1C}">
+                <a14:useLocalDpi xmlns:a14="http://schemas.microsoft.com/office/drawing/2010/main" val="0"/>
+              </a:ext>
+            </a:extLst>
+          </a:blip>
+          <a:stretch>
+            <a:fillRect/>
+          </a:stretch>
+        </p:blipFill>
+        <p:spPr>
+          <a:xfrm>
+            <a:off x="7410168" y="1066801"/>
+            <a:ext cx="2891928" cy="6858000"/>
+          </a:xfrm>
+          <a:prstGeom prst="rect">
+            <a:avLst/>
+          </a:prstGeom>
+        </p:spPr>
+      </p:pic>
+    </p:spTree>
+    <p:extLst>
+      <p:ext uri="{BB962C8B-B14F-4D97-AF65-F5344CB8AC3E}">
+        <p14:creationId xmlns:p14="http://schemas.microsoft.com/office/powerpoint/2010/main" val="1029867405"/>
+      </p:ext>
+    </p:extLst>
+  </p:cSld>
+  <p:clrMapOvr>
+    <a:masterClrMapping/>
+  </p:clrMapOvr>
+</p:sld>
+</file>
+
+<file path=ppt/slides/slide14.xml><?xml version="1.0" encoding="utf-8"?>
+<p:sld xmlns:a="http://schemas.openxmlformats.org/drawingml/2006/main" xmlns:r="http://schemas.openxmlformats.org/officeDocument/2006/relationships" xmlns:p="http://schemas.openxmlformats.org/presentationml/2006/main">
+  <p:cSld>
+    <p:spTree>
+      <p:nvGrpSpPr>
+        <p:cNvPr id="1" name=""/>
+        <p:cNvGrpSpPr/>
+        <p:nvPr/>
+      </p:nvGrpSpPr>
+      <p:grpSpPr>
+        <a:xfrm>
+          <a:off x="0" y="0"/>
+          <a:ext cx="0" cy="0"/>
+          <a:chOff x="0" y="0"/>
+          <a:chExt cx="0" cy="0"/>
+        </a:xfrm>
+      </p:grpSpPr>
+      <p:sp>
+        <p:nvSpPr>
+          <p:cNvPr id="5" name="矩形 4">
+            <a:extLst>
+              <a:ext uri="{FF2B5EF4-FFF2-40B4-BE49-F238E27FC236}">
+                <a16:creationId xmlns:a16="http://schemas.microsoft.com/office/drawing/2014/main" id="{B12A8606-1685-464A-A01E-5E029C6A5806}"/>
+              </a:ext>
+            </a:extLst>
+          </p:cNvPr>
+          <p:cNvSpPr/>
+          <p:nvPr/>
+        </p:nvSpPr>
+        <p:spPr>
+          <a:xfrm>
             <a:off x="1125193" y="556646"/>
             <a:ext cx="2441694" cy="769441"/>
           </a:xfrm>
@@ -4869,7 +5727,7 @@
 </p:sld>
 </file>
 
-<file path=ppt/slides/slide13.xml><?xml version="1.0" encoding="utf-8"?>
+<file path=ppt/slides/slide15.xml><?xml version="1.0" encoding="utf-8"?>
 <p:sld xmlns:a="http://schemas.openxmlformats.org/drawingml/2006/main" xmlns:r="http://schemas.openxmlformats.org/officeDocument/2006/relationships" xmlns:p="http://schemas.openxmlformats.org/presentationml/2006/main">
   <p:cSld>
     <p:spTree>
@@ -4899,7 +5757,7 @@
 </p:sld>
 </file>
 
-<file path=ppt/slides/slide14.xml><?xml version="1.0" encoding="utf-8"?>
+<file path=ppt/slides/slide16.xml><?xml version="1.0" encoding="utf-8"?>
 <p:sld xmlns:a="http://schemas.openxmlformats.org/drawingml/2006/main" xmlns:r="http://schemas.openxmlformats.org/officeDocument/2006/relationships" xmlns:p="http://schemas.openxmlformats.org/presentationml/2006/main">
   <p:cSld>
     <p:spTree>
@@ -4930,6 +5788,1256 @@
 </file>
 
 <file path=ppt/slides/slide2.xml><?xml version="1.0" encoding="utf-8"?>
+<p:sld xmlns:a="http://schemas.openxmlformats.org/drawingml/2006/main" xmlns:r="http://schemas.openxmlformats.org/officeDocument/2006/relationships" xmlns:p="http://schemas.openxmlformats.org/presentationml/2006/main">
+  <p:cSld>
+    <p:spTree>
+      <p:nvGrpSpPr>
+        <p:cNvPr id="1" name=""/>
+        <p:cNvGrpSpPr/>
+        <p:nvPr/>
+      </p:nvGrpSpPr>
+      <p:grpSpPr>
+        <a:xfrm>
+          <a:off x="0" y="0"/>
+          <a:ext cx="0" cy="0"/>
+          <a:chOff x="0" y="0"/>
+          <a:chExt cx="0" cy="0"/>
+        </a:xfrm>
+      </p:grpSpPr>
+      <p:sp>
+        <p:nvSpPr>
+          <p:cNvPr id="5" name="矩形 4">
+            <a:extLst>
+              <a:ext uri="{FF2B5EF4-FFF2-40B4-BE49-F238E27FC236}">
+                <a16:creationId xmlns:a16="http://schemas.microsoft.com/office/drawing/2014/main" id="{B12A8606-1685-464A-A01E-5E029C6A5806}"/>
+              </a:ext>
+            </a:extLst>
+          </p:cNvPr>
+          <p:cNvSpPr/>
+          <p:nvPr/>
+        </p:nvSpPr>
+        <p:spPr>
+          <a:xfrm>
+            <a:off x="4875155" y="3044279"/>
+            <a:ext cx="2441694" cy="769441"/>
+          </a:xfrm>
+          <a:prstGeom prst="rect">
+            <a:avLst/>
+          </a:prstGeom>
+          <a:noFill/>
+        </p:spPr>
+        <p:txBody>
+          <a:bodyPr wrap="none" lIns="91440" tIns="45720" rIns="91440" bIns="45720">
+            <a:spAutoFit/>
+          </a:bodyPr>
+          <a:lstStyle/>
+          <a:p>
+            <a:pPr algn="ctr"/>
+            <a:r>
+              <a:rPr lang="zh-TW" altLang="en-US" sz="4400" b="1" cap="none" spc="0" dirty="0">
+                <a:ln w="10160">
+                  <a:solidFill>
+                    <a:schemeClr val="accent5"/>
+                  </a:solidFill>
+                  <a:prstDash val="solid"/>
+                </a:ln>
+                <a:solidFill>
+                  <a:schemeClr val="bg1"/>
+                </a:solidFill>
+                <a:effectLst>
+                  <a:glow rad="139700">
+                    <a:schemeClr val="accent1">
+                      <a:satMod val="175000"/>
+                      <a:alpha val="40000"/>
+                    </a:schemeClr>
+                  </a:glow>
+                </a:effectLst>
+                <a:latin typeface="Microsoft JhengHei" panose="020B0604030504040204" pitchFamily="34" charset="-120"/>
+                <a:ea typeface="Microsoft JhengHei" panose="020B0604030504040204" pitchFamily="34" charset="-120"/>
+              </a:rPr>
+              <a:t>前情提要</a:t>
+            </a:r>
+          </a:p>
+        </p:txBody>
+      </p:sp>
+      <p:pic>
+        <p:nvPicPr>
+          <p:cNvPr id="4" name="圖片 3">
+            <a:extLst>
+              <a:ext uri="{FF2B5EF4-FFF2-40B4-BE49-F238E27FC236}">
+                <a16:creationId xmlns:a16="http://schemas.microsoft.com/office/drawing/2014/main" id="{6ABFCE43-6B30-43C4-9DC5-7D91A726E7AC}"/>
+              </a:ext>
+            </a:extLst>
+          </p:cNvPr>
+          <p:cNvPicPr>
+            <a:picLocks noChangeAspect="1"/>
+          </p:cNvPicPr>
+          <p:nvPr/>
+        </p:nvPicPr>
+        <p:blipFill>
+          <a:blip r:embed="rId2">
+            <a:extLst>
+              <a:ext uri="{28A0092B-C50C-407E-A947-70E740481C1C}">
+                <a14:useLocalDpi xmlns:a14="http://schemas.microsoft.com/office/drawing/2010/main" val="0"/>
+              </a:ext>
+            </a:extLst>
+          </a:blip>
+          <a:stretch>
+            <a:fillRect/>
+          </a:stretch>
+        </p:blipFill>
+        <p:spPr>
+          <a:xfrm>
+            <a:off x="448524" y="482757"/>
+            <a:ext cx="769441" cy="769441"/>
+          </a:xfrm>
+          <a:prstGeom prst="rect">
+            <a:avLst/>
+          </a:prstGeom>
+        </p:spPr>
+      </p:pic>
+    </p:spTree>
+    <p:extLst>
+      <p:ext uri="{BB962C8B-B14F-4D97-AF65-F5344CB8AC3E}">
+        <p14:creationId xmlns:p14="http://schemas.microsoft.com/office/powerpoint/2010/main" val="1443958076"/>
+      </p:ext>
+    </p:extLst>
+  </p:cSld>
+  <p:clrMapOvr>
+    <a:masterClrMapping/>
+  </p:clrMapOvr>
+</p:sld>
+</file>
+
+<file path=ppt/slides/slide3.xml><?xml version="1.0" encoding="utf-8"?>
+<p:sld xmlns:a="http://schemas.openxmlformats.org/drawingml/2006/main" xmlns:r="http://schemas.openxmlformats.org/officeDocument/2006/relationships" xmlns:p="http://schemas.openxmlformats.org/presentationml/2006/main">
+  <p:cSld>
+    <p:spTree>
+      <p:nvGrpSpPr>
+        <p:cNvPr id="1" name=""/>
+        <p:cNvGrpSpPr/>
+        <p:nvPr/>
+      </p:nvGrpSpPr>
+      <p:grpSpPr>
+        <a:xfrm>
+          <a:off x="0" y="0"/>
+          <a:ext cx="0" cy="0"/>
+          <a:chOff x="0" y="0"/>
+          <a:chExt cx="0" cy="0"/>
+        </a:xfrm>
+      </p:grpSpPr>
+      <p:sp>
+        <p:nvSpPr>
+          <p:cNvPr id="5" name="矩形 4">
+            <a:extLst>
+              <a:ext uri="{FF2B5EF4-FFF2-40B4-BE49-F238E27FC236}">
+                <a16:creationId xmlns:a16="http://schemas.microsoft.com/office/drawing/2014/main" id="{B12A8606-1685-464A-A01E-5E029C6A5806}"/>
+              </a:ext>
+            </a:extLst>
+          </p:cNvPr>
+          <p:cNvSpPr/>
+          <p:nvPr/>
+        </p:nvSpPr>
+        <p:spPr>
+          <a:xfrm>
+            <a:off x="181340" y="2305615"/>
+            <a:ext cx="12010660" cy="2246769"/>
+          </a:xfrm>
+          <a:prstGeom prst="rect">
+            <a:avLst/>
+          </a:prstGeom>
+          <a:noFill/>
+        </p:spPr>
+        <p:txBody>
+          <a:bodyPr wrap="none" lIns="91440" tIns="45720" rIns="91440" bIns="45720">
+            <a:spAutoFit/>
+          </a:bodyPr>
+          <a:lstStyle/>
+          <a:p>
+            <a:r>
+              <a:rPr lang="en-US" altLang="zh-TW" sz="1400" b="1" cap="none" spc="0" dirty="0" err="1">
+                <a:ln w="10160">
+                  <a:solidFill>
+                    <a:schemeClr val="accent5"/>
+                  </a:solidFill>
+                  <a:prstDash val="solid"/>
+                </a:ln>
+                <a:solidFill>
+                  <a:schemeClr val="bg1"/>
+                </a:solidFill>
+                <a:effectLst>
+                  <a:glow rad="139700">
+                    <a:schemeClr val="accent1">
+                      <a:satMod val="175000"/>
+                      <a:alpha val="40000"/>
+                    </a:schemeClr>
+                  </a:glow>
+                </a:effectLst>
+                <a:latin typeface="Microsoft JhengHei" panose="020B0604030504040204" pitchFamily="34" charset="-120"/>
+                <a:ea typeface="Microsoft JhengHei" panose="020B0604030504040204" pitchFamily="34" charset="-120"/>
+              </a:rPr>
+              <a:t>javascript</a:t>
+            </a:r>
+            <a:r>
+              <a:rPr lang="en-US" altLang="zh-TW" sz="1400" b="1" cap="none" spc="0" dirty="0">
+                <a:ln w="10160">
+                  <a:solidFill>
+                    <a:schemeClr val="accent5"/>
+                  </a:solidFill>
+                  <a:prstDash val="solid"/>
+                </a:ln>
+                <a:solidFill>
+                  <a:schemeClr val="bg1"/>
+                </a:solidFill>
+                <a:effectLst>
+                  <a:glow rad="139700">
+                    <a:schemeClr val="accent1">
+                      <a:satMod val="175000"/>
+                      <a:alpha val="40000"/>
+                    </a:schemeClr>
+                  </a:glow>
+                </a:effectLst>
+                <a:latin typeface="Microsoft JhengHei" panose="020B0604030504040204" pitchFamily="34" charset="-120"/>
+                <a:ea typeface="Microsoft JhengHei" panose="020B0604030504040204" pitchFamily="34" charset="-120"/>
+              </a:rPr>
+              <a:t>:</a:t>
+            </a:r>
+          </a:p>
+          <a:p>
+            <a:r>
+              <a:rPr lang="en-US" altLang="zh-TW" sz="1400" b="1" cap="none" spc="0" dirty="0">
+                <a:ln w="10160">
+                  <a:solidFill>
+                    <a:schemeClr val="accent5"/>
+                  </a:solidFill>
+                  <a:prstDash val="solid"/>
+                </a:ln>
+                <a:solidFill>
+                  <a:schemeClr val="bg1"/>
+                </a:solidFill>
+                <a:effectLst>
+                  <a:glow rad="139700">
+                    <a:schemeClr val="accent1">
+                      <a:satMod val="175000"/>
+                      <a:alpha val="40000"/>
+                    </a:schemeClr>
+                  </a:glow>
+                </a:effectLst>
+                <a:latin typeface="Microsoft JhengHei" panose="020B0604030504040204" pitchFamily="34" charset="-120"/>
+                <a:ea typeface="Microsoft JhengHei" panose="020B0604030504040204" pitchFamily="34" charset="-120"/>
+              </a:rPr>
+              <a:t>    (function()%7Bvar </a:t>
+            </a:r>
+            <a:r>
+              <a:rPr lang="en-US" altLang="zh-TW" sz="1400" b="1" cap="none" spc="0" dirty="0" err="1">
+                <a:ln w="10160">
+                  <a:solidFill>
+                    <a:schemeClr val="accent5"/>
+                  </a:solidFill>
+                  <a:prstDash val="solid"/>
+                </a:ln>
+                <a:solidFill>
+                  <a:schemeClr val="bg1"/>
+                </a:solidFill>
+                <a:effectLst>
+                  <a:glow rad="139700">
+                    <a:schemeClr val="accent1">
+                      <a:satMod val="175000"/>
+                      <a:alpha val="40000"/>
+                    </a:schemeClr>
+                  </a:glow>
+                </a:effectLst>
+                <a:latin typeface="Microsoft JhengHei" panose="020B0604030504040204" pitchFamily="34" charset="-120"/>
+                <a:ea typeface="Microsoft JhengHei" panose="020B0604030504040204" pitchFamily="34" charset="-120"/>
+              </a:rPr>
+              <a:t>xmlHttp</a:t>
+            </a:r>
+            <a:r>
+              <a:rPr lang="en-US" altLang="zh-TW" sz="1400" b="1" cap="none" spc="0" dirty="0">
+                <a:ln w="10160">
+                  <a:solidFill>
+                    <a:schemeClr val="accent5"/>
+                  </a:solidFill>
+                  <a:prstDash val="solid"/>
+                </a:ln>
+                <a:solidFill>
+                  <a:schemeClr val="bg1"/>
+                </a:solidFill>
+                <a:effectLst>
+                  <a:glow rad="139700">
+                    <a:schemeClr val="accent1">
+                      <a:satMod val="175000"/>
+                      <a:alpha val="40000"/>
+                    </a:schemeClr>
+                  </a:glow>
+                </a:effectLst>
+                <a:latin typeface="Microsoft JhengHei" panose="020B0604030504040204" pitchFamily="34" charset="-120"/>
+                <a:ea typeface="Microsoft JhengHei" panose="020B0604030504040204" pitchFamily="34" charset="-120"/>
+              </a:rPr>
+              <a:t> = new </a:t>
+            </a:r>
+            <a:r>
+              <a:rPr lang="en-US" altLang="zh-TW" sz="1400" b="1" cap="none" spc="0" dirty="0" err="1">
+                <a:ln w="10160">
+                  <a:solidFill>
+                    <a:schemeClr val="accent5"/>
+                  </a:solidFill>
+                  <a:prstDash val="solid"/>
+                </a:ln>
+                <a:solidFill>
+                  <a:schemeClr val="bg1"/>
+                </a:solidFill>
+                <a:effectLst>
+                  <a:glow rad="139700">
+                    <a:schemeClr val="accent1">
+                      <a:satMod val="175000"/>
+                      <a:alpha val="40000"/>
+                    </a:schemeClr>
+                  </a:glow>
+                </a:effectLst>
+                <a:latin typeface="Microsoft JhengHei" panose="020B0604030504040204" pitchFamily="34" charset="-120"/>
+                <a:ea typeface="Microsoft JhengHei" panose="020B0604030504040204" pitchFamily="34" charset="-120"/>
+              </a:rPr>
+              <a:t>XMLHttpRequest</a:t>
+            </a:r>
+            <a:r>
+              <a:rPr lang="en-US" altLang="zh-TW" sz="1400" b="1" cap="none" spc="0" dirty="0">
+                <a:ln w="10160">
+                  <a:solidFill>
+                    <a:schemeClr val="accent5"/>
+                  </a:solidFill>
+                  <a:prstDash val="solid"/>
+                </a:ln>
+                <a:solidFill>
+                  <a:schemeClr val="bg1"/>
+                </a:solidFill>
+                <a:effectLst>
+                  <a:glow rad="139700">
+                    <a:schemeClr val="accent1">
+                      <a:satMod val="175000"/>
+                      <a:alpha val="40000"/>
+                    </a:schemeClr>
+                  </a:glow>
+                </a:effectLst>
+                <a:latin typeface="Microsoft JhengHei" panose="020B0604030504040204" pitchFamily="34" charset="-120"/>
+                <a:ea typeface="Microsoft JhengHei" panose="020B0604030504040204" pitchFamily="34" charset="-120"/>
+              </a:rPr>
+              <a:t>();</a:t>
+            </a:r>
+          </a:p>
+          <a:p>
+            <a:r>
+              <a:rPr lang="en-US" altLang="zh-TW" sz="1400" b="1" cap="none" spc="0" dirty="0">
+                <a:ln w="10160">
+                  <a:solidFill>
+                    <a:schemeClr val="accent5"/>
+                  </a:solidFill>
+                  <a:prstDash val="solid"/>
+                </a:ln>
+                <a:solidFill>
+                  <a:schemeClr val="bg1"/>
+                </a:solidFill>
+                <a:effectLst>
+                  <a:glow rad="139700">
+                    <a:schemeClr val="accent1">
+                      <a:satMod val="175000"/>
+                      <a:alpha val="40000"/>
+                    </a:schemeClr>
+                  </a:glow>
+                </a:effectLst>
+                <a:latin typeface="Microsoft JhengHei" panose="020B0604030504040204" pitchFamily="34" charset="-120"/>
+                <a:ea typeface="Microsoft JhengHei" panose="020B0604030504040204" pitchFamily="34" charset="-120"/>
+              </a:rPr>
+              <a:t>    </a:t>
+            </a:r>
+            <a:r>
+              <a:rPr lang="en-US" altLang="zh-TW" sz="1400" b="1" cap="none" spc="0" dirty="0" err="1">
+                <a:ln w="10160">
+                  <a:solidFill>
+                    <a:schemeClr val="accent5"/>
+                  </a:solidFill>
+                  <a:prstDash val="solid"/>
+                </a:ln>
+                <a:solidFill>
+                  <a:schemeClr val="bg1"/>
+                </a:solidFill>
+                <a:effectLst>
+                  <a:glow rad="139700">
+                    <a:schemeClr val="accent1">
+                      <a:satMod val="175000"/>
+                      <a:alpha val="40000"/>
+                    </a:schemeClr>
+                  </a:glow>
+                </a:effectLst>
+                <a:latin typeface="Microsoft JhengHei" panose="020B0604030504040204" pitchFamily="34" charset="-120"/>
+                <a:ea typeface="Microsoft JhengHei" panose="020B0604030504040204" pitchFamily="34" charset="-120"/>
+              </a:rPr>
+              <a:t>xmlHttp.open</a:t>
+            </a:r>
+            <a:r>
+              <a:rPr lang="en-US" altLang="zh-TW" sz="1400" b="1" cap="none" spc="0" dirty="0">
+                <a:ln w="10160">
+                  <a:solidFill>
+                    <a:schemeClr val="accent5"/>
+                  </a:solidFill>
+                  <a:prstDash val="solid"/>
+                </a:ln>
+                <a:solidFill>
+                  <a:schemeClr val="bg1"/>
+                </a:solidFill>
+                <a:effectLst>
+                  <a:glow rad="139700">
+                    <a:schemeClr val="accent1">
+                      <a:satMod val="175000"/>
+                      <a:alpha val="40000"/>
+                    </a:schemeClr>
+                  </a:glow>
+                </a:effectLst>
+                <a:latin typeface="Microsoft JhengHei" panose="020B0604030504040204" pitchFamily="34" charset="-120"/>
+                <a:ea typeface="Microsoft JhengHei" panose="020B0604030504040204" pitchFamily="34" charset="-120"/>
+              </a:rPr>
+              <a:t>("GET", "https://mypage.groovecoaster.jp/</a:t>
+            </a:r>
+            <a:r>
+              <a:rPr lang="en-US" altLang="zh-TW" sz="1400" b="1" cap="none" spc="0" dirty="0" err="1">
+                <a:ln w="10160">
+                  <a:solidFill>
+                    <a:schemeClr val="accent5"/>
+                  </a:solidFill>
+                  <a:prstDash val="solid"/>
+                </a:ln>
+                <a:solidFill>
+                  <a:schemeClr val="bg1"/>
+                </a:solidFill>
+                <a:effectLst>
+                  <a:glow rad="139700">
+                    <a:schemeClr val="accent1">
+                      <a:satMod val="175000"/>
+                      <a:alpha val="40000"/>
+                    </a:schemeClr>
+                  </a:glow>
+                </a:effectLst>
+                <a:latin typeface="Microsoft JhengHei" panose="020B0604030504040204" pitchFamily="34" charset="-120"/>
+                <a:ea typeface="Microsoft JhengHei" panose="020B0604030504040204" pitchFamily="34" charset="-120"/>
+              </a:rPr>
+              <a:t>sp</a:t>
+            </a:r>
+            <a:r>
+              <a:rPr lang="en-US" altLang="zh-TW" sz="1400" b="1" cap="none" spc="0" dirty="0">
+                <a:ln w="10160">
+                  <a:solidFill>
+                    <a:schemeClr val="accent5"/>
+                  </a:solidFill>
+                  <a:prstDash val="solid"/>
+                </a:ln>
+                <a:solidFill>
+                  <a:schemeClr val="bg1"/>
+                </a:solidFill>
+                <a:effectLst>
+                  <a:glow rad="139700">
+                    <a:schemeClr val="accent1">
+                      <a:satMod val="175000"/>
+                      <a:alpha val="40000"/>
+                    </a:schemeClr>
+                  </a:glow>
+                </a:effectLst>
+                <a:latin typeface="Microsoft JhengHei" panose="020B0604030504040204" pitchFamily="34" charset="-120"/>
+                <a:ea typeface="Microsoft JhengHei" panose="020B0604030504040204" pitchFamily="34" charset="-120"/>
+              </a:rPr>
+              <a:t>/json/</a:t>
+            </a:r>
+            <a:r>
+              <a:rPr lang="en-US" altLang="zh-TW" sz="1400" b="1" cap="none" spc="0" dirty="0" err="1">
+                <a:ln w="10160">
+                  <a:solidFill>
+                    <a:schemeClr val="accent5"/>
+                  </a:solidFill>
+                  <a:prstDash val="solid"/>
+                </a:ln>
+                <a:solidFill>
+                  <a:schemeClr val="bg1"/>
+                </a:solidFill>
+                <a:effectLst>
+                  <a:glow rad="139700">
+                    <a:schemeClr val="accent1">
+                      <a:satMod val="175000"/>
+                      <a:alpha val="40000"/>
+                    </a:schemeClr>
+                  </a:glow>
+                </a:effectLst>
+                <a:latin typeface="Microsoft JhengHei" panose="020B0604030504040204" pitchFamily="34" charset="-120"/>
+                <a:ea typeface="Microsoft JhengHei" panose="020B0604030504040204" pitchFamily="34" charset="-120"/>
+              </a:rPr>
+              <a:t>music_list.php</a:t>
+            </a:r>
+            <a:r>
+              <a:rPr lang="en-US" altLang="zh-TW" sz="1400" b="1" cap="none" spc="0" dirty="0">
+                <a:ln w="10160">
+                  <a:solidFill>
+                    <a:schemeClr val="accent5"/>
+                  </a:solidFill>
+                  <a:prstDash val="solid"/>
+                </a:ln>
+                <a:solidFill>
+                  <a:schemeClr val="bg1"/>
+                </a:solidFill>
+                <a:effectLst>
+                  <a:glow rad="139700">
+                    <a:schemeClr val="accent1">
+                      <a:satMod val="175000"/>
+                      <a:alpha val="40000"/>
+                    </a:schemeClr>
+                  </a:glow>
+                </a:effectLst>
+                <a:latin typeface="Microsoft JhengHei" panose="020B0604030504040204" pitchFamily="34" charset="-120"/>
+                <a:ea typeface="Microsoft JhengHei" panose="020B0604030504040204" pitchFamily="34" charset="-120"/>
+              </a:rPr>
+              <a:t>", false);</a:t>
+            </a:r>
+          </a:p>
+          <a:p>
+            <a:r>
+              <a:rPr lang="en-US" altLang="zh-TW" sz="1400" b="1" cap="none" spc="0" dirty="0">
+                <a:ln w="10160">
+                  <a:solidFill>
+                    <a:schemeClr val="accent5"/>
+                  </a:solidFill>
+                  <a:prstDash val="solid"/>
+                </a:ln>
+                <a:solidFill>
+                  <a:schemeClr val="bg1"/>
+                </a:solidFill>
+                <a:effectLst>
+                  <a:glow rad="139700">
+                    <a:schemeClr val="accent1">
+                      <a:satMod val="175000"/>
+                      <a:alpha val="40000"/>
+                    </a:schemeClr>
+                  </a:glow>
+                </a:effectLst>
+                <a:latin typeface="Microsoft JhengHei" panose="020B0604030504040204" pitchFamily="34" charset="-120"/>
+                <a:ea typeface="Microsoft JhengHei" panose="020B0604030504040204" pitchFamily="34" charset="-120"/>
+              </a:rPr>
+              <a:t>    </a:t>
+            </a:r>
+            <a:r>
+              <a:rPr lang="en-US" altLang="zh-TW" sz="1400" b="1" cap="none" spc="0" dirty="0" err="1">
+                <a:ln w="10160">
+                  <a:solidFill>
+                    <a:schemeClr val="accent5"/>
+                  </a:solidFill>
+                  <a:prstDash val="solid"/>
+                </a:ln>
+                <a:solidFill>
+                  <a:schemeClr val="bg1"/>
+                </a:solidFill>
+                <a:effectLst>
+                  <a:glow rad="139700">
+                    <a:schemeClr val="accent1">
+                      <a:satMod val="175000"/>
+                      <a:alpha val="40000"/>
+                    </a:schemeClr>
+                  </a:glow>
+                </a:effectLst>
+                <a:latin typeface="Microsoft JhengHei" panose="020B0604030504040204" pitchFamily="34" charset="-120"/>
+                <a:ea typeface="Microsoft JhengHei" panose="020B0604030504040204" pitchFamily="34" charset="-120"/>
+              </a:rPr>
+              <a:t>xmlHttp.send</a:t>
+            </a:r>
+            <a:r>
+              <a:rPr lang="en-US" altLang="zh-TW" sz="1400" b="1" cap="none" spc="0" dirty="0">
+                <a:ln w="10160">
+                  <a:solidFill>
+                    <a:schemeClr val="accent5"/>
+                  </a:solidFill>
+                  <a:prstDash val="solid"/>
+                </a:ln>
+                <a:solidFill>
+                  <a:schemeClr val="bg1"/>
+                </a:solidFill>
+                <a:effectLst>
+                  <a:glow rad="139700">
+                    <a:schemeClr val="accent1">
+                      <a:satMod val="175000"/>
+                      <a:alpha val="40000"/>
+                    </a:schemeClr>
+                  </a:glow>
+                </a:effectLst>
+                <a:latin typeface="Microsoft JhengHei" panose="020B0604030504040204" pitchFamily="34" charset="-120"/>
+                <a:ea typeface="Microsoft JhengHei" panose="020B0604030504040204" pitchFamily="34" charset="-120"/>
+              </a:rPr>
+              <a:t>(null);var data = </a:t>
+            </a:r>
+            <a:r>
+              <a:rPr lang="en-US" altLang="zh-TW" sz="1400" b="1" cap="none" spc="0" dirty="0" err="1">
+                <a:ln w="10160">
+                  <a:solidFill>
+                    <a:schemeClr val="accent5"/>
+                  </a:solidFill>
+                  <a:prstDash val="solid"/>
+                </a:ln>
+                <a:solidFill>
+                  <a:schemeClr val="bg1"/>
+                </a:solidFill>
+                <a:effectLst>
+                  <a:glow rad="139700">
+                    <a:schemeClr val="accent1">
+                      <a:satMod val="175000"/>
+                      <a:alpha val="40000"/>
+                    </a:schemeClr>
+                  </a:glow>
+                </a:effectLst>
+                <a:latin typeface="Microsoft JhengHei" panose="020B0604030504040204" pitchFamily="34" charset="-120"/>
+                <a:ea typeface="Microsoft JhengHei" panose="020B0604030504040204" pitchFamily="34" charset="-120"/>
+              </a:rPr>
+              <a:t>JSON.parse</a:t>
+            </a:r>
+            <a:r>
+              <a:rPr lang="en-US" altLang="zh-TW" sz="1400" b="1" cap="none" spc="0" dirty="0">
+                <a:ln w="10160">
+                  <a:solidFill>
+                    <a:schemeClr val="accent5"/>
+                  </a:solidFill>
+                  <a:prstDash val="solid"/>
+                </a:ln>
+                <a:solidFill>
+                  <a:schemeClr val="bg1"/>
+                </a:solidFill>
+                <a:effectLst>
+                  <a:glow rad="139700">
+                    <a:schemeClr val="accent1">
+                      <a:satMod val="175000"/>
+                      <a:alpha val="40000"/>
+                    </a:schemeClr>
+                  </a:glow>
+                </a:effectLst>
+                <a:latin typeface="Microsoft JhengHei" panose="020B0604030504040204" pitchFamily="34" charset="-120"/>
+                <a:ea typeface="Microsoft JhengHei" panose="020B0604030504040204" pitchFamily="34" charset="-120"/>
+              </a:rPr>
+              <a:t>(</a:t>
+            </a:r>
+            <a:r>
+              <a:rPr lang="en-US" altLang="zh-TW" sz="1400" b="1" cap="none" spc="0" dirty="0" err="1">
+                <a:ln w="10160">
+                  <a:solidFill>
+                    <a:schemeClr val="accent5"/>
+                  </a:solidFill>
+                  <a:prstDash val="solid"/>
+                </a:ln>
+                <a:solidFill>
+                  <a:schemeClr val="bg1"/>
+                </a:solidFill>
+                <a:effectLst>
+                  <a:glow rad="139700">
+                    <a:schemeClr val="accent1">
+                      <a:satMod val="175000"/>
+                      <a:alpha val="40000"/>
+                    </a:schemeClr>
+                  </a:glow>
+                </a:effectLst>
+                <a:latin typeface="Microsoft JhengHei" panose="020B0604030504040204" pitchFamily="34" charset="-120"/>
+                <a:ea typeface="Microsoft JhengHei" panose="020B0604030504040204" pitchFamily="34" charset="-120"/>
+              </a:rPr>
+              <a:t>xmlHttp.responseText</a:t>
+            </a:r>
+            <a:r>
+              <a:rPr lang="en-US" altLang="zh-TW" sz="1400" b="1" cap="none" spc="0" dirty="0">
+                <a:ln w="10160">
+                  <a:solidFill>
+                    <a:schemeClr val="accent5"/>
+                  </a:solidFill>
+                  <a:prstDash val="solid"/>
+                </a:ln>
+                <a:solidFill>
+                  <a:schemeClr val="bg1"/>
+                </a:solidFill>
+                <a:effectLst>
+                  <a:glow rad="139700">
+                    <a:schemeClr val="accent1">
+                      <a:satMod val="175000"/>
+                      <a:alpha val="40000"/>
+                    </a:schemeClr>
+                  </a:glow>
+                </a:effectLst>
+                <a:latin typeface="Microsoft JhengHei" panose="020B0604030504040204" pitchFamily="34" charset="-120"/>
+                <a:ea typeface="Microsoft JhengHei" panose="020B0604030504040204" pitchFamily="34" charset="-120"/>
+              </a:rPr>
+              <a:t>);</a:t>
+            </a:r>
+          </a:p>
+          <a:p>
+            <a:r>
+              <a:rPr lang="en-US" altLang="zh-TW" sz="1400" b="1" cap="none" spc="0" dirty="0">
+                <a:ln w="10160">
+                  <a:solidFill>
+                    <a:schemeClr val="accent5"/>
+                  </a:solidFill>
+                  <a:prstDash val="solid"/>
+                </a:ln>
+                <a:solidFill>
+                  <a:schemeClr val="bg1"/>
+                </a:solidFill>
+                <a:effectLst>
+                  <a:glow rad="139700">
+                    <a:schemeClr val="accent1">
+                      <a:satMod val="175000"/>
+                      <a:alpha val="40000"/>
+                    </a:schemeClr>
+                  </a:glow>
+                </a:effectLst>
+                <a:latin typeface="Microsoft JhengHei" panose="020B0604030504040204" pitchFamily="34" charset="-120"/>
+                <a:ea typeface="Microsoft JhengHei" panose="020B0604030504040204" pitchFamily="34" charset="-120"/>
+              </a:rPr>
+              <a:t>    var </a:t>
+            </a:r>
+            <a:r>
+              <a:rPr lang="en-US" altLang="zh-TW" sz="1400" b="1" cap="none" spc="0" dirty="0" err="1">
+                <a:ln w="10160">
+                  <a:solidFill>
+                    <a:schemeClr val="accent5"/>
+                  </a:solidFill>
+                  <a:prstDash val="solid"/>
+                </a:ln>
+                <a:solidFill>
+                  <a:schemeClr val="bg1"/>
+                </a:solidFill>
+                <a:effectLst>
+                  <a:glow rad="139700">
+                    <a:schemeClr val="accent1">
+                      <a:satMod val="175000"/>
+                      <a:alpha val="40000"/>
+                    </a:schemeClr>
+                  </a:glow>
+                </a:effectLst>
+                <a:latin typeface="Microsoft JhengHei" panose="020B0604030504040204" pitchFamily="34" charset="-120"/>
+                <a:ea typeface="Microsoft JhengHei" panose="020B0604030504040204" pitchFamily="34" charset="-120"/>
+              </a:rPr>
+              <a:t>play_count_data</a:t>
+            </a:r>
+            <a:r>
+              <a:rPr lang="en-US" altLang="zh-TW" sz="1400" b="1" cap="none" spc="0" dirty="0">
+                <a:ln w="10160">
+                  <a:solidFill>
+                    <a:schemeClr val="accent5"/>
+                  </a:solidFill>
+                  <a:prstDash val="solid"/>
+                </a:ln>
+                <a:solidFill>
+                  <a:schemeClr val="bg1"/>
+                </a:solidFill>
+                <a:effectLst>
+                  <a:glow rad="139700">
+                    <a:schemeClr val="accent1">
+                      <a:satMod val="175000"/>
+                      <a:alpha val="40000"/>
+                    </a:schemeClr>
+                  </a:glow>
+                </a:effectLst>
+                <a:latin typeface="Microsoft JhengHei" panose="020B0604030504040204" pitchFamily="34" charset="-120"/>
+                <a:ea typeface="Microsoft JhengHei" panose="020B0604030504040204" pitchFamily="34" charset="-120"/>
+              </a:rPr>
+              <a:t> = </a:t>
+            </a:r>
+            <a:r>
+              <a:rPr lang="en-US" altLang="zh-TW" sz="1400" b="1" cap="none" spc="0" dirty="0" err="1">
+                <a:ln w="10160">
+                  <a:solidFill>
+                    <a:schemeClr val="accent5"/>
+                  </a:solidFill>
+                  <a:prstDash val="solid"/>
+                </a:ln>
+                <a:solidFill>
+                  <a:schemeClr val="bg1"/>
+                </a:solidFill>
+                <a:effectLst>
+                  <a:glow rad="139700">
+                    <a:schemeClr val="accent1">
+                      <a:satMod val="175000"/>
+                      <a:alpha val="40000"/>
+                    </a:schemeClr>
+                  </a:glow>
+                </a:effectLst>
+                <a:latin typeface="Microsoft JhengHei" panose="020B0604030504040204" pitchFamily="34" charset="-120"/>
+                <a:ea typeface="Microsoft JhengHei" panose="020B0604030504040204" pitchFamily="34" charset="-120"/>
+              </a:rPr>
+              <a:t>data.music_list.map</a:t>
+            </a:r>
+            <a:r>
+              <a:rPr lang="en-US" altLang="zh-TW" sz="1400" b="1" cap="none" spc="0" dirty="0">
+                <a:ln w="10160">
+                  <a:solidFill>
+                    <a:schemeClr val="accent5"/>
+                  </a:solidFill>
+                  <a:prstDash val="solid"/>
+                </a:ln>
+                <a:solidFill>
+                  <a:schemeClr val="bg1"/>
+                </a:solidFill>
+                <a:effectLst>
+                  <a:glow rad="139700">
+                    <a:schemeClr val="accent1">
+                      <a:satMod val="175000"/>
+                      <a:alpha val="40000"/>
+                    </a:schemeClr>
+                  </a:glow>
+                </a:effectLst>
+                <a:latin typeface="Microsoft JhengHei" panose="020B0604030504040204" pitchFamily="34" charset="-120"/>
+                <a:ea typeface="Microsoft JhengHei" panose="020B0604030504040204" pitchFamily="34" charset="-120"/>
+              </a:rPr>
+              <a:t>(function(e)%7Breturn </a:t>
+            </a:r>
+            <a:r>
+              <a:rPr lang="en-US" altLang="zh-TW" sz="1400" b="1" cap="none" spc="0" dirty="0" err="1">
+                <a:ln w="10160">
+                  <a:solidFill>
+                    <a:schemeClr val="accent5"/>
+                  </a:solidFill>
+                  <a:prstDash val="solid"/>
+                </a:ln>
+                <a:solidFill>
+                  <a:schemeClr val="bg1"/>
+                </a:solidFill>
+                <a:effectLst>
+                  <a:glow rad="139700">
+                    <a:schemeClr val="accent1">
+                      <a:satMod val="175000"/>
+                      <a:alpha val="40000"/>
+                    </a:schemeClr>
+                  </a:glow>
+                </a:effectLst>
+                <a:latin typeface="Microsoft JhengHei" panose="020B0604030504040204" pitchFamily="34" charset="-120"/>
+                <a:ea typeface="Microsoft JhengHei" panose="020B0604030504040204" pitchFamily="34" charset="-120"/>
+              </a:rPr>
+              <a:t>e.play_count</a:t>
+            </a:r>
+            <a:r>
+              <a:rPr lang="en-US" altLang="zh-TW" sz="1400" b="1" cap="none" spc="0" dirty="0">
+                <a:ln w="10160">
+                  <a:solidFill>
+                    <a:schemeClr val="accent5"/>
+                  </a:solidFill>
+                  <a:prstDash val="solid"/>
+                </a:ln>
+                <a:solidFill>
+                  <a:schemeClr val="bg1"/>
+                </a:solidFill>
+                <a:effectLst>
+                  <a:glow rad="139700">
+                    <a:schemeClr val="accent1">
+                      <a:satMod val="175000"/>
+                      <a:alpha val="40000"/>
+                    </a:schemeClr>
+                  </a:glow>
+                </a:effectLst>
+                <a:latin typeface="Microsoft JhengHei" panose="020B0604030504040204" pitchFamily="34" charset="-120"/>
+                <a:ea typeface="Microsoft JhengHei" panose="020B0604030504040204" pitchFamily="34" charset="-120"/>
+              </a:rPr>
+              <a:t>;%7D);</a:t>
+            </a:r>
+          </a:p>
+          <a:p>
+            <a:r>
+              <a:rPr lang="en-US" altLang="zh-TW" sz="1400" b="1" cap="none" spc="0" dirty="0">
+                <a:ln w="10160">
+                  <a:solidFill>
+                    <a:schemeClr val="accent5"/>
+                  </a:solidFill>
+                  <a:prstDash val="solid"/>
+                </a:ln>
+                <a:solidFill>
+                  <a:schemeClr val="bg1"/>
+                </a:solidFill>
+                <a:effectLst>
+                  <a:glow rad="139700">
+                    <a:schemeClr val="accent1">
+                      <a:satMod val="175000"/>
+                      <a:alpha val="40000"/>
+                    </a:schemeClr>
+                  </a:glow>
+                </a:effectLst>
+                <a:latin typeface="Microsoft JhengHei" panose="020B0604030504040204" pitchFamily="34" charset="-120"/>
+                <a:ea typeface="Microsoft JhengHei" panose="020B0604030504040204" pitchFamily="34" charset="-120"/>
+              </a:rPr>
+              <a:t>    var sum =  </a:t>
+            </a:r>
+            <a:r>
+              <a:rPr lang="en-US" altLang="zh-TW" sz="1400" b="1" cap="none" spc="0" dirty="0" err="1">
+                <a:ln w="10160">
+                  <a:solidFill>
+                    <a:schemeClr val="accent5"/>
+                  </a:solidFill>
+                  <a:prstDash val="solid"/>
+                </a:ln>
+                <a:solidFill>
+                  <a:schemeClr val="bg1"/>
+                </a:solidFill>
+                <a:effectLst>
+                  <a:glow rad="139700">
+                    <a:schemeClr val="accent1">
+                      <a:satMod val="175000"/>
+                      <a:alpha val="40000"/>
+                    </a:schemeClr>
+                  </a:glow>
+                </a:effectLst>
+                <a:latin typeface="Microsoft JhengHei" panose="020B0604030504040204" pitchFamily="34" charset="-120"/>
+                <a:ea typeface="Microsoft JhengHei" panose="020B0604030504040204" pitchFamily="34" charset="-120"/>
+              </a:rPr>
+              <a:t>play_count_data.reduce</a:t>
+            </a:r>
+            <a:r>
+              <a:rPr lang="en-US" altLang="zh-TW" sz="1400" b="1" cap="none" spc="0" dirty="0">
+                <a:ln w="10160">
+                  <a:solidFill>
+                    <a:schemeClr val="accent5"/>
+                  </a:solidFill>
+                  <a:prstDash val="solid"/>
+                </a:ln>
+                <a:solidFill>
+                  <a:schemeClr val="bg1"/>
+                </a:solidFill>
+                <a:effectLst>
+                  <a:glow rad="139700">
+                    <a:schemeClr val="accent1">
+                      <a:satMod val="175000"/>
+                      <a:alpha val="40000"/>
+                    </a:schemeClr>
+                  </a:glow>
+                </a:effectLst>
+                <a:latin typeface="Microsoft JhengHei" panose="020B0604030504040204" pitchFamily="34" charset="-120"/>
+                <a:ea typeface="Microsoft JhengHei" panose="020B0604030504040204" pitchFamily="34" charset="-120"/>
+              </a:rPr>
+              <a:t>(function(</a:t>
+            </a:r>
+            <a:r>
+              <a:rPr lang="en-US" altLang="zh-TW" sz="1400" b="1" cap="none" spc="0" dirty="0" err="1">
+                <a:ln w="10160">
+                  <a:solidFill>
+                    <a:schemeClr val="accent5"/>
+                  </a:solidFill>
+                  <a:prstDash val="solid"/>
+                </a:ln>
+                <a:solidFill>
+                  <a:schemeClr val="bg1"/>
+                </a:solidFill>
+                <a:effectLst>
+                  <a:glow rad="139700">
+                    <a:schemeClr val="accent1">
+                      <a:satMod val="175000"/>
+                      <a:alpha val="40000"/>
+                    </a:schemeClr>
+                  </a:glow>
+                </a:effectLst>
+                <a:latin typeface="Microsoft JhengHei" panose="020B0604030504040204" pitchFamily="34" charset="-120"/>
+                <a:ea typeface="Microsoft JhengHei" panose="020B0604030504040204" pitchFamily="34" charset="-120"/>
+              </a:rPr>
+              <a:t>a,b</a:t>
+            </a:r>
+            <a:r>
+              <a:rPr lang="en-US" altLang="zh-TW" sz="1400" b="1" cap="none" spc="0" dirty="0">
+                <a:ln w="10160">
+                  <a:solidFill>
+                    <a:schemeClr val="accent5"/>
+                  </a:solidFill>
+                  <a:prstDash val="solid"/>
+                </a:ln>
+                <a:solidFill>
+                  <a:schemeClr val="bg1"/>
+                </a:solidFill>
+                <a:effectLst>
+                  <a:glow rad="139700">
+                    <a:schemeClr val="accent1">
+                      <a:satMod val="175000"/>
+                      <a:alpha val="40000"/>
+                    </a:schemeClr>
+                  </a:glow>
+                </a:effectLst>
+                <a:latin typeface="Microsoft JhengHei" panose="020B0604030504040204" pitchFamily="34" charset="-120"/>
+                <a:ea typeface="Microsoft JhengHei" panose="020B0604030504040204" pitchFamily="34" charset="-120"/>
+              </a:rPr>
+              <a:t>)%7Breturn a + b;%7D);</a:t>
+            </a:r>
+          </a:p>
+          <a:p>
+            <a:r>
+              <a:rPr lang="en-US" altLang="zh-TW" sz="1400" b="1" cap="none" spc="0" dirty="0">
+                <a:ln w="10160">
+                  <a:solidFill>
+                    <a:schemeClr val="accent5"/>
+                  </a:solidFill>
+                  <a:prstDash val="solid"/>
+                </a:ln>
+                <a:solidFill>
+                  <a:schemeClr val="bg1"/>
+                </a:solidFill>
+                <a:effectLst>
+                  <a:glow rad="139700">
+                    <a:schemeClr val="accent1">
+                      <a:satMod val="175000"/>
+                      <a:alpha val="40000"/>
+                    </a:schemeClr>
+                  </a:glow>
+                </a:effectLst>
+                <a:latin typeface="Microsoft JhengHei" panose="020B0604030504040204" pitchFamily="34" charset="-120"/>
+                <a:ea typeface="Microsoft JhengHei" panose="020B0604030504040204" pitchFamily="34" charset="-120"/>
+              </a:rPr>
+              <a:t>    alert("%E6%A5%BD%E6%9B%B2%E3%83%97%E3%83%AC%E3%82%A4%E7%B7%8F%E6%95%B0:</a:t>
+            </a:r>
+          </a:p>
+          <a:p>
+            <a:r>
+              <a:rPr lang="en-US" altLang="zh-TW" sz="1400" b="1" cap="none" spc="0" dirty="0">
+                <a:ln w="10160">
+                  <a:solidFill>
+                    <a:schemeClr val="accent5"/>
+                  </a:solidFill>
+                  <a:prstDash val="solid"/>
+                </a:ln>
+                <a:solidFill>
+                  <a:schemeClr val="bg1"/>
+                </a:solidFill>
+                <a:effectLst>
+                  <a:glow rad="139700">
+                    <a:schemeClr val="accent1">
+                      <a:satMod val="175000"/>
+                      <a:alpha val="40000"/>
+                    </a:schemeClr>
+                  </a:glow>
+                </a:effectLst>
+                <a:latin typeface="Microsoft JhengHei" panose="020B0604030504040204" pitchFamily="34" charset="-120"/>
+                <a:ea typeface="Microsoft JhengHei" panose="020B0604030504040204" pitchFamily="34" charset="-120"/>
+              </a:rPr>
+              <a:t>         " + sum + "%5Cn" + </a:t>
+            </a:r>
+            <a:r>
+              <a:rPr lang="en-US" altLang="zh-TW" sz="1400" b="1" cap="none" spc="0" dirty="0" err="1">
+                <a:ln w="10160">
+                  <a:solidFill>
+                    <a:schemeClr val="accent5"/>
+                  </a:solidFill>
+                  <a:prstDash val="solid"/>
+                </a:ln>
+                <a:solidFill>
+                  <a:schemeClr val="bg1"/>
+                </a:solidFill>
+                <a:effectLst>
+                  <a:glow rad="139700">
+                    <a:schemeClr val="accent1">
+                      <a:satMod val="175000"/>
+                      <a:alpha val="40000"/>
+                    </a:schemeClr>
+                  </a:glow>
+                </a:effectLst>
+                <a:latin typeface="Microsoft JhengHei" panose="020B0604030504040204" pitchFamily="34" charset="-120"/>
+                <a:ea typeface="Microsoft JhengHei" panose="020B0604030504040204" pitchFamily="34" charset="-120"/>
+              </a:rPr>
+              <a:t>Math.ceil</a:t>
+            </a:r>
+            <a:r>
+              <a:rPr lang="en-US" altLang="zh-TW" sz="1400" b="1" cap="none" spc="0" dirty="0">
+                <a:ln w="10160">
+                  <a:solidFill>
+                    <a:schemeClr val="accent5"/>
+                  </a:solidFill>
+                  <a:prstDash val="solid"/>
+                </a:ln>
+                <a:solidFill>
+                  <a:schemeClr val="bg1"/>
+                </a:solidFill>
+                <a:effectLst>
+                  <a:glow rad="139700">
+                    <a:schemeClr val="accent1">
+                      <a:satMod val="175000"/>
+                      <a:alpha val="40000"/>
+                    </a:schemeClr>
+                  </a:glow>
+                </a:effectLst>
+                <a:latin typeface="Microsoft JhengHei" panose="020B0604030504040204" pitchFamily="34" charset="-120"/>
+                <a:ea typeface="Microsoft JhengHei" panose="020B0604030504040204" pitchFamily="34" charset="-120"/>
+              </a:rPr>
+              <a:t>(sum/3) + "</a:t>
+            </a:r>
+          </a:p>
+          <a:p>
+            <a:r>
+              <a:rPr lang="en-US" altLang="zh-TW" sz="1400" b="1" cap="none" spc="0" dirty="0">
+                <a:ln w="10160">
+                  <a:solidFill>
+                    <a:schemeClr val="accent5"/>
+                  </a:solidFill>
+                  <a:prstDash val="solid"/>
+                </a:ln>
+                <a:solidFill>
+                  <a:schemeClr val="bg1"/>
+                </a:solidFill>
+                <a:effectLst>
+                  <a:glow rad="139700">
+                    <a:schemeClr val="accent1">
+                      <a:satMod val="175000"/>
+                      <a:alpha val="40000"/>
+                    </a:schemeClr>
+                  </a:glow>
+                </a:effectLst>
+                <a:latin typeface="Microsoft JhengHei" panose="020B0604030504040204" pitchFamily="34" charset="-120"/>
+                <a:ea typeface="Microsoft JhengHei" panose="020B0604030504040204" pitchFamily="34" charset="-120"/>
+              </a:rPr>
+              <a:t>        %E3%82%AF%E3%83%AC%E3%81%8F%E3%82%89%E3%81%84%E3%81%97%E3%81%A6%E3%81%84%E3%81%BE%E3%81%99");</a:t>
+            </a:r>
+          </a:p>
+          <a:p>
+            <a:r>
+              <a:rPr lang="en-US" altLang="zh-TW" sz="1400" b="1" cap="none" spc="0" dirty="0">
+                <a:ln w="10160">
+                  <a:solidFill>
+                    <a:schemeClr val="accent5"/>
+                  </a:solidFill>
+                  <a:prstDash val="solid"/>
+                </a:ln>
+                <a:solidFill>
+                  <a:schemeClr val="bg1"/>
+                </a:solidFill>
+                <a:effectLst>
+                  <a:glow rad="139700">
+                    <a:schemeClr val="accent1">
+                      <a:satMod val="175000"/>
+                      <a:alpha val="40000"/>
+                    </a:schemeClr>
+                  </a:glow>
+                </a:effectLst>
+                <a:latin typeface="Microsoft JhengHei" panose="020B0604030504040204" pitchFamily="34" charset="-120"/>
+                <a:ea typeface="Microsoft JhengHei" panose="020B0604030504040204" pitchFamily="34" charset="-120"/>
+              </a:rPr>
+              <a:t>    %7D)();</a:t>
+            </a:r>
+            <a:endParaRPr lang="zh-TW" altLang="en-US" sz="1400" b="1" cap="none" spc="0" dirty="0">
+              <a:ln w="10160">
+                <a:solidFill>
+                  <a:schemeClr val="accent5"/>
+                </a:solidFill>
+                <a:prstDash val="solid"/>
+              </a:ln>
+              <a:solidFill>
+                <a:schemeClr val="bg1"/>
+              </a:solidFill>
+              <a:effectLst>
+                <a:glow rad="139700">
+                  <a:schemeClr val="accent1">
+                    <a:satMod val="175000"/>
+                    <a:alpha val="40000"/>
+                  </a:schemeClr>
+                </a:glow>
+              </a:effectLst>
+              <a:latin typeface="Microsoft JhengHei" panose="020B0604030504040204" pitchFamily="34" charset="-120"/>
+              <a:ea typeface="Microsoft JhengHei" panose="020B0604030504040204" pitchFamily="34" charset="-120"/>
+            </a:endParaRPr>
+          </a:p>
+        </p:txBody>
+      </p:sp>
+      <p:pic>
+        <p:nvPicPr>
+          <p:cNvPr id="4" name="圖片 3">
+            <a:extLst>
+              <a:ext uri="{FF2B5EF4-FFF2-40B4-BE49-F238E27FC236}">
+                <a16:creationId xmlns:a16="http://schemas.microsoft.com/office/drawing/2014/main" id="{6ABFCE43-6B30-43C4-9DC5-7D91A726E7AC}"/>
+              </a:ext>
+            </a:extLst>
+          </p:cNvPr>
+          <p:cNvPicPr>
+            <a:picLocks noChangeAspect="1"/>
+          </p:cNvPicPr>
+          <p:nvPr/>
+        </p:nvPicPr>
+        <p:blipFill>
+          <a:blip r:embed="rId2">
+            <a:extLst>
+              <a:ext uri="{28A0092B-C50C-407E-A947-70E740481C1C}">
+                <a14:useLocalDpi xmlns:a14="http://schemas.microsoft.com/office/drawing/2010/main" val="0"/>
+              </a:ext>
+            </a:extLst>
+          </a:blip>
+          <a:stretch>
+            <a:fillRect/>
+          </a:stretch>
+        </p:blipFill>
+        <p:spPr>
+          <a:xfrm>
+            <a:off x="448524" y="482757"/>
+            <a:ext cx="769441" cy="769441"/>
+          </a:xfrm>
+          <a:prstGeom prst="rect">
+            <a:avLst/>
+          </a:prstGeom>
+        </p:spPr>
+      </p:pic>
+      <p:sp>
+        <p:nvSpPr>
+          <p:cNvPr id="15" name="文字方塊 14">
+            <a:extLst>
+              <a:ext uri="{FF2B5EF4-FFF2-40B4-BE49-F238E27FC236}">
+                <a16:creationId xmlns:a16="http://schemas.microsoft.com/office/drawing/2014/main" id="{3286368C-84E1-496E-BA4A-876BF73A67EC}"/>
+              </a:ext>
+            </a:extLst>
+          </p:cNvPr>
+          <p:cNvSpPr txBox="1"/>
+          <p:nvPr/>
+        </p:nvSpPr>
+        <p:spPr>
+          <a:xfrm>
+            <a:off x="1217965" y="482757"/>
+            <a:ext cx="2469803" cy="769441"/>
+          </a:xfrm>
+          <a:prstGeom prst="rect">
+            <a:avLst/>
+          </a:prstGeom>
+          <a:noFill/>
+        </p:spPr>
+        <p:txBody>
+          <a:bodyPr wrap="square">
+            <a:spAutoFit/>
+          </a:bodyPr>
+          <a:lstStyle/>
+          <a:p>
+            <a:pPr algn="ctr"/>
+            <a:r>
+              <a:rPr lang="zh-TW" altLang="en-US" sz="4400" b="1" cap="none" spc="0" dirty="0">
+                <a:ln w="10160">
+                  <a:solidFill>
+                    <a:schemeClr val="accent5"/>
+                  </a:solidFill>
+                  <a:prstDash val="solid"/>
+                </a:ln>
+                <a:solidFill>
+                  <a:schemeClr val="bg1"/>
+                </a:solidFill>
+                <a:effectLst>
+                  <a:glow rad="139700">
+                    <a:schemeClr val="accent1">
+                      <a:satMod val="175000"/>
+                      <a:alpha val="40000"/>
+                    </a:schemeClr>
+                  </a:glow>
+                </a:effectLst>
+                <a:latin typeface="Microsoft JhengHei" panose="020B0604030504040204" pitchFamily="34" charset="-120"/>
+                <a:ea typeface="Microsoft JhengHei" panose="020B0604030504040204" pitchFamily="34" charset="-120"/>
+              </a:rPr>
+              <a:t>想法啟發</a:t>
+            </a:r>
+          </a:p>
+        </p:txBody>
+      </p:sp>
+    </p:spTree>
+    <p:extLst>
+      <p:ext uri="{BB962C8B-B14F-4D97-AF65-F5344CB8AC3E}">
+        <p14:creationId xmlns:p14="http://schemas.microsoft.com/office/powerpoint/2010/main" val="3328286020"/>
+      </p:ext>
+    </p:extLst>
+  </p:cSld>
+  <p:clrMapOvr>
+    <a:masterClrMapping/>
+  </p:clrMapOvr>
+</p:sld>
+</file>
+
+<file path=ppt/slides/slide4.xml><?xml version="1.0" encoding="utf-8"?>
 <p:sld xmlns:a="http://schemas.openxmlformats.org/drawingml/2006/main" xmlns:r="http://schemas.openxmlformats.org/officeDocument/2006/relationships" xmlns:p="http://schemas.openxmlformats.org/presentationml/2006/main">
   <p:cSld>
     <p:spTree>
@@ -5688,7 +7796,7 @@
 </p:sld>
 </file>
 
-<file path=ppt/slides/slide3.xml><?xml version="1.0" encoding="utf-8"?>
+<file path=ppt/slides/slide5.xml><?xml version="1.0" encoding="utf-8"?>
 <p:sld xmlns:a="http://schemas.openxmlformats.org/drawingml/2006/main" xmlns:r="http://schemas.openxmlformats.org/officeDocument/2006/relationships" xmlns:p="http://schemas.openxmlformats.org/presentationml/2006/main">
   <p:cSld>
     <p:spTree>
@@ -5802,7 +7910,7 @@
         <p:spPr>
           <a:xfrm>
             <a:off x="1851890" y="1891910"/>
-            <a:ext cx="8728363" cy="4150239"/>
+            <a:ext cx="8728363" cy="3637278"/>
           </a:xfrm>
           <a:prstGeom prst="rect">
             <a:avLst/>
@@ -5961,7 +8069,7 @@
                 <a:latin typeface="Microsoft JhengHei" panose="020B0604030504040204" pitchFamily="34" charset="-120"/>
                 <a:ea typeface="Microsoft JhengHei" panose="020B0604030504040204" pitchFamily="34" charset="-120"/>
               </a:rPr>
-              <a:t>紀錄，方便玩家即時查詢</a:t>
+              <a:t>紀錄，方便玩家查詢</a:t>
             </a:r>
             <a:r>
               <a:rPr lang="zh-TW" altLang="en-US" sz="2800" b="1" dirty="0">
@@ -6077,115 +8185,7 @@
                 <a:latin typeface="Microsoft JhengHei" panose="020B0604030504040204" pitchFamily="34" charset="-120"/>
                 <a:ea typeface="Microsoft JhengHei" panose="020B0604030504040204" pitchFamily="34" charset="-120"/>
               </a:rPr>
-              <a:t>在各個時間</a:t>
-            </a:r>
-            <a:r>
-              <a:rPr lang="zh-TW" altLang="en-US" sz="2800" b="1" dirty="0">
-                <a:solidFill>
-                  <a:schemeClr val="bg1"/>
-                </a:solidFill>
-                <a:effectLst>
-                  <a:glow rad="139700">
-                    <a:schemeClr val="accent1">
-                      <a:satMod val="175000"/>
-                      <a:alpha val="40000"/>
-                    </a:schemeClr>
-                  </a:glow>
-                </a:effectLst>
-                <a:latin typeface="Microsoft JhengHei" panose="020B0604030504040204" pitchFamily="34" charset="-120"/>
-                <a:ea typeface="Microsoft JhengHei" panose="020B0604030504040204" pitchFamily="34" charset="-120"/>
-              </a:rPr>
-              <a:t>、</a:t>
-            </a:r>
-            <a:r>
-              <a:rPr lang="zh-TW" altLang="zh-TW" sz="2800" b="1" dirty="0">
-                <a:solidFill>
-                  <a:schemeClr val="bg1"/>
-                </a:solidFill>
-                <a:effectLst>
-                  <a:glow rad="139700">
-                    <a:schemeClr val="accent1">
-                      <a:satMod val="175000"/>
-                      <a:alpha val="40000"/>
-                    </a:schemeClr>
-                  </a:glow>
-                </a:effectLst>
-                <a:latin typeface="Microsoft JhengHei" panose="020B0604030504040204" pitchFamily="34" charset="-120"/>
-                <a:ea typeface="Microsoft JhengHei" panose="020B0604030504040204" pitchFamily="34" charset="-120"/>
-              </a:rPr>
-              <a:t>各個地點，隨時隨地，隨心所欲</a:t>
-            </a:r>
-            <a:r>
-              <a:rPr lang="zh-TW" altLang="en-US" sz="2800" b="1" dirty="0">
-                <a:solidFill>
-                  <a:schemeClr val="bg1"/>
-                </a:solidFill>
-                <a:effectLst>
-                  <a:glow rad="139700">
-                    <a:schemeClr val="accent1">
-                      <a:satMod val="175000"/>
-                      <a:alpha val="40000"/>
-                    </a:schemeClr>
-                  </a:glow>
-                </a:effectLst>
-                <a:latin typeface="Microsoft JhengHei" panose="020B0604030504040204" pitchFamily="34" charset="-120"/>
-                <a:ea typeface="Microsoft JhengHei" panose="020B0604030504040204" pitchFamily="34" charset="-120"/>
-              </a:rPr>
-              <a:t>地</a:t>
-            </a:r>
-            <a:r>
-              <a:rPr lang="zh-TW" altLang="zh-TW" sz="2800" b="1" dirty="0">
-                <a:solidFill>
-                  <a:schemeClr val="bg1"/>
-                </a:solidFill>
-                <a:effectLst>
-                  <a:glow rad="139700">
-                    <a:schemeClr val="accent1">
-                      <a:satMod val="175000"/>
-                      <a:alpha val="40000"/>
-                    </a:schemeClr>
-                  </a:glow>
-                </a:effectLst>
-                <a:latin typeface="Microsoft JhengHei" panose="020B0604030504040204" pitchFamily="34" charset="-120"/>
-                <a:ea typeface="Microsoft JhengHei" panose="020B0604030504040204" pitchFamily="34" charset="-120"/>
-              </a:rPr>
-              <a:t>使用</a:t>
-            </a:r>
-            <a:r>
-              <a:rPr lang="zh-TW" altLang="en-US" sz="2800" b="1" dirty="0">
-                <a:solidFill>
-                  <a:schemeClr val="bg1"/>
-                </a:solidFill>
-                <a:effectLst>
-                  <a:glow rad="139700">
-                    <a:schemeClr val="accent1">
-                      <a:satMod val="175000"/>
-                      <a:alpha val="40000"/>
-                    </a:schemeClr>
-                  </a:glow>
-                </a:effectLst>
-                <a:latin typeface="Microsoft JhengHei" panose="020B0604030504040204" pitchFamily="34" charset="-120"/>
-                <a:ea typeface="Microsoft JhengHei" panose="020B0604030504040204" pitchFamily="34" charset="-120"/>
-              </a:rPr>
-              <a:t>，</a:t>
-            </a:r>
-            <a:r>
-              <a:rPr lang="zh-TW" altLang="zh-TW" sz="2800" b="1" dirty="0">
-                <a:solidFill>
-                  <a:schemeClr val="bg1"/>
-                </a:solidFill>
-                <a:effectLst>
-                  <a:glow rad="139700">
-                    <a:schemeClr val="accent1">
-                      <a:satMod val="175000"/>
-                      <a:alpha val="40000"/>
-                    </a:schemeClr>
-                  </a:glow>
-                </a:effectLst>
-                <a:latin typeface="Microsoft JhengHei" panose="020B0604030504040204" pitchFamily="34" charset="-120"/>
-                <a:ea typeface="Microsoft JhengHei" panose="020B0604030504040204" pitchFamily="34" charset="-120"/>
-              </a:rPr>
-              <a:t>並找出自己遊玩的紀錄</a:t>
+              <a:t>找出自己遊玩的紀錄</a:t>
             </a:r>
             <a:r>
               <a:rPr lang="zh-TW" altLang="en-US" sz="2800" b="1" dirty="0">
@@ -6282,1039 +8282,6 @@
     <p:extLst>
       <p:ext uri="{BB962C8B-B14F-4D97-AF65-F5344CB8AC3E}">
         <p14:creationId xmlns:p14="http://schemas.microsoft.com/office/powerpoint/2010/main" val="1406586151"/>
-      </p:ext>
-    </p:extLst>
-  </p:cSld>
-  <p:clrMapOvr>
-    <a:masterClrMapping/>
-  </p:clrMapOvr>
-</p:sld>
-</file>
-
-<file path=ppt/slides/slide4.xml><?xml version="1.0" encoding="utf-8"?>
-<p:sld xmlns:a="http://schemas.openxmlformats.org/drawingml/2006/main" xmlns:r="http://schemas.openxmlformats.org/officeDocument/2006/relationships" xmlns:p="http://schemas.openxmlformats.org/presentationml/2006/main">
-  <p:cSld>
-    <p:spTree>
-      <p:nvGrpSpPr>
-        <p:cNvPr id="1" name=""/>
-        <p:cNvGrpSpPr/>
-        <p:nvPr/>
-      </p:nvGrpSpPr>
-      <p:grpSpPr>
-        <a:xfrm>
-          <a:off x="0" y="0"/>
-          <a:ext cx="0" cy="0"/>
-          <a:chOff x="0" y="0"/>
-          <a:chExt cx="0" cy="0"/>
-        </a:xfrm>
-      </p:grpSpPr>
-      <p:sp>
-        <p:nvSpPr>
-          <p:cNvPr id="5" name="矩形 4">
-            <a:extLst>
-              <a:ext uri="{FF2B5EF4-FFF2-40B4-BE49-F238E27FC236}">
-                <a16:creationId xmlns:a16="http://schemas.microsoft.com/office/drawing/2014/main" id="{B12A8606-1685-464A-A01E-5E029C6A5806}"/>
-              </a:ext>
-            </a:extLst>
-          </p:cNvPr>
-          <p:cNvSpPr/>
-          <p:nvPr/>
-        </p:nvSpPr>
-        <p:spPr>
-          <a:xfrm>
-            <a:off x="1125193" y="556646"/>
-            <a:ext cx="2441694" cy="769441"/>
-          </a:xfrm>
-          <a:prstGeom prst="rect">
-            <a:avLst/>
-          </a:prstGeom>
-          <a:noFill/>
-        </p:spPr>
-        <p:txBody>
-          <a:bodyPr wrap="none" lIns="91440" tIns="45720" rIns="91440" bIns="45720">
-            <a:spAutoFit/>
-          </a:bodyPr>
-          <a:lstStyle/>
-          <a:p>
-            <a:pPr algn="ctr"/>
-            <a:r>
-              <a:rPr lang="zh-TW" altLang="en-US" sz="4400" b="1" cap="none" spc="0" dirty="0">
-                <a:ln w="10160">
-                  <a:solidFill>
-                    <a:schemeClr val="accent5"/>
-                  </a:solidFill>
-                  <a:prstDash val="solid"/>
-                </a:ln>
-                <a:solidFill>
-                  <a:schemeClr val="bg1"/>
-                </a:solidFill>
-                <a:effectLst>
-                  <a:glow rad="139700">
-                    <a:schemeClr val="accent1">
-                      <a:satMod val="175000"/>
-                      <a:alpha val="40000"/>
-                    </a:schemeClr>
-                  </a:glow>
-                </a:effectLst>
-                <a:latin typeface="Microsoft JhengHei" panose="020B0604030504040204" pitchFamily="34" charset="-120"/>
-                <a:ea typeface="Microsoft JhengHei" panose="020B0604030504040204" pitchFamily="34" charset="-120"/>
-              </a:rPr>
-              <a:t>背景資料</a:t>
-            </a:r>
-          </a:p>
-        </p:txBody>
-      </p:sp>
-      <p:sp>
-        <p:nvSpPr>
-          <p:cNvPr id="2" name="文字方塊 1">
-            <a:extLst>
-              <a:ext uri="{FF2B5EF4-FFF2-40B4-BE49-F238E27FC236}">
-                <a16:creationId xmlns:a16="http://schemas.microsoft.com/office/drawing/2014/main" id="{9AB86E52-72C8-475E-905C-BA3A3F576B95}"/>
-              </a:ext>
-            </a:extLst>
-          </p:cNvPr>
-          <p:cNvSpPr txBox="1"/>
-          <p:nvPr/>
-        </p:nvSpPr>
-        <p:spPr>
-          <a:xfrm>
-            <a:off x="1966575" y="1993510"/>
-            <a:ext cx="8258849" cy="3124317"/>
-          </a:xfrm>
-          <a:prstGeom prst="rect">
-            <a:avLst/>
-          </a:prstGeom>
-          <a:noFill/>
-        </p:spPr>
-        <p:txBody>
-          <a:bodyPr wrap="square" rtlCol="0">
-            <a:spAutoFit/>
-          </a:bodyPr>
-          <a:lstStyle/>
-          <a:p>
-            <a:pPr>
-              <a:lnSpc>
-                <a:spcPts val="4000"/>
-              </a:lnSpc>
-            </a:pPr>
-            <a:r>
-              <a:rPr lang="en-US" altLang="zh-TW" sz="2800" b="1" dirty="0">
-                <a:solidFill>
-                  <a:schemeClr val="bg1"/>
-                </a:solidFill>
-                <a:effectLst>
-                  <a:glow rad="139700">
-                    <a:schemeClr val="accent1">
-                      <a:satMod val="175000"/>
-                      <a:alpha val="40000"/>
-                    </a:schemeClr>
-                  </a:glow>
-                </a:effectLst>
-                <a:latin typeface="Microsoft JhengHei" panose="020B0604030504040204" pitchFamily="34" charset="-120"/>
-                <a:ea typeface="Microsoft JhengHei" panose="020B0604030504040204" pitchFamily="34" charset="-120"/>
-              </a:rPr>
-              <a:t>Python </a:t>
-            </a:r>
-            <a:r>
-              <a:rPr lang="zh-TW" altLang="en-US" sz="2800" b="1" dirty="0">
-                <a:solidFill>
-                  <a:schemeClr val="bg1"/>
-                </a:solidFill>
-                <a:effectLst>
-                  <a:glow rad="139700">
-                    <a:schemeClr val="accent1">
-                      <a:satMod val="175000"/>
-                      <a:alpha val="40000"/>
-                    </a:schemeClr>
-                  </a:glow>
-                </a:effectLst>
-                <a:latin typeface="Microsoft JhengHei" panose="020B0604030504040204" pitchFamily="34" charset="-120"/>
-                <a:ea typeface="Microsoft JhengHei" panose="020B0604030504040204" pitchFamily="34" charset="-120"/>
-              </a:rPr>
-              <a:t>語言：我們使用了許多函式庫，其中包含了</a:t>
-            </a:r>
-            <a:endParaRPr lang="en-US" altLang="zh-TW" sz="2800" b="1" dirty="0">
-              <a:solidFill>
-                <a:schemeClr val="bg1"/>
-              </a:solidFill>
-              <a:effectLst>
-                <a:glow rad="139700">
-                  <a:schemeClr val="accent1">
-                    <a:satMod val="175000"/>
-                    <a:alpha val="40000"/>
-                  </a:schemeClr>
-                </a:glow>
-              </a:effectLst>
-              <a:latin typeface="Microsoft JhengHei" panose="020B0604030504040204" pitchFamily="34" charset="-120"/>
-              <a:ea typeface="Microsoft JhengHei" panose="020B0604030504040204" pitchFamily="34" charset="-120"/>
-            </a:endParaRPr>
-          </a:p>
-          <a:p>
-            <a:pPr>
-              <a:lnSpc>
-                <a:spcPts val="4000"/>
-              </a:lnSpc>
-            </a:pPr>
-            <a:r>
-              <a:rPr lang="en-US" altLang="zh-TW" sz="2800" b="1" dirty="0">
-                <a:solidFill>
-                  <a:schemeClr val="bg1"/>
-                </a:solidFill>
-                <a:effectLst>
-                  <a:glow rad="139700">
-                    <a:schemeClr val="accent1">
-                      <a:satMod val="175000"/>
-                      <a:alpha val="40000"/>
-                    </a:schemeClr>
-                  </a:glow>
-                </a:effectLst>
-                <a:latin typeface="Microsoft JhengHei" panose="020B0604030504040204" pitchFamily="34" charset="-120"/>
-                <a:ea typeface="Microsoft JhengHei" panose="020B0604030504040204" pitchFamily="34" charset="-120"/>
-              </a:rPr>
-              <a:t>bs4</a:t>
-            </a:r>
-            <a:r>
-              <a:rPr lang="zh-TW" altLang="en-US" sz="2800" b="1" dirty="0">
-                <a:solidFill>
-                  <a:schemeClr val="bg1"/>
-                </a:solidFill>
-                <a:effectLst>
-                  <a:glow rad="139700">
-                    <a:schemeClr val="accent1">
-                      <a:satMod val="175000"/>
-                      <a:alpha val="40000"/>
-                    </a:schemeClr>
-                  </a:glow>
-                </a:effectLst>
-                <a:latin typeface="Microsoft JhengHei" panose="020B0604030504040204" pitchFamily="34" charset="-120"/>
-                <a:ea typeface="Microsoft JhengHei" panose="020B0604030504040204" pitchFamily="34" charset="-120"/>
-              </a:rPr>
-              <a:t>、</a:t>
-            </a:r>
-            <a:r>
-              <a:rPr lang="en-US" altLang="zh-TW" sz="2800" b="1" dirty="0">
-                <a:solidFill>
-                  <a:schemeClr val="bg1"/>
-                </a:solidFill>
-                <a:effectLst>
-                  <a:glow rad="139700">
-                    <a:schemeClr val="accent1">
-                      <a:satMod val="175000"/>
-                      <a:alpha val="40000"/>
-                    </a:schemeClr>
-                  </a:glow>
-                </a:effectLst>
-                <a:latin typeface="Microsoft JhengHei" panose="020B0604030504040204" pitchFamily="34" charset="-120"/>
-                <a:ea typeface="Microsoft JhengHei" panose="020B0604030504040204" pitchFamily="34" charset="-120"/>
-              </a:rPr>
-              <a:t>selenium</a:t>
-            </a:r>
-            <a:r>
-              <a:rPr lang="zh-TW" altLang="en-US" sz="2800" b="1" dirty="0">
-                <a:solidFill>
-                  <a:schemeClr val="bg1"/>
-                </a:solidFill>
-                <a:effectLst>
-                  <a:glow rad="139700">
-                    <a:schemeClr val="accent1">
-                      <a:satMod val="175000"/>
-                      <a:alpha val="40000"/>
-                    </a:schemeClr>
-                  </a:glow>
-                </a:effectLst>
-                <a:latin typeface="Microsoft JhengHei" panose="020B0604030504040204" pitchFamily="34" charset="-120"/>
-                <a:ea typeface="Microsoft JhengHei" panose="020B0604030504040204" pitchFamily="34" charset="-120"/>
-              </a:rPr>
-              <a:t>、</a:t>
-            </a:r>
-            <a:r>
-              <a:rPr lang="en-US" altLang="zh-TW" sz="2800" b="1" dirty="0" err="1">
-                <a:solidFill>
-                  <a:schemeClr val="bg1"/>
-                </a:solidFill>
-                <a:effectLst>
-                  <a:glow rad="139700">
-                    <a:schemeClr val="accent1">
-                      <a:satMod val="175000"/>
-                      <a:alpha val="40000"/>
-                    </a:schemeClr>
-                  </a:glow>
-                </a:effectLst>
-                <a:latin typeface="Microsoft JhengHei" panose="020B0604030504040204" pitchFamily="34" charset="-120"/>
-                <a:ea typeface="Microsoft JhengHei" panose="020B0604030504040204" pitchFamily="34" charset="-120"/>
-              </a:rPr>
-              <a:t>tkinnter</a:t>
-            </a:r>
-            <a:r>
-              <a:rPr lang="zh-TW" altLang="en-US" sz="2800" b="1" dirty="0">
-                <a:solidFill>
-                  <a:schemeClr val="bg1"/>
-                </a:solidFill>
-                <a:effectLst>
-                  <a:glow rad="139700">
-                    <a:schemeClr val="accent1">
-                      <a:satMod val="175000"/>
-                      <a:alpha val="40000"/>
-                    </a:schemeClr>
-                  </a:glow>
-                </a:effectLst>
-                <a:latin typeface="Microsoft JhengHei" panose="020B0604030504040204" pitchFamily="34" charset="-120"/>
-                <a:ea typeface="Microsoft JhengHei" panose="020B0604030504040204" pitchFamily="34" charset="-120"/>
-              </a:rPr>
-              <a:t>、</a:t>
-            </a:r>
-            <a:r>
-              <a:rPr lang="en-US" altLang="zh-TW" sz="2800" b="1" dirty="0" err="1">
-                <a:solidFill>
-                  <a:schemeClr val="bg1"/>
-                </a:solidFill>
-                <a:effectLst>
-                  <a:glow rad="139700">
-                    <a:schemeClr val="accent1">
-                      <a:satMod val="175000"/>
-                      <a:alpha val="40000"/>
-                    </a:schemeClr>
-                  </a:glow>
-                </a:effectLst>
-                <a:latin typeface="Microsoft JhengHei" panose="020B0604030504040204" pitchFamily="34" charset="-120"/>
-                <a:ea typeface="Microsoft JhengHei" panose="020B0604030504040204" pitchFamily="34" charset="-120"/>
-              </a:rPr>
-              <a:t>prettyprint</a:t>
-            </a:r>
-            <a:r>
-              <a:rPr lang="zh-TW" altLang="en-US" sz="2800" b="1" dirty="0">
-                <a:solidFill>
-                  <a:schemeClr val="bg1"/>
-                </a:solidFill>
-                <a:effectLst>
-                  <a:glow rad="139700">
-                    <a:schemeClr val="accent1">
-                      <a:satMod val="175000"/>
-                      <a:alpha val="40000"/>
-                    </a:schemeClr>
-                  </a:glow>
-                </a:effectLst>
-                <a:latin typeface="Microsoft JhengHei" panose="020B0604030504040204" pitchFamily="34" charset="-120"/>
-                <a:ea typeface="Microsoft JhengHei" panose="020B0604030504040204" pitchFamily="34" charset="-120"/>
-              </a:rPr>
-              <a:t>、</a:t>
-            </a:r>
-            <a:r>
-              <a:rPr lang="en-US" altLang="zh-TW" sz="2800" b="1" dirty="0">
-                <a:solidFill>
-                  <a:schemeClr val="bg1"/>
-                </a:solidFill>
-                <a:effectLst>
-                  <a:glow rad="139700">
-                    <a:schemeClr val="accent1">
-                      <a:satMod val="175000"/>
-                      <a:alpha val="40000"/>
-                    </a:schemeClr>
-                  </a:glow>
-                </a:effectLst>
-                <a:latin typeface="Microsoft JhengHei" panose="020B0604030504040204" pitchFamily="34" charset="-120"/>
-                <a:ea typeface="Microsoft JhengHei" panose="020B0604030504040204" pitchFamily="34" charset="-120"/>
-              </a:rPr>
-              <a:t>sqlite3</a:t>
-            </a:r>
-          </a:p>
-          <a:p>
-            <a:pPr>
-              <a:lnSpc>
-                <a:spcPts val="4000"/>
-              </a:lnSpc>
-            </a:pPr>
-            <a:endParaRPr lang="en-US" altLang="zh-TW" sz="2800" b="1" dirty="0">
-              <a:solidFill>
-                <a:schemeClr val="bg1"/>
-              </a:solidFill>
-              <a:effectLst>
-                <a:glow rad="139700">
-                  <a:schemeClr val="accent1">
-                    <a:satMod val="175000"/>
-                    <a:alpha val="40000"/>
-                  </a:schemeClr>
-                </a:glow>
-              </a:effectLst>
-              <a:latin typeface="Microsoft JhengHei" panose="020B0604030504040204" pitchFamily="34" charset="-120"/>
-              <a:ea typeface="Microsoft JhengHei" panose="020B0604030504040204" pitchFamily="34" charset="-120"/>
-            </a:endParaRPr>
-          </a:p>
-          <a:p>
-            <a:pPr>
-              <a:lnSpc>
-                <a:spcPts val="4000"/>
-              </a:lnSpc>
-            </a:pPr>
-            <a:r>
-              <a:rPr lang="zh-TW" altLang="en-US" sz="2800" b="1" dirty="0">
-                <a:solidFill>
-                  <a:schemeClr val="bg1"/>
-                </a:solidFill>
-                <a:effectLst>
-                  <a:glow rad="139700">
-                    <a:schemeClr val="accent1">
-                      <a:satMod val="175000"/>
-                      <a:alpha val="40000"/>
-                    </a:schemeClr>
-                  </a:glow>
-                </a:effectLst>
-                <a:latin typeface="Microsoft JhengHei" panose="020B0604030504040204" pitchFamily="34" charset="-120"/>
-                <a:ea typeface="Microsoft JhengHei" panose="020B0604030504040204" pitchFamily="34" charset="-120"/>
-              </a:rPr>
-              <a:t>介面設計工具：</a:t>
-            </a:r>
-            <a:r>
-              <a:rPr lang="en-US" altLang="zh-TW" sz="2800" b="1" dirty="0">
-                <a:solidFill>
-                  <a:schemeClr val="bg1"/>
-                </a:solidFill>
-                <a:effectLst>
-                  <a:glow rad="139700">
-                    <a:schemeClr val="accent1">
-                      <a:satMod val="175000"/>
-                      <a:alpha val="40000"/>
-                    </a:schemeClr>
-                  </a:glow>
-                </a:effectLst>
-                <a:latin typeface="Microsoft JhengHei" panose="020B0604030504040204" pitchFamily="34" charset="-120"/>
-                <a:ea typeface="Microsoft JhengHei" panose="020B0604030504040204" pitchFamily="34" charset="-120"/>
-              </a:rPr>
-              <a:t>PAGE</a:t>
-            </a:r>
-          </a:p>
-          <a:p>
-            <a:pPr>
-              <a:lnSpc>
-                <a:spcPts val="4000"/>
-              </a:lnSpc>
-            </a:pPr>
-            <a:endParaRPr lang="en-US" altLang="zh-TW" sz="2800" b="1" dirty="0">
-              <a:solidFill>
-                <a:schemeClr val="bg1"/>
-              </a:solidFill>
-              <a:effectLst>
-                <a:glow rad="139700">
-                  <a:schemeClr val="accent1">
-                    <a:satMod val="175000"/>
-                    <a:alpha val="40000"/>
-                  </a:schemeClr>
-                </a:glow>
-              </a:effectLst>
-              <a:latin typeface="Microsoft JhengHei" panose="020B0604030504040204" pitchFamily="34" charset="-120"/>
-              <a:ea typeface="Microsoft JhengHei" panose="020B0604030504040204" pitchFamily="34" charset="-120"/>
-            </a:endParaRPr>
-          </a:p>
-          <a:p>
-            <a:pPr>
-              <a:lnSpc>
-                <a:spcPts val="4000"/>
-              </a:lnSpc>
-            </a:pPr>
-            <a:r>
-              <a:rPr lang="zh-TW" altLang="en-US" sz="2800" b="1" dirty="0">
-                <a:solidFill>
-                  <a:schemeClr val="bg1"/>
-                </a:solidFill>
-                <a:effectLst>
-                  <a:glow rad="139700">
-                    <a:schemeClr val="accent1">
-                      <a:satMod val="175000"/>
-                      <a:alpha val="40000"/>
-                    </a:schemeClr>
-                  </a:glow>
-                </a:effectLst>
-                <a:latin typeface="Microsoft JhengHei" panose="020B0604030504040204" pitchFamily="34" charset="-120"/>
-                <a:ea typeface="Microsoft JhengHei" panose="020B0604030504040204" pitchFamily="34" charset="-120"/>
-              </a:rPr>
-              <a:t>問題的介紹：切割</a:t>
-            </a:r>
-            <a:r>
-              <a:rPr lang="en-US" altLang="zh-TW" sz="2800" b="1" dirty="0">
-                <a:solidFill>
-                  <a:schemeClr val="bg1"/>
-                </a:solidFill>
-                <a:effectLst>
-                  <a:glow rad="139700">
-                    <a:schemeClr val="accent1">
-                      <a:satMod val="175000"/>
-                      <a:alpha val="40000"/>
-                    </a:schemeClr>
-                  </a:glow>
-                </a:effectLst>
-                <a:latin typeface="Microsoft JhengHei" panose="020B0604030504040204" pitchFamily="34" charset="-120"/>
-                <a:ea typeface="Microsoft JhengHei" panose="020B0604030504040204" pitchFamily="34" charset="-120"/>
-              </a:rPr>
-              <a:t>json</a:t>
-            </a:r>
-            <a:r>
-              <a:rPr lang="zh-TW" altLang="en-US" sz="2800" b="1" dirty="0">
-                <a:solidFill>
-                  <a:schemeClr val="bg1"/>
-                </a:solidFill>
-                <a:effectLst>
-                  <a:glow rad="139700">
-                    <a:schemeClr val="accent1">
-                      <a:satMod val="175000"/>
-                      <a:alpha val="40000"/>
-                    </a:schemeClr>
-                  </a:glow>
-                </a:effectLst>
-                <a:latin typeface="Microsoft JhengHei" panose="020B0604030504040204" pitchFamily="34" charset="-120"/>
-                <a:ea typeface="Microsoft JhengHei" panose="020B0604030504040204" pitchFamily="34" charset="-120"/>
-              </a:rPr>
-              <a:t>資料、讀取大檔案</a:t>
-            </a:r>
-            <a:endParaRPr lang="en-US" altLang="zh-TW" sz="2800" b="1" dirty="0">
-              <a:solidFill>
-                <a:schemeClr val="bg1"/>
-              </a:solidFill>
-              <a:effectLst>
-                <a:glow rad="139700">
-                  <a:schemeClr val="accent1">
-                    <a:satMod val="175000"/>
-                    <a:alpha val="40000"/>
-                  </a:schemeClr>
-                </a:glow>
-              </a:effectLst>
-              <a:latin typeface="Microsoft JhengHei" panose="020B0604030504040204" pitchFamily="34" charset="-120"/>
-              <a:ea typeface="Microsoft JhengHei" panose="020B0604030504040204" pitchFamily="34" charset="-120"/>
-            </a:endParaRPr>
-          </a:p>
-        </p:txBody>
-      </p:sp>
-      <p:pic>
-        <p:nvPicPr>
-          <p:cNvPr id="4" name="圖片 3">
-            <a:extLst>
-              <a:ext uri="{FF2B5EF4-FFF2-40B4-BE49-F238E27FC236}">
-                <a16:creationId xmlns:a16="http://schemas.microsoft.com/office/drawing/2014/main" id="{6ABFCE43-6B30-43C4-9DC5-7D91A726E7AC}"/>
-              </a:ext>
-            </a:extLst>
-          </p:cNvPr>
-          <p:cNvPicPr>
-            <a:picLocks noChangeAspect="1"/>
-          </p:cNvPicPr>
-          <p:nvPr/>
-        </p:nvPicPr>
-        <p:blipFill>
-          <a:blip r:embed="rId2">
-            <a:extLst>
-              <a:ext uri="{28A0092B-C50C-407E-A947-70E740481C1C}">
-                <a14:useLocalDpi xmlns:a14="http://schemas.microsoft.com/office/drawing/2010/main" val="0"/>
-              </a:ext>
-            </a:extLst>
-          </a:blip>
-          <a:stretch>
-            <a:fillRect/>
-          </a:stretch>
-        </p:blipFill>
-        <p:spPr>
-          <a:xfrm>
-            <a:off x="448524" y="482757"/>
-            <a:ext cx="769441" cy="769441"/>
-          </a:xfrm>
-          <a:prstGeom prst="rect">
-            <a:avLst/>
-          </a:prstGeom>
-        </p:spPr>
-      </p:pic>
-      <p:pic>
-        <p:nvPicPr>
-          <p:cNvPr id="8" name="圖片 7">
-            <a:extLst>
-              <a:ext uri="{FF2B5EF4-FFF2-40B4-BE49-F238E27FC236}">
-                <a16:creationId xmlns:a16="http://schemas.microsoft.com/office/drawing/2014/main" id="{B987259C-FDA4-49C4-BB18-1C1BDDB8BEA3}"/>
-              </a:ext>
-            </a:extLst>
-          </p:cNvPr>
-          <p:cNvPicPr>
-            <a:picLocks noChangeAspect="1"/>
-          </p:cNvPicPr>
-          <p:nvPr/>
-        </p:nvPicPr>
-        <p:blipFill>
-          <a:blip r:embed="rId3">
-            <a:extLst>
-              <a:ext uri="{28A0092B-C50C-407E-A947-70E740481C1C}">
-                <a14:useLocalDpi xmlns:a14="http://schemas.microsoft.com/office/drawing/2010/main" val="0"/>
-              </a:ext>
-            </a:extLst>
-          </a:blip>
-          <a:stretch>
-            <a:fillRect/>
-          </a:stretch>
-        </p:blipFill>
-        <p:spPr>
-          <a:xfrm>
-            <a:off x="9151938" y="3010783"/>
-            <a:ext cx="2359410" cy="3796416"/>
-          </a:xfrm>
-          <a:prstGeom prst="rect">
-            <a:avLst/>
-          </a:prstGeom>
-        </p:spPr>
-      </p:pic>
-    </p:spTree>
-    <p:extLst>
-      <p:ext uri="{BB962C8B-B14F-4D97-AF65-F5344CB8AC3E}">
-        <p14:creationId xmlns:p14="http://schemas.microsoft.com/office/powerpoint/2010/main" val="1650287874"/>
-      </p:ext>
-    </p:extLst>
-  </p:cSld>
-  <p:clrMapOvr>
-    <a:masterClrMapping/>
-  </p:clrMapOvr>
-</p:sld>
-</file>
-
-<file path=ppt/slides/slide5.xml><?xml version="1.0" encoding="utf-8"?>
-<p:sld xmlns:a="http://schemas.openxmlformats.org/drawingml/2006/main" xmlns:r="http://schemas.openxmlformats.org/officeDocument/2006/relationships" xmlns:p="http://schemas.openxmlformats.org/presentationml/2006/main">
-  <p:cSld>
-    <p:spTree>
-      <p:nvGrpSpPr>
-        <p:cNvPr id="1" name=""/>
-        <p:cNvGrpSpPr/>
-        <p:nvPr/>
-      </p:nvGrpSpPr>
-      <p:grpSpPr>
-        <a:xfrm>
-          <a:off x="0" y="0"/>
-          <a:ext cx="0" cy="0"/>
-          <a:chOff x="0" y="0"/>
-          <a:chExt cx="0" cy="0"/>
-        </a:xfrm>
-      </p:grpSpPr>
-      <p:sp>
-        <p:nvSpPr>
-          <p:cNvPr id="5" name="矩形 4">
-            <a:extLst>
-              <a:ext uri="{FF2B5EF4-FFF2-40B4-BE49-F238E27FC236}">
-                <a16:creationId xmlns:a16="http://schemas.microsoft.com/office/drawing/2014/main" id="{B12A8606-1685-464A-A01E-5E029C6A5806}"/>
-              </a:ext>
-            </a:extLst>
-          </p:cNvPr>
-          <p:cNvSpPr/>
-          <p:nvPr/>
-        </p:nvSpPr>
-        <p:spPr>
-          <a:xfrm>
-            <a:off x="1125193" y="556646"/>
-            <a:ext cx="2441694" cy="769441"/>
-          </a:xfrm>
-          <a:prstGeom prst="rect">
-            <a:avLst/>
-          </a:prstGeom>
-          <a:noFill/>
-        </p:spPr>
-        <p:txBody>
-          <a:bodyPr wrap="none" lIns="91440" tIns="45720" rIns="91440" bIns="45720">
-            <a:spAutoFit/>
-          </a:bodyPr>
-          <a:lstStyle/>
-          <a:p>
-            <a:pPr algn="ctr"/>
-            <a:r>
-              <a:rPr lang="zh-TW" altLang="en-US" sz="4400" b="1" dirty="0">
-                <a:ln w="10160">
-                  <a:solidFill>
-                    <a:schemeClr val="accent5"/>
-                  </a:solidFill>
-                  <a:prstDash val="solid"/>
-                </a:ln>
-                <a:solidFill>
-                  <a:schemeClr val="bg1"/>
-                </a:solidFill>
-                <a:effectLst>
-                  <a:glow rad="139700">
-                    <a:schemeClr val="accent1">
-                      <a:satMod val="175000"/>
-                      <a:alpha val="40000"/>
-                    </a:schemeClr>
-                  </a:glow>
-                </a:effectLst>
-                <a:latin typeface="Microsoft JhengHei" panose="020B0604030504040204" pitchFamily="34" charset="-120"/>
-                <a:ea typeface="Microsoft JhengHei" panose="020B0604030504040204" pitchFamily="34" charset="-120"/>
-              </a:rPr>
-              <a:t>環境介紹</a:t>
-            </a:r>
-            <a:endParaRPr lang="zh-TW" altLang="en-US" sz="4400" b="1" cap="none" spc="0" dirty="0">
-              <a:ln w="10160">
-                <a:solidFill>
-                  <a:schemeClr val="accent5"/>
-                </a:solidFill>
-                <a:prstDash val="solid"/>
-              </a:ln>
-              <a:solidFill>
-                <a:schemeClr val="bg1"/>
-              </a:solidFill>
-              <a:effectLst>
-                <a:glow rad="139700">
-                  <a:schemeClr val="accent1">
-                    <a:satMod val="175000"/>
-                    <a:alpha val="40000"/>
-                  </a:schemeClr>
-                </a:glow>
-              </a:effectLst>
-              <a:latin typeface="Microsoft JhengHei" panose="020B0604030504040204" pitchFamily="34" charset="-120"/>
-              <a:ea typeface="Microsoft JhengHei" panose="020B0604030504040204" pitchFamily="34" charset="-120"/>
-            </a:endParaRPr>
-          </a:p>
-        </p:txBody>
-      </p:sp>
-      <p:sp>
-        <p:nvSpPr>
-          <p:cNvPr id="2" name="文字方塊 1">
-            <a:extLst>
-              <a:ext uri="{FF2B5EF4-FFF2-40B4-BE49-F238E27FC236}">
-                <a16:creationId xmlns:a16="http://schemas.microsoft.com/office/drawing/2014/main" id="{9AB86E52-72C8-475E-905C-BA3A3F576B95}"/>
-              </a:ext>
-            </a:extLst>
-          </p:cNvPr>
-          <p:cNvSpPr txBox="1"/>
-          <p:nvPr/>
-        </p:nvSpPr>
-        <p:spPr>
-          <a:xfrm>
-            <a:off x="2098548" y="1654146"/>
-            <a:ext cx="8295025" cy="4150239"/>
-          </a:xfrm>
-          <a:prstGeom prst="rect">
-            <a:avLst/>
-          </a:prstGeom>
-          <a:noFill/>
-        </p:spPr>
-        <p:txBody>
-          <a:bodyPr wrap="square" rtlCol="0">
-            <a:spAutoFit/>
-          </a:bodyPr>
-          <a:lstStyle/>
-          <a:p>
-            <a:pPr>
-              <a:lnSpc>
-                <a:spcPts val="4000"/>
-              </a:lnSpc>
-            </a:pPr>
-            <a:r>
-              <a:rPr lang="zh-TW" altLang="en-US" sz="2800" b="1" dirty="0">
-                <a:solidFill>
-                  <a:schemeClr val="bg1"/>
-                </a:solidFill>
-                <a:effectLst>
-                  <a:glow rad="139700">
-                    <a:schemeClr val="accent1">
-                      <a:satMod val="175000"/>
-                      <a:alpha val="40000"/>
-                    </a:schemeClr>
-                  </a:glow>
-                </a:effectLst>
-                <a:latin typeface="Microsoft JhengHei" panose="020B0604030504040204" pitchFamily="34" charset="-120"/>
-                <a:ea typeface="Microsoft JhengHei" panose="020B0604030504040204" pitchFamily="34" charset="-120"/>
-              </a:rPr>
-              <a:t>硬體：</a:t>
-            </a:r>
-            <a:endParaRPr lang="en-US" altLang="zh-TW" sz="2800" b="1" dirty="0">
-              <a:solidFill>
-                <a:schemeClr val="bg1"/>
-              </a:solidFill>
-              <a:effectLst>
-                <a:glow rad="139700">
-                  <a:schemeClr val="accent1">
-                    <a:satMod val="175000"/>
-                    <a:alpha val="40000"/>
-                  </a:schemeClr>
-                </a:glow>
-              </a:effectLst>
-              <a:latin typeface="Microsoft JhengHei" panose="020B0604030504040204" pitchFamily="34" charset="-120"/>
-              <a:ea typeface="Microsoft JhengHei" panose="020B0604030504040204" pitchFamily="34" charset="-120"/>
-            </a:endParaRPr>
-          </a:p>
-          <a:p>
-            <a:pPr>
-              <a:lnSpc>
-                <a:spcPts val="4000"/>
-              </a:lnSpc>
-            </a:pPr>
-            <a:r>
-              <a:rPr lang="zh-TW" altLang="en-US" sz="2800" b="1" dirty="0">
-                <a:solidFill>
-                  <a:schemeClr val="bg1"/>
-                </a:solidFill>
-                <a:effectLst>
-                  <a:glow rad="139700">
-                    <a:schemeClr val="accent1">
-                      <a:satMod val="175000"/>
-                      <a:alpha val="40000"/>
-                    </a:schemeClr>
-                  </a:glow>
-                </a:effectLst>
-                <a:latin typeface="Microsoft JhengHei" panose="020B0604030504040204" pitchFamily="34" charset="-120"/>
-                <a:ea typeface="Microsoft JhengHei" panose="020B0604030504040204" pitchFamily="34" charset="-120"/>
-              </a:rPr>
-              <a:t>文字文字文字文字文字文字文字文字文字文字文字</a:t>
-            </a:r>
-            <a:endParaRPr lang="en-US" altLang="zh-TW" sz="2800" b="1" dirty="0">
-              <a:solidFill>
-                <a:schemeClr val="bg1"/>
-              </a:solidFill>
-              <a:effectLst>
-                <a:glow rad="139700">
-                  <a:schemeClr val="accent1">
-                    <a:satMod val="175000"/>
-                    <a:alpha val="40000"/>
-                  </a:schemeClr>
-                </a:glow>
-              </a:effectLst>
-              <a:latin typeface="Microsoft JhengHei" panose="020B0604030504040204" pitchFamily="34" charset="-120"/>
-              <a:ea typeface="Microsoft JhengHei" panose="020B0604030504040204" pitchFamily="34" charset="-120"/>
-            </a:endParaRPr>
-          </a:p>
-          <a:p>
-            <a:pPr>
-              <a:lnSpc>
-                <a:spcPts val="4000"/>
-              </a:lnSpc>
-            </a:pPr>
-            <a:endParaRPr lang="en-US" altLang="zh-TW" sz="2800" b="1" dirty="0">
-              <a:solidFill>
-                <a:schemeClr val="bg1"/>
-              </a:solidFill>
-              <a:effectLst>
-                <a:glow rad="139700">
-                  <a:schemeClr val="accent1">
-                    <a:satMod val="175000"/>
-                    <a:alpha val="40000"/>
-                  </a:schemeClr>
-                </a:glow>
-              </a:effectLst>
-              <a:latin typeface="Microsoft JhengHei" panose="020B0604030504040204" pitchFamily="34" charset="-120"/>
-              <a:ea typeface="Microsoft JhengHei" panose="020B0604030504040204" pitchFamily="34" charset="-120"/>
-            </a:endParaRPr>
-          </a:p>
-          <a:p>
-            <a:pPr>
-              <a:lnSpc>
-                <a:spcPts val="4000"/>
-              </a:lnSpc>
-            </a:pPr>
-            <a:r>
-              <a:rPr lang="zh-TW" altLang="en-US" sz="2800" b="1" dirty="0">
-                <a:solidFill>
-                  <a:schemeClr val="bg1"/>
-                </a:solidFill>
-                <a:effectLst>
-                  <a:glow rad="139700">
-                    <a:schemeClr val="accent1">
-                      <a:satMod val="175000"/>
-                      <a:alpha val="40000"/>
-                    </a:schemeClr>
-                  </a:glow>
-                </a:effectLst>
-                <a:latin typeface="Microsoft JhengHei" panose="020B0604030504040204" pitchFamily="34" charset="-120"/>
-                <a:ea typeface="Microsoft JhengHei" panose="020B0604030504040204" pitchFamily="34" charset="-120"/>
-              </a:rPr>
-              <a:t>周邊：</a:t>
-            </a:r>
-            <a:endParaRPr lang="en-US" altLang="zh-TW" sz="2800" b="1" dirty="0">
-              <a:solidFill>
-                <a:schemeClr val="bg1"/>
-              </a:solidFill>
-              <a:effectLst>
-                <a:glow rad="139700">
-                  <a:schemeClr val="accent1">
-                    <a:satMod val="175000"/>
-                    <a:alpha val="40000"/>
-                  </a:schemeClr>
-                </a:glow>
-              </a:effectLst>
-              <a:latin typeface="Microsoft JhengHei" panose="020B0604030504040204" pitchFamily="34" charset="-120"/>
-              <a:ea typeface="Microsoft JhengHei" panose="020B0604030504040204" pitchFamily="34" charset="-120"/>
-            </a:endParaRPr>
-          </a:p>
-          <a:p>
-            <a:pPr>
-              <a:lnSpc>
-                <a:spcPts val="4000"/>
-              </a:lnSpc>
-            </a:pPr>
-            <a:r>
-              <a:rPr lang="zh-TW" altLang="en-US" sz="2800" b="1" dirty="0">
-                <a:solidFill>
-                  <a:schemeClr val="bg1"/>
-                </a:solidFill>
-                <a:effectLst>
-                  <a:glow rad="139700">
-                    <a:schemeClr val="accent1">
-                      <a:satMod val="175000"/>
-                      <a:alpha val="40000"/>
-                    </a:schemeClr>
-                  </a:glow>
-                </a:effectLst>
-                <a:latin typeface="Microsoft JhengHei" panose="020B0604030504040204" pitchFamily="34" charset="-120"/>
-                <a:ea typeface="Microsoft JhengHei" panose="020B0604030504040204" pitchFamily="34" charset="-120"/>
-              </a:rPr>
-              <a:t>文字文字文字文字文字文字文字文字文字文字文字</a:t>
-            </a:r>
-            <a:endParaRPr lang="en-US" altLang="zh-TW" sz="2800" b="1" dirty="0">
-              <a:solidFill>
-                <a:schemeClr val="bg1"/>
-              </a:solidFill>
-              <a:effectLst>
-                <a:glow rad="139700">
-                  <a:schemeClr val="accent1">
-                    <a:satMod val="175000"/>
-                    <a:alpha val="40000"/>
-                  </a:schemeClr>
-                </a:glow>
-              </a:effectLst>
-              <a:latin typeface="Microsoft JhengHei" panose="020B0604030504040204" pitchFamily="34" charset="-120"/>
-              <a:ea typeface="Microsoft JhengHei" panose="020B0604030504040204" pitchFamily="34" charset="-120"/>
-            </a:endParaRPr>
-          </a:p>
-          <a:p>
-            <a:pPr>
-              <a:lnSpc>
-                <a:spcPts val="4000"/>
-              </a:lnSpc>
-            </a:pPr>
-            <a:endParaRPr lang="en-US" altLang="zh-TW" sz="2800" b="1" dirty="0">
-              <a:solidFill>
-                <a:schemeClr val="bg1"/>
-              </a:solidFill>
-              <a:effectLst>
-                <a:glow rad="139700">
-                  <a:schemeClr val="accent1">
-                    <a:satMod val="175000"/>
-                    <a:alpha val="40000"/>
-                  </a:schemeClr>
-                </a:glow>
-              </a:effectLst>
-              <a:latin typeface="Microsoft JhengHei" panose="020B0604030504040204" pitchFamily="34" charset="-120"/>
-              <a:ea typeface="Microsoft JhengHei" panose="020B0604030504040204" pitchFamily="34" charset="-120"/>
-            </a:endParaRPr>
-          </a:p>
-          <a:p>
-            <a:pPr>
-              <a:lnSpc>
-                <a:spcPts val="4000"/>
-              </a:lnSpc>
-            </a:pPr>
-            <a:r>
-              <a:rPr lang="zh-TW" altLang="en-US" sz="2800" b="1" dirty="0">
-                <a:solidFill>
-                  <a:schemeClr val="bg1"/>
-                </a:solidFill>
-                <a:effectLst>
-                  <a:glow rad="139700">
-                    <a:schemeClr val="accent1">
-                      <a:satMod val="175000"/>
-                      <a:alpha val="40000"/>
-                    </a:schemeClr>
-                  </a:glow>
-                </a:effectLst>
-                <a:latin typeface="Microsoft JhengHei" panose="020B0604030504040204" pitchFamily="34" charset="-120"/>
-                <a:ea typeface="Microsoft JhengHei" panose="020B0604030504040204" pitchFamily="34" charset="-120"/>
-              </a:rPr>
-              <a:t>作業系統與使用工具：</a:t>
-            </a:r>
-            <a:endParaRPr lang="en-US" altLang="zh-TW" sz="2800" b="1" dirty="0">
-              <a:solidFill>
-                <a:schemeClr val="bg1"/>
-              </a:solidFill>
-              <a:effectLst>
-                <a:glow rad="139700">
-                  <a:schemeClr val="accent1">
-                    <a:satMod val="175000"/>
-                    <a:alpha val="40000"/>
-                  </a:schemeClr>
-                </a:glow>
-              </a:effectLst>
-              <a:latin typeface="Microsoft JhengHei" panose="020B0604030504040204" pitchFamily="34" charset="-120"/>
-              <a:ea typeface="Microsoft JhengHei" panose="020B0604030504040204" pitchFamily="34" charset="-120"/>
-            </a:endParaRPr>
-          </a:p>
-          <a:p>
-            <a:pPr>
-              <a:lnSpc>
-                <a:spcPts val="4000"/>
-              </a:lnSpc>
-            </a:pPr>
-            <a:r>
-              <a:rPr lang="zh-TW" altLang="en-US" sz="2800" b="1" dirty="0">
-                <a:solidFill>
-                  <a:schemeClr val="bg1"/>
-                </a:solidFill>
-                <a:effectLst>
-                  <a:glow rad="139700">
-                    <a:schemeClr val="accent1">
-                      <a:satMod val="175000"/>
-                      <a:alpha val="40000"/>
-                    </a:schemeClr>
-                  </a:glow>
-                </a:effectLst>
-                <a:latin typeface="Microsoft JhengHei" panose="020B0604030504040204" pitchFamily="34" charset="-120"/>
-                <a:ea typeface="Microsoft JhengHei" panose="020B0604030504040204" pitchFamily="34" charset="-120"/>
-              </a:rPr>
-              <a:t>文字文字文字文字文字文字文字文字文字文字文字</a:t>
-            </a:r>
-            <a:endParaRPr lang="en-US" altLang="zh-TW" sz="2800" b="1" dirty="0">
-              <a:solidFill>
-                <a:schemeClr val="bg1"/>
-              </a:solidFill>
-              <a:effectLst>
-                <a:glow rad="139700">
-                  <a:schemeClr val="accent1">
-                    <a:satMod val="175000"/>
-                    <a:alpha val="40000"/>
-                  </a:schemeClr>
-                </a:glow>
-              </a:effectLst>
-              <a:latin typeface="Microsoft JhengHei" panose="020B0604030504040204" pitchFamily="34" charset="-120"/>
-              <a:ea typeface="Microsoft JhengHei" panose="020B0604030504040204" pitchFamily="34" charset="-120"/>
-            </a:endParaRPr>
-          </a:p>
-        </p:txBody>
-      </p:sp>
-      <p:pic>
-        <p:nvPicPr>
-          <p:cNvPr id="4" name="圖片 3">
-            <a:extLst>
-              <a:ext uri="{FF2B5EF4-FFF2-40B4-BE49-F238E27FC236}">
-                <a16:creationId xmlns:a16="http://schemas.microsoft.com/office/drawing/2014/main" id="{6ABFCE43-6B30-43C4-9DC5-7D91A726E7AC}"/>
-              </a:ext>
-            </a:extLst>
-          </p:cNvPr>
-          <p:cNvPicPr>
-            <a:picLocks noChangeAspect="1"/>
-          </p:cNvPicPr>
-          <p:nvPr/>
-        </p:nvPicPr>
-        <p:blipFill>
-          <a:blip r:embed="rId2">
-            <a:extLst>
-              <a:ext uri="{28A0092B-C50C-407E-A947-70E740481C1C}">
-                <a14:useLocalDpi xmlns:a14="http://schemas.microsoft.com/office/drawing/2010/main" val="0"/>
-              </a:ext>
-            </a:extLst>
-          </a:blip>
-          <a:stretch>
-            <a:fillRect/>
-          </a:stretch>
-        </p:blipFill>
-        <p:spPr>
-          <a:xfrm>
-            <a:off x="448524" y="482757"/>
-            <a:ext cx="769441" cy="769441"/>
-          </a:xfrm>
-          <a:prstGeom prst="rect">
-            <a:avLst/>
-          </a:prstGeom>
-        </p:spPr>
-      </p:pic>
-    </p:spTree>
-    <p:extLst>
-      <p:ext uri="{BB962C8B-B14F-4D97-AF65-F5344CB8AC3E}">
-        <p14:creationId xmlns:p14="http://schemas.microsoft.com/office/powerpoint/2010/main" val="3798254219"/>
       </p:ext>
     </p:extLst>
   </p:cSld>
@@ -7371,7 +8338,7 @@
           <a:p>
             <a:pPr algn="ctr"/>
             <a:r>
-              <a:rPr lang="zh-TW" altLang="en-US" sz="4400" b="1" dirty="0">
+              <a:rPr lang="zh-TW" altLang="en-US" sz="4400" b="1" cap="none" spc="0" dirty="0">
                 <a:ln w="10160">
                   <a:solidFill>
                     <a:schemeClr val="accent5"/>
@@ -7392,29 +8359,8 @@
                 <a:latin typeface="Microsoft JhengHei" panose="020B0604030504040204" pitchFamily="34" charset="-120"/>
                 <a:ea typeface="Microsoft JhengHei" panose="020B0604030504040204" pitchFamily="34" charset="-120"/>
               </a:rPr>
-              <a:t>實作方法</a:t>
-            </a:r>
-            <a:endParaRPr lang="zh-TW" altLang="en-US" sz="4400" b="1" cap="none" spc="0" dirty="0">
-              <a:ln w="10160">
-                <a:solidFill>
-                  <a:schemeClr val="accent5"/>
-                </a:solidFill>
-                <a:prstDash val="solid"/>
-              </a:ln>
-              <a:solidFill>
-                <a:schemeClr val="bg1"/>
-              </a:solidFill>
-              <a:effectLst>
-                <a:glow rad="139700">
-                  <a:schemeClr val="accent1">
-                    <a:satMod val="175000"/>
-                    <a:alpha val="40000"/>
-                  </a:schemeClr>
-                </a:glow>
-              </a:effectLst>
-              <a:latin typeface="Microsoft JhengHei" panose="020B0604030504040204" pitchFamily="34" charset="-120"/>
-              <a:ea typeface="Microsoft JhengHei" panose="020B0604030504040204" pitchFamily="34" charset="-120"/>
-            </a:endParaRPr>
+              <a:t>背景資料</a:t>
+            </a:r>
           </a:p>
         </p:txBody>
       </p:sp>
@@ -7432,8 +8378,8 @@
         </p:nvSpPr>
         <p:spPr>
           <a:xfrm>
-            <a:off x="2164537" y="1654710"/>
-            <a:ext cx="8258849" cy="4150239"/>
+            <a:off x="1966575" y="1993510"/>
+            <a:ext cx="8258849" cy="1585434"/>
           </a:xfrm>
           <a:prstGeom prst="rect">
             <a:avLst/>
@@ -7452,6 +8398,24 @@
               </a:lnSpc>
             </a:pPr>
             <a:r>
+              <a:rPr lang="en-US" altLang="zh-TW" sz="2800" b="1" dirty="0">
+                <a:solidFill>
+                  <a:schemeClr val="bg1"/>
+                </a:solidFill>
+                <a:effectLst>
+                  <a:glow rad="139700">
+                    <a:schemeClr val="accent1">
+                      <a:satMod val="175000"/>
+                      <a:alpha val="40000"/>
+                    </a:schemeClr>
+                  </a:glow>
+                </a:effectLst>
+                <a:latin typeface="Microsoft JhengHei" panose="020B0604030504040204" pitchFamily="34" charset="-120"/>
+                <a:ea typeface="Microsoft JhengHei" panose="020B0604030504040204" pitchFamily="34" charset="-120"/>
+              </a:rPr>
+              <a:t>Python </a:t>
+            </a:r>
+            <a:r>
               <a:rPr lang="zh-TW" altLang="en-US" sz="2800" b="1" dirty="0">
                 <a:solidFill>
                   <a:schemeClr val="bg1"/>
@@ -7467,7 +8431,7 @@
                 <a:latin typeface="Microsoft JhengHei" panose="020B0604030504040204" pitchFamily="34" charset="-120"/>
                 <a:ea typeface="Microsoft JhengHei" panose="020B0604030504040204" pitchFamily="34" charset="-120"/>
               </a:rPr>
-              <a:t>環境檢查：</a:t>
+              <a:t>語言：我們使用了許多函式庫，其中包含了</a:t>
             </a:r>
             <a:endParaRPr lang="en-US" altLang="zh-TW" sz="2800" b="1" dirty="0">
               <a:solidFill>
@@ -7492,6 +8456,24 @@
               </a:lnSpc>
             </a:pPr>
             <a:r>
+              <a:rPr lang="en-US" altLang="zh-TW" sz="2800" b="1" dirty="0">
+                <a:solidFill>
+                  <a:schemeClr val="bg1"/>
+                </a:solidFill>
+                <a:effectLst>
+                  <a:glow rad="139700">
+                    <a:schemeClr val="accent1">
+                      <a:satMod val="175000"/>
+                      <a:alpha val="40000"/>
+                    </a:schemeClr>
+                  </a:glow>
+                </a:effectLst>
+                <a:latin typeface="Microsoft JhengHei" panose="020B0604030504040204" pitchFamily="34" charset="-120"/>
+                <a:ea typeface="Microsoft JhengHei" panose="020B0604030504040204" pitchFamily="34" charset="-120"/>
+              </a:rPr>
+              <a:t>bs4</a:t>
+            </a:r>
+            <a:r>
               <a:rPr lang="zh-TW" altLang="en-US" sz="2800" b="1" dirty="0">
                 <a:solidFill>
                   <a:schemeClr val="bg1"/>
@@ -7507,52 +8489,26 @@
                 <a:latin typeface="Microsoft JhengHei" panose="020B0604030504040204" pitchFamily="34" charset="-120"/>
                 <a:ea typeface="Microsoft JhengHei" panose="020B0604030504040204" pitchFamily="34" charset="-120"/>
               </a:rPr>
-              <a:t>文字文字文字文字文字文字文字文字文字文字文字</a:t>
-            </a:r>
-            <a:endParaRPr lang="en-US" altLang="zh-TW" sz="2800" b="1" dirty="0">
-              <a:solidFill>
-                <a:schemeClr val="bg1"/>
-              </a:solidFill>
-              <a:effectLst>
-                <a:glow rad="139700">
-                  <a:schemeClr val="accent1">
-                    <a:satMod val="175000"/>
-                    <a:alpha val="40000"/>
-                  </a:schemeClr>
-                </a:glow>
-              </a:effectLst>
-              <a:latin typeface="Microsoft JhengHei" panose="020B0604030504040204" pitchFamily="34" charset="-120"/>
-              <a:ea typeface="Microsoft JhengHei" panose="020B0604030504040204" pitchFamily="34" charset="-120"/>
-            </a:endParaRPr>
-          </a:p>
-          <a:p>
-            <a:pPr>
-              <a:lnSpc>
-                <a:spcPts val="4000"/>
-              </a:lnSpc>
-            </a:pPr>
-            <a:endParaRPr lang="en-US" altLang="zh-TW" sz="2800" b="1" dirty="0">
-              <a:solidFill>
-                <a:schemeClr val="bg1"/>
-              </a:solidFill>
-              <a:effectLst>
-                <a:glow rad="139700">
-                  <a:schemeClr val="accent1">
-                    <a:satMod val="175000"/>
-                    <a:alpha val="40000"/>
-                  </a:schemeClr>
-                </a:glow>
-              </a:effectLst>
-              <a:latin typeface="Microsoft JhengHei" panose="020B0604030504040204" pitchFamily="34" charset="-120"/>
-              <a:ea typeface="Microsoft JhengHei" panose="020B0604030504040204" pitchFamily="34" charset="-120"/>
-            </a:endParaRPr>
-          </a:p>
-          <a:p>
-            <a:pPr>
-              <a:lnSpc>
-                <a:spcPts val="4000"/>
-              </a:lnSpc>
-            </a:pPr>
+              <a:t>、</a:t>
+            </a:r>
+            <a:r>
+              <a:rPr lang="en-US" altLang="zh-TW" sz="2800" b="1" dirty="0">
+                <a:solidFill>
+                  <a:schemeClr val="bg1"/>
+                </a:solidFill>
+                <a:effectLst>
+                  <a:glow rad="139700">
+                    <a:schemeClr val="accent1">
+                      <a:satMod val="175000"/>
+                      <a:alpha val="40000"/>
+                    </a:schemeClr>
+                  </a:glow>
+                </a:effectLst>
+                <a:latin typeface="Microsoft JhengHei" panose="020B0604030504040204" pitchFamily="34" charset="-120"/>
+                <a:ea typeface="Microsoft JhengHei" panose="020B0604030504040204" pitchFamily="34" charset="-120"/>
+              </a:rPr>
+              <a:t>selenium</a:t>
+            </a:r>
             <a:r>
               <a:rPr lang="zh-TW" altLang="en-US" sz="2800" b="1" dirty="0">
                 <a:solidFill>
@@ -7569,30 +8525,26 @@
                 <a:latin typeface="Microsoft JhengHei" panose="020B0604030504040204" pitchFamily="34" charset="-120"/>
                 <a:ea typeface="Microsoft JhengHei" panose="020B0604030504040204" pitchFamily="34" charset="-120"/>
               </a:rPr>
-              <a:t>安裝與設定：</a:t>
-            </a:r>
-            <a:endParaRPr lang="en-US" altLang="zh-TW" sz="2800" b="1" dirty="0">
-              <a:solidFill>
-                <a:schemeClr val="bg1"/>
-              </a:solidFill>
-              <a:effectLst>
-                <a:glow rad="139700">
-                  <a:schemeClr val="accent1">
-                    <a:satMod val="175000"/>
-                    <a:alpha val="40000"/>
-                  </a:schemeClr>
-                </a:glow>
-              </a:effectLst>
-              <a:latin typeface="Microsoft JhengHei" panose="020B0604030504040204" pitchFamily="34" charset="-120"/>
-              <a:ea typeface="Microsoft JhengHei" panose="020B0604030504040204" pitchFamily="34" charset="-120"/>
-            </a:endParaRPr>
-          </a:p>
-          <a:p>
-            <a:pPr>
-              <a:lnSpc>
-                <a:spcPts val="4000"/>
-              </a:lnSpc>
-            </a:pPr>
+              <a:t>、</a:t>
+            </a:r>
+            <a:r>
+              <a:rPr lang="en-US" altLang="zh-TW" sz="2800" b="1" dirty="0" err="1">
+                <a:solidFill>
+                  <a:schemeClr val="bg1"/>
+                </a:solidFill>
+                <a:effectLst>
+                  <a:glow rad="139700">
+                    <a:schemeClr val="accent1">
+                      <a:satMod val="175000"/>
+                      <a:alpha val="40000"/>
+                    </a:schemeClr>
+                  </a:glow>
+                </a:effectLst>
+                <a:latin typeface="Microsoft JhengHei" panose="020B0604030504040204" pitchFamily="34" charset="-120"/>
+                <a:ea typeface="Microsoft JhengHei" panose="020B0604030504040204" pitchFamily="34" charset="-120"/>
+              </a:rPr>
+              <a:t>tkinnter</a:t>
+            </a:r>
             <a:r>
               <a:rPr lang="zh-TW" altLang="en-US" sz="2800" b="1" dirty="0">
                 <a:solidFill>
@@ -7609,52 +8561,26 @@
                 <a:latin typeface="Microsoft JhengHei" panose="020B0604030504040204" pitchFamily="34" charset="-120"/>
                 <a:ea typeface="Microsoft JhengHei" panose="020B0604030504040204" pitchFamily="34" charset="-120"/>
               </a:rPr>
-              <a:t>文字文字文字文字文字文字文字文字文字文字文字</a:t>
-            </a:r>
-            <a:endParaRPr lang="en-US" altLang="zh-TW" sz="2800" b="1" dirty="0">
-              <a:solidFill>
-                <a:schemeClr val="bg1"/>
-              </a:solidFill>
-              <a:effectLst>
-                <a:glow rad="139700">
-                  <a:schemeClr val="accent1">
-                    <a:satMod val="175000"/>
-                    <a:alpha val="40000"/>
-                  </a:schemeClr>
-                </a:glow>
-              </a:effectLst>
-              <a:latin typeface="Microsoft JhengHei" panose="020B0604030504040204" pitchFamily="34" charset="-120"/>
-              <a:ea typeface="Microsoft JhengHei" panose="020B0604030504040204" pitchFamily="34" charset="-120"/>
-            </a:endParaRPr>
-          </a:p>
-          <a:p>
-            <a:pPr>
-              <a:lnSpc>
-                <a:spcPts val="4000"/>
-              </a:lnSpc>
-            </a:pPr>
-            <a:endParaRPr lang="en-US" altLang="zh-TW" sz="2800" b="1" dirty="0">
-              <a:solidFill>
-                <a:schemeClr val="bg1"/>
-              </a:solidFill>
-              <a:effectLst>
-                <a:glow rad="139700">
-                  <a:schemeClr val="accent1">
-                    <a:satMod val="175000"/>
-                    <a:alpha val="40000"/>
-                  </a:schemeClr>
-                </a:glow>
-              </a:effectLst>
-              <a:latin typeface="Microsoft JhengHei" panose="020B0604030504040204" pitchFamily="34" charset="-120"/>
-              <a:ea typeface="Microsoft JhengHei" panose="020B0604030504040204" pitchFamily="34" charset="-120"/>
-            </a:endParaRPr>
-          </a:p>
-          <a:p>
-            <a:pPr>
-              <a:lnSpc>
-                <a:spcPts val="4000"/>
-              </a:lnSpc>
-            </a:pPr>
+              <a:t>、</a:t>
+            </a:r>
+            <a:r>
+              <a:rPr lang="en-US" altLang="zh-TW" sz="2800" b="1" dirty="0" err="1">
+                <a:solidFill>
+                  <a:schemeClr val="bg1"/>
+                </a:solidFill>
+                <a:effectLst>
+                  <a:glow rad="139700">
+                    <a:schemeClr val="accent1">
+                      <a:satMod val="175000"/>
+                      <a:alpha val="40000"/>
+                    </a:schemeClr>
+                  </a:glow>
+                </a:effectLst>
+                <a:latin typeface="Microsoft JhengHei" panose="020B0604030504040204" pitchFamily="34" charset="-120"/>
+                <a:ea typeface="Microsoft JhengHei" panose="020B0604030504040204" pitchFamily="34" charset="-120"/>
+              </a:rPr>
+              <a:t>prettyprint</a:t>
+            </a:r>
             <a:r>
               <a:rPr lang="zh-TW" altLang="en-US" sz="2800" b="1" dirty="0">
                 <a:solidFill>
@@ -7671,30 +8597,26 @@
                 <a:latin typeface="Microsoft JhengHei" panose="020B0604030504040204" pitchFamily="34" charset="-120"/>
                 <a:ea typeface="Microsoft JhengHei" panose="020B0604030504040204" pitchFamily="34" charset="-120"/>
               </a:rPr>
-              <a:t>解決方案步驟及運用之技巧：</a:t>
-            </a:r>
-            <a:endParaRPr lang="en-US" altLang="zh-TW" sz="2800" b="1" dirty="0">
-              <a:solidFill>
-                <a:schemeClr val="bg1"/>
-              </a:solidFill>
-              <a:effectLst>
-                <a:glow rad="139700">
-                  <a:schemeClr val="accent1">
-                    <a:satMod val="175000"/>
-                    <a:alpha val="40000"/>
-                  </a:schemeClr>
-                </a:glow>
-              </a:effectLst>
-              <a:latin typeface="Microsoft JhengHei" panose="020B0604030504040204" pitchFamily="34" charset="-120"/>
-              <a:ea typeface="Microsoft JhengHei" panose="020B0604030504040204" pitchFamily="34" charset="-120"/>
-            </a:endParaRPr>
-          </a:p>
-          <a:p>
-            <a:pPr>
-              <a:lnSpc>
-                <a:spcPts val="4000"/>
-              </a:lnSpc>
-            </a:pPr>
+              <a:t>、</a:t>
+            </a:r>
+            <a:r>
+              <a:rPr lang="en-US" altLang="zh-TW" sz="2800" b="1" dirty="0">
+                <a:solidFill>
+                  <a:schemeClr val="bg1"/>
+                </a:solidFill>
+                <a:effectLst>
+                  <a:glow rad="139700">
+                    <a:schemeClr val="accent1">
+                      <a:satMod val="175000"/>
+                      <a:alpha val="40000"/>
+                    </a:schemeClr>
+                  </a:glow>
+                </a:effectLst>
+                <a:latin typeface="Microsoft JhengHei" panose="020B0604030504040204" pitchFamily="34" charset="-120"/>
+                <a:ea typeface="Microsoft JhengHei" panose="020B0604030504040204" pitchFamily="34" charset="-120"/>
+              </a:rPr>
+              <a:t>sqlite3</a:t>
+            </a:r>
             <a:r>
               <a:rPr lang="zh-TW" altLang="en-US" sz="2800" b="1" dirty="0">
                 <a:solidFill>
@@ -7711,23 +8633,62 @@
                 <a:latin typeface="Microsoft JhengHei" panose="020B0604030504040204" pitchFamily="34" charset="-120"/>
                 <a:ea typeface="Microsoft JhengHei" panose="020B0604030504040204" pitchFamily="34" charset="-120"/>
               </a:rPr>
-              <a:t>文字文字文字文字文字文字文字文字文字文字文字</a:t>
-            </a:r>
-            <a:endParaRPr lang="en-US" altLang="zh-TW" sz="2800" b="1" dirty="0">
-              <a:solidFill>
-                <a:schemeClr val="bg1"/>
-              </a:solidFill>
-              <a:effectLst>
-                <a:glow rad="139700">
-                  <a:schemeClr val="accent1">
-                    <a:satMod val="175000"/>
-                    <a:alpha val="40000"/>
-                  </a:schemeClr>
-                </a:glow>
-              </a:effectLst>
-              <a:latin typeface="Microsoft JhengHei" panose="020B0604030504040204" pitchFamily="34" charset="-120"/>
-              <a:ea typeface="Microsoft JhengHei" panose="020B0604030504040204" pitchFamily="34" charset="-120"/>
-            </a:endParaRPr>
+              <a:t>、</a:t>
+            </a:r>
+            <a:r>
+              <a:rPr lang="en-US" altLang="zh-TW" sz="2800" b="1" dirty="0">
+                <a:solidFill>
+                  <a:schemeClr val="bg1"/>
+                </a:solidFill>
+                <a:effectLst>
+                  <a:glow rad="139700">
+                    <a:schemeClr val="accent1">
+                      <a:satMod val="175000"/>
+                      <a:alpha val="40000"/>
+                    </a:schemeClr>
+                  </a:glow>
+                </a:effectLst>
+                <a:latin typeface="Microsoft JhengHei" panose="020B0604030504040204" pitchFamily="34" charset="-120"/>
+                <a:ea typeface="Microsoft JhengHei" panose="020B0604030504040204" pitchFamily="34" charset="-120"/>
+              </a:rPr>
+              <a:t>requests</a:t>
+            </a:r>
+            <a:r>
+              <a:rPr lang="zh-TW" altLang="en-US" sz="2800" b="1" dirty="0">
+                <a:solidFill>
+                  <a:schemeClr val="bg1"/>
+                </a:solidFill>
+                <a:effectLst>
+                  <a:glow rad="139700">
+                    <a:schemeClr val="accent1">
+                      <a:satMod val="175000"/>
+                      <a:alpha val="40000"/>
+                    </a:schemeClr>
+                  </a:glow>
+                </a:effectLst>
+                <a:latin typeface="Microsoft JhengHei" panose="020B0604030504040204" pitchFamily="34" charset="-120"/>
+                <a:ea typeface="Microsoft JhengHei" panose="020B0604030504040204" pitchFamily="34" charset="-120"/>
+              </a:rPr>
+              <a:t>、</a:t>
+            </a:r>
+            <a:r>
+              <a:rPr lang="en-US" altLang="zh-TW" sz="2800" b="1" dirty="0">
+                <a:solidFill>
+                  <a:schemeClr val="bg1"/>
+                </a:solidFill>
+                <a:effectLst>
+                  <a:glow rad="139700">
+                    <a:schemeClr val="accent1">
+                      <a:satMod val="175000"/>
+                      <a:alpha val="40000"/>
+                    </a:schemeClr>
+                  </a:glow>
+                </a:effectLst>
+                <a:latin typeface="Microsoft JhengHei" panose="020B0604030504040204" pitchFamily="34" charset="-120"/>
+                <a:ea typeface="Microsoft JhengHei" panose="020B0604030504040204" pitchFamily="34" charset="-120"/>
+              </a:rPr>
+              <a:t>threading</a:t>
+            </a:r>
           </a:p>
         </p:txBody>
       </p:sp>
@@ -7767,10 +8728,46 @@
           </a:prstGeom>
         </p:spPr>
       </p:pic>
+      <p:pic>
+        <p:nvPicPr>
+          <p:cNvPr id="8" name="圖片 7">
+            <a:extLst>
+              <a:ext uri="{FF2B5EF4-FFF2-40B4-BE49-F238E27FC236}">
+                <a16:creationId xmlns:a16="http://schemas.microsoft.com/office/drawing/2014/main" id="{B987259C-FDA4-49C4-BB18-1C1BDDB8BEA3}"/>
+              </a:ext>
+            </a:extLst>
+          </p:cNvPr>
+          <p:cNvPicPr>
+            <a:picLocks noChangeAspect="1"/>
+          </p:cNvPicPr>
+          <p:nvPr/>
+        </p:nvPicPr>
+        <p:blipFill>
+          <a:blip r:embed="rId3">
+            <a:extLst>
+              <a:ext uri="{28A0092B-C50C-407E-A947-70E740481C1C}">
+                <a14:useLocalDpi xmlns:a14="http://schemas.microsoft.com/office/drawing/2010/main" val="0"/>
+              </a:ext>
+            </a:extLst>
+          </a:blip>
+          <a:stretch>
+            <a:fillRect/>
+          </a:stretch>
+        </p:blipFill>
+        <p:spPr>
+          <a:xfrm>
+            <a:off x="9151938" y="3010783"/>
+            <a:ext cx="2359410" cy="3796416"/>
+          </a:xfrm>
+          <a:prstGeom prst="rect">
+            <a:avLst/>
+          </a:prstGeom>
+        </p:spPr>
+      </p:pic>
     </p:spTree>
     <p:extLst>
       <p:ext uri="{BB962C8B-B14F-4D97-AF65-F5344CB8AC3E}">
-        <p14:creationId xmlns:p14="http://schemas.microsoft.com/office/powerpoint/2010/main" val="189958097"/>
+        <p14:creationId xmlns:p14="http://schemas.microsoft.com/office/powerpoint/2010/main" val="1650287874"/>
       </p:ext>
     </p:extLst>
   </p:cSld>
@@ -7848,7 +8845,7 @@
                 <a:latin typeface="Microsoft JhengHei" panose="020B0604030504040204" pitchFamily="34" charset="-120"/>
                 <a:ea typeface="Microsoft JhengHei" panose="020B0604030504040204" pitchFamily="34" charset="-120"/>
               </a:rPr>
-              <a:t>實作心得</a:t>
+              <a:t>環境介紹</a:t>
             </a:r>
             <a:endParaRPr lang="zh-TW" altLang="en-US" sz="4400" b="1" cap="none" spc="0" dirty="0">
               <a:ln w="10160">
@@ -7888,8 +8885,8 @@
         </p:nvSpPr>
         <p:spPr>
           <a:xfrm>
-            <a:off x="2221098" y="2709948"/>
-            <a:ext cx="8258849" cy="1072473"/>
+            <a:off x="2098548" y="1654146"/>
+            <a:ext cx="8295025" cy="3637278"/>
           </a:xfrm>
           <a:prstGeom prst="rect">
             <a:avLst/>
@@ -7923,23 +8920,62 @@
                 <a:latin typeface="Microsoft JhengHei" panose="020B0604030504040204" pitchFamily="34" charset="-120"/>
                 <a:ea typeface="Microsoft JhengHei" panose="020B0604030504040204" pitchFamily="34" charset="-120"/>
               </a:rPr>
-              <a:t>本次作業的想法與心得：</a:t>
-            </a:r>
-            <a:endParaRPr lang="en-US" altLang="zh-TW" sz="2800" b="1" dirty="0">
-              <a:solidFill>
-                <a:schemeClr val="bg1"/>
-              </a:solidFill>
-              <a:effectLst>
-                <a:glow rad="139700">
-                  <a:schemeClr val="accent1">
-                    <a:satMod val="175000"/>
-                    <a:alpha val="40000"/>
-                  </a:schemeClr>
-                </a:glow>
-              </a:effectLst>
-              <a:latin typeface="Microsoft JhengHei" panose="020B0604030504040204" pitchFamily="34" charset="-120"/>
-              <a:ea typeface="Microsoft JhengHei" panose="020B0604030504040204" pitchFamily="34" charset="-120"/>
-            </a:endParaRPr>
+              <a:t>開發平台</a:t>
+            </a:r>
+            <a:r>
+              <a:rPr lang="en-US" altLang="zh-TW" sz="2800" b="1" dirty="0">
+                <a:solidFill>
+                  <a:schemeClr val="bg1"/>
+                </a:solidFill>
+                <a:effectLst>
+                  <a:glow rad="139700">
+                    <a:schemeClr val="accent1">
+                      <a:satMod val="175000"/>
+                      <a:alpha val="40000"/>
+                    </a:schemeClr>
+                  </a:glow>
+                </a:effectLst>
+                <a:latin typeface="Microsoft JhengHei" panose="020B0604030504040204" pitchFamily="34" charset="-120"/>
+                <a:ea typeface="Microsoft JhengHei" panose="020B0604030504040204" pitchFamily="34" charset="-120"/>
+              </a:rPr>
+              <a:t>:Linux</a:t>
+            </a:r>
+            <a:r>
+              <a:rPr lang="zh-TW" altLang="en-US" sz="2800" b="1" dirty="0">
+                <a:solidFill>
+                  <a:schemeClr val="bg1"/>
+                </a:solidFill>
+                <a:effectLst>
+                  <a:glow rad="139700">
+                    <a:schemeClr val="accent1">
+                      <a:satMod val="175000"/>
+                      <a:alpha val="40000"/>
+                    </a:schemeClr>
+                  </a:glow>
+                </a:effectLst>
+                <a:latin typeface="Microsoft JhengHei" panose="020B0604030504040204" pitchFamily="34" charset="-120"/>
+                <a:ea typeface="Microsoft JhengHei" panose="020B0604030504040204" pitchFamily="34" charset="-120"/>
+              </a:rPr>
+              <a:t>及</a:t>
+            </a:r>
+            <a:r>
+              <a:rPr lang="en-US" altLang="zh-TW" sz="2800" b="1" dirty="0">
+                <a:solidFill>
+                  <a:schemeClr val="bg1"/>
+                </a:solidFill>
+                <a:effectLst>
+                  <a:glow rad="139700">
+                    <a:schemeClr val="accent1">
+                      <a:satMod val="175000"/>
+                      <a:alpha val="40000"/>
+                    </a:schemeClr>
+                  </a:glow>
+                </a:effectLst>
+                <a:latin typeface="Microsoft JhengHei" panose="020B0604030504040204" pitchFamily="34" charset="-120"/>
+                <a:ea typeface="Microsoft JhengHei" panose="020B0604030504040204" pitchFamily="34" charset="-120"/>
+              </a:rPr>
+              <a:t>Windows</a:t>
+            </a:r>
           </a:p>
           <a:p>
             <a:pPr>
@@ -7963,6 +8999,287 @@
               <a:ea typeface="Microsoft JhengHei" panose="020B0604030504040204" pitchFamily="34" charset="-120"/>
             </a:endParaRPr>
           </a:p>
+          <a:p>
+            <a:pPr>
+              <a:lnSpc>
+                <a:spcPts val="4000"/>
+              </a:lnSpc>
+            </a:pPr>
+            <a:r>
+              <a:rPr lang="zh-TW" altLang="en-US" sz="2800" b="1" dirty="0">
+                <a:solidFill>
+                  <a:schemeClr val="bg1"/>
+                </a:solidFill>
+                <a:effectLst>
+                  <a:glow rad="139700">
+                    <a:schemeClr val="accent1">
+                      <a:satMod val="175000"/>
+                      <a:alpha val="40000"/>
+                    </a:schemeClr>
+                  </a:glow>
+                </a:effectLst>
+                <a:latin typeface="Microsoft JhengHei" panose="020B0604030504040204" pitchFamily="34" charset="-120"/>
+                <a:ea typeface="Microsoft JhengHei" panose="020B0604030504040204" pitchFamily="34" charset="-120"/>
+              </a:rPr>
+              <a:t>編輯器</a:t>
+            </a:r>
+            <a:r>
+              <a:rPr lang="en-US" altLang="zh-TW" sz="2800" b="1" dirty="0">
+                <a:solidFill>
+                  <a:schemeClr val="bg1"/>
+                </a:solidFill>
+                <a:effectLst>
+                  <a:glow rad="139700">
+                    <a:schemeClr val="accent1">
+                      <a:satMod val="175000"/>
+                      <a:alpha val="40000"/>
+                    </a:schemeClr>
+                  </a:glow>
+                </a:effectLst>
+                <a:latin typeface="Microsoft JhengHei" panose="020B0604030504040204" pitchFamily="34" charset="-120"/>
+                <a:ea typeface="Microsoft JhengHei" panose="020B0604030504040204" pitchFamily="34" charset="-120"/>
+              </a:rPr>
+              <a:t>:VS</a:t>
+            </a:r>
+            <a:r>
+              <a:rPr lang="zh-TW" altLang="en-US" sz="2800" b="1" dirty="0">
+                <a:solidFill>
+                  <a:schemeClr val="bg1"/>
+                </a:solidFill>
+                <a:effectLst>
+                  <a:glow rad="139700">
+                    <a:schemeClr val="accent1">
+                      <a:satMod val="175000"/>
+                      <a:alpha val="40000"/>
+                    </a:schemeClr>
+                  </a:glow>
+                </a:effectLst>
+                <a:latin typeface="Microsoft JhengHei" panose="020B0604030504040204" pitchFamily="34" charset="-120"/>
+                <a:ea typeface="Microsoft JhengHei" panose="020B0604030504040204" pitchFamily="34" charset="-120"/>
+              </a:rPr>
+              <a:t> </a:t>
+            </a:r>
+            <a:r>
+              <a:rPr lang="en-US" altLang="zh-TW" sz="2800" b="1" dirty="0">
+                <a:solidFill>
+                  <a:schemeClr val="bg1"/>
+                </a:solidFill>
+                <a:effectLst>
+                  <a:glow rad="139700">
+                    <a:schemeClr val="accent1">
+                      <a:satMod val="175000"/>
+                      <a:alpha val="40000"/>
+                    </a:schemeClr>
+                  </a:glow>
+                </a:effectLst>
+                <a:latin typeface="Microsoft JhengHei" panose="020B0604030504040204" pitchFamily="34" charset="-120"/>
+                <a:ea typeface="Microsoft JhengHei" panose="020B0604030504040204" pitchFamily="34" charset="-120"/>
+              </a:rPr>
+              <a:t>Code</a:t>
+            </a:r>
+          </a:p>
+          <a:p>
+            <a:pPr>
+              <a:lnSpc>
+                <a:spcPts val="4000"/>
+              </a:lnSpc>
+            </a:pPr>
+            <a:endParaRPr lang="en-US" altLang="zh-TW" sz="2800" b="1" dirty="0">
+              <a:solidFill>
+                <a:schemeClr val="bg1"/>
+              </a:solidFill>
+              <a:effectLst>
+                <a:glow rad="139700">
+                  <a:schemeClr val="accent1">
+                    <a:satMod val="175000"/>
+                    <a:alpha val="40000"/>
+                  </a:schemeClr>
+                </a:glow>
+              </a:effectLst>
+              <a:latin typeface="Microsoft JhengHei" panose="020B0604030504040204" pitchFamily="34" charset="-120"/>
+              <a:ea typeface="Microsoft JhengHei" panose="020B0604030504040204" pitchFamily="34" charset="-120"/>
+            </a:endParaRPr>
+          </a:p>
+          <a:p>
+            <a:pPr>
+              <a:lnSpc>
+                <a:spcPts val="4000"/>
+              </a:lnSpc>
+            </a:pPr>
+            <a:r>
+              <a:rPr lang="en-US" altLang="zh-TW" sz="2800" b="1" dirty="0">
+                <a:solidFill>
+                  <a:schemeClr val="bg1"/>
+                </a:solidFill>
+                <a:effectLst>
+                  <a:glow rad="139700">
+                    <a:schemeClr val="accent1">
+                      <a:satMod val="175000"/>
+                      <a:alpha val="40000"/>
+                    </a:schemeClr>
+                  </a:glow>
+                </a:effectLst>
+                <a:latin typeface="Microsoft JhengHei" panose="020B0604030504040204" pitchFamily="34" charset="-120"/>
+                <a:ea typeface="Microsoft JhengHei" panose="020B0604030504040204" pitchFamily="34" charset="-120"/>
+              </a:rPr>
+              <a:t>selenium</a:t>
+            </a:r>
+            <a:r>
+              <a:rPr lang="zh-TW" altLang="en-US" sz="2800" b="1" dirty="0">
+                <a:solidFill>
+                  <a:schemeClr val="bg1"/>
+                </a:solidFill>
+                <a:effectLst>
+                  <a:glow rad="139700">
+                    <a:schemeClr val="accent1">
+                      <a:satMod val="175000"/>
+                      <a:alpha val="40000"/>
+                    </a:schemeClr>
+                  </a:glow>
+                </a:effectLst>
+                <a:latin typeface="Microsoft JhengHei" panose="020B0604030504040204" pitchFamily="34" charset="-120"/>
+                <a:ea typeface="Microsoft JhengHei" panose="020B0604030504040204" pitchFamily="34" charset="-120"/>
+              </a:rPr>
+              <a:t> </a:t>
+            </a:r>
+            <a:r>
+              <a:rPr lang="en-US" altLang="zh-TW" sz="2800" b="1" dirty="0" err="1">
+                <a:solidFill>
+                  <a:schemeClr val="bg1"/>
+                </a:solidFill>
+                <a:effectLst>
+                  <a:glow rad="139700">
+                    <a:schemeClr val="accent1">
+                      <a:satMod val="175000"/>
+                      <a:alpha val="40000"/>
+                    </a:schemeClr>
+                  </a:glow>
+                </a:effectLst>
+                <a:latin typeface="Microsoft JhengHei" panose="020B0604030504040204" pitchFamily="34" charset="-120"/>
+                <a:ea typeface="Microsoft JhengHei" panose="020B0604030504040204" pitchFamily="34" charset="-120"/>
+              </a:rPr>
+              <a:t>webdriver</a:t>
+            </a:r>
+            <a:r>
+              <a:rPr lang="zh-TW" altLang="en-US" sz="2800" b="1" dirty="0">
+                <a:solidFill>
+                  <a:schemeClr val="bg1"/>
+                </a:solidFill>
+                <a:effectLst>
+                  <a:glow rad="139700">
+                    <a:schemeClr val="accent1">
+                      <a:satMod val="175000"/>
+                      <a:alpha val="40000"/>
+                    </a:schemeClr>
+                  </a:glow>
+                </a:effectLst>
+                <a:latin typeface="Microsoft JhengHei" panose="020B0604030504040204" pitchFamily="34" charset="-120"/>
+                <a:ea typeface="Microsoft JhengHei" panose="020B0604030504040204" pitchFamily="34" charset="-120"/>
+              </a:rPr>
+              <a:t>使用</a:t>
+            </a:r>
+            <a:r>
+              <a:rPr lang="en-US" altLang="zh-TW" sz="2800" b="1" dirty="0">
+                <a:solidFill>
+                  <a:schemeClr val="bg1"/>
+                </a:solidFill>
+                <a:effectLst>
+                  <a:glow rad="139700">
+                    <a:schemeClr val="accent1">
+                      <a:satMod val="175000"/>
+                      <a:alpha val="40000"/>
+                    </a:schemeClr>
+                  </a:glow>
+                </a:effectLst>
+                <a:latin typeface="Microsoft JhengHei" panose="020B0604030504040204" pitchFamily="34" charset="-120"/>
+                <a:ea typeface="Microsoft JhengHei" panose="020B0604030504040204" pitchFamily="34" charset="-120"/>
+              </a:rPr>
+              <a:t>:google chrome</a:t>
+            </a:r>
+          </a:p>
+          <a:p>
+            <a:pPr>
+              <a:lnSpc>
+                <a:spcPts val="4000"/>
+              </a:lnSpc>
+            </a:pPr>
+            <a:endParaRPr lang="en-US" altLang="zh-TW" sz="2800" b="1" dirty="0">
+              <a:solidFill>
+                <a:schemeClr val="bg1"/>
+              </a:solidFill>
+              <a:effectLst>
+                <a:glow rad="139700">
+                  <a:schemeClr val="accent1">
+                    <a:satMod val="175000"/>
+                    <a:alpha val="40000"/>
+                  </a:schemeClr>
+                </a:glow>
+              </a:effectLst>
+              <a:latin typeface="Microsoft JhengHei" panose="020B0604030504040204" pitchFamily="34" charset="-120"/>
+              <a:ea typeface="Microsoft JhengHei" panose="020B0604030504040204" pitchFamily="34" charset="-120"/>
+            </a:endParaRPr>
+          </a:p>
+          <a:p>
+            <a:pPr>
+              <a:lnSpc>
+                <a:spcPts val="4000"/>
+              </a:lnSpc>
+            </a:pPr>
+            <a:r>
+              <a:rPr lang="en-US" altLang="zh-TW" sz="2800" b="1" dirty="0">
+                <a:solidFill>
+                  <a:schemeClr val="bg1"/>
+                </a:solidFill>
+                <a:effectLst>
+                  <a:glow rad="139700">
+                    <a:schemeClr val="accent1">
+                      <a:satMod val="175000"/>
+                      <a:alpha val="40000"/>
+                    </a:schemeClr>
+                  </a:glow>
+                </a:effectLst>
+                <a:latin typeface="Microsoft JhengHei" panose="020B0604030504040204" pitchFamily="34" charset="-120"/>
+                <a:ea typeface="Microsoft JhengHei" panose="020B0604030504040204" pitchFamily="34" charset="-120"/>
+              </a:rPr>
+              <a:t>UI</a:t>
+            </a:r>
+            <a:r>
+              <a:rPr lang="zh-TW" altLang="en-US" sz="2800" b="1" dirty="0">
+                <a:solidFill>
+                  <a:schemeClr val="bg1"/>
+                </a:solidFill>
+                <a:effectLst>
+                  <a:glow rad="139700">
+                    <a:schemeClr val="accent1">
+                      <a:satMod val="175000"/>
+                      <a:alpha val="40000"/>
+                    </a:schemeClr>
+                  </a:glow>
+                </a:effectLst>
+                <a:latin typeface="Microsoft JhengHei" panose="020B0604030504040204" pitchFamily="34" charset="-120"/>
+                <a:ea typeface="Microsoft JhengHei" panose="020B0604030504040204" pitchFamily="34" charset="-120"/>
+              </a:rPr>
+              <a:t>輔助設計</a:t>
+            </a:r>
+            <a:r>
+              <a:rPr lang="en-US" altLang="zh-TW" sz="2800" b="1" dirty="0">
+                <a:solidFill>
+                  <a:schemeClr val="bg1"/>
+                </a:solidFill>
+                <a:effectLst>
+                  <a:glow rad="139700">
+                    <a:schemeClr val="accent1">
+                      <a:satMod val="175000"/>
+                      <a:alpha val="40000"/>
+                    </a:schemeClr>
+                  </a:glow>
+                </a:effectLst>
+                <a:latin typeface="Microsoft JhengHei" panose="020B0604030504040204" pitchFamily="34" charset="-120"/>
+                <a:ea typeface="Microsoft JhengHei" panose="020B0604030504040204" pitchFamily="34" charset="-120"/>
+              </a:rPr>
+              <a:t>:PAGE</a:t>
+            </a:r>
+          </a:p>
         </p:txBody>
       </p:sp>
       <p:pic>
@@ -8004,7 +9321,7 @@
     </p:spTree>
     <p:extLst>
       <p:ext uri="{BB962C8B-B14F-4D97-AF65-F5344CB8AC3E}">
-        <p14:creationId xmlns:p14="http://schemas.microsoft.com/office/powerpoint/2010/main" val="906644223"/>
+        <p14:creationId xmlns:p14="http://schemas.microsoft.com/office/powerpoint/2010/main" val="3798254219"/>
       </p:ext>
     </p:extLst>
   </p:cSld>
@@ -8045,8 +9362,8 @@
         </p:nvSpPr>
         <p:spPr>
           <a:xfrm>
-            <a:off x="1002566" y="556646"/>
-            <a:ext cx="4055817" cy="769441"/>
+            <a:off x="4875152" y="3044279"/>
+            <a:ext cx="2441694" cy="769441"/>
           </a:xfrm>
           <a:prstGeom prst="rect">
             <a:avLst/>
@@ -8054,14 +9371,14 @@
           <a:noFill/>
         </p:spPr>
         <p:txBody>
-          <a:bodyPr wrap="square" lIns="91440" tIns="45720" rIns="91440" bIns="45720">
+          <a:bodyPr wrap="none" lIns="91440" tIns="45720" rIns="91440" bIns="45720">
             <a:spAutoFit/>
           </a:bodyPr>
           <a:lstStyle/>
           <a:p>
             <a:pPr algn="ctr"/>
             <a:r>
-              <a:rPr lang="zh-TW" altLang="en-US" sz="4400" b="1" dirty="0">
+              <a:rPr lang="zh-TW" altLang="en-US" sz="4400" b="1" cap="none" spc="0" dirty="0">
                 <a:ln w="10160">
                   <a:solidFill>
                     <a:schemeClr val="accent5"/>
@@ -8082,77 +9399,8 @@
                 <a:latin typeface="Microsoft JhengHei" panose="020B0604030504040204" pitchFamily="34" charset="-120"/>
                 <a:ea typeface="Microsoft JhengHei" panose="020B0604030504040204" pitchFamily="34" charset="-120"/>
               </a:rPr>
-              <a:t>附註</a:t>
-            </a:r>
-            <a:r>
-              <a:rPr lang="en-US" altLang="zh-TW" sz="4400" b="1" dirty="0">
-                <a:ln w="10160">
-                  <a:solidFill>
-                    <a:schemeClr val="accent5"/>
-                  </a:solidFill>
-                  <a:prstDash val="solid"/>
-                </a:ln>
-                <a:solidFill>
-                  <a:schemeClr val="bg1"/>
-                </a:solidFill>
-                <a:effectLst>
-                  <a:glow rad="139700">
-                    <a:schemeClr val="accent1">
-                      <a:satMod val="175000"/>
-                      <a:alpha val="40000"/>
-                    </a:schemeClr>
-                  </a:glow>
-                </a:effectLst>
-                <a:latin typeface="Microsoft JhengHei" panose="020B0604030504040204" pitchFamily="34" charset="-120"/>
-                <a:ea typeface="Microsoft JhengHei" panose="020B0604030504040204" pitchFamily="34" charset="-120"/>
-              </a:rPr>
-              <a:t>-</a:t>
-            </a:r>
-            <a:r>
-              <a:rPr lang="zh-TW" altLang="en-US" sz="4400" b="1" dirty="0">
-                <a:ln w="10160">
-                  <a:solidFill>
-                    <a:schemeClr val="accent5"/>
-                  </a:solidFill>
-                  <a:prstDash val="solid"/>
-                </a:ln>
-                <a:solidFill>
-                  <a:schemeClr val="bg1"/>
-                </a:solidFill>
-                <a:effectLst>
-                  <a:glow rad="139700">
-                    <a:schemeClr val="accent1">
-                      <a:satMod val="175000"/>
-                      <a:alpha val="40000"/>
-                    </a:schemeClr>
-                  </a:glow>
-                </a:effectLst>
-                <a:latin typeface="Microsoft JhengHei" panose="020B0604030504040204" pitchFamily="34" charset="-120"/>
-                <a:ea typeface="Microsoft JhengHei" panose="020B0604030504040204" pitchFamily="34" charset="-120"/>
-              </a:rPr>
-              <a:t>工作分配</a:t>
-            </a:r>
-            <a:endParaRPr lang="zh-TW" altLang="en-US" sz="4400" b="1" cap="none" spc="0" dirty="0">
-              <a:ln w="10160">
-                <a:solidFill>
-                  <a:schemeClr val="accent5"/>
-                </a:solidFill>
-                <a:prstDash val="solid"/>
-              </a:ln>
-              <a:solidFill>
-                <a:schemeClr val="bg1"/>
-              </a:solidFill>
-              <a:effectLst>
-                <a:glow rad="139700">
-                  <a:schemeClr val="accent1">
-                    <a:satMod val="175000"/>
-                    <a:alpha val="40000"/>
-                  </a:schemeClr>
-                </a:glow>
-              </a:effectLst>
-              <a:latin typeface="Microsoft JhengHei" panose="020B0604030504040204" pitchFamily="34" charset="-120"/>
-              <a:ea typeface="Microsoft JhengHei" panose="020B0604030504040204" pitchFamily="34" charset="-120"/>
-            </a:endParaRPr>
+              <a:t>實作介紹</a:t>
+            </a:r>
           </a:p>
         </p:txBody>
       </p:sp>
@@ -8192,340 +9440,10 @@
           </a:prstGeom>
         </p:spPr>
       </p:pic>
-      <p:sp>
-        <p:nvSpPr>
-          <p:cNvPr id="9" name="文字方塊 8">
-            <a:extLst>
-              <a:ext uri="{FF2B5EF4-FFF2-40B4-BE49-F238E27FC236}">
-                <a16:creationId xmlns:a16="http://schemas.microsoft.com/office/drawing/2014/main" id="{72D783AE-C8B6-4631-ADDD-2248564914AC}"/>
-              </a:ext>
-            </a:extLst>
-          </p:cNvPr>
-          <p:cNvSpPr txBox="1"/>
-          <p:nvPr/>
-        </p:nvSpPr>
-        <p:spPr>
-          <a:xfrm>
-            <a:off x="1217965" y="2187363"/>
-            <a:ext cx="8239302" cy="559512"/>
-          </a:xfrm>
-          <a:prstGeom prst="rect">
-            <a:avLst/>
-          </a:prstGeom>
-          <a:noFill/>
-        </p:spPr>
-        <p:txBody>
-          <a:bodyPr wrap="square">
-            <a:spAutoFit/>
-          </a:bodyPr>
-          <a:lstStyle/>
-          <a:p>
-            <a:pPr>
-              <a:lnSpc>
-                <a:spcPts val="4000"/>
-              </a:lnSpc>
-            </a:pPr>
-            <a:r>
-              <a:rPr lang="zh-TW" altLang="en-US" sz="2800" b="1" dirty="0">
-                <a:solidFill>
-                  <a:schemeClr val="bg1"/>
-                </a:solidFill>
-                <a:effectLst>
-                  <a:glow rad="139700">
-                    <a:schemeClr val="accent1">
-                      <a:satMod val="175000"/>
-                      <a:alpha val="40000"/>
-                    </a:schemeClr>
-                  </a:glow>
-                </a:effectLst>
-                <a:latin typeface="Microsoft JhengHei" panose="020B0604030504040204" pitchFamily="34" charset="-120"/>
-                <a:ea typeface="Microsoft JhengHei" panose="020B0604030504040204" pitchFamily="34" charset="-120"/>
-              </a:rPr>
-              <a:t>張智韋：主題構思</a:t>
-            </a:r>
-            <a:r>
-              <a:rPr lang="en-US" altLang="zh-TW" sz="2800" b="1" dirty="0">
-                <a:solidFill>
-                  <a:schemeClr val="bg1"/>
-                </a:solidFill>
-                <a:effectLst>
-                  <a:glow rad="139700">
-                    <a:schemeClr val="accent1">
-                      <a:satMod val="175000"/>
-                      <a:alpha val="40000"/>
-                    </a:schemeClr>
-                  </a:glow>
-                </a:effectLst>
-                <a:latin typeface="Microsoft JhengHei" panose="020B0604030504040204" pitchFamily="34" charset="-120"/>
-                <a:ea typeface="Microsoft JhengHei" panose="020B0604030504040204" pitchFamily="34" charset="-120"/>
-              </a:rPr>
-              <a:t>,</a:t>
-            </a:r>
-            <a:r>
-              <a:rPr lang="zh-TW" altLang="en-US" sz="2800" b="1" dirty="0">
-                <a:solidFill>
-                  <a:schemeClr val="bg1"/>
-                </a:solidFill>
-                <a:effectLst>
-                  <a:glow rad="139700">
-                    <a:schemeClr val="accent1">
-                      <a:satMod val="175000"/>
-                      <a:alpha val="40000"/>
-                    </a:schemeClr>
-                  </a:glow>
-                </a:effectLst>
-                <a:latin typeface="Microsoft JhengHei" panose="020B0604030504040204" pitchFamily="34" charset="-120"/>
-                <a:ea typeface="Microsoft JhengHei" panose="020B0604030504040204" pitchFamily="34" charset="-120"/>
-              </a:rPr>
-              <a:t>程式編寫</a:t>
-            </a:r>
-            <a:r>
-              <a:rPr lang="en-US" altLang="zh-TW" sz="2800" b="1" dirty="0">
-                <a:solidFill>
-                  <a:schemeClr val="bg1"/>
-                </a:solidFill>
-                <a:effectLst>
-                  <a:glow rad="139700">
-                    <a:schemeClr val="accent1">
-                      <a:satMod val="175000"/>
-                      <a:alpha val="40000"/>
-                    </a:schemeClr>
-                  </a:glow>
-                </a:effectLst>
-                <a:latin typeface="Microsoft JhengHei" panose="020B0604030504040204" pitchFamily="34" charset="-120"/>
-                <a:ea typeface="Microsoft JhengHei" panose="020B0604030504040204" pitchFamily="34" charset="-120"/>
-              </a:rPr>
-              <a:t>,</a:t>
-            </a:r>
-            <a:r>
-              <a:rPr lang="zh-TW" altLang="en-US" sz="2800" b="1" dirty="0">
-                <a:solidFill>
-                  <a:schemeClr val="bg1"/>
-                </a:solidFill>
-                <a:effectLst>
-                  <a:glow rad="139700">
-                    <a:schemeClr val="accent1">
-                      <a:satMod val="175000"/>
-                      <a:alpha val="40000"/>
-                    </a:schemeClr>
-                  </a:glow>
-                </a:effectLst>
-                <a:latin typeface="Microsoft JhengHei" panose="020B0604030504040204" pitchFamily="34" charset="-120"/>
-                <a:ea typeface="Microsoft JhengHei" panose="020B0604030504040204" pitchFamily="34" charset="-120"/>
-              </a:rPr>
-              <a:t>後期文件、簡報</a:t>
-            </a:r>
-            <a:endParaRPr lang="en-US" altLang="zh-TW" sz="2800" b="1" dirty="0">
-              <a:solidFill>
-                <a:schemeClr val="bg1"/>
-              </a:solidFill>
-              <a:effectLst>
-                <a:glow rad="139700">
-                  <a:schemeClr val="accent1">
-                    <a:satMod val="175000"/>
-                    <a:alpha val="40000"/>
-                  </a:schemeClr>
-                </a:glow>
-              </a:effectLst>
-              <a:latin typeface="Microsoft JhengHei" panose="020B0604030504040204" pitchFamily="34" charset="-120"/>
-              <a:ea typeface="Microsoft JhengHei" panose="020B0604030504040204" pitchFamily="34" charset="-120"/>
-            </a:endParaRPr>
-          </a:p>
-        </p:txBody>
-      </p:sp>
-      <p:sp>
-        <p:nvSpPr>
-          <p:cNvPr id="11" name="文字方塊 10">
-            <a:extLst>
-              <a:ext uri="{FF2B5EF4-FFF2-40B4-BE49-F238E27FC236}">
-                <a16:creationId xmlns:a16="http://schemas.microsoft.com/office/drawing/2014/main" id="{9B6D6D41-3EB3-40AE-94DA-0F95479681E1}"/>
-              </a:ext>
-            </a:extLst>
-          </p:cNvPr>
-          <p:cNvSpPr txBox="1"/>
-          <p:nvPr/>
-        </p:nvSpPr>
-        <p:spPr>
-          <a:xfrm>
-            <a:off x="1217965" y="3429000"/>
-            <a:ext cx="6096000" cy="523220"/>
-          </a:xfrm>
-          <a:prstGeom prst="rect">
-            <a:avLst/>
-          </a:prstGeom>
-          <a:noFill/>
-        </p:spPr>
-        <p:txBody>
-          <a:bodyPr wrap="square">
-            <a:spAutoFit/>
-          </a:bodyPr>
-          <a:lstStyle/>
-          <a:p>
-            <a:r>
-              <a:rPr lang="zh-TW" altLang="en-US" sz="2800" b="1" dirty="0">
-                <a:solidFill>
-                  <a:schemeClr val="bg1"/>
-                </a:solidFill>
-                <a:effectLst>
-                  <a:glow rad="139700">
-                    <a:schemeClr val="accent1">
-                      <a:satMod val="175000"/>
-                      <a:alpha val="40000"/>
-                    </a:schemeClr>
-                  </a:glow>
-                </a:effectLst>
-                <a:latin typeface="Microsoft JhengHei" panose="020B0604030504040204" pitchFamily="34" charset="-120"/>
-                <a:ea typeface="Microsoft JhengHei" panose="020B0604030504040204" pitchFamily="34" charset="-120"/>
-              </a:rPr>
-              <a:t>張恩倫：初期文件、簡報</a:t>
-            </a:r>
-            <a:endParaRPr lang="zh-TW" altLang="en-US" sz="2800" dirty="0"/>
-          </a:p>
-        </p:txBody>
-      </p:sp>
-      <p:sp>
-        <p:nvSpPr>
-          <p:cNvPr id="13" name="文字方塊 12">
-            <a:extLst>
-              <a:ext uri="{FF2B5EF4-FFF2-40B4-BE49-F238E27FC236}">
-                <a16:creationId xmlns:a16="http://schemas.microsoft.com/office/drawing/2014/main" id="{2025F004-8779-453C-8CF9-58CD4B83507E}"/>
-              </a:ext>
-            </a:extLst>
-          </p:cNvPr>
-          <p:cNvSpPr txBox="1"/>
-          <p:nvPr/>
-        </p:nvSpPr>
-        <p:spPr>
-          <a:xfrm>
-            <a:off x="1217964" y="4634345"/>
-            <a:ext cx="9526235" cy="954107"/>
-          </a:xfrm>
-          <a:prstGeom prst="rect">
-            <a:avLst/>
-          </a:prstGeom>
-          <a:noFill/>
-        </p:spPr>
-        <p:txBody>
-          <a:bodyPr wrap="square">
-            <a:spAutoFit/>
-          </a:bodyPr>
-          <a:lstStyle/>
-          <a:p>
-            <a:r>
-              <a:rPr lang="zh-TW" altLang="en-US" sz="2800" b="1" dirty="0">
-                <a:solidFill>
-                  <a:schemeClr val="bg1"/>
-                </a:solidFill>
-                <a:effectLst>
-                  <a:glow rad="139700">
-                    <a:schemeClr val="accent1">
-                      <a:satMod val="175000"/>
-                      <a:alpha val="40000"/>
-                    </a:schemeClr>
-                  </a:glow>
-                </a:effectLst>
-                <a:latin typeface="Microsoft JhengHei" panose="020B0604030504040204" pitchFamily="34" charset="-120"/>
-                <a:ea typeface="Microsoft JhengHei" panose="020B0604030504040204" pitchFamily="34" charset="-120"/>
-              </a:rPr>
-              <a:t>特別感謝</a:t>
-            </a:r>
-            <a:r>
-              <a:rPr lang="en-US" altLang="zh-TW" sz="2800" b="1" dirty="0">
-                <a:solidFill>
-                  <a:schemeClr val="bg1"/>
-                </a:solidFill>
-                <a:effectLst>
-                  <a:glow rad="139700">
-                    <a:schemeClr val="accent1">
-                      <a:satMod val="175000"/>
-                      <a:alpha val="40000"/>
-                    </a:schemeClr>
-                  </a:glow>
-                </a:effectLst>
-                <a:latin typeface="Microsoft JhengHei" panose="020B0604030504040204" pitchFamily="34" charset="-120"/>
-                <a:ea typeface="Microsoft JhengHei" panose="020B0604030504040204" pitchFamily="34" charset="-120"/>
-              </a:rPr>
-              <a:t>:</a:t>
-            </a:r>
-            <a:r>
-              <a:rPr lang="zh-TW" altLang="en-US" sz="2800" b="1" dirty="0">
-                <a:solidFill>
-                  <a:schemeClr val="bg1"/>
-                </a:solidFill>
-                <a:effectLst>
-                  <a:glow rad="139700">
-                    <a:schemeClr val="accent1">
-                      <a:satMod val="175000"/>
-                      <a:alpha val="40000"/>
-                    </a:schemeClr>
-                  </a:glow>
-                </a:effectLst>
-                <a:latin typeface="Microsoft JhengHei" panose="020B0604030504040204" pitchFamily="34" charset="-120"/>
-                <a:ea typeface="Microsoft JhengHei" panose="020B0604030504040204" pitchFamily="34" charset="-120"/>
-              </a:rPr>
-              <a:t>簡報設計排版</a:t>
-            </a:r>
-            <a:endParaRPr lang="en-US" altLang="zh-TW" sz="2800" b="1" dirty="0">
-              <a:solidFill>
-                <a:schemeClr val="bg1"/>
-              </a:solidFill>
-              <a:effectLst>
-                <a:glow rad="139700">
-                  <a:schemeClr val="accent1">
-                    <a:satMod val="175000"/>
-                    <a:alpha val="40000"/>
-                  </a:schemeClr>
-                </a:glow>
-              </a:effectLst>
-              <a:latin typeface="Microsoft JhengHei" panose="020B0604030504040204" pitchFamily="34" charset="-120"/>
-              <a:ea typeface="Microsoft JhengHei" panose="020B0604030504040204" pitchFamily="34" charset="-120"/>
-            </a:endParaRPr>
-          </a:p>
-          <a:p>
-            <a:r>
-              <a:rPr lang="zh-TW" altLang="en-US" sz="2800" b="1" dirty="0">
-                <a:solidFill>
-                  <a:schemeClr val="bg1"/>
-                </a:solidFill>
-                <a:effectLst>
-                  <a:glow rad="139700">
-                    <a:schemeClr val="accent1">
-                      <a:satMod val="175000"/>
-                      <a:alpha val="40000"/>
-                    </a:schemeClr>
-                  </a:glow>
-                </a:effectLst>
-                <a:latin typeface="Microsoft JhengHei" panose="020B0604030504040204" pitchFamily="34" charset="-120"/>
-                <a:ea typeface="Microsoft JhengHei" panose="020B0604030504040204" pitchFamily="34" charset="-120"/>
-              </a:rPr>
-              <a:t>朝陽科大 資訊管理系多媒體組  黃以涵</a:t>
-            </a:r>
-            <a:r>
-              <a:rPr lang="zh-TW" altLang="en-US" sz="2400" b="1" dirty="0">
-                <a:solidFill>
-                  <a:schemeClr val="bg1"/>
-                </a:solidFill>
-                <a:effectLst>
-                  <a:glow rad="139700">
-                    <a:schemeClr val="accent1">
-                      <a:satMod val="175000"/>
-                      <a:alpha val="40000"/>
-                    </a:schemeClr>
-                  </a:glow>
-                </a:effectLst>
-                <a:latin typeface="Microsoft JhengHei" panose="020B0604030504040204" pitchFamily="34" charset="-120"/>
-                <a:ea typeface="Microsoft JhengHei" panose="020B0604030504040204" pitchFamily="34" charset="-120"/>
-              </a:rPr>
-              <a:t>同學</a:t>
-            </a:r>
-            <a:endParaRPr lang="zh-TW" altLang="en-US" sz="2400" dirty="0"/>
-          </a:p>
-        </p:txBody>
-      </p:sp>
     </p:spTree>
     <p:extLst>
       <p:ext uri="{BB962C8B-B14F-4D97-AF65-F5344CB8AC3E}">
-        <p14:creationId xmlns:p14="http://schemas.microsoft.com/office/powerpoint/2010/main" val="470476588"/>
+        <p14:creationId xmlns:p14="http://schemas.microsoft.com/office/powerpoint/2010/main" val="189958097"/>
       </p:ext>
     </p:extLst>
   </p:cSld>
@@ -8566,8 +9484,8 @@
         </p:nvSpPr>
         <p:spPr>
           <a:xfrm>
-            <a:off x="1126463" y="556646"/>
-            <a:ext cx="3815468" cy="769441"/>
+            <a:off x="4875153" y="3044279"/>
+            <a:ext cx="2441694" cy="769441"/>
           </a:xfrm>
           <a:prstGeom prst="rect">
             <a:avLst/>
@@ -8603,55 +9521,7 @@
                 <a:latin typeface="Microsoft JhengHei" panose="020B0604030504040204" pitchFamily="34" charset="-120"/>
                 <a:ea typeface="Microsoft JhengHei" panose="020B0604030504040204" pitchFamily="34" charset="-120"/>
               </a:rPr>
-              <a:t>附註</a:t>
-            </a:r>
-            <a:r>
-              <a:rPr lang="en-US" altLang="zh-TW" sz="4400" b="1" dirty="0">
-                <a:ln w="10160">
-                  <a:solidFill>
-                    <a:schemeClr val="accent5"/>
-                  </a:solidFill>
-                  <a:prstDash val="solid"/>
-                </a:ln>
-                <a:solidFill>
-                  <a:schemeClr val="bg1"/>
-                </a:solidFill>
-                <a:effectLst>
-                  <a:glow rad="139700">
-                    <a:schemeClr val="accent1">
-                      <a:satMod val="175000"/>
-                      <a:alpha val="40000"/>
-                    </a:schemeClr>
-                  </a:glow>
-                </a:effectLst>
-                <a:latin typeface="Microsoft JhengHei" panose="020B0604030504040204" pitchFamily="34" charset="-120"/>
-                <a:ea typeface="Microsoft JhengHei" panose="020B0604030504040204" pitchFamily="34" charset="-120"/>
-              </a:rPr>
-              <a:t>-</a:t>
-            </a:r>
-            <a:r>
-              <a:rPr lang="zh-TW" altLang="en-US" sz="4400" b="1" dirty="0">
-                <a:ln w="10160">
-                  <a:solidFill>
-                    <a:schemeClr val="accent5"/>
-                  </a:solidFill>
-                  <a:prstDash val="solid"/>
-                </a:ln>
-                <a:solidFill>
-                  <a:schemeClr val="bg1"/>
-                </a:solidFill>
-                <a:effectLst>
-                  <a:glow rad="139700">
-                    <a:schemeClr val="accent1">
-                      <a:satMod val="175000"/>
-                      <a:alpha val="40000"/>
-                    </a:schemeClr>
-                  </a:glow>
-                </a:effectLst>
-                <a:latin typeface="Microsoft JhengHei" panose="020B0604030504040204" pitchFamily="34" charset="-120"/>
-                <a:ea typeface="Microsoft JhengHei" panose="020B0604030504040204" pitchFamily="34" charset="-120"/>
-              </a:rPr>
-              <a:t>參考文獻</a:t>
+              <a:t>實作心得</a:t>
             </a:r>
             <a:endParaRPr lang="zh-TW" altLang="en-US" sz="4400" b="1" cap="none" spc="0" dirty="0">
               <a:ln w="10160">
@@ -8660,97 +9530,6 @@
                 </a:solidFill>
                 <a:prstDash val="solid"/>
               </a:ln>
-              <a:solidFill>
-                <a:schemeClr val="bg1"/>
-              </a:solidFill>
-              <a:effectLst>
-                <a:glow rad="139700">
-                  <a:schemeClr val="accent1">
-                    <a:satMod val="175000"/>
-                    <a:alpha val="40000"/>
-                  </a:schemeClr>
-                </a:glow>
-              </a:effectLst>
-              <a:latin typeface="Microsoft JhengHei" panose="020B0604030504040204" pitchFamily="34" charset="-120"/>
-              <a:ea typeface="Microsoft JhengHei" panose="020B0604030504040204" pitchFamily="34" charset="-120"/>
-            </a:endParaRPr>
-          </a:p>
-        </p:txBody>
-      </p:sp>
-      <p:sp>
-        <p:nvSpPr>
-          <p:cNvPr id="2" name="文字方塊 1">
-            <a:extLst>
-              <a:ext uri="{FF2B5EF4-FFF2-40B4-BE49-F238E27FC236}">
-                <a16:creationId xmlns:a16="http://schemas.microsoft.com/office/drawing/2014/main" id="{9AB86E52-72C8-475E-905C-BA3A3F576B95}"/>
-              </a:ext>
-            </a:extLst>
-          </p:cNvPr>
-          <p:cNvSpPr txBox="1"/>
-          <p:nvPr/>
-        </p:nvSpPr>
-        <p:spPr>
-          <a:xfrm>
-            <a:off x="1966575" y="1993510"/>
-            <a:ext cx="8258849" cy="3637278"/>
-          </a:xfrm>
-          <a:prstGeom prst="rect">
-            <a:avLst/>
-          </a:prstGeom>
-          <a:noFill/>
-        </p:spPr>
-        <p:txBody>
-          <a:bodyPr wrap="square" rtlCol="0">
-            <a:spAutoFit/>
-          </a:bodyPr>
-          <a:lstStyle/>
-          <a:p>
-            <a:pPr>
-              <a:lnSpc>
-                <a:spcPts val="4000"/>
-              </a:lnSpc>
-            </a:pPr>
-            <a:r>
-              <a:rPr lang="zh-TW" altLang="en-US" sz="2800" b="1" dirty="0">
-                <a:solidFill>
-                  <a:schemeClr val="bg1"/>
-                </a:solidFill>
-                <a:effectLst>
-                  <a:glow rad="139700">
-                    <a:schemeClr val="accent1">
-                      <a:satMod val="175000"/>
-                      <a:alpha val="40000"/>
-                    </a:schemeClr>
-                  </a:glow>
-                </a:effectLst>
-                <a:latin typeface="Microsoft JhengHei" panose="020B0604030504040204" pitchFamily="34" charset="-120"/>
-                <a:ea typeface="Microsoft JhengHei" panose="020B0604030504040204" pitchFamily="34" charset="-120"/>
-              </a:rPr>
-              <a:t>文字文字文字文字文字文字文字文字文字文字文字文字文字文字文字文字文字文字文字文字文字文字文字文字文字文字文字文字文字文字文字文字文字文字文字文字文字文字文字文字文字文字文字文字文字文字文字文字文字文字文字文字文字文字文字文字文字文字文字文字文字文字文字文字文字文字</a:t>
-            </a:r>
-            <a:endParaRPr lang="en-US" altLang="zh-TW" sz="2800" b="1" dirty="0">
-              <a:solidFill>
-                <a:schemeClr val="bg1"/>
-              </a:solidFill>
-              <a:effectLst>
-                <a:glow rad="139700">
-                  <a:schemeClr val="accent1">
-                    <a:satMod val="175000"/>
-                    <a:alpha val="40000"/>
-                  </a:schemeClr>
-                </a:glow>
-              </a:effectLst>
-              <a:latin typeface="Microsoft JhengHei" panose="020B0604030504040204" pitchFamily="34" charset="-120"/>
-              <a:ea typeface="Microsoft JhengHei" panose="020B0604030504040204" pitchFamily="34" charset="-120"/>
-            </a:endParaRPr>
-          </a:p>
-          <a:p>
-            <a:pPr>
-              <a:lnSpc>
-                <a:spcPts val="4000"/>
-              </a:lnSpc>
-            </a:pPr>
-            <a:endParaRPr lang="en-US" altLang="zh-TW" sz="2800" b="1" dirty="0">
               <a:solidFill>
                 <a:schemeClr val="bg1"/>
               </a:solidFill>
@@ -8807,7 +9586,7 @@
     </p:spTree>
     <p:extLst>
       <p:ext uri="{BB962C8B-B14F-4D97-AF65-F5344CB8AC3E}">
-        <p14:creationId xmlns:p14="http://schemas.microsoft.com/office/powerpoint/2010/main" val="3949691697"/>
+        <p14:creationId xmlns:p14="http://schemas.microsoft.com/office/powerpoint/2010/main" val="906644223"/>
       </p:ext>
     </p:extLst>
   </p:cSld>

--- a/GC遊戲後台分析爬蟲 (1).pptx
+++ b/GC遊戲後台分析爬蟲 (1).pptx
@@ -7,9 +7,9 @@
   <p:sldIdLst>
     <p:sldId id="256" r:id="rId2"/>
     <p:sldId id="274" r:id="rId3"/>
-    <p:sldId id="275" r:id="rId4"/>
-    <p:sldId id="257" r:id="rId5"/>
-    <p:sldId id="271" r:id="rId6"/>
+    <p:sldId id="257" r:id="rId4"/>
+    <p:sldId id="271" r:id="rId5"/>
+    <p:sldId id="275" r:id="rId6"/>
     <p:sldId id="264" r:id="rId7"/>
     <p:sldId id="265" r:id="rId8"/>
     <p:sldId id="266" r:id="rId9"/>
@@ -18,9 +18,6 @@
     <p:sldId id="269" r:id="rId12"/>
     <p:sldId id="273" r:id="rId13"/>
     <p:sldId id="263" r:id="rId14"/>
-    <p:sldId id="270" r:id="rId15"/>
-    <p:sldId id="261" r:id="rId16"/>
-    <p:sldId id="262" r:id="rId17"/>
   </p:sldIdLst>
   <p:sldSz cx="12192000" cy="6858000"/>
   <p:notesSz cx="6858000" cy="9144000"/>
@@ -5493,300 +5490,6 @@
 </p:sld>
 </file>
 
-<file path=ppt/slides/slide14.xml><?xml version="1.0" encoding="utf-8"?>
-<p:sld xmlns:a="http://schemas.openxmlformats.org/drawingml/2006/main" xmlns:r="http://schemas.openxmlformats.org/officeDocument/2006/relationships" xmlns:p="http://schemas.openxmlformats.org/presentationml/2006/main">
-  <p:cSld>
-    <p:spTree>
-      <p:nvGrpSpPr>
-        <p:cNvPr id="1" name=""/>
-        <p:cNvGrpSpPr/>
-        <p:nvPr/>
-      </p:nvGrpSpPr>
-      <p:grpSpPr>
-        <a:xfrm>
-          <a:off x="0" y="0"/>
-          <a:ext cx="0" cy="0"/>
-          <a:chOff x="0" y="0"/>
-          <a:chExt cx="0" cy="0"/>
-        </a:xfrm>
-      </p:grpSpPr>
-      <p:sp>
-        <p:nvSpPr>
-          <p:cNvPr id="5" name="矩形 4">
-            <a:extLst>
-              <a:ext uri="{FF2B5EF4-FFF2-40B4-BE49-F238E27FC236}">
-                <a16:creationId xmlns:a16="http://schemas.microsoft.com/office/drawing/2014/main" id="{B12A8606-1685-464A-A01E-5E029C6A5806}"/>
-              </a:ext>
-            </a:extLst>
-          </p:cNvPr>
-          <p:cNvSpPr/>
-          <p:nvPr/>
-        </p:nvSpPr>
-        <p:spPr>
-          <a:xfrm>
-            <a:off x="1125193" y="556646"/>
-            <a:ext cx="2441694" cy="769441"/>
-          </a:xfrm>
-          <a:prstGeom prst="rect">
-            <a:avLst/>
-          </a:prstGeom>
-          <a:noFill/>
-        </p:spPr>
-        <p:txBody>
-          <a:bodyPr wrap="none" lIns="91440" tIns="45720" rIns="91440" bIns="45720">
-            <a:spAutoFit/>
-          </a:bodyPr>
-          <a:lstStyle/>
-          <a:p>
-            <a:pPr algn="ctr"/>
-            <a:r>
-              <a:rPr lang="zh-TW" altLang="en-US" sz="4400" b="1" dirty="0">
-                <a:ln w="10160">
-                  <a:solidFill>
-                    <a:schemeClr val="accent5"/>
-                  </a:solidFill>
-                  <a:prstDash val="solid"/>
-                </a:ln>
-                <a:solidFill>
-                  <a:schemeClr val="bg1"/>
-                </a:solidFill>
-                <a:effectLst>
-                  <a:glow rad="139700">
-                    <a:schemeClr val="accent1">
-                      <a:satMod val="175000"/>
-                      <a:alpha val="40000"/>
-                    </a:schemeClr>
-                  </a:glow>
-                </a:effectLst>
-                <a:latin typeface="Microsoft JhengHei" panose="020B0604030504040204" pitchFamily="34" charset="-120"/>
-                <a:ea typeface="Microsoft JhengHei" panose="020B0604030504040204" pitchFamily="34" charset="-120"/>
-              </a:rPr>
-              <a:t>文字文字</a:t>
-            </a:r>
-            <a:endParaRPr lang="zh-TW" altLang="en-US" sz="4400" b="1" cap="none" spc="0" dirty="0">
-              <a:ln w="10160">
-                <a:solidFill>
-                  <a:schemeClr val="accent5"/>
-                </a:solidFill>
-                <a:prstDash val="solid"/>
-              </a:ln>
-              <a:solidFill>
-                <a:schemeClr val="bg1"/>
-              </a:solidFill>
-              <a:effectLst>
-                <a:glow rad="139700">
-                  <a:schemeClr val="accent1">
-                    <a:satMod val="175000"/>
-                    <a:alpha val="40000"/>
-                  </a:schemeClr>
-                </a:glow>
-              </a:effectLst>
-              <a:latin typeface="Microsoft JhengHei" panose="020B0604030504040204" pitchFamily="34" charset="-120"/>
-              <a:ea typeface="Microsoft JhengHei" panose="020B0604030504040204" pitchFamily="34" charset="-120"/>
-            </a:endParaRPr>
-          </a:p>
-        </p:txBody>
-      </p:sp>
-      <p:sp>
-        <p:nvSpPr>
-          <p:cNvPr id="2" name="文字方塊 1">
-            <a:extLst>
-              <a:ext uri="{FF2B5EF4-FFF2-40B4-BE49-F238E27FC236}">
-                <a16:creationId xmlns:a16="http://schemas.microsoft.com/office/drawing/2014/main" id="{9AB86E52-72C8-475E-905C-BA3A3F576B95}"/>
-              </a:ext>
-            </a:extLst>
-          </p:cNvPr>
-          <p:cNvSpPr txBox="1"/>
-          <p:nvPr/>
-        </p:nvSpPr>
-        <p:spPr>
-          <a:xfrm>
-            <a:off x="1966575" y="1993510"/>
-            <a:ext cx="8258849" cy="3637278"/>
-          </a:xfrm>
-          <a:prstGeom prst="rect">
-            <a:avLst/>
-          </a:prstGeom>
-          <a:noFill/>
-        </p:spPr>
-        <p:txBody>
-          <a:bodyPr wrap="square" rtlCol="0">
-            <a:spAutoFit/>
-          </a:bodyPr>
-          <a:lstStyle/>
-          <a:p>
-            <a:pPr>
-              <a:lnSpc>
-                <a:spcPts val="4000"/>
-              </a:lnSpc>
-            </a:pPr>
-            <a:r>
-              <a:rPr lang="zh-TW" altLang="en-US" sz="2800" b="1" dirty="0">
-                <a:solidFill>
-                  <a:schemeClr val="bg1"/>
-                </a:solidFill>
-                <a:effectLst>
-                  <a:glow rad="139700">
-                    <a:schemeClr val="accent1">
-                      <a:satMod val="175000"/>
-                      <a:alpha val="40000"/>
-                    </a:schemeClr>
-                  </a:glow>
-                </a:effectLst>
-                <a:latin typeface="Microsoft JhengHei" panose="020B0604030504040204" pitchFamily="34" charset="-120"/>
-                <a:ea typeface="Microsoft JhengHei" panose="020B0604030504040204" pitchFamily="34" charset="-120"/>
-              </a:rPr>
-              <a:t>文字文字文字文字文字文字文字文字文字文字文字文字文字文字文字文字文字文字文字文字文字文字文字文字文字文字文字文字文字文字文字文字文字文字文字文字文字文字文字文字文字文字文字文字文字文字文字文字文字文字文字文字文字文字文字文字文字文字文字文字文字文字文字文字文字文字</a:t>
-            </a:r>
-            <a:endParaRPr lang="en-US" altLang="zh-TW" sz="2800" b="1" dirty="0">
-              <a:solidFill>
-                <a:schemeClr val="bg1"/>
-              </a:solidFill>
-              <a:effectLst>
-                <a:glow rad="139700">
-                  <a:schemeClr val="accent1">
-                    <a:satMod val="175000"/>
-                    <a:alpha val="40000"/>
-                  </a:schemeClr>
-                </a:glow>
-              </a:effectLst>
-              <a:latin typeface="Microsoft JhengHei" panose="020B0604030504040204" pitchFamily="34" charset="-120"/>
-              <a:ea typeface="Microsoft JhengHei" panose="020B0604030504040204" pitchFamily="34" charset="-120"/>
-            </a:endParaRPr>
-          </a:p>
-          <a:p>
-            <a:pPr>
-              <a:lnSpc>
-                <a:spcPts val="4000"/>
-              </a:lnSpc>
-            </a:pPr>
-            <a:endParaRPr lang="en-US" altLang="zh-TW" sz="2800" b="1" dirty="0">
-              <a:solidFill>
-                <a:schemeClr val="bg1"/>
-              </a:solidFill>
-              <a:effectLst>
-                <a:glow rad="139700">
-                  <a:schemeClr val="accent1">
-                    <a:satMod val="175000"/>
-                    <a:alpha val="40000"/>
-                  </a:schemeClr>
-                </a:glow>
-              </a:effectLst>
-              <a:latin typeface="Microsoft JhengHei" panose="020B0604030504040204" pitchFamily="34" charset="-120"/>
-              <a:ea typeface="Microsoft JhengHei" panose="020B0604030504040204" pitchFamily="34" charset="-120"/>
-            </a:endParaRPr>
-          </a:p>
-        </p:txBody>
-      </p:sp>
-      <p:pic>
-        <p:nvPicPr>
-          <p:cNvPr id="4" name="圖片 3">
-            <a:extLst>
-              <a:ext uri="{FF2B5EF4-FFF2-40B4-BE49-F238E27FC236}">
-                <a16:creationId xmlns:a16="http://schemas.microsoft.com/office/drawing/2014/main" id="{6ABFCE43-6B30-43C4-9DC5-7D91A726E7AC}"/>
-              </a:ext>
-            </a:extLst>
-          </p:cNvPr>
-          <p:cNvPicPr>
-            <a:picLocks noChangeAspect="1"/>
-          </p:cNvPicPr>
-          <p:nvPr/>
-        </p:nvPicPr>
-        <p:blipFill>
-          <a:blip r:embed="rId2">
-            <a:extLst>
-              <a:ext uri="{28A0092B-C50C-407E-A947-70E740481C1C}">
-                <a14:useLocalDpi xmlns:a14="http://schemas.microsoft.com/office/drawing/2010/main" val="0"/>
-              </a:ext>
-            </a:extLst>
-          </a:blip>
-          <a:stretch>
-            <a:fillRect/>
-          </a:stretch>
-        </p:blipFill>
-        <p:spPr>
-          <a:xfrm>
-            <a:off x="448524" y="482757"/>
-            <a:ext cx="769441" cy="769441"/>
-          </a:xfrm>
-          <a:prstGeom prst="rect">
-            <a:avLst/>
-          </a:prstGeom>
-        </p:spPr>
-      </p:pic>
-    </p:spTree>
-    <p:extLst>
-      <p:ext uri="{BB962C8B-B14F-4D97-AF65-F5344CB8AC3E}">
-        <p14:creationId xmlns:p14="http://schemas.microsoft.com/office/powerpoint/2010/main" val="2614759558"/>
-      </p:ext>
-    </p:extLst>
-  </p:cSld>
-  <p:clrMapOvr>
-    <a:masterClrMapping/>
-  </p:clrMapOvr>
-</p:sld>
-</file>
-
-<file path=ppt/slides/slide15.xml><?xml version="1.0" encoding="utf-8"?>
-<p:sld xmlns:a="http://schemas.openxmlformats.org/drawingml/2006/main" xmlns:r="http://schemas.openxmlformats.org/officeDocument/2006/relationships" xmlns:p="http://schemas.openxmlformats.org/presentationml/2006/main">
-  <p:cSld>
-    <p:spTree>
-      <p:nvGrpSpPr>
-        <p:cNvPr id="1" name=""/>
-        <p:cNvGrpSpPr/>
-        <p:nvPr/>
-      </p:nvGrpSpPr>
-      <p:grpSpPr>
-        <a:xfrm>
-          <a:off x="0" y="0"/>
-          <a:ext cx="0" cy="0"/>
-          <a:chOff x="0" y="0"/>
-          <a:chExt cx="0" cy="0"/>
-        </a:xfrm>
-      </p:grpSpPr>
-    </p:spTree>
-    <p:extLst>
-      <p:ext uri="{BB962C8B-B14F-4D97-AF65-F5344CB8AC3E}">
-        <p14:creationId xmlns:p14="http://schemas.microsoft.com/office/powerpoint/2010/main" val="2467932820"/>
-      </p:ext>
-    </p:extLst>
-  </p:cSld>
-  <p:clrMapOvr>
-    <a:masterClrMapping/>
-  </p:clrMapOvr>
-</p:sld>
-</file>
-
-<file path=ppt/slides/slide16.xml><?xml version="1.0" encoding="utf-8"?>
-<p:sld xmlns:a="http://schemas.openxmlformats.org/drawingml/2006/main" xmlns:r="http://schemas.openxmlformats.org/officeDocument/2006/relationships" xmlns:p="http://schemas.openxmlformats.org/presentationml/2006/main">
-  <p:cSld>
-    <p:spTree>
-      <p:nvGrpSpPr>
-        <p:cNvPr id="1" name=""/>
-        <p:cNvGrpSpPr/>
-        <p:nvPr/>
-      </p:nvGrpSpPr>
-      <p:grpSpPr>
-        <a:xfrm>
-          <a:off x="0" y="0"/>
-          <a:ext cx="0" cy="0"/>
-          <a:chOff x="0" y="0"/>
-          <a:chExt cx="0" cy="0"/>
-        </a:xfrm>
-      </p:grpSpPr>
-    </p:spTree>
-    <p:extLst>
-      <p:ext uri="{BB962C8B-B14F-4D97-AF65-F5344CB8AC3E}">
-        <p14:creationId xmlns:p14="http://schemas.microsoft.com/office/powerpoint/2010/main" val="922489853"/>
-      </p:ext>
-    </p:extLst>
-  </p:cSld>
-  <p:clrMapOvr>
-    <a:masterClrMapping/>
-  </p:clrMapOvr>
-</p:sld>
-</file>
-
 <file path=ppt/slides/slide2.xml><?xml version="1.0" encoding="utf-8"?>
 <p:sld xmlns:a="http://schemas.openxmlformats.org/drawingml/2006/main" xmlns:r="http://schemas.openxmlformats.org/officeDocument/2006/relationships" xmlns:p="http://schemas.openxmlformats.org/presentationml/2006/main">
   <p:cSld>
@@ -5910,1134 +5613,6 @@
 </file>
 
 <file path=ppt/slides/slide3.xml><?xml version="1.0" encoding="utf-8"?>
-<p:sld xmlns:a="http://schemas.openxmlformats.org/drawingml/2006/main" xmlns:r="http://schemas.openxmlformats.org/officeDocument/2006/relationships" xmlns:p="http://schemas.openxmlformats.org/presentationml/2006/main">
-  <p:cSld>
-    <p:spTree>
-      <p:nvGrpSpPr>
-        <p:cNvPr id="1" name=""/>
-        <p:cNvGrpSpPr/>
-        <p:nvPr/>
-      </p:nvGrpSpPr>
-      <p:grpSpPr>
-        <a:xfrm>
-          <a:off x="0" y="0"/>
-          <a:ext cx="0" cy="0"/>
-          <a:chOff x="0" y="0"/>
-          <a:chExt cx="0" cy="0"/>
-        </a:xfrm>
-      </p:grpSpPr>
-      <p:sp>
-        <p:nvSpPr>
-          <p:cNvPr id="5" name="矩形 4">
-            <a:extLst>
-              <a:ext uri="{FF2B5EF4-FFF2-40B4-BE49-F238E27FC236}">
-                <a16:creationId xmlns:a16="http://schemas.microsoft.com/office/drawing/2014/main" id="{B12A8606-1685-464A-A01E-5E029C6A5806}"/>
-              </a:ext>
-            </a:extLst>
-          </p:cNvPr>
-          <p:cNvSpPr/>
-          <p:nvPr/>
-        </p:nvSpPr>
-        <p:spPr>
-          <a:xfrm>
-            <a:off x="181340" y="2305615"/>
-            <a:ext cx="12010660" cy="2246769"/>
-          </a:xfrm>
-          <a:prstGeom prst="rect">
-            <a:avLst/>
-          </a:prstGeom>
-          <a:noFill/>
-        </p:spPr>
-        <p:txBody>
-          <a:bodyPr wrap="none" lIns="91440" tIns="45720" rIns="91440" bIns="45720">
-            <a:spAutoFit/>
-          </a:bodyPr>
-          <a:lstStyle/>
-          <a:p>
-            <a:r>
-              <a:rPr lang="en-US" altLang="zh-TW" sz="1400" b="1" cap="none" spc="0" dirty="0" err="1">
-                <a:ln w="10160">
-                  <a:solidFill>
-                    <a:schemeClr val="accent5"/>
-                  </a:solidFill>
-                  <a:prstDash val="solid"/>
-                </a:ln>
-                <a:solidFill>
-                  <a:schemeClr val="bg1"/>
-                </a:solidFill>
-                <a:effectLst>
-                  <a:glow rad="139700">
-                    <a:schemeClr val="accent1">
-                      <a:satMod val="175000"/>
-                      <a:alpha val="40000"/>
-                    </a:schemeClr>
-                  </a:glow>
-                </a:effectLst>
-                <a:latin typeface="Microsoft JhengHei" panose="020B0604030504040204" pitchFamily="34" charset="-120"/>
-                <a:ea typeface="Microsoft JhengHei" panose="020B0604030504040204" pitchFamily="34" charset="-120"/>
-              </a:rPr>
-              <a:t>javascript</a:t>
-            </a:r>
-            <a:r>
-              <a:rPr lang="en-US" altLang="zh-TW" sz="1400" b="1" cap="none" spc="0" dirty="0">
-                <a:ln w="10160">
-                  <a:solidFill>
-                    <a:schemeClr val="accent5"/>
-                  </a:solidFill>
-                  <a:prstDash val="solid"/>
-                </a:ln>
-                <a:solidFill>
-                  <a:schemeClr val="bg1"/>
-                </a:solidFill>
-                <a:effectLst>
-                  <a:glow rad="139700">
-                    <a:schemeClr val="accent1">
-                      <a:satMod val="175000"/>
-                      <a:alpha val="40000"/>
-                    </a:schemeClr>
-                  </a:glow>
-                </a:effectLst>
-                <a:latin typeface="Microsoft JhengHei" panose="020B0604030504040204" pitchFamily="34" charset="-120"/>
-                <a:ea typeface="Microsoft JhengHei" panose="020B0604030504040204" pitchFamily="34" charset="-120"/>
-              </a:rPr>
-              <a:t>:</a:t>
-            </a:r>
-          </a:p>
-          <a:p>
-            <a:r>
-              <a:rPr lang="en-US" altLang="zh-TW" sz="1400" b="1" cap="none" spc="0" dirty="0">
-                <a:ln w="10160">
-                  <a:solidFill>
-                    <a:schemeClr val="accent5"/>
-                  </a:solidFill>
-                  <a:prstDash val="solid"/>
-                </a:ln>
-                <a:solidFill>
-                  <a:schemeClr val="bg1"/>
-                </a:solidFill>
-                <a:effectLst>
-                  <a:glow rad="139700">
-                    <a:schemeClr val="accent1">
-                      <a:satMod val="175000"/>
-                      <a:alpha val="40000"/>
-                    </a:schemeClr>
-                  </a:glow>
-                </a:effectLst>
-                <a:latin typeface="Microsoft JhengHei" panose="020B0604030504040204" pitchFamily="34" charset="-120"/>
-                <a:ea typeface="Microsoft JhengHei" panose="020B0604030504040204" pitchFamily="34" charset="-120"/>
-              </a:rPr>
-              <a:t>    (function()%7Bvar </a:t>
-            </a:r>
-            <a:r>
-              <a:rPr lang="en-US" altLang="zh-TW" sz="1400" b="1" cap="none" spc="0" dirty="0" err="1">
-                <a:ln w="10160">
-                  <a:solidFill>
-                    <a:schemeClr val="accent5"/>
-                  </a:solidFill>
-                  <a:prstDash val="solid"/>
-                </a:ln>
-                <a:solidFill>
-                  <a:schemeClr val="bg1"/>
-                </a:solidFill>
-                <a:effectLst>
-                  <a:glow rad="139700">
-                    <a:schemeClr val="accent1">
-                      <a:satMod val="175000"/>
-                      <a:alpha val="40000"/>
-                    </a:schemeClr>
-                  </a:glow>
-                </a:effectLst>
-                <a:latin typeface="Microsoft JhengHei" panose="020B0604030504040204" pitchFamily="34" charset="-120"/>
-                <a:ea typeface="Microsoft JhengHei" panose="020B0604030504040204" pitchFamily="34" charset="-120"/>
-              </a:rPr>
-              <a:t>xmlHttp</a:t>
-            </a:r>
-            <a:r>
-              <a:rPr lang="en-US" altLang="zh-TW" sz="1400" b="1" cap="none" spc="0" dirty="0">
-                <a:ln w="10160">
-                  <a:solidFill>
-                    <a:schemeClr val="accent5"/>
-                  </a:solidFill>
-                  <a:prstDash val="solid"/>
-                </a:ln>
-                <a:solidFill>
-                  <a:schemeClr val="bg1"/>
-                </a:solidFill>
-                <a:effectLst>
-                  <a:glow rad="139700">
-                    <a:schemeClr val="accent1">
-                      <a:satMod val="175000"/>
-                      <a:alpha val="40000"/>
-                    </a:schemeClr>
-                  </a:glow>
-                </a:effectLst>
-                <a:latin typeface="Microsoft JhengHei" panose="020B0604030504040204" pitchFamily="34" charset="-120"/>
-                <a:ea typeface="Microsoft JhengHei" panose="020B0604030504040204" pitchFamily="34" charset="-120"/>
-              </a:rPr>
-              <a:t> = new </a:t>
-            </a:r>
-            <a:r>
-              <a:rPr lang="en-US" altLang="zh-TW" sz="1400" b="1" cap="none" spc="0" dirty="0" err="1">
-                <a:ln w="10160">
-                  <a:solidFill>
-                    <a:schemeClr val="accent5"/>
-                  </a:solidFill>
-                  <a:prstDash val="solid"/>
-                </a:ln>
-                <a:solidFill>
-                  <a:schemeClr val="bg1"/>
-                </a:solidFill>
-                <a:effectLst>
-                  <a:glow rad="139700">
-                    <a:schemeClr val="accent1">
-                      <a:satMod val="175000"/>
-                      <a:alpha val="40000"/>
-                    </a:schemeClr>
-                  </a:glow>
-                </a:effectLst>
-                <a:latin typeface="Microsoft JhengHei" panose="020B0604030504040204" pitchFamily="34" charset="-120"/>
-                <a:ea typeface="Microsoft JhengHei" panose="020B0604030504040204" pitchFamily="34" charset="-120"/>
-              </a:rPr>
-              <a:t>XMLHttpRequest</a:t>
-            </a:r>
-            <a:r>
-              <a:rPr lang="en-US" altLang="zh-TW" sz="1400" b="1" cap="none" spc="0" dirty="0">
-                <a:ln w="10160">
-                  <a:solidFill>
-                    <a:schemeClr val="accent5"/>
-                  </a:solidFill>
-                  <a:prstDash val="solid"/>
-                </a:ln>
-                <a:solidFill>
-                  <a:schemeClr val="bg1"/>
-                </a:solidFill>
-                <a:effectLst>
-                  <a:glow rad="139700">
-                    <a:schemeClr val="accent1">
-                      <a:satMod val="175000"/>
-                      <a:alpha val="40000"/>
-                    </a:schemeClr>
-                  </a:glow>
-                </a:effectLst>
-                <a:latin typeface="Microsoft JhengHei" panose="020B0604030504040204" pitchFamily="34" charset="-120"/>
-                <a:ea typeface="Microsoft JhengHei" panose="020B0604030504040204" pitchFamily="34" charset="-120"/>
-              </a:rPr>
-              <a:t>();</a:t>
-            </a:r>
-          </a:p>
-          <a:p>
-            <a:r>
-              <a:rPr lang="en-US" altLang="zh-TW" sz="1400" b="1" cap="none" spc="0" dirty="0">
-                <a:ln w="10160">
-                  <a:solidFill>
-                    <a:schemeClr val="accent5"/>
-                  </a:solidFill>
-                  <a:prstDash val="solid"/>
-                </a:ln>
-                <a:solidFill>
-                  <a:schemeClr val="bg1"/>
-                </a:solidFill>
-                <a:effectLst>
-                  <a:glow rad="139700">
-                    <a:schemeClr val="accent1">
-                      <a:satMod val="175000"/>
-                      <a:alpha val="40000"/>
-                    </a:schemeClr>
-                  </a:glow>
-                </a:effectLst>
-                <a:latin typeface="Microsoft JhengHei" panose="020B0604030504040204" pitchFamily="34" charset="-120"/>
-                <a:ea typeface="Microsoft JhengHei" panose="020B0604030504040204" pitchFamily="34" charset="-120"/>
-              </a:rPr>
-              <a:t>    </a:t>
-            </a:r>
-            <a:r>
-              <a:rPr lang="en-US" altLang="zh-TW" sz="1400" b="1" cap="none" spc="0" dirty="0" err="1">
-                <a:ln w="10160">
-                  <a:solidFill>
-                    <a:schemeClr val="accent5"/>
-                  </a:solidFill>
-                  <a:prstDash val="solid"/>
-                </a:ln>
-                <a:solidFill>
-                  <a:schemeClr val="bg1"/>
-                </a:solidFill>
-                <a:effectLst>
-                  <a:glow rad="139700">
-                    <a:schemeClr val="accent1">
-                      <a:satMod val="175000"/>
-                      <a:alpha val="40000"/>
-                    </a:schemeClr>
-                  </a:glow>
-                </a:effectLst>
-                <a:latin typeface="Microsoft JhengHei" panose="020B0604030504040204" pitchFamily="34" charset="-120"/>
-                <a:ea typeface="Microsoft JhengHei" panose="020B0604030504040204" pitchFamily="34" charset="-120"/>
-              </a:rPr>
-              <a:t>xmlHttp.open</a:t>
-            </a:r>
-            <a:r>
-              <a:rPr lang="en-US" altLang="zh-TW" sz="1400" b="1" cap="none" spc="0" dirty="0">
-                <a:ln w="10160">
-                  <a:solidFill>
-                    <a:schemeClr val="accent5"/>
-                  </a:solidFill>
-                  <a:prstDash val="solid"/>
-                </a:ln>
-                <a:solidFill>
-                  <a:schemeClr val="bg1"/>
-                </a:solidFill>
-                <a:effectLst>
-                  <a:glow rad="139700">
-                    <a:schemeClr val="accent1">
-                      <a:satMod val="175000"/>
-                      <a:alpha val="40000"/>
-                    </a:schemeClr>
-                  </a:glow>
-                </a:effectLst>
-                <a:latin typeface="Microsoft JhengHei" panose="020B0604030504040204" pitchFamily="34" charset="-120"/>
-                <a:ea typeface="Microsoft JhengHei" panose="020B0604030504040204" pitchFamily="34" charset="-120"/>
-              </a:rPr>
-              <a:t>("GET", "https://mypage.groovecoaster.jp/</a:t>
-            </a:r>
-            <a:r>
-              <a:rPr lang="en-US" altLang="zh-TW" sz="1400" b="1" cap="none" spc="0" dirty="0" err="1">
-                <a:ln w="10160">
-                  <a:solidFill>
-                    <a:schemeClr val="accent5"/>
-                  </a:solidFill>
-                  <a:prstDash val="solid"/>
-                </a:ln>
-                <a:solidFill>
-                  <a:schemeClr val="bg1"/>
-                </a:solidFill>
-                <a:effectLst>
-                  <a:glow rad="139700">
-                    <a:schemeClr val="accent1">
-                      <a:satMod val="175000"/>
-                      <a:alpha val="40000"/>
-                    </a:schemeClr>
-                  </a:glow>
-                </a:effectLst>
-                <a:latin typeface="Microsoft JhengHei" panose="020B0604030504040204" pitchFamily="34" charset="-120"/>
-                <a:ea typeface="Microsoft JhengHei" panose="020B0604030504040204" pitchFamily="34" charset="-120"/>
-              </a:rPr>
-              <a:t>sp</a:t>
-            </a:r>
-            <a:r>
-              <a:rPr lang="en-US" altLang="zh-TW" sz="1400" b="1" cap="none" spc="0" dirty="0">
-                <a:ln w="10160">
-                  <a:solidFill>
-                    <a:schemeClr val="accent5"/>
-                  </a:solidFill>
-                  <a:prstDash val="solid"/>
-                </a:ln>
-                <a:solidFill>
-                  <a:schemeClr val="bg1"/>
-                </a:solidFill>
-                <a:effectLst>
-                  <a:glow rad="139700">
-                    <a:schemeClr val="accent1">
-                      <a:satMod val="175000"/>
-                      <a:alpha val="40000"/>
-                    </a:schemeClr>
-                  </a:glow>
-                </a:effectLst>
-                <a:latin typeface="Microsoft JhengHei" panose="020B0604030504040204" pitchFamily="34" charset="-120"/>
-                <a:ea typeface="Microsoft JhengHei" panose="020B0604030504040204" pitchFamily="34" charset="-120"/>
-              </a:rPr>
-              <a:t>/json/</a:t>
-            </a:r>
-            <a:r>
-              <a:rPr lang="en-US" altLang="zh-TW" sz="1400" b="1" cap="none" spc="0" dirty="0" err="1">
-                <a:ln w="10160">
-                  <a:solidFill>
-                    <a:schemeClr val="accent5"/>
-                  </a:solidFill>
-                  <a:prstDash val="solid"/>
-                </a:ln>
-                <a:solidFill>
-                  <a:schemeClr val="bg1"/>
-                </a:solidFill>
-                <a:effectLst>
-                  <a:glow rad="139700">
-                    <a:schemeClr val="accent1">
-                      <a:satMod val="175000"/>
-                      <a:alpha val="40000"/>
-                    </a:schemeClr>
-                  </a:glow>
-                </a:effectLst>
-                <a:latin typeface="Microsoft JhengHei" panose="020B0604030504040204" pitchFamily="34" charset="-120"/>
-                <a:ea typeface="Microsoft JhengHei" panose="020B0604030504040204" pitchFamily="34" charset="-120"/>
-              </a:rPr>
-              <a:t>music_list.php</a:t>
-            </a:r>
-            <a:r>
-              <a:rPr lang="en-US" altLang="zh-TW" sz="1400" b="1" cap="none" spc="0" dirty="0">
-                <a:ln w="10160">
-                  <a:solidFill>
-                    <a:schemeClr val="accent5"/>
-                  </a:solidFill>
-                  <a:prstDash val="solid"/>
-                </a:ln>
-                <a:solidFill>
-                  <a:schemeClr val="bg1"/>
-                </a:solidFill>
-                <a:effectLst>
-                  <a:glow rad="139700">
-                    <a:schemeClr val="accent1">
-                      <a:satMod val="175000"/>
-                      <a:alpha val="40000"/>
-                    </a:schemeClr>
-                  </a:glow>
-                </a:effectLst>
-                <a:latin typeface="Microsoft JhengHei" panose="020B0604030504040204" pitchFamily="34" charset="-120"/>
-                <a:ea typeface="Microsoft JhengHei" panose="020B0604030504040204" pitchFamily="34" charset="-120"/>
-              </a:rPr>
-              <a:t>", false);</a:t>
-            </a:r>
-          </a:p>
-          <a:p>
-            <a:r>
-              <a:rPr lang="en-US" altLang="zh-TW" sz="1400" b="1" cap="none" spc="0" dirty="0">
-                <a:ln w="10160">
-                  <a:solidFill>
-                    <a:schemeClr val="accent5"/>
-                  </a:solidFill>
-                  <a:prstDash val="solid"/>
-                </a:ln>
-                <a:solidFill>
-                  <a:schemeClr val="bg1"/>
-                </a:solidFill>
-                <a:effectLst>
-                  <a:glow rad="139700">
-                    <a:schemeClr val="accent1">
-                      <a:satMod val="175000"/>
-                      <a:alpha val="40000"/>
-                    </a:schemeClr>
-                  </a:glow>
-                </a:effectLst>
-                <a:latin typeface="Microsoft JhengHei" panose="020B0604030504040204" pitchFamily="34" charset="-120"/>
-                <a:ea typeface="Microsoft JhengHei" panose="020B0604030504040204" pitchFamily="34" charset="-120"/>
-              </a:rPr>
-              <a:t>    </a:t>
-            </a:r>
-            <a:r>
-              <a:rPr lang="en-US" altLang="zh-TW" sz="1400" b="1" cap="none" spc="0" dirty="0" err="1">
-                <a:ln w="10160">
-                  <a:solidFill>
-                    <a:schemeClr val="accent5"/>
-                  </a:solidFill>
-                  <a:prstDash val="solid"/>
-                </a:ln>
-                <a:solidFill>
-                  <a:schemeClr val="bg1"/>
-                </a:solidFill>
-                <a:effectLst>
-                  <a:glow rad="139700">
-                    <a:schemeClr val="accent1">
-                      <a:satMod val="175000"/>
-                      <a:alpha val="40000"/>
-                    </a:schemeClr>
-                  </a:glow>
-                </a:effectLst>
-                <a:latin typeface="Microsoft JhengHei" panose="020B0604030504040204" pitchFamily="34" charset="-120"/>
-                <a:ea typeface="Microsoft JhengHei" panose="020B0604030504040204" pitchFamily="34" charset="-120"/>
-              </a:rPr>
-              <a:t>xmlHttp.send</a:t>
-            </a:r>
-            <a:r>
-              <a:rPr lang="en-US" altLang="zh-TW" sz="1400" b="1" cap="none" spc="0" dirty="0">
-                <a:ln w="10160">
-                  <a:solidFill>
-                    <a:schemeClr val="accent5"/>
-                  </a:solidFill>
-                  <a:prstDash val="solid"/>
-                </a:ln>
-                <a:solidFill>
-                  <a:schemeClr val="bg1"/>
-                </a:solidFill>
-                <a:effectLst>
-                  <a:glow rad="139700">
-                    <a:schemeClr val="accent1">
-                      <a:satMod val="175000"/>
-                      <a:alpha val="40000"/>
-                    </a:schemeClr>
-                  </a:glow>
-                </a:effectLst>
-                <a:latin typeface="Microsoft JhengHei" panose="020B0604030504040204" pitchFamily="34" charset="-120"/>
-                <a:ea typeface="Microsoft JhengHei" panose="020B0604030504040204" pitchFamily="34" charset="-120"/>
-              </a:rPr>
-              <a:t>(null);var data = </a:t>
-            </a:r>
-            <a:r>
-              <a:rPr lang="en-US" altLang="zh-TW" sz="1400" b="1" cap="none" spc="0" dirty="0" err="1">
-                <a:ln w="10160">
-                  <a:solidFill>
-                    <a:schemeClr val="accent5"/>
-                  </a:solidFill>
-                  <a:prstDash val="solid"/>
-                </a:ln>
-                <a:solidFill>
-                  <a:schemeClr val="bg1"/>
-                </a:solidFill>
-                <a:effectLst>
-                  <a:glow rad="139700">
-                    <a:schemeClr val="accent1">
-                      <a:satMod val="175000"/>
-                      <a:alpha val="40000"/>
-                    </a:schemeClr>
-                  </a:glow>
-                </a:effectLst>
-                <a:latin typeface="Microsoft JhengHei" panose="020B0604030504040204" pitchFamily="34" charset="-120"/>
-                <a:ea typeface="Microsoft JhengHei" panose="020B0604030504040204" pitchFamily="34" charset="-120"/>
-              </a:rPr>
-              <a:t>JSON.parse</a:t>
-            </a:r>
-            <a:r>
-              <a:rPr lang="en-US" altLang="zh-TW" sz="1400" b="1" cap="none" spc="0" dirty="0">
-                <a:ln w="10160">
-                  <a:solidFill>
-                    <a:schemeClr val="accent5"/>
-                  </a:solidFill>
-                  <a:prstDash val="solid"/>
-                </a:ln>
-                <a:solidFill>
-                  <a:schemeClr val="bg1"/>
-                </a:solidFill>
-                <a:effectLst>
-                  <a:glow rad="139700">
-                    <a:schemeClr val="accent1">
-                      <a:satMod val="175000"/>
-                      <a:alpha val="40000"/>
-                    </a:schemeClr>
-                  </a:glow>
-                </a:effectLst>
-                <a:latin typeface="Microsoft JhengHei" panose="020B0604030504040204" pitchFamily="34" charset="-120"/>
-                <a:ea typeface="Microsoft JhengHei" panose="020B0604030504040204" pitchFamily="34" charset="-120"/>
-              </a:rPr>
-              <a:t>(</a:t>
-            </a:r>
-            <a:r>
-              <a:rPr lang="en-US" altLang="zh-TW" sz="1400" b="1" cap="none" spc="0" dirty="0" err="1">
-                <a:ln w="10160">
-                  <a:solidFill>
-                    <a:schemeClr val="accent5"/>
-                  </a:solidFill>
-                  <a:prstDash val="solid"/>
-                </a:ln>
-                <a:solidFill>
-                  <a:schemeClr val="bg1"/>
-                </a:solidFill>
-                <a:effectLst>
-                  <a:glow rad="139700">
-                    <a:schemeClr val="accent1">
-                      <a:satMod val="175000"/>
-                      <a:alpha val="40000"/>
-                    </a:schemeClr>
-                  </a:glow>
-                </a:effectLst>
-                <a:latin typeface="Microsoft JhengHei" panose="020B0604030504040204" pitchFamily="34" charset="-120"/>
-                <a:ea typeface="Microsoft JhengHei" panose="020B0604030504040204" pitchFamily="34" charset="-120"/>
-              </a:rPr>
-              <a:t>xmlHttp.responseText</a:t>
-            </a:r>
-            <a:r>
-              <a:rPr lang="en-US" altLang="zh-TW" sz="1400" b="1" cap="none" spc="0" dirty="0">
-                <a:ln w="10160">
-                  <a:solidFill>
-                    <a:schemeClr val="accent5"/>
-                  </a:solidFill>
-                  <a:prstDash val="solid"/>
-                </a:ln>
-                <a:solidFill>
-                  <a:schemeClr val="bg1"/>
-                </a:solidFill>
-                <a:effectLst>
-                  <a:glow rad="139700">
-                    <a:schemeClr val="accent1">
-                      <a:satMod val="175000"/>
-                      <a:alpha val="40000"/>
-                    </a:schemeClr>
-                  </a:glow>
-                </a:effectLst>
-                <a:latin typeface="Microsoft JhengHei" panose="020B0604030504040204" pitchFamily="34" charset="-120"/>
-                <a:ea typeface="Microsoft JhengHei" panose="020B0604030504040204" pitchFamily="34" charset="-120"/>
-              </a:rPr>
-              <a:t>);</a:t>
-            </a:r>
-          </a:p>
-          <a:p>
-            <a:r>
-              <a:rPr lang="en-US" altLang="zh-TW" sz="1400" b="1" cap="none" spc="0" dirty="0">
-                <a:ln w="10160">
-                  <a:solidFill>
-                    <a:schemeClr val="accent5"/>
-                  </a:solidFill>
-                  <a:prstDash val="solid"/>
-                </a:ln>
-                <a:solidFill>
-                  <a:schemeClr val="bg1"/>
-                </a:solidFill>
-                <a:effectLst>
-                  <a:glow rad="139700">
-                    <a:schemeClr val="accent1">
-                      <a:satMod val="175000"/>
-                      <a:alpha val="40000"/>
-                    </a:schemeClr>
-                  </a:glow>
-                </a:effectLst>
-                <a:latin typeface="Microsoft JhengHei" panose="020B0604030504040204" pitchFamily="34" charset="-120"/>
-                <a:ea typeface="Microsoft JhengHei" panose="020B0604030504040204" pitchFamily="34" charset="-120"/>
-              </a:rPr>
-              <a:t>    var </a:t>
-            </a:r>
-            <a:r>
-              <a:rPr lang="en-US" altLang="zh-TW" sz="1400" b="1" cap="none" spc="0" dirty="0" err="1">
-                <a:ln w="10160">
-                  <a:solidFill>
-                    <a:schemeClr val="accent5"/>
-                  </a:solidFill>
-                  <a:prstDash val="solid"/>
-                </a:ln>
-                <a:solidFill>
-                  <a:schemeClr val="bg1"/>
-                </a:solidFill>
-                <a:effectLst>
-                  <a:glow rad="139700">
-                    <a:schemeClr val="accent1">
-                      <a:satMod val="175000"/>
-                      <a:alpha val="40000"/>
-                    </a:schemeClr>
-                  </a:glow>
-                </a:effectLst>
-                <a:latin typeface="Microsoft JhengHei" panose="020B0604030504040204" pitchFamily="34" charset="-120"/>
-                <a:ea typeface="Microsoft JhengHei" panose="020B0604030504040204" pitchFamily="34" charset="-120"/>
-              </a:rPr>
-              <a:t>play_count_data</a:t>
-            </a:r>
-            <a:r>
-              <a:rPr lang="en-US" altLang="zh-TW" sz="1400" b="1" cap="none" spc="0" dirty="0">
-                <a:ln w="10160">
-                  <a:solidFill>
-                    <a:schemeClr val="accent5"/>
-                  </a:solidFill>
-                  <a:prstDash val="solid"/>
-                </a:ln>
-                <a:solidFill>
-                  <a:schemeClr val="bg1"/>
-                </a:solidFill>
-                <a:effectLst>
-                  <a:glow rad="139700">
-                    <a:schemeClr val="accent1">
-                      <a:satMod val="175000"/>
-                      <a:alpha val="40000"/>
-                    </a:schemeClr>
-                  </a:glow>
-                </a:effectLst>
-                <a:latin typeface="Microsoft JhengHei" panose="020B0604030504040204" pitchFamily="34" charset="-120"/>
-                <a:ea typeface="Microsoft JhengHei" panose="020B0604030504040204" pitchFamily="34" charset="-120"/>
-              </a:rPr>
-              <a:t> = </a:t>
-            </a:r>
-            <a:r>
-              <a:rPr lang="en-US" altLang="zh-TW" sz="1400" b="1" cap="none" spc="0" dirty="0" err="1">
-                <a:ln w="10160">
-                  <a:solidFill>
-                    <a:schemeClr val="accent5"/>
-                  </a:solidFill>
-                  <a:prstDash val="solid"/>
-                </a:ln>
-                <a:solidFill>
-                  <a:schemeClr val="bg1"/>
-                </a:solidFill>
-                <a:effectLst>
-                  <a:glow rad="139700">
-                    <a:schemeClr val="accent1">
-                      <a:satMod val="175000"/>
-                      <a:alpha val="40000"/>
-                    </a:schemeClr>
-                  </a:glow>
-                </a:effectLst>
-                <a:latin typeface="Microsoft JhengHei" panose="020B0604030504040204" pitchFamily="34" charset="-120"/>
-                <a:ea typeface="Microsoft JhengHei" panose="020B0604030504040204" pitchFamily="34" charset="-120"/>
-              </a:rPr>
-              <a:t>data.music_list.map</a:t>
-            </a:r>
-            <a:r>
-              <a:rPr lang="en-US" altLang="zh-TW" sz="1400" b="1" cap="none" spc="0" dirty="0">
-                <a:ln w="10160">
-                  <a:solidFill>
-                    <a:schemeClr val="accent5"/>
-                  </a:solidFill>
-                  <a:prstDash val="solid"/>
-                </a:ln>
-                <a:solidFill>
-                  <a:schemeClr val="bg1"/>
-                </a:solidFill>
-                <a:effectLst>
-                  <a:glow rad="139700">
-                    <a:schemeClr val="accent1">
-                      <a:satMod val="175000"/>
-                      <a:alpha val="40000"/>
-                    </a:schemeClr>
-                  </a:glow>
-                </a:effectLst>
-                <a:latin typeface="Microsoft JhengHei" panose="020B0604030504040204" pitchFamily="34" charset="-120"/>
-                <a:ea typeface="Microsoft JhengHei" panose="020B0604030504040204" pitchFamily="34" charset="-120"/>
-              </a:rPr>
-              <a:t>(function(e)%7Breturn </a:t>
-            </a:r>
-            <a:r>
-              <a:rPr lang="en-US" altLang="zh-TW" sz="1400" b="1" cap="none" spc="0" dirty="0" err="1">
-                <a:ln w="10160">
-                  <a:solidFill>
-                    <a:schemeClr val="accent5"/>
-                  </a:solidFill>
-                  <a:prstDash val="solid"/>
-                </a:ln>
-                <a:solidFill>
-                  <a:schemeClr val="bg1"/>
-                </a:solidFill>
-                <a:effectLst>
-                  <a:glow rad="139700">
-                    <a:schemeClr val="accent1">
-                      <a:satMod val="175000"/>
-                      <a:alpha val="40000"/>
-                    </a:schemeClr>
-                  </a:glow>
-                </a:effectLst>
-                <a:latin typeface="Microsoft JhengHei" panose="020B0604030504040204" pitchFamily="34" charset="-120"/>
-                <a:ea typeface="Microsoft JhengHei" panose="020B0604030504040204" pitchFamily="34" charset="-120"/>
-              </a:rPr>
-              <a:t>e.play_count</a:t>
-            </a:r>
-            <a:r>
-              <a:rPr lang="en-US" altLang="zh-TW" sz="1400" b="1" cap="none" spc="0" dirty="0">
-                <a:ln w="10160">
-                  <a:solidFill>
-                    <a:schemeClr val="accent5"/>
-                  </a:solidFill>
-                  <a:prstDash val="solid"/>
-                </a:ln>
-                <a:solidFill>
-                  <a:schemeClr val="bg1"/>
-                </a:solidFill>
-                <a:effectLst>
-                  <a:glow rad="139700">
-                    <a:schemeClr val="accent1">
-                      <a:satMod val="175000"/>
-                      <a:alpha val="40000"/>
-                    </a:schemeClr>
-                  </a:glow>
-                </a:effectLst>
-                <a:latin typeface="Microsoft JhengHei" panose="020B0604030504040204" pitchFamily="34" charset="-120"/>
-                <a:ea typeface="Microsoft JhengHei" panose="020B0604030504040204" pitchFamily="34" charset="-120"/>
-              </a:rPr>
-              <a:t>;%7D);</a:t>
-            </a:r>
-          </a:p>
-          <a:p>
-            <a:r>
-              <a:rPr lang="en-US" altLang="zh-TW" sz="1400" b="1" cap="none" spc="0" dirty="0">
-                <a:ln w="10160">
-                  <a:solidFill>
-                    <a:schemeClr val="accent5"/>
-                  </a:solidFill>
-                  <a:prstDash val="solid"/>
-                </a:ln>
-                <a:solidFill>
-                  <a:schemeClr val="bg1"/>
-                </a:solidFill>
-                <a:effectLst>
-                  <a:glow rad="139700">
-                    <a:schemeClr val="accent1">
-                      <a:satMod val="175000"/>
-                      <a:alpha val="40000"/>
-                    </a:schemeClr>
-                  </a:glow>
-                </a:effectLst>
-                <a:latin typeface="Microsoft JhengHei" panose="020B0604030504040204" pitchFamily="34" charset="-120"/>
-                <a:ea typeface="Microsoft JhengHei" panose="020B0604030504040204" pitchFamily="34" charset="-120"/>
-              </a:rPr>
-              <a:t>    var sum =  </a:t>
-            </a:r>
-            <a:r>
-              <a:rPr lang="en-US" altLang="zh-TW" sz="1400" b="1" cap="none" spc="0" dirty="0" err="1">
-                <a:ln w="10160">
-                  <a:solidFill>
-                    <a:schemeClr val="accent5"/>
-                  </a:solidFill>
-                  <a:prstDash val="solid"/>
-                </a:ln>
-                <a:solidFill>
-                  <a:schemeClr val="bg1"/>
-                </a:solidFill>
-                <a:effectLst>
-                  <a:glow rad="139700">
-                    <a:schemeClr val="accent1">
-                      <a:satMod val="175000"/>
-                      <a:alpha val="40000"/>
-                    </a:schemeClr>
-                  </a:glow>
-                </a:effectLst>
-                <a:latin typeface="Microsoft JhengHei" panose="020B0604030504040204" pitchFamily="34" charset="-120"/>
-                <a:ea typeface="Microsoft JhengHei" panose="020B0604030504040204" pitchFamily="34" charset="-120"/>
-              </a:rPr>
-              <a:t>play_count_data.reduce</a:t>
-            </a:r>
-            <a:r>
-              <a:rPr lang="en-US" altLang="zh-TW" sz="1400" b="1" cap="none" spc="0" dirty="0">
-                <a:ln w="10160">
-                  <a:solidFill>
-                    <a:schemeClr val="accent5"/>
-                  </a:solidFill>
-                  <a:prstDash val="solid"/>
-                </a:ln>
-                <a:solidFill>
-                  <a:schemeClr val="bg1"/>
-                </a:solidFill>
-                <a:effectLst>
-                  <a:glow rad="139700">
-                    <a:schemeClr val="accent1">
-                      <a:satMod val="175000"/>
-                      <a:alpha val="40000"/>
-                    </a:schemeClr>
-                  </a:glow>
-                </a:effectLst>
-                <a:latin typeface="Microsoft JhengHei" panose="020B0604030504040204" pitchFamily="34" charset="-120"/>
-                <a:ea typeface="Microsoft JhengHei" panose="020B0604030504040204" pitchFamily="34" charset="-120"/>
-              </a:rPr>
-              <a:t>(function(</a:t>
-            </a:r>
-            <a:r>
-              <a:rPr lang="en-US" altLang="zh-TW" sz="1400" b="1" cap="none" spc="0" dirty="0" err="1">
-                <a:ln w="10160">
-                  <a:solidFill>
-                    <a:schemeClr val="accent5"/>
-                  </a:solidFill>
-                  <a:prstDash val="solid"/>
-                </a:ln>
-                <a:solidFill>
-                  <a:schemeClr val="bg1"/>
-                </a:solidFill>
-                <a:effectLst>
-                  <a:glow rad="139700">
-                    <a:schemeClr val="accent1">
-                      <a:satMod val="175000"/>
-                      <a:alpha val="40000"/>
-                    </a:schemeClr>
-                  </a:glow>
-                </a:effectLst>
-                <a:latin typeface="Microsoft JhengHei" panose="020B0604030504040204" pitchFamily="34" charset="-120"/>
-                <a:ea typeface="Microsoft JhengHei" panose="020B0604030504040204" pitchFamily="34" charset="-120"/>
-              </a:rPr>
-              <a:t>a,b</a:t>
-            </a:r>
-            <a:r>
-              <a:rPr lang="en-US" altLang="zh-TW" sz="1400" b="1" cap="none" spc="0" dirty="0">
-                <a:ln w="10160">
-                  <a:solidFill>
-                    <a:schemeClr val="accent5"/>
-                  </a:solidFill>
-                  <a:prstDash val="solid"/>
-                </a:ln>
-                <a:solidFill>
-                  <a:schemeClr val="bg1"/>
-                </a:solidFill>
-                <a:effectLst>
-                  <a:glow rad="139700">
-                    <a:schemeClr val="accent1">
-                      <a:satMod val="175000"/>
-                      <a:alpha val="40000"/>
-                    </a:schemeClr>
-                  </a:glow>
-                </a:effectLst>
-                <a:latin typeface="Microsoft JhengHei" panose="020B0604030504040204" pitchFamily="34" charset="-120"/>
-                <a:ea typeface="Microsoft JhengHei" panose="020B0604030504040204" pitchFamily="34" charset="-120"/>
-              </a:rPr>
-              <a:t>)%7Breturn a + b;%7D);</a:t>
-            </a:r>
-          </a:p>
-          <a:p>
-            <a:r>
-              <a:rPr lang="en-US" altLang="zh-TW" sz="1400" b="1" cap="none" spc="0" dirty="0">
-                <a:ln w="10160">
-                  <a:solidFill>
-                    <a:schemeClr val="accent5"/>
-                  </a:solidFill>
-                  <a:prstDash val="solid"/>
-                </a:ln>
-                <a:solidFill>
-                  <a:schemeClr val="bg1"/>
-                </a:solidFill>
-                <a:effectLst>
-                  <a:glow rad="139700">
-                    <a:schemeClr val="accent1">
-                      <a:satMod val="175000"/>
-                      <a:alpha val="40000"/>
-                    </a:schemeClr>
-                  </a:glow>
-                </a:effectLst>
-                <a:latin typeface="Microsoft JhengHei" panose="020B0604030504040204" pitchFamily="34" charset="-120"/>
-                <a:ea typeface="Microsoft JhengHei" panose="020B0604030504040204" pitchFamily="34" charset="-120"/>
-              </a:rPr>
-              <a:t>    alert("%E6%A5%BD%E6%9B%B2%E3%83%97%E3%83%AC%E3%82%A4%E7%B7%8F%E6%95%B0:</a:t>
-            </a:r>
-          </a:p>
-          <a:p>
-            <a:r>
-              <a:rPr lang="en-US" altLang="zh-TW" sz="1400" b="1" cap="none" spc="0" dirty="0">
-                <a:ln w="10160">
-                  <a:solidFill>
-                    <a:schemeClr val="accent5"/>
-                  </a:solidFill>
-                  <a:prstDash val="solid"/>
-                </a:ln>
-                <a:solidFill>
-                  <a:schemeClr val="bg1"/>
-                </a:solidFill>
-                <a:effectLst>
-                  <a:glow rad="139700">
-                    <a:schemeClr val="accent1">
-                      <a:satMod val="175000"/>
-                      <a:alpha val="40000"/>
-                    </a:schemeClr>
-                  </a:glow>
-                </a:effectLst>
-                <a:latin typeface="Microsoft JhengHei" panose="020B0604030504040204" pitchFamily="34" charset="-120"/>
-                <a:ea typeface="Microsoft JhengHei" panose="020B0604030504040204" pitchFamily="34" charset="-120"/>
-              </a:rPr>
-              <a:t>         " + sum + "%5Cn" + </a:t>
-            </a:r>
-            <a:r>
-              <a:rPr lang="en-US" altLang="zh-TW" sz="1400" b="1" cap="none" spc="0" dirty="0" err="1">
-                <a:ln w="10160">
-                  <a:solidFill>
-                    <a:schemeClr val="accent5"/>
-                  </a:solidFill>
-                  <a:prstDash val="solid"/>
-                </a:ln>
-                <a:solidFill>
-                  <a:schemeClr val="bg1"/>
-                </a:solidFill>
-                <a:effectLst>
-                  <a:glow rad="139700">
-                    <a:schemeClr val="accent1">
-                      <a:satMod val="175000"/>
-                      <a:alpha val="40000"/>
-                    </a:schemeClr>
-                  </a:glow>
-                </a:effectLst>
-                <a:latin typeface="Microsoft JhengHei" panose="020B0604030504040204" pitchFamily="34" charset="-120"/>
-                <a:ea typeface="Microsoft JhengHei" panose="020B0604030504040204" pitchFamily="34" charset="-120"/>
-              </a:rPr>
-              <a:t>Math.ceil</a:t>
-            </a:r>
-            <a:r>
-              <a:rPr lang="en-US" altLang="zh-TW" sz="1400" b="1" cap="none" spc="0" dirty="0">
-                <a:ln w="10160">
-                  <a:solidFill>
-                    <a:schemeClr val="accent5"/>
-                  </a:solidFill>
-                  <a:prstDash val="solid"/>
-                </a:ln>
-                <a:solidFill>
-                  <a:schemeClr val="bg1"/>
-                </a:solidFill>
-                <a:effectLst>
-                  <a:glow rad="139700">
-                    <a:schemeClr val="accent1">
-                      <a:satMod val="175000"/>
-                      <a:alpha val="40000"/>
-                    </a:schemeClr>
-                  </a:glow>
-                </a:effectLst>
-                <a:latin typeface="Microsoft JhengHei" panose="020B0604030504040204" pitchFamily="34" charset="-120"/>
-                <a:ea typeface="Microsoft JhengHei" panose="020B0604030504040204" pitchFamily="34" charset="-120"/>
-              </a:rPr>
-              <a:t>(sum/3) + "</a:t>
-            </a:r>
-          </a:p>
-          <a:p>
-            <a:r>
-              <a:rPr lang="en-US" altLang="zh-TW" sz="1400" b="1" cap="none" spc="0" dirty="0">
-                <a:ln w="10160">
-                  <a:solidFill>
-                    <a:schemeClr val="accent5"/>
-                  </a:solidFill>
-                  <a:prstDash val="solid"/>
-                </a:ln>
-                <a:solidFill>
-                  <a:schemeClr val="bg1"/>
-                </a:solidFill>
-                <a:effectLst>
-                  <a:glow rad="139700">
-                    <a:schemeClr val="accent1">
-                      <a:satMod val="175000"/>
-                      <a:alpha val="40000"/>
-                    </a:schemeClr>
-                  </a:glow>
-                </a:effectLst>
-                <a:latin typeface="Microsoft JhengHei" panose="020B0604030504040204" pitchFamily="34" charset="-120"/>
-                <a:ea typeface="Microsoft JhengHei" panose="020B0604030504040204" pitchFamily="34" charset="-120"/>
-              </a:rPr>
-              <a:t>        %E3%82%AF%E3%83%AC%E3%81%8F%E3%82%89%E3%81%84%E3%81%97%E3%81%A6%E3%81%84%E3%81%BE%E3%81%99");</a:t>
-            </a:r>
-          </a:p>
-          <a:p>
-            <a:r>
-              <a:rPr lang="en-US" altLang="zh-TW" sz="1400" b="1" cap="none" spc="0" dirty="0">
-                <a:ln w="10160">
-                  <a:solidFill>
-                    <a:schemeClr val="accent5"/>
-                  </a:solidFill>
-                  <a:prstDash val="solid"/>
-                </a:ln>
-                <a:solidFill>
-                  <a:schemeClr val="bg1"/>
-                </a:solidFill>
-                <a:effectLst>
-                  <a:glow rad="139700">
-                    <a:schemeClr val="accent1">
-                      <a:satMod val="175000"/>
-                      <a:alpha val="40000"/>
-                    </a:schemeClr>
-                  </a:glow>
-                </a:effectLst>
-                <a:latin typeface="Microsoft JhengHei" panose="020B0604030504040204" pitchFamily="34" charset="-120"/>
-                <a:ea typeface="Microsoft JhengHei" panose="020B0604030504040204" pitchFamily="34" charset="-120"/>
-              </a:rPr>
-              <a:t>    %7D)();</a:t>
-            </a:r>
-            <a:endParaRPr lang="zh-TW" altLang="en-US" sz="1400" b="1" cap="none" spc="0" dirty="0">
-              <a:ln w="10160">
-                <a:solidFill>
-                  <a:schemeClr val="accent5"/>
-                </a:solidFill>
-                <a:prstDash val="solid"/>
-              </a:ln>
-              <a:solidFill>
-                <a:schemeClr val="bg1"/>
-              </a:solidFill>
-              <a:effectLst>
-                <a:glow rad="139700">
-                  <a:schemeClr val="accent1">
-                    <a:satMod val="175000"/>
-                    <a:alpha val="40000"/>
-                  </a:schemeClr>
-                </a:glow>
-              </a:effectLst>
-              <a:latin typeface="Microsoft JhengHei" panose="020B0604030504040204" pitchFamily="34" charset="-120"/>
-              <a:ea typeface="Microsoft JhengHei" panose="020B0604030504040204" pitchFamily="34" charset="-120"/>
-            </a:endParaRPr>
-          </a:p>
-        </p:txBody>
-      </p:sp>
-      <p:pic>
-        <p:nvPicPr>
-          <p:cNvPr id="4" name="圖片 3">
-            <a:extLst>
-              <a:ext uri="{FF2B5EF4-FFF2-40B4-BE49-F238E27FC236}">
-                <a16:creationId xmlns:a16="http://schemas.microsoft.com/office/drawing/2014/main" id="{6ABFCE43-6B30-43C4-9DC5-7D91A726E7AC}"/>
-              </a:ext>
-            </a:extLst>
-          </p:cNvPr>
-          <p:cNvPicPr>
-            <a:picLocks noChangeAspect="1"/>
-          </p:cNvPicPr>
-          <p:nvPr/>
-        </p:nvPicPr>
-        <p:blipFill>
-          <a:blip r:embed="rId2">
-            <a:extLst>
-              <a:ext uri="{28A0092B-C50C-407E-A947-70E740481C1C}">
-                <a14:useLocalDpi xmlns:a14="http://schemas.microsoft.com/office/drawing/2010/main" val="0"/>
-              </a:ext>
-            </a:extLst>
-          </a:blip>
-          <a:stretch>
-            <a:fillRect/>
-          </a:stretch>
-        </p:blipFill>
-        <p:spPr>
-          <a:xfrm>
-            <a:off x="448524" y="482757"/>
-            <a:ext cx="769441" cy="769441"/>
-          </a:xfrm>
-          <a:prstGeom prst="rect">
-            <a:avLst/>
-          </a:prstGeom>
-        </p:spPr>
-      </p:pic>
-      <p:sp>
-        <p:nvSpPr>
-          <p:cNvPr id="15" name="文字方塊 14">
-            <a:extLst>
-              <a:ext uri="{FF2B5EF4-FFF2-40B4-BE49-F238E27FC236}">
-                <a16:creationId xmlns:a16="http://schemas.microsoft.com/office/drawing/2014/main" id="{3286368C-84E1-496E-BA4A-876BF73A67EC}"/>
-              </a:ext>
-            </a:extLst>
-          </p:cNvPr>
-          <p:cNvSpPr txBox="1"/>
-          <p:nvPr/>
-        </p:nvSpPr>
-        <p:spPr>
-          <a:xfrm>
-            <a:off x="1217965" y="482757"/>
-            <a:ext cx="2469803" cy="769441"/>
-          </a:xfrm>
-          <a:prstGeom prst="rect">
-            <a:avLst/>
-          </a:prstGeom>
-          <a:noFill/>
-        </p:spPr>
-        <p:txBody>
-          <a:bodyPr wrap="square">
-            <a:spAutoFit/>
-          </a:bodyPr>
-          <a:lstStyle/>
-          <a:p>
-            <a:pPr algn="ctr"/>
-            <a:r>
-              <a:rPr lang="zh-TW" altLang="en-US" sz="4400" b="1" cap="none" spc="0" dirty="0">
-                <a:ln w="10160">
-                  <a:solidFill>
-                    <a:schemeClr val="accent5"/>
-                  </a:solidFill>
-                  <a:prstDash val="solid"/>
-                </a:ln>
-                <a:solidFill>
-                  <a:schemeClr val="bg1"/>
-                </a:solidFill>
-                <a:effectLst>
-                  <a:glow rad="139700">
-                    <a:schemeClr val="accent1">
-                      <a:satMod val="175000"/>
-                      <a:alpha val="40000"/>
-                    </a:schemeClr>
-                  </a:glow>
-                </a:effectLst>
-                <a:latin typeface="Microsoft JhengHei" panose="020B0604030504040204" pitchFamily="34" charset="-120"/>
-                <a:ea typeface="Microsoft JhengHei" panose="020B0604030504040204" pitchFamily="34" charset="-120"/>
-              </a:rPr>
-              <a:t>想法啟發</a:t>
-            </a:r>
-          </a:p>
-        </p:txBody>
-      </p:sp>
-    </p:spTree>
-    <p:extLst>
-      <p:ext uri="{BB962C8B-B14F-4D97-AF65-F5344CB8AC3E}">
-        <p14:creationId xmlns:p14="http://schemas.microsoft.com/office/powerpoint/2010/main" val="3328286020"/>
-      </p:ext>
-    </p:extLst>
-  </p:cSld>
-  <p:clrMapOvr>
-    <a:masterClrMapping/>
-  </p:clrMapOvr>
-</p:sld>
-</file>
-
-<file path=ppt/slides/slide4.xml><?xml version="1.0" encoding="utf-8"?>
 <p:sld xmlns:a="http://schemas.openxmlformats.org/drawingml/2006/main" xmlns:r="http://schemas.openxmlformats.org/officeDocument/2006/relationships" xmlns:p="http://schemas.openxmlformats.org/presentationml/2006/main">
   <p:cSld>
     <p:spTree>
@@ -7796,6 +6371,501 @@
 </p:sld>
 </file>
 
+<file path=ppt/slides/slide4.xml><?xml version="1.0" encoding="utf-8"?>
+<p:sld xmlns:a="http://schemas.openxmlformats.org/drawingml/2006/main" xmlns:r="http://schemas.openxmlformats.org/officeDocument/2006/relationships" xmlns:p="http://schemas.openxmlformats.org/presentationml/2006/main">
+  <p:cSld>
+    <p:spTree>
+      <p:nvGrpSpPr>
+        <p:cNvPr id="1" name=""/>
+        <p:cNvGrpSpPr/>
+        <p:nvPr/>
+      </p:nvGrpSpPr>
+      <p:grpSpPr>
+        <a:xfrm>
+          <a:off x="0" y="0"/>
+          <a:ext cx="0" cy="0"/>
+          <a:chOff x="0" y="0"/>
+          <a:chExt cx="0" cy="0"/>
+        </a:xfrm>
+      </p:grpSpPr>
+      <p:sp>
+        <p:nvSpPr>
+          <p:cNvPr id="5" name="矩形 4">
+            <a:extLst>
+              <a:ext uri="{FF2B5EF4-FFF2-40B4-BE49-F238E27FC236}">
+                <a16:creationId xmlns:a16="http://schemas.microsoft.com/office/drawing/2014/main" id="{B12A8606-1685-464A-A01E-5E029C6A5806}"/>
+              </a:ext>
+            </a:extLst>
+          </p:cNvPr>
+          <p:cNvSpPr/>
+          <p:nvPr/>
+        </p:nvSpPr>
+        <p:spPr>
+          <a:xfrm>
+            <a:off x="1125192" y="556646"/>
+            <a:ext cx="2441694" cy="769441"/>
+          </a:xfrm>
+          <a:prstGeom prst="rect">
+            <a:avLst/>
+          </a:prstGeom>
+          <a:noFill/>
+        </p:spPr>
+        <p:txBody>
+          <a:bodyPr wrap="none" lIns="91440" tIns="45720" rIns="91440" bIns="45720">
+            <a:spAutoFit/>
+          </a:bodyPr>
+          <a:lstStyle/>
+          <a:p>
+            <a:pPr algn="ctr"/>
+            <a:r>
+              <a:rPr lang="zh-TW" altLang="en-US" sz="4400" b="1" cap="none" spc="0" dirty="0">
+                <a:ln w="10160">
+                  <a:solidFill>
+                    <a:schemeClr val="accent5"/>
+                  </a:solidFill>
+                  <a:prstDash val="solid"/>
+                </a:ln>
+                <a:solidFill>
+                  <a:schemeClr val="bg1"/>
+                </a:solidFill>
+                <a:effectLst>
+                  <a:glow rad="139700">
+                    <a:schemeClr val="accent1">
+                      <a:satMod val="175000"/>
+                      <a:alpha val="40000"/>
+                    </a:schemeClr>
+                  </a:glow>
+                  <a:outerShdw blurRad="60007" dist="310007" dir="7680000" sy="30000" kx="1300200" algn="ctr" rotWithShape="0">
+                    <a:prstClr val="black">
+                      <a:alpha val="32000"/>
+                    </a:prstClr>
+                  </a:outerShdw>
+                </a:effectLst>
+                <a:latin typeface="Microsoft JhengHei" panose="020B0604030504040204" pitchFamily="34" charset="-120"/>
+                <a:ea typeface="Microsoft JhengHei" panose="020B0604030504040204" pitchFamily="34" charset="-120"/>
+              </a:rPr>
+              <a:t>作業說明</a:t>
+            </a:r>
+            <a:endParaRPr lang="zh-TW" altLang="en-US" sz="4400" b="1" cap="none" spc="0" dirty="0">
+              <a:ln w="10160">
+                <a:solidFill>
+                  <a:schemeClr val="accent5"/>
+                </a:solidFill>
+                <a:prstDash val="solid"/>
+              </a:ln>
+              <a:solidFill>
+                <a:schemeClr val="bg1"/>
+              </a:solidFill>
+              <a:effectLst>
+                <a:glow rad="139700">
+                  <a:schemeClr val="accent1">
+                    <a:satMod val="175000"/>
+                    <a:alpha val="40000"/>
+                  </a:schemeClr>
+                </a:glow>
+              </a:effectLst>
+              <a:latin typeface="Microsoft JhengHei" panose="020B0604030504040204" pitchFamily="34" charset="-120"/>
+              <a:ea typeface="Microsoft JhengHei" panose="020B0604030504040204" pitchFamily="34" charset="-120"/>
+            </a:endParaRPr>
+          </a:p>
+        </p:txBody>
+      </p:sp>
+      <p:sp>
+        <p:nvSpPr>
+          <p:cNvPr id="2" name="文字方塊 1">
+            <a:extLst>
+              <a:ext uri="{FF2B5EF4-FFF2-40B4-BE49-F238E27FC236}">
+                <a16:creationId xmlns:a16="http://schemas.microsoft.com/office/drawing/2014/main" id="{9AB86E52-72C8-475E-905C-BA3A3F576B95}"/>
+              </a:ext>
+            </a:extLst>
+          </p:cNvPr>
+          <p:cNvSpPr txBox="1"/>
+          <p:nvPr/>
+        </p:nvSpPr>
+        <p:spPr>
+          <a:xfrm>
+            <a:off x="1851890" y="1891910"/>
+            <a:ext cx="8728363" cy="3637278"/>
+          </a:xfrm>
+          <a:prstGeom prst="rect">
+            <a:avLst/>
+          </a:prstGeom>
+          <a:noFill/>
+        </p:spPr>
+        <p:txBody>
+          <a:bodyPr wrap="square" rtlCol="0">
+            <a:spAutoFit/>
+          </a:bodyPr>
+          <a:lstStyle/>
+          <a:p>
+            <a:pPr>
+              <a:lnSpc>
+                <a:spcPts val="4000"/>
+              </a:lnSpc>
+            </a:pPr>
+            <a:r>
+              <a:rPr lang="zh-TW" altLang="zh-TW" sz="2800" b="1" dirty="0">
+                <a:solidFill>
+                  <a:schemeClr val="bg1"/>
+                </a:solidFill>
+                <a:effectLst>
+                  <a:glow rad="139700">
+                    <a:schemeClr val="accent1">
+                      <a:satMod val="175000"/>
+                      <a:alpha val="40000"/>
+                    </a:schemeClr>
+                  </a:glow>
+                </a:effectLst>
+                <a:latin typeface="Microsoft JhengHei" panose="020B0604030504040204" pitchFamily="34" charset="-120"/>
+                <a:ea typeface="Microsoft JhengHei" panose="020B0604030504040204" pitchFamily="34" charset="-120"/>
+              </a:rPr>
+              <a:t>本次作業為了方便遊戲玩家更容易搜尋</a:t>
+            </a:r>
+            <a:r>
+              <a:rPr lang="zh-TW" altLang="en-US" sz="2800" b="1" dirty="0">
+                <a:solidFill>
+                  <a:schemeClr val="bg1"/>
+                </a:solidFill>
+                <a:effectLst>
+                  <a:glow rad="139700">
+                    <a:schemeClr val="accent1">
+                      <a:satMod val="175000"/>
+                      <a:alpha val="40000"/>
+                    </a:schemeClr>
+                  </a:glow>
+                </a:effectLst>
+                <a:latin typeface="Microsoft JhengHei" panose="020B0604030504040204" pitchFamily="34" charset="-120"/>
+                <a:ea typeface="Microsoft JhengHei" panose="020B0604030504040204" pitchFamily="34" charset="-120"/>
+              </a:rPr>
+              <a:t>遊玩</a:t>
+            </a:r>
+            <a:r>
+              <a:rPr lang="zh-TW" altLang="zh-TW" sz="2800" b="1" dirty="0">
+                <a:solidFill>
+                  <a:schemeClr val="bg1"/>
+                </a:solidFill>
+                <a:effectLst>
+                  <a:glow rad="139700">
+                    <a:schemeClr val="accent1">
+                      <a:satMod val="175000"/>
+                      <a:alpha val="40000"/>
+                    </a:schemeClr>
+                  </a:glow>
+                </a:effectLst>
+                <a:latin typeface="Microsoft JhengHei" panose="020B0604030504040204" pitchFamily="34" charset="-120"/>
+                <a:ea typeface="Microsoft JhengHei" panose="020B0604030504040204" pitchFamily="34" charset="-120"/>
+              </a:rPr>
+              <a:t>紀錄而做</a:t>
+            </a:r>
+            <a:r>
+              <a:rPr lang="zh-TW" altLang="en-US" sz="2800" b="1" dirty="0">
+                <a:solidFill>
+                  <a:schemeClr val="bg1"/>
+                </a:solidFill>
+                <a:effectLst>
+                  <a:glow rad="139700">
+                    <a:schemeClr val="accent1">
+                      <a:satMod val="175000"/>
+                      <a:alpha val="40000"/>
+                    </a:schemeClr>
+                  </a:glow>
+                </a:effectLst>
+                <a:latin typeface="Microsoft JhengHei" panose="020B0604030504040204" pitchFamily="34" charset="-120"/>
+                <a:ea typeface="Microsoft JhengHei" panose="020B0604030504040204" pitchFamily="34" charset="-120"/>
+              </a:rPr>
+              <a:t>。</a:t>
+            </a:r>
+            <a:br>
+              <a:rPr lang="en-US" altLang="zh-TW" sz="2800" b="1" dirty="0">
+                <a:solidFill>
+                  <a:schemeClr val="bg1"/>
+                </a:solidFill>
+                <a:effectLst>
+                  <a:glow rad="139700">
+                    <a:schemeClr val="accent1">
+                      <a:satMod val="175000"/>
+                      <a:alpha val="40000"/>
+                    </a:schemeClr>
+                  </a:glow>
+                </a:effectLst>
+                <a:latin typeface="Microsoft JhengHei" panose="020B0604030504040204" pitchFamily="34" charset="-120"/>
+                <a:ea typeface="Microsoft JhengHei" panose="020B0604030504040204" pitchFamily="34" charset="-120"/>
+              </a:rPr>
+            </a:br>
+            <a:r>
+              <a:rPr lang="zh-TW" altLang="zh-TW" sz="2800" b="1" dirty="0">
+                <a:solidFill>
+                  <a:schemeClr val="bg1"/>
+                </a:solidFill>
+                <a:effectLst>
+                  <a:glow rad="139700">
+                    <a:schemeClr val="accent1">
+                      <a:satMod val="175000"/>
+                      <a:alpha val="40000"/>
+                    </a:schemeClr>
+                  </a:glow>
+                </a:effectLst>
+                <a:latin typeface="Microsoft JhengHei" panose="020B0604030504040204" pitchFamily="34" charset="-120"/>
+                <a:ea typeface="Microsoft JhengHei" panose="020B0604030504040204" pitchFamily="34" charset="-120"/>
+              </a:rPr>
+              <a:t>由於遊戲後台的紀錄功能太少，所以我們利用爬蟲程式抓取</a:t>
+            </a:r>
+            <a:r>
+              <a:rPr lang="zh-TW" altLang="en-US" sz="2800" b="1" dirty="0">
+                <a:solidFill>
+                  <a:schemeClr val="bg1"/>
+                </a:solidFill>
+                <a:effectLst>
+                  <a:glow rad="139700">
+                    <a:schemeClr val="accent1">
+                      <a:satMod val="175000"/>
+                      <a:alpha val="40000"/>
+                    </a:schemeClr>
+                  </a:glow>
+                </a:effectLst>
+                <a:latin typeface="Microsoft JhengHei" panose="020B0604030504040204" pitchFamily="34" charset="-120"/>
+                <a:ea typeface="Microsoft JhengHei" panose="020B0604030504040204" pitchFamily="34" charset="-120"/>
+              </a:rPr>
+              <a:t>遊戲</a:t>
+            </a:r>
+            <a:r>
+              <a:rPr lang="zh-TW" altLang="zh-TW" sz="2800" b="1" dirty="0">
+                <a:solidFill>
+                  <a:schemeClr val="bg1"/>
+                </a:solidFill>
+                <a:effectLst>
+                  <a:glow rad="139700">
+                    <a:schemeClr val="accent1">
+                      <a:satMod val="175000"/>
+                      <a:alpha val="40000"/>
+                    </a:schemeClr>
+                  </a:glow>
+                </a:effectLst>
+                <a:latin typeface="Microsoft JhengHei" panose="020B0604030504040204" pitchFamily="34" charset="-120"/>
+                <a:ea typeface="Microsoft JhengHei" panose="020B0604030504040204" pitchFamily="34" charset="-120"/>
+              </a:rPr>
+              <a:t>紀錄，方便玩家查詢</a:t>
+            </a:r>
+            <a:r>
+              <a:rPr lang="zh-TW" altLang="en-US" sz="2800" b="1" dirty="0">
+                <a:solidFill>
+                  <a:schemeClr val="bg1"/>
+                </a:solidFill>
+                <a:effectLst>
+                  <a:glow rad="139700">
+                    <a:schemeClr val="accent1">
+                      <a:satMod val="175000"/>
+                      <a:alpha val="40000"/>
+                    </a:schemeClr>
+                  </a:glow>
+                </a:effectLst>
+                <a:latin typeface="Microsoft JhengHei" panose="020B0604030504040204" pitchFamily="34" charset="-120"/>
+                <a:ea typeface="Microsoft JhengHei" panose="020B0604030504040204" pitchFamily="34" charset="-120"/>
+              </a:rPr>
+              <a:t>遊玩資料  </a:t>
+            </a:r>
+            <a:endParaRPr lang="en-US" altLang="zh-TW" sz="2800" b="1" dirty="0">
+              <a:solidFill>
+                <a:schemeClr val="bg1"/>
+              </a:solidFill>
+              <a:effectLst>
+                <a:glow rad="139700">
+                  <a:schemeClr val="accent1">
+                    <a:satMod val="175000"/>
+                    <a:alpha val="40000"/>
+                  </a:schemeClr>
+                </a:glow>
+              </a:effectLst>
+              <a:latin typeface="Microsoft JhengHei" panose="020B0604030504040204" pitchFamily="34" charset="-120"/>
+              <a:ea typeface="Microsoft JhengHei" panose="020B0604030504040204" pitchFamily="34" charset="-120"/>
+            </a:endParaRPr>
+          </a:p>
+          <a:p>
+            <a:pPr>
+              <a:lnSpc>
+                <a:spcPts val="4000"/>
+              </a:lnSpc>
+            </a:pPr>
+            <a:endParaRPr lang="en-US" altLang="zh-TW" sz="2800" b="1" dirty="0">
+              <a:solidFill>
+                <a:schemeClr val="bg1"/>
+              </a:solidFill>
+              <a:effectLst>
+                <a:glow rad="139700">
+                  <a:schemeClr val="accent1">
+                    <a:satMod val="175000"/>
+                    <a:alpha val="40000"/>
+                  </a:schemeClr>
+                </a:glow>
+              </a:effectLst>
+              <a:latin typeface="Microsoft JhengHei" panose="020B0604030504040204" pitchFamily="34" charset="-120"/>
+              <a:ea typeface="Microsoft JhengHei" panose="020B0604030504040204" pitchFamily="34" charset="-120"/>
+            </a:endParaRPr>
+          </a:p>
+          <a:p>
+            <a:pPr>
+              <a:lnSpc>
+                <a:spcPts val="4000"/>
+              </a:lnSpc>
+            </a:pPr>
+            <a:r>
+              <a:rPr lang="zh-TW" altLang="zh-TW" sz="2800" b="1" dirty="0">
+                <a:solidFill>
+                  <a:schemeClr val="bg1"/>
+                </a:solidFill>
+                <a:effectLst>
+                  <a:glow rad="139700">
+                    <a:schemeClr val="accent1">
+                      <a:satMod val="175000"/>
+                      <a:alpha val="40000"/>
+                    </a:schemeClr>
+                  </a:glow>
+                </a:effectLst>
+                <a:latin typeface="Microsoft JhengHei" panose="020B0604030504040204" pitchFamily="34" charset="-120"/>
+                <a:ea typeface="Microsoft JhengHei" panose="020B0604030504040204" pitchFamily="34" charset="-120"/>
+              </a:rPr>
+              <a:t>這個程式能夠幫助到玩家</a:t>
+            </a:r>
+            <a:r>
+              <a:rPr lang="zh-TW" altLang="en-US" sz="2800" b="1" dirty="0">
+                <a:solidFill>
+                  <a:schemeClr val="bg1"/>
+                </a:solidFill>
+                <a:effectLst>
+                  <a:glow rad="139700">
+                    <a:schemeClr val="accent1">
+                      <a:satMod val="175000"/>
+                      <a:alpha val="40000"/>
+                    </a:schemeClr>
+                  </a:glow>
+                </a:effectLst>
+                <a:latin typeface="Microsoft JhengHei" panose="020B0604030504040204" pitchFamily="34" charset="-120"/>
+                <a:ea typeface="Microsoft JhengHei" panose="020B0604030504040204" pitchFamily="34" charset="-120"/>
+              </a:rPr>
+              <a:t>們</a:t>
+            </a:r>
+            <a:r>
+              <a:rPr lang="zh-TW" altLang="zh-TW" sz="2800" b="1" dirty="0">
+                <a:solidFill>
+                  <a:schemeClr val="bg1"/>
+                </a:solidFill>
+                <a:effectLst>
+                  <a:glow rad="139700">
+                    <a:schemeClr val="accent1">
+                      <a:satMod val="175000"/>
+                      <a:alpha val="40000"/>
+                    </a:schemeClr>
+                  </a:glow>
+                </a:effectLst>
+                <a:latin typeface="Microsoft JhengHei" panose="020B0604030504040204" pitchFamily="34" charset="-120"/>
+                <a:ea typeface="Microsoft JhengHei" panose="020B0604030504040204" pitchFamily="34" charset="-120"/>
+              </a:rPr>
+              <a:t>找出自己遊玩的紀錄</a:t>
+            </a:r>
+            <a:r>
+              <a:rPr lang="zh-TW" altLang="en-US" sz="2800" b="1" dirty="0">
+                <a:solidFill>
+                  <a:schemeClr val="bg1"/>
+                </a:solidFill>
+                <a:effectLst>
+                  <a:glow rad="139700">
+                    <a:schemeClr val="accent1">
+                      <a:satMod val="175000"/>
+                      <a:alpha val="40000"/>
+                    </a:schemeClr>
+                  </a:glow>
+                </a:effectLst>
+                <a:latin typeface="Microsoft JhengHei" panose="020B0604030504040204" pitchFamily="34" charset="-120"/>
+                <a:ea typeface="Microsoft JhengHei" panose="020B0604030504040204" pitchFamily="34" charset="-120"/>
+              </a:rPr>
+              <a:t>，讓大家不用在大量的資料中，找不到自己想找的遊戲紀錄</a:t>
+            </a:r>
+            <a:endParaRPr lang="zh-TW" altLang="zh-TW" sz="2800" b="1" dirty="0">
+              <a:solidFill>
+                <a:schemeClr val="bg1"/>
+              </a:solidFill>
+              <a:effectLst>
+                <a:glow rad="139700">
+                  <a:schemeClr val="accent1">
+                    <a:satMod val="175000"/>
+                    <a:alpha val="40000"/>
+                  </a:schemeClr>
+                </a:glow>
+              </a:effectLst>
+              <a:latin typeface="Microsoft JhengHei" panose="020B0604030504040204" pitchFamily="34" charset="-120"/>
+              <a:ea typeface="Microsoft JhengHei" panose="020B0604030504040204" pitchFamily="34" charset="-120"/>
+            </a:endParaRPr>
+          </a:p>
+          <a:p>
+            <a:pPr>
+              <a:lnSpc>
+                <a:spcPts val="4000"/>
+              </a:lnSpc>
+            </a:pPr>
+            <a:endParaRPr lang="en-US" altLang="zh-TW" sz="2800" b="1" dirty="0">
+              <a:effectLst>
+                <a:glow rad="139700">
+                  <a:schemeClr val="accent1">
+                    <a:satMod val="175000"/>
+                    <a:alpha val="40000"/>
+                  </a:schemeClr>
+                </a:glow>
+              </a:effectLst>
+              <a:latin typeface="Microsoft JhengHei" panose="020B0604030504040204" pitchFamily="34" charset="-120"/>
+              <a:ea typeface="Microsoft JhengHei" panose="020B0604030504040204" pitchFamily="34" charset="-120"/>
+            </a:endParaRPr>
+          </a:p>
+        </p:txBody>
+      </p:sp>
+      <p:pic>
+        <p:nvPicPr>
+          <p:cNvPr id="4" name="圖片 3">
+            <a:extLst>
+              <a:ext uri="{FF2B5EF4-FFF2-40B4-BE49-F238E27FC236}">
+                <a16:creationId xmlns:a16="http://schemas.microsoft.com/office/drawing/2014/main" id="{6ABFCE43-6B30-43C4-9DC5-7D91A726E7AC}"/>
+              </a:ext>
+            </a:extLst>
+          </p:cNvPr>
+          <p:cNvPicPr>
+            <a:picLocks noChangeAspect="1"/>
+          </p:cNvPicPr>
+          <p:nvPr/>
+        </p:nvPicPr>
+        <p:blipFill>
+          <a:blip r:embed="rId2">
+            <a:extLst>
+              <a:ext uri="{28A0092B-C50C-407E-A947-70E740481C1C}">
+                <a14:useLocalDpi xmlns:a14="http://schemas.microsoft.com/office/drawing/2010/main" val="0"/>
+              </a:ext>
+            </a:extLst>
+          </a:blip>
+          <a:stretch>
+            <a:fillRect/>
+          </a:stretch>
+        </p:blipFill>
+        <p:spPr>
+          <a:xfrm>
+            <a:off x="448524" y="482757"/>
+            <a:ext cx="769441" cy="769441"/>
+          </a:xfrm>
+          <a:prstGeom prst="rect">
+            <a:avLst/>
+          </a:prstGeom>
+        </p:spPr>
+      </p:pic>
+    </p:spTree>
+    <p:extLst>
+      <p:ext uri="{BB962C8B-B14F-4D97-AF65-F5344CB8AC3E}">
+        <p14:creationId xmlns:p14="http://schemas.microsoft.com/office/powerpoint/2010/main" val="1406586151"/>
+      </p:ext>
+    </p:extLst>
+  </p:cSld>
+  <p:clrMapOvr>
+    <a:masterClrMapping/>
+  </p:clrMapOvr>
+</p:sld>
+</file>
+
 <file path=ppt/slides/slide5.xml><?xml version="1.0" encoding="utf-8"?>
 <p:sld xmlns:a="http://schemas.openxmlformats.org/drawingml/2006/main" xmlns:r="http://schemas.openxmlformats.org/officeDocument/2006/relationships" xmlns:p="http://schemas.openxmlformats.org/presentationml/2006/main">
   <p:cSld>
@@ -7827,8 +6897,8 @@
         </p:nvSpPr>
         <p:spPr>
           <a:xfrm>
-            <a:off x="1125192" y="556646"/>
-            <a:ext cx="2441694" cy="769441"/>
+            <a:off x="181340" y="3429000"/>
+            <a:ext cx="12010660" cy="2246769"/>
           </a:xfrm>
           <a:prstGeom prst="rect">
             <a:avLst/>
@@ -7841,9 +6911,8 @@
           </a:bodyPr>
           <a:lstStyle/>
           <a:p>
-            <a:pPr algn="ctr"/>
-            <a:r>
-              <a:rPr lang="zh-TW" altLang="en-US" sz="4400" b="1" cap="none" spc="0" dirty="0">
+            <a:r>
+              <a:rPr lang="en-US" altLang="zh-TW" sz="1400" b="1" cap="none" spc="0" dirty="0" err="1">
                 <a:ln w="10160">
                   <a:solidFill>
                     <a:schemeClr val="accent5"/>
@@ -7860,18 +6929,943 @@
                       <a:alpha val="40000"/>
                     </a:schemeClr>
                   </a:glow>
-                  <a:outerShdw blurRad="60007" dist="310007" dir="7680000" sy="30000" kx="1300200" algn="ctr" rotWithShape="0">
-                    <a:prstClr val="black">
-                      <a:alpha val="32000"/>
-                    </a:prstClr>
-                  </a:outerShdw>
-                </a:effectLst>
-                <a:latin typeface="Microsoft JhengHei" panose="020B0604030504040204" pitchFamily="34" charset="-120"/>
-                <a:ea typeface="Microsoft JhengHei" panose="020B0604030504040204" pitchFamily="34" charset="-120"/>
-              </a:rPr>
-              <a:t>作業說明</a:t>
-            </a:r>
-            <a:endParaRPr lang="zh-TW" altLang="en-US" sz="4400" b="1" cap="none" spc="0" dirty="0">
+                </a:effectLst>
+                <a:latin typeface="Microsoft JhengHei" panose="020B0604030504040204" pitchFamily="34" charset="-120"/>
+                <a:ea typeface="Microsoft JhengHei" panose="020B0604030504040204" pitchFamily="34" charset="-120"/>
+              </a:rPr>
+              <a:t>javascript</a:t>
+            </a:r>
+            <a:r>
+              <a:rPr lang="en-US" altLang="zh-TW" sz="1400" b="1" cap="none" spc="0" dirty="0">
+                <a:ln w="10160">
+                  <a:solidFill>
+                    <a:schemeClr val="accent5"/>
+                  </a:solidFill>
+                  <a:prstDash val="solid"/>
+                </a:ln>
+                <a:solidFill>
+                  <a:schemeClr val="bg1"/>
+                </a:solidFill>
+                <a:effectLst>
+                  <a:glow rad="139700">
+                    <a:schemeClr val="accent1">
+                      <a:satMod val="175000"/>
+                      <a:alpha val="40000"/>
+                    </a:schemeClr>
+                  </a:glow>
+                </a:effectLst>
+                <a:latin typeface="Microsoft JhengHei" panose="020B0604030504040204" pitchFamily="34" charset="-120"/>
+                <a:ea typeface="Microsoft JhengHei" panose="020B0604030504040204" pitchFamily="34" charset="-120"/>
+              </a:rPr>
+              <a:t>:</a:t>
+            </a:r>
+          </a:p>
+          <a:p>
+            <a:r>
+              <a:rPr lang="en-US" altLang="zh-TW" sz="1400" b="1" cap="none" spc="0" dirty="0">
+                <a:ln w="10160">
+                  <a:solidFill>
+                    <a:schemeClr val="accent5"/>
+                  </a:solidFill>
+                  <a:prstDash val="solid"/>
+                </a:ln>
+                <a:solidFill>
+                  <a:schemeClr val="bg1"/>
+                </a:solidFill>
+                <a:effectLst>
+                  <a:glow rad="139700">
+                    <a:schemeClr val="accent1">
+                      <a:satMod val="175000"/>
+                      <a:alpha val="40000"/>
+                    </a:schemeClr>
+                  </a:glow>
+                </a:effectLst>
+                <a:latin typeface="Microsoft JhengHei" panose="020B0604030504040204" pitchFamily="34" charset="-120"/>
+                <a:ea typeface="Microsoft JhengHei" panose="020B0604030504040204" pitchFamily="34" charset="-120"/>
+              </a:rPr>
+              <a:t>    (function()%7Bvar </a:t>
+            </a:r>
+            <a:r>
+              <a:rPr lang="en-US" altLang="zh-TW" sz="1400" b="1" cap="none" spc="0" dirty="0" err="1">
+                <a:ln w="10160">
+                  <a:solidFill>
+                    <a:schemeClr val="accent5"/>
+                  </a:solidFill>
+                  <a:prstDash val="solid"/>
+                </a:ln>
+                <a:solidFill>
+                  <a:schemeClr val="bg1"/>
+                </a:solidFill>
+                <a:effectLst>
+                  <a:glow rad="139700">
+                    <a:schemeClr val="accent1">
+                      <a:satMod val="175000"/>
+                      <a:alpha val="40000"/>
+                    </a:schemeClr>
+                  </a:glow>
+                </a:effectLst>
+                <a:latin typeface="Microsoft JhengHei" panose="020B0604030504040204" pitchFamily="34" charset="-120"/>
+                <a:ea typeface="Microsoft JhengHei" panose="020B0604030504040204" pitchFamily="34" charset="-120"/>
+              </a:rPr>
+              <a:t>xmlHttp</a:t>
+            </a:r>
+            <a:r>
+              <a:rPr lang="en-US" altLang="zh-TW" sz="1400" b="1" cap="none" spc="0" dirty="0">
+                <a:ln w="10160">
+                  <a:solidFill>
+                    <a:schemeClr val="accent5"/>
+                  </a:solidFill>
+                  <a:prstDash val="solid"/>
+                </a:ln>
+                <a:solidFill>
+                  <a:schemeClr val="bg1"/>
+                </a:solidFill>
+                <a:effectLst>
+                  <a:glow rad="139700">
+                    <a:schemeClr val="accent1">
+                      <a:satMod val="175000"/>
+                      <a:alpha val="40000"/>
+                    </a:schemeClr>
+                  </a:glow>
+                </a:effectLst>
+                <a:latin typeface="Microsoft JhengHei" panose="020B0604030504040204" pitchFamily="34" charset="-120"/>
+                <a:ea typeface="Microsoft JhengHei" panose="020B0604030504040204" pitchFamily="34" charset="-120"/>
+              </a:rPr>
+              <a:t> = new </a:t>
+            </a:r>
+            <a:r>
+              <a:rPr lang="en-US" altLang="zh-TW" sz="1400" b="1" cap="none" spc="0" dirty="0" err="1">
+                <a:ln w="10160">
+                  <a:solidFill>
+                    <a:schemeClr val="accent5"/>
+                  </a:solidFill>
+                  <a:prstDash val="solid"/>
+                </a:ln>
+                <a:solidFill>
+                  <a:schemeClr val="bg1"/>
+                </a:solidFill>
+                <a:effectLst>
+                  <a:glow rad="139700">
+                    <a:schemeClr val="accent1">
+                      <a:satMod val="175000"/>
+                      <a:alpha val="40000"/>
+                    </a:schemeClr>
+                  </a:glow>
+                </a:effectLst>
+                <a:latin typeface="Microsoft JhengHei" panose="020B0604030504040204" pitchFamily="34" charset="-120"/>
+                <a:ea typeface="Microsoft JhengHei" panose="020B0604030504040204" pitchFamily="34" charset="-120"/>
+              </a:rPr>
+              <a:t>XMLHttpRequest</a:t>
+            </a:r>
+            <a:r>
+              <a:rPr lang="en-US" altLang="zh-TW" sz="1400" b="1" cap="none" spc="0" dirty="0">
+                <a:ln w="10160">
+                  <a:solidFill>
+                    <a:schemeClr val="accent5"/>
+                  </a:solidFill>
+                  <a:prstDash val="solid"/>
+                </a:ln>
+                <a:solidFill>
+                  <a:schemeClr val="bg1"/>
+                </a:solidFill>
+                <a:effectLst>
+                  <a:glow rad="139700">
+                    <a:schemeClr val="accent1">
+                      <a:satMod val="175000"/>
+                      <a:alpha val="40000"/>
+                    </a:schemeClr>
+                  </a:glow>
+                </a:effectLst>
+                <a:latin typeface="Microsoft JhengHei" panose="020B0604030504040204" pitchFamily="34" charset="-120"/>
+                <a:ea typeface="Microsoft JhengHei" panose="020B0604030504040204" pitchFamily="34" charset="-120"/>
+              </a:rPr>
+              <a:t>();</a:t>
+            </a:r>
+          </a:p>
+          <a:p>
+            <a:r>
+              <a:rPr lang="en-US" altLang="zh-TW" sz="1400" b="1" cap="none" spc="0" dirty="0">
+                <a:ln w="10160">
+                  <a:solidFill>
+                    <a:schemeClr val="accent5"/>
+                  </a:solidFill>
+                  <a:prstDash val="solid"/>
+                </a:ln>
+                <a:solidFill>
+                  <a:schemeClr val="bg1"/>
+                </a:solidFill>
+                <a:effectLst>
+                  <a:glow rad="139700">
+                    <a:schemeClr val="accent1">
+                      <a:satMod val="175000"/>
+                      <a:alpha val="40000"/>
+                    </a:schemeClr>
+                  </a:glow>
+                </a:effectLst>
+                <a:latin typeface="Microsoft JhengHei" panose="020B0604030504040204" pitchFamily="34" charset="-120"/>
+                <a:ea typeface="Microsoft JhengHei" panose="020B0604030504040204" pitchFamily="34" charset="-120"/>
+              </a:rPr>
+              <a:t>    </a:t>
+            </a:r>
+            <a:r>
+              <a:rPr lang="en-US" altLang="zh-TW" sz="1400" b="1" cap="none" spc="0" dirty="0" err="1">
+                <a:ln w="10160">
+                  <a:solidFill>
+                    <a:schemeClr val="accent5"/>
+                  </a:solidFill>
+                  <a:prstDash val="solid"/>
+                </a:ln>
+                <a:solidFill>
+                  <a:schemeClr val="bg1"/>
+                </a:solidFill>
+                <a:effectLst>
+                  <a:glow rad="139700">
+                    <a:schemeClr val="accent1">
+                      <a:satMod val="175000"/>
+                      <a:alpha val="40000"/>
+                    </a:schemeClr>
+                  </a:glow>
+                </a:effectLst>
+                <a:latin typeface="Microsoft JhengHei" panose="020B0604030504040204" pitchFamily="34" charset="-120"/>
+                <a:ea typeface="Microsoft JhengHei" panose="020B0604030504040204" pitchFamily="34" charset="-120"/>
+              </a:rPr>
+              <a:t>xmlHttp.open</a:t>
+            </a:r>
+            <a:r>
+              <a:rPr lang="en-US" altLang="zh-TW" sz="1400" b="1" cap="none" spc="0" dirty="0">
+                <a:ln w="10160">
+                  <a:solidFill>
+                    <a:schemeClr val="accent5"/>
+                  </a:solidFill>
+                  <a:prstDash val="solid"/>
+                </a:ln>
+                <a:solidFill>
+                  <a:schemeClr val="bg1"/>
+                </a:solidFill>
+                <a:effectLst>
+                  <a:glow rad="139700">
+                    <a:schemeClr val="accent1">
+                      <a:satMod val="175000"/>
+                      <a:alpha val="40000"/>
+                    </a:schemeClr>
+                  </a:glow>
+                </a:effectLst>
+                <a:latin typeface="Microsoft JhengHei" panose="020B0604030504040204" pitchFamily="34" charset="-120"/>
+                <a:ea typeface="Microsoft JhengHei" panose="020B0604030504040204" pitchFamily="34" charset="-120"/>
+              </a:rPr>
+              <a:t>("GET", "https://mypage.groovecoaster.jp/</a:t>
+            </a:r>
+            <a:r>
+              <a:rPr lang="en-US" altLang="zh-TW" sz="1400" b="1" cap="none" spc="0" dirty="0" err="1">
+                <a:ln w="10160">
+                  <a:solidFill>
+                    <a:schemeClr val="accent5"/>
+                  </a:solidFill>
+                  <a:prstDash val="solid"/>
+                </a:ln>
+                <a:solidFill>
+                  <a:schemeClr val="bg1"/>
+                </a:solidFill>
+                <a:effectLst>
+                  <a:glow rad="139700">
+                    <a:schemeClr val="accent1">
+                      <a:satMod val="175000"/>
+                      <a:alpha val="40000"/>
+                    </a:schemeClr>
+                  </a:glow>
+                </a:effectLst>
+                <a:latin typeface="Microsoft JhengHei" panose="020B0604030504040204" pitchFamily="34" charset="-120"/>
+                <a:ea typeface="Microsoft JhengHei" panose="020B0604030504040204" pitchFamily="34" charset="-120"/>
+              </a:rPr>
+              <a:t>sp</a:t>
+            </a:r>
+            <a:r>
+              <a:rPr lang="en-US" altLang="zh-TW" sz="1400" b="1" cap="none" spc="0" dirty="0">
+                <a:ln w="10160">
+                  <a:solidFill>
+                    <a:schemeClr val="accent5"/>
+                  </a:solidFill>
+                  <a:prstDash val="solid"/>
+                </a:ln>
+                <a:solidFill>
+                  <a:schemeClr val="bg1"/>
+                </a:solidFill>
+                <a:effectLst>
+                  <a:glow rad="139700">
+                    <a:schemeClr val="accent1">
+                      <a:satMod val="175000"/>
+                      <a:alpha val="40000"/>
+                    </a:schemeClr>
+                  </a:glow>
+                </a:effectLst>
+                <a:latin typeface="Microsoft JhengHei" panose="020B0604030504040204" pitchFamily="34" charset="-120"/>
+                <a:ea typeface="Microsoft JhengHei" panose="020B0604030504040204" pitchFamily="34" charset="-120"/>
+              </a:rPr>
+              <a:t>/json/</a:t>
+            </a:r>
+            <a:r>
+              <a:rPr lang="en-US" altLang="zh-TW" sz="1400" b="1" cap="none" spc="0" dirty="0" err="1">
+                <a:ln w="10160">
+                  <a:solidFill>
+                    <a:schemeClr val="accent5"/>
+                  </a:solidFill>
+                  <a:prstDash val="solid"/>
+                </a:ln>
+                <a:solidFill>
+                  <a:schemeClr val="bg1"/>
+                </a:solidFill>
+                <a:effectLst>
+                  <a:glow rad="139700">
+                    <a:schemeClr val="accent1">
+                      <a:satMod val="175000"/>
+                      <a:alpha val="40000"/>
+                    </a:schemeClr>
+                  </a:glow>
+                </a:effectLst>
+                <a:latin typeface="Microsoft JhengHei" panose="020B0604030504040204" pitchFamily="34" charset="-120"/>
+                <a:ea typeface="Microsoft JhengHei" panose="020B0604030504040204" pitchFamily="34" charset="-120"/>
+              </a:rPr>
+              <a:t>music_list.php</a:t>
+            </a:r>
+            <a:r>
+              <a:rPr lang="en-US" altLang="zh-TW" sz="1400" b="1" cap="none" spc="0" dirty="0">
+                <a:ln w="10160">
+                  <a:solidFill>
+                    <a:schemeClr val="accent5"/>
+                  </a:solidFill>
+                  <a:prstDash val="solid"/>
+                </a:ln>
+                <a:solidFill>
+                  <a:schemeClr val="bg1"/>
+                </a:solidFill>
+                <a:effectLst>
+                  <a:glow rad="139700">
+                    <a:schemeClr val="accent1">
+                      <a:satMod val="175000"/>
+                      <a:alpha val="40000"/>
+                    </a:schemeClr>
+                  </a:glow>
+                </a:effectLst>
+                <a:latin typeface="Microsoft JhengHei" panose="020B0604030504040204" pitchFamily="34" charset="-120"/>
+                <a:ea typeface="Microsoft JhengHei" panose="020B0604030504040204" pitchFamily="34" charset="-120"/>
+              </a:rPr>
+              <a:t>", false);</a:t>
+            </a:r>
+          </a:p>
+          <a:p>
+            <a:r>
+              <a:rPr lang="en-US" altLang="zh-TW" sz="1400" b="1" cap="none" spc="0" dirty="0">
+                <a:ln w="10160">
+                  <a:solidFill>
+                    <a:schemeClr val="accent5"/>
+                  </a:solidFill>
+                  <a:prstDash val="solid"/>
+                </a:ln>
+                <a:solidFill>
+                  <a:schemeClr val="bg1"/>
+                </a:solidFill>
+                <a:effectLst>
+                  <a:glow rad="139700">
+                    <a:schemeClr val="accent1">
+                      <a:satMod val="175000"/>
+                      <a:alpha val="40000"/>
+                    </a:schemeClr>
+                  </a:glow>
+                </a:effectLst>
+                <a:latin typeface="Microsoft JhengHei" panose="020B0604030504040204" pitchFamily="34" charset="-120"/>
+                <a:ea typeface="Microsoft JhengHei" panose="020B0604030504040204" pitchFamily="34" charset="-120"/>
+              </a:rPr>
+              <a:t>    </a:t>
+            </a:r>
+            <a:r>
+              <a:rPr lang="en-US" altLang="zh-TW" sz="1400" b="1" cap="none" spc="0" dirty="0" err="1">
+                <a:ln w="10160">
+                  <a:solidFill>
+                    <a:schemeClr val="accent5"/>
+                  </a:solidFill>
+                  <a:prstDash val="solid"/>
+                </a:ln>
+                <a:solidFill>
+                  <a:schemeClr val="bg1"/>
+                </a:solidFill>
+                <a:effectLst>
+                  <a:glow rad="139700">
+                    <a:schemeClr val="accent1">
+                      <a:satMod val="175000"/>
+                      <a:alpha val="40000"/>
+                    </a:schemeClr>
+                  </a:glow>
+                </a:effectLst>
+                <a:latin typeface="Microsoft JhengHei" panose="020B0604030504040204" pitchFamily="34" charset="-120"/>
+                <a:ea typeface="Microsoft JhengHei" panose="020B0604030504040204" pitchFamily="34" charset="-120"/>
+              </a:rPr>
+              <a:t>xmlHttp.send</a:t>
+            </a:r>
+            <a:r>
+              <a:rPr lang="en-US" altLang="zh-TW" sz="1400" b="1" cap="none" spc="0" dirty="0">
+                <a:ln w="10160">
+                  <a:solidFill>
+                    <a:schemeClr val="accent5"/>
+                  </a:solidFill>
+                  <a:prstDash val="solid"/>
+                </a:ln>
+                <a:solidFill>
+                  <a:schemeClr val="bg1"/>
+                </a:solidFill>
+                <a:effectLst>
+                  <a:glow rad="139700">
+                    <a:schemeClr val="accent1">
+                      <a:satMod val="175000"/>
+                      <a:alpha val="40000"/>
+                    </a:schemeClr>
+                  </a:glow>
+                </a:effectLst>
+                <a:latin typeface="Microsoft JhengHei" panose="020B0604030504040204" pitchFamily="34" charset="-120"/>
+                <a:ea typeface="Microsoft JhengHei" panose="020B0604030504040204" pitchFamily="34" charset="-120"/>
+              </a:rPr>
+              <a:t>(null);var data = </a:t>
+            </a:r>
+            <a:r>
+              <a:rPr lang="en-US" altLang="zh-TW" sz="1400" b="1" cap="none" spc="0" dirty="0" err="1">
+                <a:ln w="10160">
+                  <a:solidFill>
+                    <a:schemeClr val="accent5"/>
+                  </a:solidFill>
+                  <a:prstDash val="solid"/>
+                </a:ln>
+                <a:solidFill>
+                  <a:schemeClr val="bg1"/>
+                </a:solidFill>
+                <a:effectLst>
+                  <a:glow rad="139700">
+                    <a:schemeClr val="accent1">
+                      <a:satMod val="175000"/>
+                      <a:alpha val="40000"/>
+                    </a:schemeClr>
+                  </a:glow>
+                </a:effectLst>
+                <a:latin typeface="Microsoft JhengHei" panose="020B0604030504040204" pitchFamily="34" charset="-120"/>
+                <a:ea typeface="Microsoft JhengHei" panose="020B0604030504040204" pitchFamily="34" charset="-120"/>
+              </a:rPr>
+              <a:t>JSON.parse</a:t>
+            </a:r>
+            <a:r>
+              <a:rPr lang="en-US" altLang="zh-TW" sz="1400" b="1" cap="none" spc="0" dirty="0">
+                <a:ln w="10160">
+                  <a:solidFill>
+                    <a:schemeClr val="accent5"/>
+                  </a:solidFill>
+                  <a:prstDash val="solid"/>
+                </a:ln>
+                <a:solidFill>
+                  <a:schemeClr val="bg1"/>
+                </a:solidFill>
+                <a:effectLst>
+                  <a:glow rad="139700">
+                    <a:schemeClr val="accent1">
+                      <a:satMod val="175000"/>
+                      <a:alpha val="40000"/>
+                    </a:schemeClr>
+                  </a:glow>
+                </a:effectLst>
+                <a:latin typeface="Microsoft JhengHei" panose="020B0604030504040204" pitchFamily="34" charset="-120"/>
+                <a:ea typeface="Microsoft JhengHei" panose="020B0604030504040204" pitchFamily="34" charset="-120"/>
+              </a:rPr>
+              <a:t>(</a:t>
+            </a:r>
+            <a:r>
+              <a:rPr lang="en-US" altLang="zh-TW" sz="1400" b="1" cap="none" spc="0" dirty="0" err="1">
+                <a:ln w="10160">
+                  <a:solidFill>
+                    <a:schemeClr val="accent5"/>
+                  </a:solidFill>
+                  <a:prstDash val="solid"/>
+                </a:ln>
+                <a:solidFill>
+                  <a:schemeClr val="bg1"/>
+                </a:solidFill>
+                <a:effectLst>
+                  <a:glow rad="139700">
+                    <a:schemeClr val="accent1">
+                      <a:satMod val="175000"/>
+                      <a:alpha val="40000"/>
+                    </a:schemeClr>
+                  </a:glow>
+                </a:effectLst>
+                <a:latin typeface="Microsoft JhengHei" panose="020B0604030504040204" pitchFamily="34" charset="-120"/>
+                <a:ea typeface="Microsoft JhengHei" panose="020B0604030504040204" pitchFamily="34" charset="-120"/>
+              </a:rPr>
+              <a:t>xmlHttp.responseText</a:t>
+            </a:r>
+            <a:r>
+              <a:rPr lang="en-US" altLang="zh-TW" sz="1400" b="1" cap="none" spc="0" dirty="0">
+                <a:ln w="10160">
+                  <a:solidFill>
+                    <a:schemeClr val="accent5"/>
+                  </a:solidFill>
+                  <a:prstDash val="solid"/>
+                </a:ln>
+                <a:solidFill>
+                  <a:schemeClr val="bg1"/>
+                </a:solidFill>
+                <a:effectLst>
+                  <a:glow rad="139700">
+                    <a:schemeClr val="accent1">
+                      <a:satMod val="175000"/>
+                      <a:alpha val="40000"/>
+                    </a:schemeClr>
+                  </a:glow>
+                </a:effectLst>
+                <a:latin typeface="Microsoft JhengHei" panose="020B0604030504040204" pitchFamily="34" charset="-120"/>
+                <a:ea typeface="Microsoft JhengHei" panose="020B0604030504040204" pitchFamily="34" charset="-120"/>
+              </a:rPr>
+              <a:t>);</a:t>
+            </a:r>
+          </a:p>
+          <a:p>
+            <a:r>
+              <a:rPr lang="en-US" altLang="zh-TW" sz="1400" b="1" cap="none" spc="0" dirty="0">
+                <a:ln w="10160">
+                  <a:solidFill>
+                    <a:schemeClr val="accent5"/>
+                  </a:solidFill>
+                  <a:prstDash val="solid"/>
+                </a:ln>
+                <a:solidFill>
+                  <a:schemeClr val="bg1"/>
+                </a:solidFill>
+                <a:effectLst>
+                  <a:glow rad="139700">
+                    <a:schemeClr val="accent1">
+                      <a:satMod val="175000"/>
+                      <a:alpha val="40000"/>
+                    </a:schemeClr>
+                  </a:glow>
+                </a:effectLst>
+                <a:latin typeface="Microsoft JhengHei" panose="020B0604030504040204" pitchFamily="34" charset="-120"/>
+                <a:ea typeface="Microsoft JhengHei" panose="020B0604030504040204" pitchFamily="34" charset="-120"/>
+              </a:rPr>
+              <a:t>    var </a:t>
+            </a:r>
+            <a:r>
+              <a:rPr lang="en-US" altLang="zh-TW" sz="1400" b="1" cap="none" spc="0" dirty="0" err="1">
+                <a:ln w="10160">
+                  <a:solidFill>
+                    <a:schemeClr val="accent5"/>
+                  </a:solidFill>
+                  <a:prstDash val="solid"/>
+                </a:ln>
+                <a:solidFill>
+                  <a:schemeClr val="bg1"/>
+                </a:solidFill>
+                <a:effectLst>
+                  <a:glow rad="139700">
+                    <a:schemeClr val="accent1">
+                      <a:satMod val="175000"/>
+                      <a:alpha val="40000"/>
+                    </a:schemeClr>
+                  </a:glow>
+                </a:effectLst>
+                <a:latin typeface="Microsoft JhengHei" panose="020B0604030504040204" pitchFamily="34" charset="-120"/>
+                <a:ea typeface="Microsoft JhengHei" panose="020B0604030504040204" pitchFamily="34" charset="-120"/>
+              </a:rPr>
+              <a:t>play_count_data</a:t>
+            </a:r>
+            <a:r>
+              <a:rPr lang="en-US" altLang="zh-TW" sz="1400" b="1" cap="none" spc="0" dirty="0">
+                <a:ln w="10160">
+                  <a:solidFill>
+                    <a:schemeClr val="accent5"/>
+                  </a:solidFill>
+                  <a:prstDash val="solid"/>
+                </a:ln>
+                <a:solidFill>
+                  <a:schemeClr val="bg1"/>
+                </a:solidFill>
+                <a:effectLst>
+                  <a:glow rad="139700">
+                    <a:schemeClr val="accent1">
+                      <a:satMod val="175000"/>
+                      <a:alpha val="40000"/>
+                    </a:schemeClr>
+                  </a:glow>
+                </a:effectLst>
+                <a:latin typeface="Microsoft JhengHei" panose="020B0604030504040204" pitchFamily="34" charset="-120"/>
+                <a:ea typeface="Microsoft JhengHei" panose="020B0604030504040204" pitchFamily="34" charset="-120"/>
+              </a:rPr>
+              <a:t> = </a:t>
+            </a:r>
+            <a:r>
+              <a:rPr lang="en-US" altLang="zh-TW" sz="1400" b="1" cap="none" spc="0" dirty="0" err="1">
+                <a:ln w="10160">
+                  <a:solidFill>
+                    <a:schemeClr val="accent5"/>
+                  </a:solidFill>
+                  <a:prstDash val="solid"/>
+                </a:ln>
+                <a:solidFill>
+                  <a:schemeClr val="bg1"/>
+                </a:solidFill>
+                <a:effectLst>
+                  <a:glow rad="139700">
+                    <a:schemeClr val="accent1">
+                      <a:satMod val="175000"/>
+                      <a:alpha val="40000"/>
+                    </a:schemeClr>
+                  </a:glow>
+                </a:effectLst>
+                <a:latin typeface="Microsoft JhengHei" panose="020B0604030504040204" pitchFamily="34" charset="-120"/>
+                <a:ea typeface="Microsoft JhengHei" panose="020B0604030504040204" pitchFamily="34" charset="-120"/>
+              </a:rPr>
+              <a:t>data.music_list.map</a:t>
+            </a:r>
+            <a:r>
+              <a:rPr lang="en-US" altLang="zh-TW" sz="1400" b="1" cap="none" spc="0" dirty="0">
+                <a:ln w="10160">
+                  <a:solidFill>
+                    <a:schemeClr val="accent5"/>
+                  </a:solidFill>
+                  <a:prstDash val="solid"/>
+                </a:ln>
+                <a:solidFill>
+                  <a:schemeClr val="bg1"/>
+                </a:solidFill>
+                <a:effectLst>
+                  <a:glow rad="139700">
+                    <a:schemeClr val="accent1">
+                      <a:satMod val="175000"/>
+                      <a:alpha val="40000"/>
+                    </a:schemeClr>
+                  </a:glow>
+                </a:effectLst>
+                <a:latin typeface="Microsoft JhengHei" panose="020B0604030504040204" pitchFamily="34" charset="-120"/>
+                <a:ea typeface="Microsoft JhengHei" panose="020B0604030504040204" pitchFamily="34" charset="-120"/>
+              </a:rPr>
+              <a:t>(function(e)%7Breturn </a:t>
+            </a:r>
+            <a:r>
+              <a:rPr lang="en-US" altLang="zh-TW" sz="1400" b="1" cap="none" spc="0" dirty="0" err="1">
+                <a:ln w="10160">
+                  <a:solidFill>
+                    <a:schemeClr val="accent5"/>
+                  </a:solidFill>
+                  <a:prstDash val="solid"/>
+                </a:ln>
+                <a:solidFill>
+                  <a:schemeClr val="bg1"/>
+                </a:solidFill>
+                <a:effectLst>
+                  <a:glow rad="139700">
+                    <a:schemeClr val="accent1">
+                      <a:satMod val="175000"/>
+                      <a:alpha val="40000"/>
+                    </a:schemeClr>
+                  </a:glow>
+                </a:effectLst>
+                <a:latin typeface="Microsoft JhengHei" panose="020B0604030504040204" pitchFamily="34" charset="-120"/>
+                <a:ea typeface="Microsoft JhengHei" panose="020B0604030504040204" pitchFamily="34" charset="-120"/>
+              </a:rPr>
+              <a:t>e.play_count</a:t>
+            </a:r>
+            <a:r>
+              <a:rPr lang="en-US" altLang="zh-TW" sz="1400" b="1" cap="none" spc="0" dirty="0">
+                <a:ln w="10160">
+                  <a:solidFill>
+                    <a:schemeClr val="accent5"/>
+                  </a:solidFill>
+                  <a:prstDash val="solid"/>
+                </a:ln>
+                <a:solidFill>
+                  <a:schemeClr val="bg1"/>
+                </a:solidFill>
+                <a:effectLst>
+                  <a:glow rad="139700">
+                    <a:schemeClr val="accent1">
+                      <a:satMod val="175000"/>
+                      <a:alpha val="40000"/>
+                    </a:schemeClr>
+                  </a:glow>
+                </a:effectLst>
+                <a:latin typeface="Microsoft JhengHei" panose="020B0604030504040204" pitchFamily="34" charset="-120"/>
+                <a:ea typeface="Microsoft JhengHei" panose="020B0604030504040204" pitchFamily="34" charset="-120"/>
+              </a:rPr>
+              <a:t>;%7D);</a:t>
+            </a:r>
+          </a:p>
+          <a:p>
+            <a:r>
+              <a:rPr lang="en-US" altLang="zh-TW" sz="1400" b="1" cap="none" spc="0" dirty="0">
+                <a:ln w="10160">
+                  <a:solidFill>
+                    <a:schemeClr val="accent5"/>
+                  </a:solidFill>
+                  <a:prstDash val="solid"/>
+                </a:ln>
+                <a:solidFill>
+                  <a:schemeClr val="bg1"/>
+                </a:solidFill>
+                <a:effectLst>
+                  <a:glow rad="139700">
+                    <a:schemeClr val="accent1">
+                      <a:satMod val="175000"/>
+                      <a:alpha val="40000"/>
+                    </a:schemeClr>
+                  </a:glow>
+                </a:effectLst>
+                <a:latin typeface="Microsoft JhengHei" panose="020B0604030504040204" pitchFamily="34" charset="-120"/>
+                <a:ea typeface="Microsoft JhengHei" panose="020B0604030504040204" pitchFamily="34" charset="-120"/>
+              </a:rPr>
+              <a:t>    var sum =  </a:t>
+            </a:r>
+            <a:r>
+              <a:rPr lang="en-US" altLang="zh-TW" sz="1400" b="1" cap="none" spc="0" dirty="0" err="1">
+                <a:ln w="10160">
+                  <a:solidFill>
+                    <a:schemeClr val="accent5"/>
+                  </a:solidFill>
+                  <a:prstDash val="solid"/>
+                </a:ln>
+                <a:solidFill>
+                  <a:schemeClr val="bg1"/>
+                </a:solidFill>
+                <a:effectLst>
+                  <a:glow rad="139700">
+                    <a:schemeClr val="accent1">
+                      <a:satMod val="175000"/>
+                      <a:alpha val="40000"/>
+                    </a:schemeClr>
+                  </a:glow>
+                </a:effectLst>
+                <a:latin typeface="Microsoft JhengHei" panose="020B0604030504040204" pitchFamily="34" charset="-120"/>
+                <a:ea typeface="Microsoft JhengHei" panose="020B0604030504040204" pitchFamily="34" charset="-120"/>
+              </a:rPr>
+              <a:t>play_count_data.reduce</a:t>
+            </a:r>
+            <a:r>
+              <a:rPr lang="en-US" altLang="zh-TW" sz="1400" b="1" cap="none" spc="0" dirty="0">
+                <a:ln w="10160">
+                  <a:solidFill>
+                    <a:schemeClr val="accent5"/>
+                  </a:solidFill>
+                  <a:prstDash val="solid"/>
+                </a:ln>
+                <a:solidFill>
+                  <a:schemeClr val="bg1"/>
+                </a:solidFill>
+                <a:effectLst>
+                  <a:glow rad="139700">
+                    <a:schemeClr val="accent1">
+                      <a:satMod val="175000"/>
+                      <a:alpha val="40000"/>
+                    </a:schemeClr>
+                  </a:glow>
+                </a:effectLst>
+                <a:latin typeface="Microsoft JhengHei" panose="020B0604030504040204" pitchFamily="34" charset="-120"/>
+                <a:ea typeface="Microsoft JhengHei" panose="020B0604030504040204" pitchFamily="34" charset="-120"/>
+              </a:rPr>
+              <a:t>(function(</a:t>
+            </a:r>
+            <a:r>
+              <a:rPr lang="en-US" altLang="zh-TW" sz="1400" b="1" cap="none" spc="0" dirty="0" err="1">
+                <a:ln w="10160">
+                  <a:solidFill>
+                    <a:schemeClr val="accent5"/>
+                  </a:solidFill>
+                  <a:prstDash val="solid"/>
+                </a:ln>
+                <a:solidFill>
+                  <a:schemeClr val="bg1"/>
+                </a:solidFill>
+                <a:effectLst>
+                  <a:glow rad="139700">
+                    <a:schemeClr val="accent1">
+                      <a:satMod val="175000"/>
+                      <a:alpha val="40000"/>
+                    </a:schemeClr>
+                  </a:glow>
+                </a:effectLst>
+                <a:latin typeface="Microsoft JhengHei" panose="020B0604030504040204" pitchFamily="34" charset="-120"/>
+                <a:ea typeface="Microsoft JhengHei" panose="020B0604030504040204" pitchFamily="34" charset="-120"/>
+              </a:rPr>
+              <a:t>a,b</a:t>
+            </a:r>
+            <a:r>
+              <a:rPr lang="en-US" altLang="zh-TW" sz="1400" b="1" cap="none" spc="0" dirty="0">
+                <a:ln w="10160">
+                  <a:solidFill>
+                    <a:schemeClr val="accent5"/>
+                  </a:solidFill>
+                  <a:prstDash val="solid"/>
+                </a:ln>
+                <a:solidFill>
+                  <a:schemeClr val="bg1"/>
+                </a:solidFill>
+                <a:effectLst>
+                  <a:glow rad="139700">
+                    <a:schemeClr val="accent1">
+                      <a:satMod val="175000"/>
+                      <a:alpha val="40000"/>
+                    </a:schemeClr>
+                  </a:glow>
+                </a:effectLst>
+                <a:latin typeface="Microsoft JhengHei" panose="020B0604030504040204" pitchFamily="34" charset="-120"/>
+                <a:ea typeface="Microsoft JhengHei" panose="020B0604030504040204" pitchFamily="34" charset="-120"/>
+              </a:rPr>
+              <a:t>)%7Breturn a + b;%7D);</a:t>
+            </a:r>
+          </a:p>
+          <a:p>
+            <a:r>
+              <a:rPr lang="en-US" altLang="zh-TW" sz="1400" b="1" cap="none" spc="0" dirty="0">
+                <a:ln w="10160">
+                  <a:solidFill>
+                    <a:schemeClr val="accent5"/>
+                  </a:solidFill>
+                  <a:prstDash val="solid"/>
+                </a:ln>
+                <a:solidFill>
+                  <a:schemeClr val="bg1"/>
+                </a:solidFill>
+                <a:effectLst>
+                  <a:glow rad="139700">
+                    <a:schemeClr val="accent1">
+                      <a:satMod val="175000"/>
+                      <a:alpha val="40000"/>
+                    </a:schemeClr>
+                  </a:glow>
+                </a:effectLst>
+                <a:latin typeface="Microsoft JhengHei" panose="020B0604030504040204" pitchFamily="34" charset="-120"/>
+                <a:ea typeface="Microsoft JhengHei" panose="020B0604030504040204" pitchFamily="34" charset="-120"/>
+              </a:rPr>
+              <a:t>    alert("%E6%A5%BD%E6%9B%B2%E3%83%97%E3%83%AC%E3%82%A4%E7%B7%8F%E6%95%B0:</a:t>
+            </a:r>
+          </a:p>
+          <a:p>
+            <a:r>
+              <a:rPr lang="en-US" altLang="zh-TW" sz="1400" b="1" cap="none" spc="0" dirty="0">
+                <a:ln w="10160">
+                  <a:solidFill>
+                    <a:schemeClr val="accent5"/>
+                  </a:solidFill>
+                  <a:prstDash val="solid"/>
+                </a:ln>
+                <a:solidFill>
+                  <a:schemeClr val="bg1"/>
+                </a:solidFill>
+                <a:effectLst>
+                  <a:glow rad="139700">
+                    <a:schemeClr val="accent1">
+                      <a:satMod val="175000"/>
+                      <a:alpha val="40000"/>
+                    </a:schemeClr>
+                  </a:glow>
+                </a:effectLst>
+                <a:latin typeface="Microsoft JhengHei" panose="020B0604030504040204" pitchFamily="34" charset="-120"/>
+                <a:ea typeface="Microsoft JhengHei" panose="020B0604030504040204" pitchFamily="34" charset="-120"/>
+              </a:rPr>
+              <a:t>         " + sum + "%5Cn" + </a:t>
+            </a:r>
+            <a:r>
+              <a:rPr lang="en-US" altLang="zh-TW" sz="1400" b="1" cap="none" spc="0" dirty="0" err="1">
+                <a:ln w="10160">
+                  <a:solidFill>
+                    <a:schemeClr val="accent5"/>
+                  </a:solidFill>
+                  <a:prstDash val="solid"/>
+                </a:ln>
+                <a:solidFill>
+                  <a:schemeClr val="bg1"/>
+                </a:solidFill>
+                <a:effectLst>
+                  <a:glow rad="139700">
+                    <a:schemeClr val="accent1">
+                      <a:satMod val="175000"/>
+                      <a:alpha val="40000"/>
+                    </a:schemeClr>
+                  </a:glow>
+                </a:effectLst>
+                <a:latin typeface="Microsoft JhengHei" panose="020B0604030504040204" pitchFamily="34" charset="-120"/>
+                <a:ea typeface="Microsoft JhengHei" panose="020B0604030504040204" pitchFamily="34" charset="-120"/>
+              </a:rPr>
+              <a:t>Math.ceil</a:t>
+            </a:r>
+            <a:r>
+              <a:rPr lang="en-US" altLang="zh-TW" sz="1400" b="1" cap="none" spc="0" dirty="0">
+                <a:ln w="10160">
+                  <a:solidFill>
+                    <a:schemeClr val="accent5"/>
+                  </a:solidFill>
+                  <a:prstDash val="solid"/>
+                </a:ln>
+                <a:solidFill>
+                  <a:schemeClr val="bg1"/>
+                </a:solidFill>
+                <a:effectLst>
+                  <a:glow rad="139700">
+                    <a:schemeClr val="accent1">
+                      <a:satMod val="175000"/>
+                      <a:alpha val="40000"/>
+                    </a:schemeClr>
+                  </a:glow>
+                </a:effectLst>
+                <a:latin typeface="Microsoft JhengHei" panose="020B0604030504040204" pitchFamily="34" charset="-120"/>
+                <a:ea typeface="Microsoft JhengHei" panose="020B0604030504040204" pitchFamily="34" charset="-120"/>
+              </a:rPr>
+              <a:t>(sum/3) + "</a:t>
+            </a:r>
+          </a:p>
+          <a:p>
+            <a:r>
+              <a:rPr lang="en-US" altLang="zh-TW" sz="1400" b="1" cap="none" spc="0" dirty="0">
+                <a:ln w="10160">
+                  <a:solidFill>
+                    <a:schemeClr val="accent5"/>
+                  </a:solidFill>
+                  <a:prstDash val="solid"/>
+                </a:ln>
+                <a:solidFill>
+                  <a:schemeClr val="bg1"/>
+                </a:solidFill>
+                <a:effectLst>
+                  <a:glow rad="139700">
+                    <a:schemeClr val="accent1">
+                      <a:satMod val="175000"/>
+                      <a:alpha val="40000"/>
+                    </a:schemeClr>
+                  </a:glow>
+                </a:effectLst>
+                <a:latin typeface="Microsoft JhengHei" panose="020B0604030504040204" pitchFamily="34" charset="-120"/>
+                <a:ea typeface="Microsoft JhengHei" panose="020B0604030504040204" pitchFamily="34" charset="-120"/>
+              </a:rPr>
+              <a:t>        %E3%82%AF%E3%83%AC%E3%81%8F%E3%82%89%E3%81%84%E3%81%97%E3%81%A6%E3%81%84%E3%81%BE%E3%81%99");</a:t>
+            </a:r>
+          </a:p>
+          <a:p>
+            <a:r>
+              <a:rPr lang="en-US" altLang="zh-TW" sz="1400" b="1" cap="none" spc="0" dirty="0">
+                <a:ln w="10160">
+                  <a:solidFill>
+                    <a:schemeClr val="accent5"/>
+                  </a:solidFill>
+                  <a:prstDash val="solid"/>
+                </a:ln>
+                <a:solidFill>
+                  <a:schemeClr val="bg1"/>
+                </a:solidFill>
+                <a:effectLst>
+                  <a:glow rad="139700">
+                    <a:schemeClr val="accent1">
+                      <a:satMod val="175000"/>
+                      <a:alpha val="40000"/>
+                    </a:schemeClr>
+                  </a:glow>
+                </a:effectLst>
+                <a:latin typeface="Microsoft JhengHei" panose="020B0604030504040204" pitchFamily="34" charset="-120"/>
+                <a:ea typeface="Microsoft JhengHei" panose="020B0604030504040204" pitchFamily="34" charset="-120"/>
+              </a:rPr>
+              <a:t>    %7D)();</a:t>
+            </a:r>
+            <a:endParaRPr lang="zh-TW" altLang="en-US" sz="1400" b="1" cap="none" spc="0" dirty="0">
               <a:ln w="10160">
                 <a:solidFill>
                   <a:schemeClr val="accent5"/>
@@ -7895,353 +7889,6 @@
           </a:p>
         </p:txBody>
       </p:sp>
-      <p:sp>
-        <p:nvSpPr>
-          <p:cNvPr id="2" name="文字方塊 1">
-            <a:extLst>
-              <a:ext uri="{FF2B5EF4-FFF2-40B4-BE49-F238E27FC236}">
-                <a16:creationId xmlns:a16="http://schemas.microsoft.com/office/drawing/2014/main" id="{9AB86E52-72C8-475E-905C-BA3A3F576B95}"/>
-              </a:ext>
-            </a:extLst>
-          </p:cNvPr>
-          <p:cNvSpPr txBox="1"/>
-          <p:nvPr/>
-        </p:nvSpPr>
-        <p:spPr>
-          <a:xfrm>
-            <a:off x="1851890" y="1891910"/>
-            <a:ext cx="8728363" cy="3637278"/>
-          </a:xfrm>
-          <a:prstGeom prst="rect">
-            <a:avLst/>
-          </a:prstGeom>
-          <a:noFill/>
-        </p:spPr>
-        <p:txBody>
-          <a:bodyPr wrap="square" rtlCol="0">
-            <a:spAutoFit/>
-          </a:bodyPr>
-          <a:lstStyle/>
-          <a:p>
-            <a:pPr>
-              <a:lnSpc>
-                <a:spcPts val="4000"/>
-              </a:lnSpc>
-            </a:pPr>
-            <a:r>
-              <a:rPr lang="zh-TW" altLang="zh-TW" sz="2800" b="1" dirty="0">
-                <a:solidFill>
-                  <a:schemeClr val="bg1"/>
-                </a:solidFill>
-                <a:effectLst>
-                  <a:glow rad="139700">
-                    <a:schemeClr val="accent1">
-                      <a:satMod val="175000"/>
-                      <a:alpha val="40000"/>
-                    </a:schemeClr>
-                  </a:glow>
-                </a:effectLst>
-                <a:latin typeface="Microsoft JhengHei" panose="020B0604030504040204" pitchFamily="34" charset="-120"/>
-                <a:ea typeface="Microsoft JhengHei" panose="020B0604030504040204" pitchFamily="34" charset="-120"/>
-              </a:rPr>
-              <a:t>本次作業為了方便遊戲玩家更容易搜尋</a:t>
-            </a:r>
-            <a:r>
-              <a:rPr lang="zh-TW" altLang="en-US" sz="2800" b="1" dirty="0">
-                <a:solidFill>
-                  <a:schemeClr val="bg1"/>
-                </a:solidFill>
-                <a:effectLst>
-                  <a:glow rad="139700">
-                    <a:schemeClr val="accent1">
-                      <a:satMod val="175000"/>
-                      <a:alpha val="40000"/>
-                    </a:schemeClr>
-                  </a:glow>
-                </a:effectLst>
-                <a:latin typeface="Microsoft JhengHei" panose="020B0604030504040204" pitchFamily="34" charset="-120"/>
-                <a:ea typeface="Microsoft JhengHei" panose="020B0604030504040204" pitchFamily="34" charset="-120"/>
-              </a:rPr>
-              <a:t>遊玩</a:t>
-            </a:r>
-            <a:r>
-              <a:rPr lang="zh-TW" altLang="zh-TW" sz="2800" b="1" dirty="0">
-                <a:solidFill>
-                  <a:schemeClr val="bg1"/>
-                </a:solidFill>
-                <a:effectLst>
-                  <a:glow rad="139700">
-                    <a:schemeClr val="accent1">
-                      <a:satMod val="175000"/>
-                      <a:alpha val="40000"/>
-                    </a:schemeClr>
-                  </a:glow>
-                </a:effectLst>
-                <a:latin typeface="Microsoft JhengHei" panose="020B0604030504040204" pitchFamily="34" charset="-120"/>
-                <a:ea typeface="Microsoft JhengHei" panose="020B0604030504040204" pitchFamily="34" charset="-120"/>
-              </a:rPr>
-              <a:t>紀錄而做</a:t>
-            </a:r>
-            <a:r>
-              <a:rPr lang="zh-TW" altLang="en-US" sz="2800" b="1" dirty="0">
-                <a:solidFill>
-                  <a:schemeClr val="bg1"/>
-                </a:solidFill>
-                <a:effectLst>
-                  <a:glow rad="139700">
-                    <a:schemeClr val="accent1">
-                      <a:satMod val="175000"/>
-                      <a:alpha val="40000"/>
-                    </a:schemeClr>
-                  </a:glow>
-                </a:effectLst>
-                <a:latin typeface="Microsoft JhengHei" panose="020B0604030504040204" pitchFamily="34" charset="-120"/>
-                <a:ea typeface="Microsoft JhengHei" panose="020B0604030504040204" pitchFamily="34" charset="-120"/>
-              </a:rPr>
-              <a:t>。</a:t>
-            </a:r>
-            <a:br>
-              <a:rPr lang="en-US" altLang="zh-TW" sz="2800" b="1" dirty="0">
-                <a:solidFill>
-                  <a:schemeClr val="bg1"/>
-                </a:solidFill>
-                <a:effectLst>
-                  <a:glow rad="139700">
-                    <a:schemeClr val="accent1">
-                      <a:satMod val="175000"/>
-                      <a:alpha val="40000"/>
-                    </a:schemeClr>
-                  </a:glow>
-                </a:effectLst>
-                <a:latin typeface="Microsoft JhengHei" panose="020B0604030504040204" pitchFamily="34" charset="-120"/>
-                <a:ea typeface="Microsoft JhengHei" panose="020B0604030504040204" pitchFamily="34" charset="-120"/>
-              </a:rPr>
-            </a:br>
-            <a:r>
-              <a:rPr lang="zh-TW" altLang="zh-TW" sz="2800" b="1" dirty="0">
-                <a:solidFill>
-                  <a:schemeClr val="bg1"/>
-                </a:solidFill>
-                <a:effectLst>
-                  <a:glow rad="139700">
-                    <a:schemeClr val="accent1">
-                      <a:satMod val="175000"/>
-                      <a:alpha val="40000"/>
-                    </a:schemeClr>
-                  </a:glow>
-                </a:effectLst>
-                <a:latin typeface="Microsoft JhengHei" panose="020B0604030504040204" pitchFamily="34" charset="-120"/>
-                <a:ea typeface="Microsoft JhengHei" panose="020B0604030504040204" pitchFamily="34" charset="-120"/>
-              </a:rPr>
-              <a:t>由於遊戲後台的紀錄功能太少，所以我們利用爬蟲程式抓取</a:t>
-            </a:r>
-            <a:r>
-              <a:rPr lang="zh-TW" altLang="en-US" sz="2800" b="1" dirty="0">
-                <a:solidFill>
-                  <a:schemeClr val="bg1"/>
-                </a:solidFill>
-                <a:effectLst>
-                  <a:glow rad="139700">
-                    <a:schemeClr val="accent1">
-                      <a:satMod val="175000"/>
-                      <a:alpha val="40000"/>
-                    </a:schemeClr>
-                  </a:glow>
-                </a:effectLst>
-                <a:latin typeface="Microsoft JhengHei" panose="020B0604030504040204" pitchFamily="34" charset="-120"/>
-                <a:ea typeface="Microsoft JhengHei" panose="020B0604030504040204" pitchFamily="34" charset="-120"/>
-              </a:rPr>
-              <a:t>遊戲</a:t>
-            </a:r>
-            <a:r>
-              <a:rPr lang="zh-TW" altLang="zh-TW" sz="2800" b="1" dirty="0">
-                <a:solidFill>
-                  <a:schemeClr val="bg1"/>
-                </a:solidFill>
-                <a:effectLst>
-                  <a:glow rad="139700">
-                    <a:schemeClr val="accent1">
-                      <a:satMod val="175000"/>
-                      <a:alpha val="40000"/>
-                    </a:schemeClr>
-                  </a:glow>
-                </a:effectLst>
-                <a:latin typeface="Microsoft JhengHei" panose="020B0604030504040204" pitchFamily="34" charset="-120"/>
-                <a:ea typeface="Microsoft JhengHei" panose="020B0604030504040204" pitchFamily="34" charset="-120"/>
-              </a:rPr>
-              <a:t>紀錄，方便玩家查詢</a:t>
-            </a:r>
-            <a:r>
-              <a:rPr lang="zh-TW" altLang="en-US" sz="2800" b="1" dirty="0">
-                <a:solidFill>
-                  <a:schemeClr val="bg1"/>
-                </a:solidFill>
-                <a:effectLst>
-                  <a:glow rad="139700">
-                    <a:schemeClr val="accent1">
-                      <a:satMod val="175000"/>
-                      <a:alpha val="40000"/>
-                    </a:schemeClr>
-                  </a:glow>
-                </a:effectLst>
-                <a:latin typeface="Microsoft JhengHei" panose="020B0604030504040204" pitchFamily="34" charset="-120"/>
-                <a:ea typeface="Microsoft JhengHei" panose="020B0604030504040204" pitchFamily="34" charset="-120"/>
-              </a:rPr>
-              <a:t>遊玩資料  </a:t>
-            </a:r>
-            <a:endParaRPr lang="en-US" altLang="zh-TW" sz="2800" b="1" dirty="0">
-              <a:solidFill>
-                <a:schemeClr val="bg1"/>
-              </a:solidFill>
-              <a:effectLst>
-                <a:glow rad="139700">
-                  <a:schemeClr val="accent1">
-                    <a:satMod val="175000"/>
-                    <a:alpha val="40000"/>
-                  </a:schemeClr>
-                </a:glow>
-              </a:effectLst>
-              <a:latin typeface="Microsoft JhengHei" panose="020B0604030504040204" pitchFamily="34" charset="-120"/>
-              <a:ea typeface="Microsoft JhengHei" panose="020B0604030504040204" pitchFamily="34" charset="-120"/>
-            </a:endParaRPr>
-          </a:p>
-          <a:p>
-            <a:pPr>
-              <a:lnSpc>
-                <a:spcPts val="4000"/>
-              </a:lnSpc>
-            </a:pPr>
-            <a:endParaRPr lang="en-US" altLang="zh-TW" sz="2800" b="1" dirty="0">
-              <a:solidFill>
-                <a:schemeClr val="bg1"/>
-              </a:solidFill>
-              <a:effectLst>
-                <a:glow rad="139700">
-                  <a:schemeClr val="accent1">
-                    <a:satMod val="175000"/>
-                    <a:alpha val="40000"/>
-                  </a:schemeClr>
-                </a:glow>
-              </a:effectLst>
-              <a:latin typeface="Microsoft JhengHei" panose="020B0604030504040204" pitchFamily="34" charset="-120"/>
-              <a:ea typeface="Microsoft JhengHei" panose="020B0604030504040204" pitchFamily="34" charset="-120"/>
-            </a:endParaRPr>
-          </a:p>
-          <a:p>
-            <a:pPr>
-              <a:lnSpc>
-                <a:spcPts val="4000"/>
-              </a:lnSpc>
-            </a:pPr>
-            <a:r>
-              <a:rPr lang="zh-TW" altLang="zh-TW" sz="2800" b="1" dirty="0">
-                <a:solidFill>
-                  <a:schemeClr val="bg1"/>
-                </a:solidFill>
-                <a:effectLst>
-                  <a:glow rad="139700">
-                    <a:schemeClr val="accent1">
-                      <a:satMod val="175000"/>
-                      <a:alpha val="40000"/>
-                    </a:schemeClr>
-                  </a:glow>
-                </a:effectLst>
-                <a:latin typeface="Microsoft JhengHei" panose="020B0604030504040204" pitchFamily="34" charset="-120"/>
-                <a:ea typeface="Microsoft JhengHei" panose="020B0604030504040204" pitchFamily="34" charset="-120"/>
-              </a:rPr>
-              <a:t>這個程式能夠幫助到玩家</a:t>
-            </a:r>
-            <a:r>
-              <a:rPr lang="zh-TW" altLang="en-US" sz="2800" b="1" dirty="0">
-                <a:solidFill>
-                  <a:schemeClr val="bg1"/>
-                </a:solidFill>
-                <a:effectLst>
-                  <a:glow rad="139700">
-                    <a:schemeClr val="accent1">
-                      <a:satMod val="175000"/>
-                      <a:alpha val="40000"/>
-                    </a:schemeClr>
-                  </a:glow>
-                </a:effectLst>
-                <a:latin typeface="Microsoft JhengHei" panose="020B0604030504040204" pitchFamily="34" charset="-120"/>
-                <a:ea typeface="Microsoft JhengHei" panose="020B0604030504040204" pitchFamily="34" charset="-120"/>
-              </a:rPr>
-              <a:t>們</a:t>
-            </a:r>
-            <a:r>
-              <a:rPr lang="zh-TW" altLang="zh-TW" sz="2800" b="1" dirty="0">
-                <a:solidFill>
-                  <a:schemeClr val="bg1"/>
-                </a:solidFill>
-                <a:effectLst>
-                  <a:glow rad="139700">
-                    <a:schemeClr val="accent1">
-                      <a:satMod val="175000"/>
-                      <a:alpha val="40000"/>
-                    </a:schemeClr>
-                  </a:glow>
-                </a:effectLst>
-                <a:latin typeface="Microsoft JhengHei" panose="020B0604030504040204" pitchFamily="34" charset="-120"/>
-                <a:ea typeface="Microsoft JhengHei" panose="020B0604030504040204" pitchFamily="34" charset="-120"/>
-              </a:rPr>
-              <a:t>找出自己遊玩的紀錄</a:t>
-            </a:r>
-            <a:r>
-              <a:rPr lang="zh-TW" altLang="en-US" sz="2800" b="1" dirty="0">
-                <a:solidFill>
-                  <a:schemeClr val="bg1"/>
-                </a:solidFill>
-                <a:effectLst>
-                  <a:glow rad="139700">
-                    <a:schemeClr val="accent1">
-                      <a:satMod val="175000"/>
-                      <a:alpha val="40000"/>
-                    </a:schemeClr>
-                  </a:glow>
-                </a:effectLst>
-                <a:latin typeface="Microsoft JhengHei" panose="020B0604030504040204" pitchFamily="34" charset="-120"/>
-                <a:ea typeface="Microsoft JhengHei" panose="020B0604030504040204" pitchFamily="34" charset="-120"/>
-              </a:rPr>
-              <a:t>，讓大家不用在大量的資料中，找不到自己想找的遊戲紀錄</a:t>
-            </a:r>
-            <a:endParaRPr lang="zh-TW" altLang="zh-TW" sz="2800" b="1" dirty="0">
-              <a:solidFill>
-                <a:schemeClr val="bg1"/>
-              </a:solidFill>
-              <a:effectLst>
-                <a:glow rad="139700">
-                  <a:schemeClr val="accent1">
-                    <a:satMod val="175000"/>
-                    <a:alpha val="40000"/>
-                  </a:schemeClr>
-                </a:glow>
-              </a:effectLst>
-              <a:latin typeface="Microsoft JhengHei" panose="020B0604030504040204" pitchFamily="34" charset="-120"/>
-              <a:ea typeface="Microsoft JhengHei" panose="020B0604030504040204" pitchFamily="34" charset="-120"/>
-            </a:endParaRPr>
-          </a:p>
-          <a:p>
-            <a:pPr>
-              <a:lnSpc>
-                <a:spcPts val="4000"/>
-              </a:lnSpc>
-            </a:pPr>
-            <a:endParaRPr lang="zh-TW" altLang="en-US" sz="2800" b="1" dirty="0">
-              <a:effectLst>
-                <a:glow rad="139700">
-                  <a:schemeClr val="accent1">
-                    <a:satMod val="175000"/>
-                    <a:alpha val="40000"/>
-                  </a:schemeClr>
-                </a:glow>
-              </a:effectLst>
-              <a:latin typeface="Microsoft JhengHei" panose="020B0604030504040204" pitchFamily="34" charset="-120"/>
-              <a:ea typeface="Microsoft JhengHei" panose="020B0604030504040204" pitchFamily="34" charset="-120"/>
-            </a:endParaRPr>
-          </a:p>
-        </p:txBody>
-      </p:sp>
       <p:pic>
         <p:nvPicPr>
           <p:cNvPr id="4" name="圖片 3">
@@ -8278,10 +7925,217 @@
           </a:prstGeom>
         </p:spPr>
       </p:pic>
+      <p:sp>
+        <p:nvSpPr>
+          <p:cNvPr id="15" name="文字方塊 14">
+            <a:extLst>
+              <a:ext uri="{FF2B5EF4-FFF2-40B4-BE49-F238E27FC236}">
+                <a16:creationId xmlns:a16="http://schemas.microsoft.com/office/drawing/2014/main" id="{3286368C-84E1-496E-BA4A-876BF73A67EC}"/>
+              </a:ext>
+            </a:extLst>
+          </p:cNvPr>
+          <p:cNvSpPr txBox="1"/>
+          <p:nvPr/>
+        </p:nvSpPr>
+        <p:spPr>
+          <a:xfrm>
+            <a:off x="1217965" y="482757"/>
+            <a:ext cx="2469803" cy="769441"/>
+          </a:xfrm>
+          <a:prstGeom prst="rect">
+            <a:avLst/>
+          </a:prstGeom>
+          <a:noFill/>
+        </p:spPr>
+        <p:txBody>
+          <a:bodyPr wrap="square">
+            <a:spAutoFit/>
+          </a:bodyPr>
+          <a:lstStyle/>
+          <a:p>
+            <a:pPr algn="ctr"/>
+            <a:r>
+              <a:rPr lang="zh-TW" altLang="en-US" sz="4400" b="1" cap="none" spc="0" dirty="0">
+                <a:ln w="10160">
+                  <a:solidFill>
+                    <a:schemeClr val="accent5"/>
+                  </a:solidFill>
+                  <a:prstDash val="solid"/>
+                </a:ln>
+                <a:solidFill>
+                  <a:schemeClr val="bg1"/>
+                </a:solidFill>
+                <a:effectLst>
+                  <a:glow rad="139700">
+                    <a:schemeClr val="accent1">
+                      <a:satMod val="175000"/>
+                      <a:alpha val="40000"/>
+                    </a:schemeClr>
+                  </a:glow>
+                </a:effectLst>
+                <a:latin typeface="Microsoft JhengHei" panose="020B0604030504040204" pitchFamily="34" charset="-120"/>
+                <a:ea typeface="Microsoft JhengHei" panose="020B0604030504040204" pitchFamily="34" charset="-120"/>
+              </a:rPr>
+              <a:t>想法啟發</a:t>
+            </a:r>
+          </a:p>
+        </p:txBody>
+      </p:sp>
+      <p:sp>
+        <p:nvSpPr>
+          <p:cNvPr id="6" name="文字方塊 5">
+            <a:extLst>
+              <a:ext uri="{FF2B5EF4-FFF2-40B4-BE49-F238E27FC236}">
+                <a16:creationId xmlns:a16="http://schemas.microsoft.com/office/drawing/2014/main" id="{76A0BFAE-3843-4A55-B423-9E45A4518EFB}"/>
+              </a:ext>
+            </a:extLst>
+          </p:cNvPr>
+          <p:cNvSpPr txBox="1"/>
+          <p:nvPr/>
+        </p:nvSpPr>
+        <p:spPr>
+          <a:xfrm>
+            <a:off x="181340" y="1547882"/>
+            <a:ext cx="11829320" cy="1585434"/>
+          </a:xfrm>
+          <a:prstGeom prst="rect">
+            <a:avLst/>
+          </a:prstGeom>
+          <a:noFill/>
+        </p:spPr>
+        <p:txBody>
+          <a:bodyPr wrap="square">
+            <a:spAutoFit/>
+          </a:bodyPr>
+          <a:lstStyle/>
+          <a:p>
+            <a:pPr>
+              <a:lnSpc>
+                <a:spcPts val="4000"/>
+              </a:lnSpc>
+            </a:pPr>
+            <a:r>
+              <a:rPr lang="zh-TW" altLang="en-US" sz="2800" b="1" dirty="0">
+                <a:solidFill>
+                  <a:schemeClr val="bg1"/>
+                </a:solidFill>
+                <a:effectLst>
+                  <a:glow rad="139700">
+                    <a:schemeClr val="accent1">
+                      <a:satMod val="175000"/>
+                      <a:alpha val="40000"/>
+                    </a:schemeClr>
+                  </a:glow>
+                </a:effectLst>
+                <a:latin typeface="Microsoft JhengHei" panose="020B0604030504040204" pitchFamily="34" charset="-120"/>
+                <a:ea typeface="Microsoft JhengHei" panose="020B0604030504040204" pitchFamily="34" charset="-120"/>
+              </a:rPr>
+              <a:t>此想法受到日本玩家所寫的</a:t>
+            </a:r>
+            <a:r>
+              <a:rPr lang="en-US" altLang="zh-TW" sz="2800" b="1" dirty="0">
+                <a:solidFill>
+                  <a:schemeClr val="bg1"/>
+                </a:solidFill>
+                <a:effectLst>
+                  <a:glow rad="139700">
+                    <a:schemeClr val="accent1">
+                      <a:satMod val="175000"/>
+                      <a:alpha val="40000"/>
+                    </a:schemeClr>
+                  </a:glow>
+                </a:effectLst>
+                <a:latin typeface="Microsoft JhengHei" panose="020B0604030504040204" pitchFamily="34" charset="-120"/>
+                <a:ea typeface="Microsoft JhengHei" panose="020B0604030504040204" pitchFamily="34" charset="-120"/>
+              </a:rPr>
+              <a:t>JavaScript</a:t>
+            </a:r>
+            <a:r>
+              <a:rPr lang="zh-TW" altLang="en-US" sz="2800" b="1" dirty="0">
+                <a:solidFill>
+                  <a:schemeClr val="bg1"/>
+                </a:solidFill>
+                <a:effectLst>
+                  <a:glow rad="139700">
+                    <a:schemeClr val="accent1">
+                      <a:satMod val="175000"/>
+                      <a:alpha val="40000"/>
+                    </a:schemeClr>
+                  </a:glow>
+                </a:effectLst>
+                <a:latin typeface="Microsoft JhengHei" panose="020B0604030504040204" pitchFamily="34" charset="-120"/>
+                <a:ea typeface="Microsoft JhengHei" panose="020B0604030504040204" pitchFamily="34" charset="-120"/>
+              </a:rPr>
+              <a:t>程式碼啟發，在已登入後台網站的情況下執行，就會得到總遊玩次數跟總道數。</a:t>
+            </a:r>
+          </a:p>
+          <a:p>
+            <a:pPr>
+              <a:lnSpc>
+                <a:spcPts val="4000"/>
+              </a:lnSpc>
+            </a:pPr>
+            <a:r>
+              <a:rPr lang="zh-TW" altLang="en-US" sz="2800" b="1" dirty="0">
+                <a:solidFill>
+                  <a:schemeClr val="bg1"/>
+                </a:solidFill>
+                <a:effectLst>
+                  <a:glow rad="139700">
+                    <a:schemeClr val="accent1">
+                      <a:satMod val="175000"/>
+                      <a:alpha val="40000"/>
+                    </a:schemeClr>
+                  </a:glow>
+                </a:effectLst>
+                <a:latin typeface="Microsoft JhengHei" panose="020B0604030504040204" pitchFamily="34" charset="-120"/>
+                <a:ea typeface="Microsoft JhengHei" panose="020B0604030504040204" pitchFamily="34" charset="-120"/>
+              </a:rPr>
+              <a:t>註</a:t>
+            </a:r>
+            <a:r>
+              <a:rPr lang="en-US" altLang="zh-TW" sz="2800" b="1" dirty="0">
+                <a:solidFill>
+                  <a:schemeClr val="bg1"/>
+                </a:solidFill>
+                <a:effectLst>
+                  <a:glow rad="139700">
+                    <a:schemeClr val="accent1">
+                      <a:satMod val="175000"/>
+                      <a:alpha val="40000"/>
+                    </a:schemeClr>
+                  </a:glow>
+                </a:effectLst>
+                <a:latin typeface="Microsoft JhengHei" panose="020B0604030504040204" pitchFamily="34" charset="-120"/>
+                <a:ea typeface="Microsoft JhengHei" panose="020B0604030504040204" pitchFamily="34" charset="-120"/>
+              </a:rPr>
+              <a:t>: </a:t>
+            </a:r>
+            <a:r>
+              <a:rPr lang="zh-TW" altLang="en-US" sz="2800" b="1" dirty="0">
+                <a:solidFill>
+                  <a:schemeClr val="bg1"/>
+                </a:solidFill>
+                <a:effectLst>
+                  <a:glow rad="139700">
+                    <a:schemeClr val="accent1">
+                      <a:satMod val="175000"/>
+                      <a:alpha val="40000"/>
+                    </a:schemeClr>
+                  </a:glow>
+                </a:effectLst>
+                <a:latin typeface="Microsoft JhengHei" panose="020B0604030504040204" pitchFamily="34" charset="-120"/>
+                <a:ea typeface="Microsoft JhengHei" panose="020B0604030504040204" pitchFamily="34" charset="-120"/>
+              </a:rPr>
+              <a:t>玩家間相傳的，來源未知</a:t>
+            </a:r>
+          </a:p>
+        </p:txBody>
+      </p:sp>
     </p:spTree>
     <p:extLst>
       <p:ext uri="{BB962C8B-B14F-4D97-AF65-F5344CB8AC3E}">
-        <p14:creationId xmlns:p14="http://schemas.microsoft.com/office/powerpoint/2010/main" val="1406586151"/>
+        <p14:creationId xmlns:p14="http://schemas.microsoft.com/office/powerpoint/2010/main" val="3328286020"/>
       </p:ext>
     </p:extLst>
   </p:cSld>
@@ -8688,6 +8542,42 @@
                 <a:ea typeface="Microsoft JhengHei" panose="020B0604030504040204" pitchFamily="34" charset="-120"/>
               </a:rPr>
               <a:t>threading</a:t>
+            </a:r>
+            <a:r>
+              <a:rPr lang="zh-TW" altLang="en-US" sz="2800" b="1" dirty="0">
+                <a:solidFill>
+                  <a:schemeClr val="bg1"/>
+                </a:solidFill>
+                <a:effectLst>
+                  <a:glow rad="139700">
+                    <a:schemeClr val="accent1">
+                      <a:satMod val="175000"/>
+                      <a:alpha val="40000"/>
+                    </a:schemeClr>
+                  </a:glow>
+                </a:effectLst>
+                <a:latin typeface="Microsoft JhengHei" panose="020B0604030504040204" pitchFamily="34" charset="-120"/>
+                <a:ea typeface="Microsoft JhengHei" panose="020B0604030504040204" pitchFamily="34" charset="-120"/>
+              </a:rPr>
+              <a:t>、</a:t>
+            </a:r>
+            <a:r>
+              <a:rPr lang="en-US" altLang="zh-TW" sz="2800" b="1" dirty="0">
+                <a:solidFill>
+                  <a:schemeClr val="bg1"/>
+                </a:solidFill>
+                <a:effectLst>
+                  <a:glow rad="139700">
+                    <a:schemeClr val="accent1">
+                      <a:satMod val="175000"/>
+                      <a:alpha val="40000"/>
+                    </a:schemeClr>
+                  </a:glow>
+                </a:effectLst>
+                <a:latin typeface="Microsoft JhengHei" panose="020B0604030504040204" pitchFamily="34" charset="-120"/>
+                <a:ea typeface="Microsoft JhengHei" panose="020B0604030504040204" pitchFamily="34" charset="-120"/>
+              </a:rPr>
+              <a:t>PIL</a:t>
             </a:r>
           </a:p>
         </p:txBody>
@@ -8983,6 +8873,304 @@
                 <a:spcPts val="4000"/>
               </a:lnSpc>
             </a:pPr>
+            <a:r>
+              <a:rPr lang="zh-TW" altLang="en-US" sz="2800" b="1" dirty="0">
+                <a:solidFill>
+                  <a:schemeClr val="bg1"/>
+                </a:solidFill>
+                <a:effectLst>
+                  <a:glow rad="139700">
+                    <a:schemeClr val="accent1">
+                      <a:satMod val="175000"/>
+                      <a:alpha val="40000"/>
+                    </a:schemeClr>
+                  </a:glow>
+                </a:effectLst>
+                <a:latin typeface="Microsoft JhengHei" panose="020B0604030504040204" pitchFamily="34" charset="-120"/>
+                <a:ea typeface="Microsoft JhengHei" panose="020B0604030504040204" pitchFamily="34" charset="-120"/>
+              </a:rPr>
+              <a:t>編輯器</a:t>
+            </a:r>
+            <a:r>
+              <a:rPr lang="en-US" altLang="zh-TW" sz="2800" b="1" dirty="0">
+                <a:solidFill>
+                  <a:schemeClr val="bg1"/>
+                </a:solidFill>
+                <a:effectLst>
+                  <a:glow rad="139700">
+                    <a:schemeClr val="accent1">
+                      <a:satMod val="175000"/>
+                      <a:alpha val="40000"/>
+                    </a:schemeClr>
+                  </a:glow>
+                </a:effectLst>
+                <a:latin typeface="Microsoft JhengHei" panose="020B0604030504040204" pitchFamily="34" charset="-120"/>
+                <a:ea typeface="Microsoft JhengHei" panose="020B0604030504040204" pitchFamily="34" charset="-120"/>
+              </a:rPr>
+              <a:t>:VS</a:t>
+            </a:r>
+            <a:r>
+              <a:rPr lang="zh-TW" altLang="en-US" sz="2800" b="1" dirty="0">
+                <a:solidFill>
+                  <a:schemeClr val="bg1"/>
+                </a:solidFill>
+                <a:effectLst>
+                  <a:glow rad="139700">
+                    <a:schemeClr val="accent1">
+                      <a:satMod val="175000"/>
+                      <a:alpha val="40000"/>
+                    </a:schemeClr>
+                  </a:glow>
+                </a:effectLst>
+                <a:latin typeface="Microsoft JhengHei" panose="020B0604030504040204" pitchFamily="34" charset="-120"/>
+                <a:ea typeface="Microsoft JhengHei" panose="020B0604030504040204" pitchFamily="34" charset="-120"/>
+              </a:rPr>
+              <a:t> </a:t>
+            </a:r>
+            <a:r>
+              <a:rPr lang="en-US" altLang="zh-TW" sz="2800" b="1" dirty="0">
+                <a:solidFill>
+                  <a:schemeClr val="bg1"/>
+                </a:solidFill>
+                <a:effectLst>
+                  <a:glow rad="139700">
+                    <a:schemeClr val="accent1">
+                      <a:satMod val="175000"/>
+                      <a:alpha val="40000"/>
+                    </a:schemeClr>
+                  </a:glow>
+                </a:effectLst>
+                <a:latin typeface="Microsoft JhengHei" panose="020B0604030504040204" pitchFamily="34" charset="-120"/>
+                <a:ea typeface="Microsoft JhengHei" panose="020B0604030504040204" pitchFamily="34" charset="-120"/>
+              </a:rPr>
+              <a:t>Code</a:t>
+            </a:r>
+          </a:p>
+          <a:p>
+            <a:pPr>
+              <a:lnSpc>
+                <a:spcPts val="4000"/>
+              </a:lnSpc>
+            </a:pPr>
+            <a:r>
+              <a:rPr lang="en-US" altLang="zh-TW" sz="2800" b="1" dirty="0">
+                <a:solidFill>
+                  <a:schemeClr val="bg1"/>
+                </a:solidFill>
+                <a:effectLst>
+                  <a:glow rad="139700">
+                    <a:schemeClr val="accent1">
+                      <a:satMod val="175000"/>
+                      <a:alpha val="40000"/>
+                    </a:schemeClr>
+                  </a:glow>
+                </a:effectLst>
+                <a:latin typeface="Microsoft JhengHei" panose="020B0604030504040204" pitchFamily="34" charset="-120"/>
+                <a:ea typeface="Microsoft JhengHei" panose="020B0604030504040204" pitchFamily="34" charset="-120"/>
+              </a:rPr>
+              <a:t>selenium</a:t>
+            </a:r>
+            <a:r>
+              <a:rPr lang="zh-TW" altLang="en-US" sz="2800" b="1" dirty="0">
+                <a:solidFill>
+                  <a:schemeClr val="bg1"/>
+                </a:solidFill>
+                <a:effectLst>
+                  <a:glow rad="139700">
+                    <a:schemeClr val="accent1">
+                      <a:satMod val="175000"/>
+                      <a:alpha val="40000"/>
+                    </a:schemeClr>
+                  </a:glow>
+                </a:effectLst>
+                <a:latin typeface="Microsoft JhengHei" panose="020B0604030504040204" pitchFamily="34" charset="-120"/>
+                <a:ea typeface="Microsoft JhengHei" panose="020B0604030504040204" pitchFamily="34" charset="-120"/>
+              </a:rPr>
+              <a:t> </a:t>
+            </a:r>
+            <a:r>
+              <a:rPr lang="en-US" altLang="zh-TW" sz="2800" b="1" dirty="0" err="1">
+                <a:solidFill>
+                  <a:schemeClr val="bg1"/>
+                </a:solidFill>
+                <a:effectLst>
+                  <a:glow rad="139700">
+                    <a:schemeClr val="accent1">
+                      <a:satMod val="175000"/>
+                      <a:alpha val="40000"/>
+                    </a:schemeClr>
+                  </a:glow>
+                </a:effectLst>
+                <a:latin typeface="Microsoft JhengHei" panose="020B0604030504040204" pitchFamily="34" charset="-120"/>
+                <a:ea typeface="Microsoft JhengHei" panose="020B0604030504040204" pitchFamily="34" charset="-120"/>
+              </a:rPr>
+              <a:t>webdriver</a:t>
+            </a:r>
+            <a:r>
+              <a:rPr lang="zh-TW" altLang="en-US" sz="2800" b="1" dirty="0">
+                <a:solidFill>
+                  <a:schemeClr val="bg1"/>
+                </a:solidFill>
+                <a:effectLst>
+                  <a:glow rad="139700">
+                    <a:schemeClr val="accent1">
+                      <a:satMod val="175000"/>
+                      <a:alpha val="40000"/>
+                    </a:schemeClr>
+                  </a:glow>
+                </a:effectLst>
+                <a:latin typeface="Microsoft JhengHei" panose="020B0604030504040204" pitchFamily="34" charset="-120"/>
+                <a:ea typeface="Microsoft JhengHei" panose="020B0604030504040204" pitchFamily="34" charset="-120"/>
+              </a:rPr>
+              <a:t>使用</a:t>
+            </a:r>
+            <a:r>
+              <a:rPr lang="en-US" altLang="zh-TW" sz="2800" b="1" dirty="0">
+                <a:solidFill>
+                  <a:schemeClr val="bg1"/>
+                </a:solidFill>
+                <a:effectLst>
+                  <a:glow rad="139700">
+                    <a:schemeClr val="accent1">
+                      <a:satMod val="175000"/>
+                      <a:alpha val="40000"/>
+                    </a:schemeClr>
+                  </a:glow>
+                </a:effectLst>
+                <a:latin typeface="Microsoft JhengHei" panose="020B0604030504040204" pitchFamily="34" charset="-120"/>
+                <a:ea typeface="Microsoft JhengHei" panose="020B0604030504040204" pitchFamily="34" charset="-120"/>
+              </a:rPr>
+              <a:t>:google chrome</a:t>
+            </a:r>
+          </a:p>
+          <a:p>
+            <a:pPr>
+              <a:lnSpc>
+                <a:spcPts val="4000"/>
+              </a:lnSpc>
+            </a:pPr>
+            <a:r>
+              <a:rPr lang="en-US" altLang="zh-TW" sz="2800" b="1" dirty="0">
+                <a:solidFill>
+                  <a:schemeClr val="bg1"/>
+                </a:solidFill>
+                <a:effectLst>
+                  <a:glow rad="139700">
+                    <a:schemeClr val="accent1">
+                      <a:satMod val="175000"/>
+                      <a:alpha val="40000"/>
+                    </a:schemeClr>
+                  </a:glow>
+                </a:effectLst>
+                <a:latin typeface="Microsoft JhengHei" panose="020B0604030504040204" pitchFamily="34" charset="-120"/>
+                <a:ea typeface="Microsoft JhengHei" panose="020B0604030504040204" pitchFamily="34" charset="-120"/>
+              </a:rPr>
+              <a:t>UI</a:t>
+            </a:r>
+            <a:r>
+              <a:rPr lang="zh-TW" altLang="en-US" sz="2800" b="1" dirty="0">
+                <a:solidFill>
+                  <a:schemeClr val="bg1"/>
+                </a:solidFill>
+                <a:effectLst>
+                  <a:glow rad="139700">
+                    <a:schemeClr val="accent1">
+                      <a:satMod val="175000"/>
+                      <a:alpha val="40000"/>
+                    </a:schemeClr>
+                  </a:glow>
+                </a:effectLst>
+                <a:latin typeface="Microsoft JhengHei" panose="020B0604030504040204" pitchFamily="34" charset="-120"/>
+                <a:ea typeface="Microsoft JhengHei" panose="020B0604030504040204" pitchFamily="34" charset="-120"/>
+              </a:rPr>
+              <a:t>輔助設計</a:t>
+            </a:r>
+            <a:r>
+              <a:rPr lang="en-US" altLang="zh-TW" sz="2800" b="1" dirty="0">
+                <a:solidFill>
+                  <a:schemeClr val="bg1"/>
+                </a:solidFill>
+                <a:effectLst>
+                  <a:glow rad="139700">
+                    <a:schemeClr val="accent1">
+                      <a:satMod val="175000"/>
+                      <a:alpha val="40000"/>
+                    </a:schemeClr>
+                  </a:glow>
+                </a:effectLst>
+                <a:latin typeface="Microsoft JhengHei" panose="020B0604030504040204" pitchFamily="34" charset="-120"/>
+                <a:ea typeface="Microsoft JhengHei" panose="020B0604030504040204" pitchFamily="34" charset="-120"/>
+              </a:rPr>
+              <a:t>:PAGE</a:t>
+            </a:r>
+          </a:p>
+          <a:p>
+            <a:pPr>
+              <a:lnSpc>
+                <a:spcPts val="4000"/>
+              </a:lnSpc>
+            </a:pPr>
+            <a:r>
+              <a:rPr lang="zh-TW" altLang="en-US" sz="2800" b="1" dirty="0">
+                <a:solidFill>
+                  <a:schemeClr val="bg1"/>
+                </a:solidFill>
+                <a:effectLst>
+                  <a:glow rad="139700">
+                    <a:schemeClr val="accent1">
+                      <a:satMod val="175000"/>
+                      <a:alpha val="40000"/>
+                    </a:schemeClr>
+                  </a:glow>
+                </a:effectLst>
+                <a:latin typeface="Microsoft JhengHei" panose="020B0604030504040204" pitchFamily="34" charset="-120"/>
+                <a:ea typeface="Microsoft JhengHei" panose="020B0604030504040204" pitchFamily="34" charset="-120"/>
+              </a:rPr>
+              <a:t>圖形化</a:t>
+            </a:r>
+            <a:r>
+              <a:rPr lang="en-US" altLang="zh-TW" sz="2800" b="1" dirty="0">
+                <a:solidFill>
+                  <a:schemeClr val="bg1"/>
+                </a:solidFill>
+                <a:effectLst>
+                  <a:glow rad="139700">
+                    <a:schemeClr val="accent1">
+                      <a:satMod val="175000"/>
+                      <a:alpha val="40000"/>
+                    </a:schemeClr>
+                  </a:glow>
+                </a:effectLst>
+                <a:latin typeface="Microsoft JhengHei" panose="020B0604030504040204" pitchFamily="34" charset="-120"/>
+                <a:ea typeface="Microsoft JhengHei" panose="020B0604030504040204" pitchFamily="34" charset="-120"/>
+              </a:rPr>
+              <a:t>Git:</a:t>
+            </a:r>
+          </a:p>
+          <a:p>
+            <a:pPr>
+              <a:lnSpc>
+                <a:spcPts val="4000"/>
+              </a:lnSpc>
+            </a:pPr>
+            <a:r>
+              <a:rPr lang="en-US" altLang="zh-TW" sz="2800" b="1" dirty="0" err="1">
+                <a:solidFill>
+                  <a:schemeClr val="bg1"/>
+                </a:solidFill>
+                <a:effectLst>
+                  <a:glow rad="139700">
+                    <a:schemeClr val="accent1">
+                      <a:satMod val="175000"/>
+                      <a:alpha val="40000"/>
+                    </a:schemeClr>
+                  </a:glow>
+                </a:effectLst>
+                <a:latin typeface="Microsoft JhengHei" panose="020B0604030504040204" pitchFamily="34" charset="-120"/>
+                <a:ea typeface="Microsoft JhengHei" panose="020B0604030504040204" pitchFamily="34" charset="-120"/>
+              </a:rPr>
+              <a:t>Windows:sourcetree</a:t>
+            </a:r>
             <a:endParaRPr lang="en-US" altLang="zh-TW" sz="2800" b="1" dirty="0">
               <a:solidFill>
                 <a:schemeClr val="bg1"/>
@@ -9006,84 +9194,23 @@
               </a:lnSpc>
             </a:pPr>
             <a:r>
-              <a:rPr lang="zh-TW" altLang="en-US" sz="2800" b="1" dirty="0">
-                <a:solidFill>
-                  <a:schemeClr val="bg1"/>
-                </a:solidFill>
-                <a:effectLst>
-                  <a:glow rad="139700">
-                    <a:schemeClr val="accent1">
-                      <a:satMod val="175000"/>
-                      <a:alpha val="40000"/>
-                    </a:schemeClr>
-                  </a:glow>
-                </a:effectLst>
-                <a:latin typeface="Microsoft JhengHei" panose="020B0604030504040204" pitchFamily="34" charset="-120"/>
-                <a:ea typeface="Microsoft JhengHei" panose="020B0604030504040204" pitchFamily="34" charset="-120"/>
-              </a:rPr>
-              <a:t>編輯器</a:t>
-            </a:r>
-            <a:r>
-              <a:rPr lang="en-US" altLang="zh-TW" sz="2800" b="1" dirty="0">
-                <a:solidFill>
-                  <a:schemeClr val="bg1"/>
-                </a:solidFill>
-                <a:effectLst>
-                  <a:glow rad="139700">
-                    <a:schemeClr val="accent1">
-                      <a:satMod val="175000"/>
-                      <a:alpha val="40000"/>
-                    </a:schemeClr>
-                  </a:glow>
-                </a:effectLst>
-                <a:latin typeface="Microsoft JhengHei" panose="020B0604030504040204" pitchFamily="34" charset="-120"/>
-                <a:ea typeface="Microsoft JhengHei" panose="020B0604030504040204" pitchFamily="34" charset="-120"/>
-              </a:rPr>
-              <a:t>:VS</a:t>
-            </a:r>
-            <a:r>
-              <a:rPr lang="zh-TW" altLang="en-US" sz="2800" b="1" dirty="0">
-                <a:solidFill>
-                  <a:schemeClr val="bg1"/>
-                </a:solidFill>
-                <a:effectLst>
-                  <a:glow rad="139700">
-                    <a:schemeClr val="accent1">
-                      <a:satMod val="175000"/>
-                      <a:alpha val="40000"/>
-                    </a:schemeClr>
-                  </a:glow>
-                </a:effectLst>
-                <a:latin typeface="Microsoft JhengHei" panose="020B0604030504040204" pitchFamily="34" charset="-120"/>
-                <a:ea typeface="Microsoft JhengHei" panose="020B0604030504040204" pitchFamily="34" charset="-120"/>
-              </a:rPr>
-              <a:t> </a:t>
-            </a:r>
-            <a:r>
-              <a:rPr lang="en-US" altLang="zh-TW" sz="2800" b="1" dirty="0">
-                <a:solidFill>
-                  <a:schemeClr val="bg1"/>
-                </a:solidFill>
-                <a:effectLst>
-                  <a:glow rad="139700">
-                    <a:schemeClr val="accent1">
-                      <a:satMod val="175000"/>
-                      <a:alpha val="40000"/>
-                    </a:schemeClr>
-                  </a:glow>
-                </a:effectLst>
-                <a:latin typeface="Microsoft JhengHei" panose="020B0604030504040204" pitchFamily="34" charset="-120"/>
-                <a:ea typeface="Microsoft JhengHei" panose="020B0604030504040204" pitchFamily="34" charset="-120"/>
-              </a:rPr>
-              <a:t>Code</a:t>
-            </a:r>
-          </a:p>
-          <a:p>
-            <a:pPr>
-              <a:lnSpc>
-                <a:spcPts val="4000"/>
-              </a:lnSpc>
-            </a:pPr>
+              <a:rPr lang="en-US" altLang="zh-TW" sz="2800" b="1" dirty="0" err="1">
+                <a:solidFill>
+                  <a:schemeClr val="bg1"/>
+                </a:solidFill>
+                <a:effectLst>
+                  <a:glow rad="139700">
+                    <a:schemeClr val="accent1">
+                      <a:satMod val="175000"/>
+                      <a:alpha val="40000"/>
+                    </a:schemeClr>
+                  </a:glow>
+                </a:effectLst>
+                <a:latin typeface="Microsoft JhengHei" panose="020B0604030504040204" pitchFamily="34" charset="-120"/>
+                <a:ea typeface="Microsoft JhengHei" panose="020B0604030504040204" pitchFamily="34" charset="-120"/>
+              </a:rPr>
+              <a:t>Linux:GitKraken</a:t>
+            </a:r>
             <a:endParaRPr lang="en-US" altLang="zh-TW" sz="2800" b="1" dirty="0">
               <a:solidFill>
                 <a:schemeClr val="bg1"/>
@@ -9099,186 +9226,6 @@
               <a:latin typeface="Microsoft JhengHei" panose="020B0604030504040204" pitchFamily="34" charset="-120"/>
               <a:ea typeface="Microsoft JhengHei" panose="020B0604030504040204" pitchFamily="34" charset="-120"/>
             </a:endParaRPr>
-          </a:p>
-          <a:p>
-            <a:pPr>
-              <a:lnSpc>
-                <a:spcPts val="4000"/>
-              </a:lnSpc>
-            </a:pPr>
-            <a:r>
-              <a:rPr lang="en-US" altLang="zh-TW" sz="2800" b="1" dirty="0">
-                <a:solidFill>
-                  <a:schemeClr val="bg1"/>
-                </a:solidFill>
-                <a:effectLst>
-                  <a:glow rad="139700">
-                    <a:schemeClr val="accent1">
-                      <a:satMod val="175000"/>
-                      <a:alpha val="40000"/>
-                    </a:schemeClr>
-                  </a:glow>
-                </a:effectLst>
-                <a:latin typeface="Microsoft JhengHei" panose="020B0604030504040204" pitchFamily="34" charset="-120"/>
-                <a:ea typeface="Microsoft JhengHei" panose="020B0604030504040204" pitchFamily="34" charset="-120"/>
-              </a:rPr>
-              <a:t>selenium</a:t>
-            </a:r>
-            <a:r>
-              <a:rPr lang="zh-TW" altLang="en-US" sz="2800" b="1" dirty="0">
-                <a:solidFill>
-                  <a:schemeClr val="bg1"/>
-                </a:solidFill>
-                <a:effectLst>
-                  <a:glow rad="139700">
-                    <a:schemeClr val="accent1">
-                      <a:satMod val="175000"/>
-                      <a:alpha val="40000"/>
-                    </a:schemeClr>
-                  </a:glow>
-                </a:effectLst>
-                <a:latin typeface="Microsoft JhengHei" panose="020B0604030504040204" pitchFamily="34" charset="-120"/>
-                <a:ea typeface="Microsoft JhengHei" panose="020B0604030504040204" pitchFamily="34" charset="-120"/>
-              </a:rPr>
-              <a:t> </a:t>
-            </a:r>
-            <a:r>
-              <a:rPr lang="en-US" altLang="zh-TW" sz="2800" b="1" dirty="0" err="1">
-                <a:solidFill>
-                  <a:schemeClr val="bg1"/>
-                </a:solidFill>
-                <a:effectLst>
-                  <a:glow rad="139700">
-                    <a:schemeClr val="accent1">
-                      <a:satMod val="175000"/>
-                      <a:alpha val="40000"/>
-                    </a:schemeClr>
-                  </a:glow>
-                </a:effectLst>
-                <a:latin typeface="Microsoft JhengHei" panose="020B0604030504040204" pitchFamily="34" charset="-120"/>
-                <a:ea typeface="Microsoft JhengHei" panose="020B0604030504040204" pitchFamily="34" charset="-120"/>
-              </a:rPr>
-              <a:t>webdriver</a:t>
-            </a:r>
-            <a:r>
-              <a:rPr lang="zh-TW" altLang="en-US" sz="2800" b="1" dirty="0">
-                <a:solidFill>
-                  <a:schemeClr val="bg1"/>
-                </a:solidFill>
-                <a:effectLst>
-                  <a:glow rad="139700">
-                    <a:schemeClr val="accent1">
-                      <a:satMod val="175000"/>
-                      <a:alpha val="40000"/>
-                    </a:schemeClr>
-                  </a:glow>
-                </a:effectLst>
-                <a:latin typeface="Microsoft JhengHei" panose="020B0604030504040204" pitchFamily="34" charset="-120"/>
-                <a:ea typeface="Microsoft JhengHei" panose="020B0604030504040204" pitchFamily="34" charset="-120"/>
-              </a:rPr>
-              <a:t>使用</a:t>
-            </a:r>
-            <a:r>
-              <a:rPr lang="en-US" altLang="zh-TW" sz="2800" b="1" dirty="0">
-                <a:solidFill>
-                  <a:schemeClr val="bg1"/>
-                </a:solidFill>
-                <a:effectLst>
-                  <a:glow rad="139700">
-                    <a:schemeClr val="accent1">
-                      <a:satMod val="175000"/>
-                      <a:alpha val="40000"/>
-                    </a:schemeClr>
-                  </a:glow>
-                </a:effectLst>
-                <a:latin typeface="Microsoft JhengHei" panose="020B0604030504040204" pitchFamily="34" charset="-120"/>
-                <a:ea typeface="Microsoft JhengHei" panose="020B0604030504040204" pitchFamily="34" charset="-120"/>
-              </a:rPr>
-              <a:t>:google chrome</a:t>
-            </a:r>
-          </a:p>
-          <a:p>
-            <a:pPr>
-              <a:lnSpc>
-                <a:spcPts val="4000"/>
-              </a:lnSpc>
-            </a:pPr>
-            <a:endParaRPr lang="en-US" altLang="zh-TW" sz="2800" b="1" dirty="0">
-              <a:solidFill>
-                <a:schemeClr val="bg1"/>
-              </a:solidFill>
-              <a:effectLst>
-                <a:glow rad="139700">
-                  <a:schemeClr val="accent1">
-                    <a:satMod val="175000"/>
-                    <a:alpha val="40000"/>
-                  </a:schemeClr>
-                </a:glow>
-              </a:effectLst>
-              <a:latin typeface="Microsoft JhengHei" panose="020B0604030504040204" pitchFamily="34" charset="-120"/>
-              <a:ea typeface="Microsoft JhengHei" panose="020B0604030504040204" pitchFamily="34" charset="-120"/>
-            </a:endParaRPr>
-          </a:p>
-          <a:p>
-            <a:pPr>
-              <a:lnSpc>
-                <a:spcPts val="4000"/>
-              </a:lnSpc>
-            </a:pPr>
-            <a:r>
-              <a:rPr lang="en-US" altLang="zh-TW" sz="2800" b="1" dirty="0">
-                <a:solidFill>
-                  <a:schemeClr val="bg1"/>
-                </a:solidFill>
-                <a:effectLst>
-                  <a:glow rad="139700">
-                    <a:schemeClr val="accent1">
-                      <a:satMod val="175000"/>
-                      <a:alpha val="40000"/>
-                    </a:schemeClr>
-                  </a:glow>
-                </a:effectLst>
-                <a:latin typeface="Microsoft JhengHei" panose="020B0604030504040204" pitchFamily="34" charset="-120"/>
-                <a:ea typeface="Microsoft JhengHei" panose="020B0604030504040204" pitchFamily="34" charset="-120"/>
-              </a:rPr>
-              <a:t>UI</a:t>
-            </a:r>
-            <a:r>
-              <a:rPr lang="zh-TW" altLang="en-US" sz="2800" b="1" dirty="0">
-                <a:solidFill>
-                  <a:schemeClr val="bg1"/>
-                </a:solidFill>
-                <a:effectLst>
-                  <a:glow rad="139700">
-                    <a:schemeClr val="accent1">
-                      <a:satMod val="175000"/>
-                      <a:alpha val="40000"/>
-                    </a:schemeClr>
-                  </a:glow>
-                </a:effectLst>
-                <a:latin typeface="Microsoft JhengHei" panose="020B0604030504040204" pitchFamily="34" charset="-120"/>
-                <a:ea typeface="Microsoft JhengHei" panose="020B0604030504040204" pitchFamily="34" charset="-120"/>
-              </a:rPr>
-              <a:t>輔助設計</a:t>
-            </a:r>
-            <a:r>
-              <a:rPr lang="en-US" altLang="zh-TW" sz="2800" b="1" dirty="0">
-                <a:solidFill>
-                  <a:schemeClr val="bg1"/>
-                </a:solidFill>
-                <a:effectLst>
-                  <a:glow rad="139700">
-                    <a:schemeClr val="accent1">
-                      <a:satMod val="175000"/>
-                      <a:alpha val="40000"/>
-                    </a:schemeClr>
-                  </a:glow>
-                </a:effectLst>
-                <a:latin typeface="Microsoft JhengHei" panose="020B0604030504040204" pitchFamily="34" charset="-120"/>
-                <a:ea typeface="Microsoft JhengHei" panose="020B0604030504040204" pitchFamily="34" charset="-120"/>
-              </a:rPr>
-              <a:t>:PAGE</a:t>
-            </a:r>
           </a:p>
         </p:txBody>
       </p:sp>
